--- a/presentation.pptx
+++ b/presentation.pptx
@@ -2,15 +2,16 @@
 <file path=ppt/presentation.xml><?xml version="1.0" encoding="utf-8"?>
 <p:presentation xmlns:a="http://schemas.openxmlformats.org/drawingml/2006/main" xmlns:r="http://schemas.openxmlformats.org/officeDocument/2006/relationships" xmlns:p="http://schemas.openxmlformats.org/presentationml/2006/main" saveSubsetFonts="1">
   <p:sldMasterIdLst>
-    <p:sldMasterId id="2147483738" r:id="rId1"/>
+    <p:sldMasterId id="2147483756" r:id="rId1"/>
   </p:sldMasterIdLst>
   <p:sldIdLst>
     <p:sldId id="256" r:id="rId2"/>
     <p:sldId id="257" r:id="rId3"/>
     <p:sldId id="258" r:id="rId4"/>
     <p:sldId id="260" r:id="rId5"/>
-    <p:sldId id="261" r:id="rId6"/>
-    <p:sldId id="259" r:id="rId7"/>
+    <p:sldId id="262" r:id="rId6"/>
+    <p:sldId id="261" r:id="rId7"/>
+    <p:sldId id="259" r:id="rId8"/>
   </p:sldIdLst>
   <p:sldSz cx="12192000" cy="6858000"/>
   <p:notesSz cx="6858000" cy="9144000"/>
@@ -109,6 +110,11 @@
       </a:defRPr>
     </a:lvl9pPr>
   </p:defaultTextStyle>
+  <p:extLst>
+    <p:ext uri="{EFAFB233-063F-42B5-8137-9DF3F51BA10A}">
+      <p15:sldGuideLst xmlns:p15="http://schemas.microsoft.com/office/powerpoint/2012/main"/>
+    </p:ext>
+  </p:extLst>
 </p:presentation>
 </file>
 
@@ -197,8 +203,9 @@
                 <a:schemeClr val="tx2"/>
               </a:gs>
               <a:gs pos="100000">
-                <a:schemeClr val="tx2">
-                  <a:lumMod val="75000"/>
+                <a:schemeClr val="bg2">
+                  <a:lumMod val="60000"/>
+                  <a:lumOff val="40000"/>
                 </a:schemeClr>
               </a:gs>
             </a:gsLst>
@@ -4326,7 +4333,7 @@
               <a:buNone/>
               <a:defRPr sz="2000" cap="all" baseline="0">
                 <a:solidFill>
-                  <a:schemeClr val="accent2"/>
+                  <a:schemeClr val="tx2"/>
                 </a:solidFill>
               </a:defRPr>
             </a:lvl1pPr>
@@ -4455,7 +4462,7 @@
     </p:spTree>
     <p:extLst>
       <p:ext uri="{BB962C8B-B14F-4D97-AF65-F5344CB8AC3E}">
-        <p14:creationId xmlns:p14="http://schemas.microsoft.com/office/powerpoint/2010/main" val="3463136465"/>
+        <p14:creationId xmlns:p14="http://schemas.microsoft.com/office/powerpoint/2010/main" val="1481566969"/>
       </p:ext>
     </p:extLst>
   </p:cSld>
@@ -4712,7 +4719,7 @@
     </p:spTree>
     <p:extLst>
       <p:ext uri="{BB962C8B-B14F-4D97-AF65-F5344CB8AC3E}">
-        <p14:creationId xmlns:p14="http://schemas.microsoft.com/office/powerpoint/2010/main" val="1481532839"/>
+        <p14:creationId xmlns:p14="http://schemas.microsoft.com/office/powerpoint/2010/main" val="207261695"/>
       </p:ext>
     </p:extLst>
   </p:cSld>
@@ -4908,7 +4915,7 @@
     </p:spTree>
     <p:extLst>
       <p:ext uri="{BB962C8B-B14F-4D97-AF65-F5344CB8AC3E}">
-        <p14:creationId xmlns:p14="http://schemas.microsoft.com/office/powerpoint/2010/main" val="1931152528"/>
+        <p14:creationId xmlns:p14="http://schemas.microsoft.com/office/powerpoint/2010/main" val="1219265575"/>
       </p:ext>
     </p:extLst>
   </p:cSld>
@@ -5409,7 +5416,7 @@
     </p:spTree>
     <p:extLst>
       <p:ext uri="{BB962C8B-B14F-4D97-AF65-F5344CB8AC3E}">
-        <p14:creationId xmlns:p14="http://schemas.microsoft.com/office/powerpoint/2010/main" val="2527306807"/>
+        <p14:creationId xmlns:p14="http://schemas.microsoft.com/office/powerpoint/2010/main" val="761760973"/>
       </p:ext>
     </p:extLst>
   </p:cSld>
@@ -5605,7 +5612,7 @@
     </p:spTree>
     <p:extLst>
       <p:ext uri="{BB962C8B-B14F-4D97-AF65-F5344CB8AC3E}">
-        <p14:creationId xmlns:p14="http://schemas.microsoft.com/office/powerpoint/2010/main" val="1680820141"/>
+        <p14:creationId xmlns:p14="http://schemas.microsoft.com/office/powerpoint/2010/main" val="2513748496"/>
       </p:ext>
     </p:extLst>
   </p:cSld>
@@ -6151,7 +6158,7 @@
     </p:spTree>
     <p:extLst>
       <p:ext uri="{BB962C8B-B14F-4D97-AF65-F5344CB8AC3E}">
-        <p14:creationId xmlns:p14="http://schemas.microsoft.com/office/powerpoint/2010/main" val="431553673"/>
+        <p14:creationId xmlns:p14="http://schemas.microsoft.com/office/powerpoint/2010/main" val="3435027361"/>
       </p:ext>
     </p:extLst>
   </p:cSld>
@@ -6871,7 +6878,7 @@
     </p:spTree>
     <p:extLst>
       <p:ext uri="{BB962C8B-B14F-4D97-AF65-F5344CB8AC3E}">
-        <p14:creationId xmlns:p14="http://schemas.microsoft.com/office/powerpoint/2010/main" val="208654310"/>
+        <p14:creationId xmlns:p14="http://schemas.microsoft.com/office/powerpoint/2010/main" val="3059419454"/>
       </p:ext>
     </p:extLst>
   </p:cSld>
@@ -7041,7 +7048,7 @@
     </p:spTree>
     <p:extLst>
       <p:ext uri="{BB962C8B-B14F-4D97-AF65-F5344CB8AC3E}">
-        <p14:creationId xmlns:p14="http://schemas.microsoft.com/office/powerpoint/2010/main" val="3212535661"/>
+        <p14:creationId xmlns:p14="http://schemas.microsoft.com/office/powerpoint/2010/main" val="1966821328"/>
       </p:ext>
     </p:extLst>
   </p:cSld>
@@ -7221,7 +7228,7 @@
     </p:spTree>
     <p:extLst>
       <p:ext uri="{BB962C8B-B14F-4D97-AF65-F5344CB8AC3E}">
-        <p14:creationId xmlns:p14="http://schemas.microsoft.com/office/powerpoint/2010/main" val="1739073424"/>
+        <p14:creationId xmlns:p14="http://schemas.microsoft.com/office/powerpoint/2010/main" val="2894540486"/>
       </p:ext>
     </p:extLst>
   </p:cSld>
@@ -7391,7 +7398,7 @@
     </p:spTree>
     <p:extLst>
       <p:ext uri="{BB962C8B-B14F-4D97-AF65-F5344CB8AC3E}">
-        <p14:creationId xmlns:p14="http://schemas.microsoft.com/office/powerpoint/2010/main" val="1324190313"/>
+        <p14:creationId xmlns:p14="http://schemas.microsoft.com/office/powerpoint/2010/main" val="472435940"/>
       </p:ext>
     </p:extLst>
   </p:cSld>
@@ -7641,7 +7648,7 @@
     </p:spTree>
     <p:extLst>
       <p:ext uri="{BB962C8B-B14F-4D97-AF65-F5344CB8AC3E}">
-        <p14:creationId xmlns:p14="http://schemas.microsoft.com/office/powerpoint/2010/main" val="3674472820"/>
+        <p14:creationId xmlns:p14="http://schemas.microsoft.com/office/powerpoint/2010/main" val="644108402"/>
       </p:ext>
     </p:extLst>
   </p:cSld>
@@ -7873,7 +7880,7 @@
     </p:spTree>
     <p:extLst>
       <p:ext uri="{BB962C8B-B14F-4D97-AF65-F5344CB8AC3E}">
-        <p14:creationId xmlns:p14="http://schemas.microsoft.com/office/powerpoint/2010/main" val="2519602225"/>
+        <p14:creationId xmlns:p14="http://schemas.microsoft.com/office/powerpoint/2010/main" val="3780758870"/>
       </p:ext>
     </p:extLst>
   </p:cSld>
@@ -8254,7 +8261,7 @@
     </p:spTree>
     <p:extLst>
       <p:ext uri="{BB962C8B-B14F-4D97-AF65-F5344CB8AC3E}">
-        <p14:creationId xmlns:p14="http://schemas.microsoft.com/office/powerpoint/2010/main" val="1155210872"/>
+        <p14:creationId xmlns:p14="http://schemas.microsoft.com/office/powerpoint/2010/main" val="150690938"/>
       </p:ext>
     </p:extLst>
   </p:cSld>
@@ -8372,7 +8379,7 @@
     </p:spTree>
     <p:extLst>
       <p:ext uri="{BB962C8B-B14F-4D97-AF65-F5344CB8AC3E}">
-        <p14:creationId xmlns:p14="http://schemas.microsoft.com/office/powerpoint/2010/main" val="951553359"/>
+        <p14:creationId xmlns:p14="http://schemas.microsoft.com/office/powerpoint/2010/main" val="238039906"/>
       </p:ext>
     </p:extLst>
   </p:cSld>
@@ -8467,7 +8474,7 @@
     </p:spTree>
     <p:extLst>
       <p:ext uri="{BB962C8B-B14F-4D97-AF65-F5344CB8AC3E}">
-        <p14:creationId xmlns:p14="http://schemas.microsoft.com/office/powerpoint/2010/main" val="2563875884"/>
+        <p14:creationId xmlns:p14="http://schemas.microsoft.com/office/powerpoint/2010/main" val="629543199"/>
       </p:ext>
     </p:extLst>
   </p:cSld>
@@ -8716,7 +8723,7 @@
     </p:spTree>
     <p:extLst>
       <p:ext uri="{BB962C8B-B14F-4D97-AF65-F5344CB8AC3E}">
-        <p14:creationId xmlns:p14="http://schemas.microsoft.com/office/powerpoint/2010/main" val="3585848249"/>
+        <p14:creationId xmlns:p14="http://schemas.microsoft.com/office/powerpoint/2010/main" val="2427316224"/>
       </p:ext>
     </p:extLst>
   </p:cSld>
@@ -8996,7 +9003,7 @@
     </p:spTree>
     <p:extLst>
       <p:ext uri="{BB962C8B-B14F-4D97-AF65-F5344CB8AC3E}">
-        <p14:creationId xmlns:p14="http://schemas.microsoft.com/office/powerpoint/2010/main" val="3674266830"/>
+        <p14:creationId xmlns:p14="http://schemas.microsoft.com/office/powerpoint/2010/main" val="2569774044"/>
       </p:ext>
     </p:extLst>
   </p:cSld>
@@ -9090,20 +9097,6 @@
             <a:chOff x="-14288" y="0"/>
             <a:chExt cx="12053888" cy="6858001"/>
           </a:xfrm>
-          <a:gradFill flip="none" rotWithShape="1">
-            <a:gsLst>
-              <a:gs pos="0">
-                <a:schemeClr val="tx2"/>
-              </a:gs>
-              <a:gs pos="100000">
-                <a:schemeClr val="tx2">
-                  <a:lumMod val="50000"/>
-                </a:schemeClr>
-              </a:gs>
-            </a:gsLst>
-            <a:lin ang="5400000" scaled="0"/>
-            <a:tileRect/>
-          </a:gradFill>
         </p:grpSpPr>
         <p:grpSp>
           <p:nvGrpSpPr>
@@ -9118,7 +9111,21 @@
               <a:chOff x="-14288" y="0"/>
               <a:chExt cx="1220788" cy="6858001"/>
             </a:xfrm>
-            <a:grpFill/>
+            <a:gradFill flip="none" rotWithShape="1">
+              <a:gsLst>
+                <a:gs pos="0">
+                  <a:schemeClr val="tx2"/>
+                </a:gs>
+                <a:gs pos="100000">
+                  <a:schemeClr val="bg2">
+                    <a:lumMod val="60000"/>
+                    <a:lumOff val="40000"/>
+                  </a:schemeClr>
+                </a:gs>
+              </a:gsLst>
+              <a:lin ang="5400000" scaled="0"/>
+              <a:tileRect/>
+            </a:gradFill>
           </p:grpSpPr>
           <p:sp>
             <p:nvSpPr>
@@ -11107,7 +11114,24 @@
               <a:chOff x="11364912" y="0"/>
               <a:chExt cx="674688" cy="6848476"/>
             </a:xfrm>
-            <a:grpFill/>
+            <a:gradFill flip="none" rotWithShape="1">
+              <a:gsLst>
+                <a:gs pos="0">
+                  <a:schemeClr val="tx2">
+                    <a:alpha val="80000"/>
+                  </a:schemeClr>
+                </a:gs>
+                <a:gs pos="100000">
+                  <a:schemeClr val="bg2">
+                    <a:lumMod val="60000"/>
+                    <a:lumOff val="40000"/>
+                    <a:alpha val="60000"/>
+                  </a:schemeClr>
+                </a:gs>
+              </a:gsLst>
+              <a:lin ang="5400000" scaled="0"/>
+              <a:tileRect/>
+            </a:gradFill>
           </p:grpSpPr>
           <p:sp>
             <p:nvSpPr>
@@ -12099,29 +12123,29 @@
     </p:spTree>
     <p:extLst>
       <p:ext uri="{BB962C8B-B14F-4D97-AF65-F5344CB8AC3E}">
-        <p14:creationId xmlns:p14="http://schemas.microsoft.com/office/powerpoint/2010/main" val="316415587"/>
+        <p14:creationId xmlns:p14="http://schemas.microsoft.com/office/powerpoint/2010/main" val="3811667968"/>
       </p:ext>
     </p:extLst>
   </p:cSld>
   <p:clrMap bg1="dk1" tx1="lt1" bg2="dk2" tx2="lt2" accent1="accent1" accent2="accent2" accent3="accent3" accent4="accent4" accent5="accent5" accent6="accent6" hlink="hlink" folHlink="folHlink"/>
   <p:sldLayoutIdLst>
-    <p:sldLayoutId id="2147483739" r:id="rId1"/>
-    <p:sldLayoutId id="2147483740" r:id="rId2"/>
-    <p:sldLayoutId id="2147483741" r:id="rId3"/>
-    <p:sldLayoutId id="2147483742" r:id="rId4"/>
-    <p:sldLayoutId id="2147483743" r:id="rId5"/>
-    <p:sldLayoutId id="2147483744" r:id="rId6"/>
-    <p:sldLayoutId id="2147483745" r:id="rId7"/>
-    <p:sldLayoutId id="2147483746" r:id="rId8"/>
-    <p:sldLayoutId id="2147483747" r:id="rId9"/>
-    <p:sldLayoutId id="2147483748" r:id="rId10"/>
-    <p:sldLayoutId id="2147483749" r:id="rId11"/>
-    <p:sldLayoutId id="2147483750" r:id="rId12"/>
-    <p:sldLayoutId id="2147483751" r:id="rId13"/>
-    <p:sldLayoutId id="2147483752" r:id="rId14"/>
-    <p:sldLayoutId id="2147483753" r:id="rId15"/>
-    <p:sldLayoutId id="2147483754" r:id="rId16"/>
-    <p:sldLayoutId id="2147483755" r:id="rId17"/>
+    <p:sldLayoutId id="2147483757" r:id="rId1"/>
+    <p:sldLayoutId id="2147483758" r:id="rId2"/>
+    <p:sldLayoutId id="2147483759" r:id="rId3"/>
+    <p:sldLayoutId id="2147483760" r:id="rId4"/>
+    <p:sldLayoutId id="2147483761" r:id="rId5"/>
+    <p:sldLayoutId id="2147483762" r:id="rId6"/>
+    <p:sldLayoutId id="2147483763" r:id="rId7"/>
+    <p:sldLayoutId id="2147483764" r:id="rId8"/>
+    <p:sldLayoutId id="2147483765" r:id="rId9"/>
+    <p:sldLayoutId id="2147483766" r:id="rId10"/>
+    <p:sldLayoutId id="2147483767" r:id="rId11"/>
+    <p:sldLayoutId id="2147483768" r:id="rId12"/>
+    <p:sldLayoutId id="2147483769" r:id="rId13"/>
+    <p:sldLayoutId id="2147483770" r:id="rId14"/>
+    <p:sldLayoutId id="2147483771" r:id="rId15"/>
+    <p:sldLayoutId id="2147483772" r:id="rId16"/>
+    <p:sldLayoutId id="2147483773" r:id="rId17"/>
   </p:sldLayoutIdLst>
   <p:txStyles>
     <p:titleStyle>
@@ -12137,6 +12161,13 @@
           <a:solidFill>
             <a:schemeClr val="tx1"/>
           </a:solidFill>
+          <a:effectLst>
+            <a:outerShdw blurRad="177800" dist="38100" dir="2700000" algn="tl">
+              <a:srgbClr val="000000">
+                <a:alpha val="24000"/>
+              </a:srgbClr>
+            </a:outerShdw>
+          </a:effectLst>
           <a:latin typeface="+mj-lt"/>
           <a:ea typeface="+mj-ea"/>
           <a:cs typeface="+mj-cs"/>
@@ -12158,6 +12189,13 @@
           <a:solidFill>
             <a:schemeClr val="tx1"/>
           </a:solidFill>
+          <a:effectLst>
+            <a:outerShdw blurRad="152400" dist="38100" dir="2700000" algn="tl">
+              <a:srgbClr val="000000">
+                <a:alpha val="36000"/>
+              </a:srgbClr>
+            </a:outerShdw>
+          </a:effectLst>
           <a:latin typeface="+mn-lt"/>
           <a:ea typeface="+mn-ea"/>
           <a:cs typeface="+mn-cs"/>
@@ -12177,6 +12215,13 @@
           <a:solidFill>
             <a:schemeClr val="tx1"/>
           </a:solidFill>
+          <a:effectLst>
+            <a:outerShdw blurRad="152400" dist="38100" dir="2700000" algn="tl">
+              <a:srgbClr val="000000">
+                <a:alpha val="36000"/>
+              </a:srgbClr>
+            </a:outerShdw>
+          </a:effectLst>
           <a:latin typeface="+mn-lt"/>
           <a:ea typeface="+mn-ea"/>
           <a:cs typeface="+mn-cs"/>
@@ -12196,6 +12241,13 @@
           <a:solidFill>
             <a:schemeClr val="tx1"/>
           </a:solidFill>
+          <a:effectLst>
+            <a:outerShdw blurRad="152400" dist="38100" dir="2700000" algn="tl">
+              <a:srgbClr val="000000">
+                <a:alpha val="36000"/>
+              </a:srgbClr>
+            </a:outerShdw>
+          </a:effectLst>
           <a:latin typeface="+mn-lt"/>
           <a:ea typeface="+mn-ea"/>
           <a:cs typeface="+mn-cs"/>
@@ -12215,6 +12267,13 @@
           <a:solidFill>
             <a:schemeClr val="tx1"/>
           </a:solidFill>
+          <a:effectLst>
+            <a:outerShdw blurRad="152400" dist="38100" dir="2700000" algn="tl">
+              <a:srgbClr val="000000">
+                <a:alpha val="36000"/>
+              </a:srgbClr>
+            </a:outerShdw>
+          </a:effectLst>
           <a:latin typeface="+mn-lt"/>
           <a:ea typeface="+mn-ea"/>
           <a:cs typeface="+mn-cs"/>
@@ -12234,6 +12293,13 @@
           <a:solidFill>
             <a:schemeClr val="tx1"/>
           </a:solidFill>
+          <a:effectLst>
+            <a:outerShdw blurRad="152400" dist="38100" dir="2700000" algn="tl">
+              <a:srgbClr val="000000">
+                <a:alpha val="36000"/>
+              </a:srgbClr>
+            </a:outerShdw>
+          </a:effectLst>
           <a:latin typeface="+mn-lt"/>
           <a:ea typeface="+mn-ea"/>
           <a:cs typeface="+mn-cs"/>
@@ -12595,7 +12661,11 @@
           <a:bodyPr/>
           <a:lstStyle/>
           <a:p>
-            <a:endParaRPr lang="hu-HU" dirty="0"/>
+            <a:pPr algn="ctr"/>
+            <a:r>
+              <a:rPr lang="hu-HU" dirty="0"/>
+              <a:t>Bevezetés</a:t>
+            </a:r>
           </a:p>
         </p:txBody>
       </p:sp>
@@ -12617,10 +12687,156 @@
         </p:nvSpPr>
         <p:spPr/>
         <p:txBody>
-          <a:bodyPr/>
+          <a:bodyPr>
+            <a:normAutofit fontScale="92500" lnSpcReduction="10000"/>
+          </a:bodyPr>
           <a:lstStyle/>
           <a:p>
-            <a:endParaRPr lang="hu-HU" dirty="0"/>
+            <a:r>
+              <a:rPr lang="hu-HU" dirty="0">
+                <a:solidFill>
+                  <a:schemeClr val="bg1"/>
+                </a:solidFill>
+              </a:rPr>
+              <a:t>A DEM és a DSM modellek érzékenyek hibákra</a:t>
+            </a:r>
+          </a:p>
+          <a:p>
+            <a:r>
+              <a:rPr lang="hu-HU" dirty="0">
+                <a:solidFill>
+                  <a:schemeClr val="bg1"/>
+                </a:solidFill>
+              </a:rPr>
+              <a:t>Új metódus a felszíni pontok megkülönböztetésére</a:t>
+            </a:r>
+          </a:p>
+          <a:p>
+            <a:r>
+              <a:rPr lang="hu-HU" dirty="0">
+                <a:solidFill>
+                  <a:schemeClr val="bg1"/>
+                </a:solidFill>
+              </a:rPr>
+              <a:t>A folyamat részei: </a:t>
+            </a:r>
+            <a:r>
+              <a:rPr lang="hu-HU" dirty="0" err="1">
+                <a:solidFill>
+                  <a:schemeClr val="bg1"/>
+                </a:solidFill>
+              </a:rPr>
+              <a:t>pre</a:t>
+            </a:r>
+            <a:r>
+              <a:rPr lang="hu-HU" dirty="0">
+                <a:solidFill>
+                  <a:schemeClr val="bg1"/>
+                </a:solidFill>
+              </a:rPr>
+              <a:t>-processzálás, felszíni pontok </a:t>
+            </a:r>
+            <a:r>
+              <a:rPr lang="hu-HU" dirty="0" err="1">
+                <a:solidFill>
+                  <a:schemeClr val="bg1"/>
+                </a:solidFill>
+              </a:rPr>
+              <a:t>pontok</a:t>
+            </a:r>
+            <a:r>
+              <a:rPr lang="hu-HU" dirty="0">
+                <a:solidFill>
+                  <a:schemeClr val="bg1"/>
+                </a:solidFill>
+              </a:rPr>
+              <a:t> megkülönböztetése a nem felszíniektől, </a:t>
+            </a:r>
+            <a:r>
+              <a:rPr lang="hu-HU" dirty="0" err="1">
+                <a:solidFill>
+                  <a:schemeClr val="bg1"/>
+                </a:solidFill>
+              </a:rPr>
+              <a:t>dem</a:t>
+            </a:r>
+            <a:r>
+              <a:rPr lang="hu-HU" dirty="0">
+                <a:solidFill>
+                  <a:schemeClr val="bg1"/>
+                </a:solidFill>
+              </a:rPr>
+              <a:t> generálás, határvonalak meghatározása</a:t>
+            </a:r>
+          </a:p>
+          <a:p>
+            <a:r>
+              <a:rPr lang="hu-HU" dirty="0">
+                <a:solidFill>
+                  <a:schemeClr val="bg1"/>
+                </a:solidFill>
+              </a:rPr>
+              <a:t>Megkülönböztetés: problémás, szükség van egy </a:t>
+            </a:r>
+            <a:r>
+              <a:rPr lang="hu-HU" dirty="0" err="1">
+                <a:solidFill>
+                  <a:schemeClr val="bg1"/>
+                </a:solidFill>
+              </a:rPr>
+              <a:t>filterező</a:t>
+            </a:r>
+            <a:r>
+              <a:rPr lang="hu-HU" dirty="0">
+                <a:solidFill>
+                  <a:schemeClr val="bg1"/>
+                </a:solidFill>
+              </a:rPr>
+              <a:t> algoritmusra</a:t>
+            </a:r>
+          </a:p>
+          <a:p>
+            <a:r>
+              <a:rPr lang="hu-HU" dirty="0">
+                <a:solidFill>
+                  <a:schemeClr val="bg1"/>
+                </a:solidFill>
+              </a:rPr>
+              <a:t>Ötletek: lineáris </a:t>
+            </a:r>
+            <a:r>
+              <a:rPr lang="hu-HU" dirty="0" err="1">
+                <a:solidFill>
+                  <a:schemeClr val="bg1"/>
+                </a:solidFill>
+              </a:rPr>
+              <a:t>predikció</a:t>
+            </a:r>
+            <a:r>
+              <a:rPr lang="hu-HU" dirty="0">
+                <a:solidFill>
+                  <a:schemeClr val="bg1"/>
+                </a:solidFill>
+              </a:rPr>
+              <a:t> (interpolációt használ), magasságok homogenitása</a:t>
+            </a:r>
+          </a:p>
+          <a:p>
+            <a:r>
+              <a:rPr lang="hu-HU" dirty="0">
+                <a:solidFill>
+                  <a:schemeClr val="bg1"/>
+                </a:solidFill>
+              </a:rPr>
+              <a:t>2 adathalmaz Texas állam, Harris megyéjéből</a:t>
+            </a:r>
+          </a:p>
+          <a:p>
+            <a:endParaRPr lang="hu-HU" dirty="0">
+              <a:solidFill>
+                <a:schemeClr val="bg1"/>
+              </a:solidFill>
+            </a:endParaRPr>
           </a:p>
         </p:txBody>
       </p:sp>
@@ -12675,7 +12891,15 @@
           <a:bodyPr/>
           <a:lstStyle/>
           <a:p>
-            <a:endParaRPr lang="hu-HU" dirty="0"/>
+            <a:pPr algn="ctr"/>
+            <a:r>
+              <a:rPr lang="hu-HU" dirty="0" err="1"/>
+              <a:t>Lidar</a:t>
+            </a:r>
+            <a:r>
+              <a:rPr lang="hu-HU" dirty="0"/>
+              <a:t> adat szegmentálás</a:t>
+            </a:r>
           </a:p>
         </p:txBody>
       </p:sp>
@@ -12695,15 +12919,146 @@
             <p:ph idx="1"/>
           </p:nvPr>
         </p:nvSpPr>
-        <p:spPr/>
+        <p:spPr>
+          <a:xfrm>
+            <a:off x="1141412" y="2249486"/>
+            <a:ext cx="7080237" cy="4230827"/>
+          </a:xfrm>
+        </p:spPr>
         <p:txBody>
-          <a:bodyPr/>
+          <a:bodyPr>
+            <a:normAutofit fontScale="92500" lnSpcReduction="20000"/>
+          </a:bodyPr>
           <a:lstStyle/>
           <a:p>
-            <a:endParaRPr lang="hu-HU"/>
+            <a:r>
+              <a:rPr lang="hu-HU" dirty="0">
+                <a:solidFill>
+                  <a:schemeClr val="bg1"/>
+                </a:solidFill>
+              </a:rPr>
+              <a:t>Cél: a nem felszínhez tartozó pontok eliminálása</a:t>
+            </a:r>
+          </a:p>
+          <a:p>
+            <a:r>
+              <a:rPr lang="hu-HU" dirty="0">
+                <a:solidFill>
+                  <a:schemeClr val="bg1"/>
+                </a:solidFill>
+              </a:rPr>
+              <a:t>Szomszédos pontokból 3x3-as ablakkal sík felületet képezni, méret vizsgálattal minden egyes pontra</a:t>
+            </a:r>
+          </a:p>
+          <a:p>
+            <a:r>
+              <a:rPr lang="hu-HU" dirty="0">
+                <a:solidFill>
+                  <a:schemeClr val="bg1"/>
+                </a:solidFill>
+              </a:rPr>
+              <a:t>Vizsgálatok: RMS, magasság eltérés keresése a képzett felülettel</a:t>
+            </a:r>
+          </a:p>
+          <a:p>
+            <a:r>
+              <a:rPr lang="hu-HU" dirty="0">
+                <a:solidFill>
+                  <a:schemeClr val="bg1"/>
+                </a:solidFill>
+              </a:rPr>
+              <a:t>RMS: 30 cm-es küszöbbel (96%-os pontosság)</a:t>
+            </a:r>
+          </a:p>
+          <a:p>
+            <a:r>
+              <a:rPr lang="hu-HU" dirty="0">
+                <a:solidFill>
+                  <a:schemeClr val="bg1"/>
+                </a:solidFill>
+              </a:rPr>
+              <a:t>Könnyebb feldolgozás miatt itt </a:t>
+            </a:r>
+            <a:r>
+              <a:rPr lang="hu-HU" dirty="0" err="1">
+                <a:solidFill>
+                  <a:schemeClr val="bg1"/>
+                </a:solidFill>
+              </a:rPr>
+              <a:t>griddé</a:t>
+            </a:r>
+            <a:r>
+              <a:rPr lang="hu-HU" dirty="0">
+                <a:solidFill>
+                  <a:schemeClr val="bg1"/>
+                </a:solidFill>
+              </a:rPr>
+              <a:t> alakítják a pontokat</a:t>
+            </a:r>
+          </a:p>
+          <a:p>
+            <a:r>
+              <a:rPr lang="hu-HU" dirty="0">
+                <a:solidFill>
+                  <a:schemeClr val="bg1"/>
+                </a:solidFill>
+              </a:rPr>
+              <a:t>Minden pont eliminálva lesz, amelyekből képzett kapcsolódó sík felület nagyobb mint a legnagyobb vizsgált épület</a:t>
+            </a:r>
+          </a:p>
+          <a:p>
+            <a:endParaRPr lang="hu-HU" dirty="0">
+              <a:solidFill>
+                <a:schemeClr val="bg1"/>
+              </a:solidFill>
+            </a:endParaRPr>
+          </a:p>
+          <a:p>
+            <a:endParaRPr lang="hu-HU" dirty="0">
+              <a:solidFill>
+                <a:schemeClr val="bg1"/>
+              </a:solidFill>
+            </a:endParaRPr>
+          </a:p>
+          <a:p>
+            <a:endParaRPr lang="hu-HU" dirty="0">
+              <a:solidFill>
+                <a:schemeClr val="bg1"/>
+              </a:solidFill>
+            </a:endParaRPr>
           </a:p>
         </p:txBody>
       </p:sp>
+      <p:pic>
+        <p:nvPicPr>
+          <p:cNvPr id="5" name="Kép 4">
+            <a:extLst>
+              <a:ext uri="{FF2B5EF4-FFF2-40B4-BE49-F238E27FC236}">
+                <a16:creationId xmlns:a16="http://schemas.microsoft.com/office/drawing/2014/main" id="{10BEAB61-C4A7-4420-A2F7-E5607229B1AF}"/>
+              </a:ext>
+            </a:extLst>
+          </p:cNvPr>
+          <p:cNvPicPr>
+            <a:picLocks noChangeAspect="1"/>
+          </p:cNvPicPr>
+          <p:nvPr/>
+        </p:nvPicPr>
+        <p:blipFill>
+          <a:blip r:embed="rId2"/>
+          <a:stretch>
+            <a:fillRect/>
+          </a:stretch>
+        </p:blipFill>
+        <p:spPr>
+          <a:xfrm>
+            <a:off x="8221649" y="1648028"/>
+            <a:ext cx="3039016" cy="5007538"/>
+          </a:xfrm>
+          <a:prstGeom prst="rect">
+            <a:avLst/>
+          </a:prstGeom>
+        </p:spPr>
+      </p:pic>
     </p:spTree>
     <p:extLst>
       <p:ext uri="{BB962C8B-B14F-4D97-AF65-F5344CB8AC3E}">
@@ -12755,7 +13110,15 @@
           <a:bodyPr/>
           <a:lstStyle/>
           <a:p>
-            <a:endParaRPr lang="hu-HU" dirty="0"/>
+            <a:pPr algn="ctr"/>
+            <a:r>
+              <a:rPr lang="hu-HU" dirty="0" err="1"/>
+              <a:t>Dem</a:t>
+            </a:r>
+            <a:r>
+              <a:rPr lang="hu-HU" dirty="0"/>
+              <a:t> generálás és épület detektálás</a:t>
+            </a:r>
           </a:p>
         </p:txBody>
       </p:sp>
@@ -12777,10 +13140,148 @@
         </p:nvSpPr>
         <p:spPr/>
         <p:txBody>
-          <a:bodyPr/>
+          <a:bodyPr>
+            <a:normAutofit fontScale="92500"/>
+          </a:bodyPr>
           <a:lstStyle/>
           <a:p>
-            <a:endParaRPr lang="hu-HU"/>
+            <a:r>
+              <a:rPr lang="hu-HU" dirty="0">
+                <a:solidFill>
+                  <a:schemeClr val="bg1"/>
+                </a:solidFill>
+              </a:rPr>
+              <a:t>Lépések: </a:t>
+            </a:r>
+            <a:r>
+              <a:rPr lang="hu-HU" dirty="0" err="1">
+                <a:solidFill>
+                  <a:schemeClr val="bg1"/>
+                </a:solidFill>
+              </a:rPr>
+              <a:t>Triangulated</a:t>
+            </a:r>
+            <a:r>
+              <a:rPr lang="hu-HU" dirty="0">
+                <a:solidFill>
+                  <a:schemeClr val="bg1"/>
+                </a:solidFill>
+              </a:rPr>
+              <a:t> </a:t>
+            </a:r>
+            <a:r>
+              <a:rPr lang="hu-HU" dirty="0" err="1">
+                <a:solidFill>
+                  <a:schemeClr val="bg1"/>
+                </a:solidFill>
+              </a:rPr>
+              <a:t>Irregular</a:t>
+            </a:r>
+            <a:r>
+              <a:rPr lang="hu-HU" dirty="0">
+                <a:solidFill>
+                  <a:schemeClr val="bg1"/>
+                </a:solidFill>
+              </a:rPr>
+              <a:t> Network, DEM a TIN modellből</a:t>
+            </a:r>
+          </a:p>
+          <a:p>
+            <a:r>
+              <a:rPr lang="hu-HU" dirty="0">
+                <a:solidFill>
+                  <a:schemeClr val="bg1"/>
+                </a:solidFill>
+              </a:rPr>
+              <a:t>Finomítás: a DEM összehasonlítása az osztályozott pontokkal, az így módosított csoportok alapján a DEM </a:t>
+            </a:r>
+            <a:r>
+              <a:rPr lang="hu-HU" dirty="0" err="1">
+                <a:solidFill>
+                  <a:schemeClr val="bg1"/>
+                </a:solidFill>
+              </a:rPr>
+              <a:t>újragenerálása</a:t>
+            </a:r>
+            <a:r>
+              <a:rPr lang="hu-HU" dirty="0">
+                <a:solidFill>
+                  <a:schemeClr val="bg1"/>
+                </a:solidFill>
+              </a:rPr>
+              <a:t> (ismétlések)</a:t>
+            </a:r>
+          </a:p>
+          <a:p>
+            <a:pPr algn="l"/>
+            <a:r>
+              <a:rPr lang="hu-HU" dirty="0">
+                <a:solidFill>
+                  <a:schemeClr val="bg1"/>
+                </a:solidFill>
+              </a:rPr>
+              <a:t>Probléma: épületekre szűrés, Megoldás: NDSM (</a:t>
+            </a:r>
+            <a:r>
+              <a:rPr lang="hu-HU" sz="1800" b="0" i="0" u="none" strike="noStrike" baseline="0" dirty="0" err="1">
+                <a:solidFill>
+                  <a:schemeClr val="bg1"/>
+                </a:solidFill>
+                <a:latin typeface="Tw Cen MT (Szövegtörzs)"/>
+              </a:rPr>
+              <a:t>Normalized</a:t>
+            </a:r>
+            <a:r>
+              <a:rPr lang="hu-HU" sz="1800" b="0" i="0" u="none" strike="noStrike" baseline="0" dirty="0">
+                <a:solidFill>
+                  <a:schemeClr val="bg1"/>
+                </a:solidFill>
+                <a:latin typeface="Tw Cen MT (Szövegtörzs)"/>
+              </a:rPr>
+              <a:t> Digital Surface </a:t>
+            </a:r>
+            <a:r>
+              <a:rPr lang="hu-HU" sz="1800" b="0" i="0" u="none" strike="noStrike" baseline="0" dirty="0" err="1">
+                <a:solidFill>
+                  <a:schemeClr val="bg1"/>
+                </a:solidFill>
+                <a:latin typeface="Tw Cen MT (Szövegtörzs)"/>
+              </a:rPr>
+              <a:t>Model</a:t>
+            </a:r>
+            <a:r>
+              <a:rPr lang="hu-HU" dirty="0">
+                <a:solidFill>
+                  <a:schemeClr val="bg1"/>
+                </a:solidFill>
+                <a:latin typeface="Tw Cen MT (Szövegtörzs)"/>
+              </a:rPr>
+              <a:t>) </a:t>
+            </a:r>
+            <a:r>
+              <a:rPr lang="hu-HU" dirty="0">
+                <a:solidFill>
+                  <a:schemeClr val="bg1"/>
+                </a:solidFill>
+              </a:rPr>
+              <a:t>generálással</a:t>
+            </a:r>
+          </a:p>
+          <a:p>
+            <a:r>
+              <a:rPr lang="hu-HU" dirty="0">
+                <a:solidFill>
+                  <a:schemeClr val="bg1"/>
+                </a:solidFill>
+              </a:rPr>
+              <a:t>Szűrés: 3 m felett minden fának/épületnek számít, épületnek az számít melynek sík felülete nagyobb mint az előzetesen ismert legkisebb épület felülete</a:t>
+            </a:r>
+          </a:p>
+          <a:p>
+            <a:endParaRPr lang="hu-HU" dirty="0"/>
+          </a:p>
+          <a:p>
+            <a:endParaRPr lang="hu-HU" dirty="0"/>
           </a:p>
         </p:txBody>
       </p:sp>
@@ -12798,6 +13299,96 @@
 </file>
 
 <file path=ppt/slides/slide5.xml><?xml version="1.0" encoding="utf-8"?>
+<p:sld xmlns:a="http://schemas.openxmlformats.org/drawingml/2006/main" xmlns:r="http://schemas.openxmlformats.org/officeDocument/2006/relationships" xmlns:p="http://schemas.openxmlformats.org/presentationml/2006/main">
+  <p:cSld>
+    <p:spTree>
+      <p:nvGrpSpPr>
+        <p:cNvPr id="1" name=""/>
+        <p:cNvGrpSpPr/>
+        <p:nvPr/>
+      </p:nvGrpSpPr>
+      <p:grpSpPr>
+        <a:xfrm>
+          <a:off x="0" y="0"/>
+          <a:ext cx="0" cy="0"/>
+          <a:chOff x="0" y="0"/>
+          <a:chExt cx="0" cy="0"/>
+        </a:xfrm>
+      </p:grpSpPr>
+      <p:pic>
+        <p:nvPicPr>
+          <p:cNvPr id="5" name="Kép 4">
+            <a:extLst>
+              <a:ext uri="{FF2B5EF4-FFF2-40B4-BE49-F238E27FC236}">
+                <a16:creationId xmlns:a16="http://schemas.microsoft.com/office/drawing/2014/main" id="{041569E9-DEFB-CE71-E599-5209EA708F72}"/>
+              </a:ext>
+            </a:extLst>
+          </p:cNvPr>
+          <p:cNvPicPr>
+            <a:picLocks noChangeAspect="1"/>
+          </p:cNvPicPr>
+          <p:nvPr/>
+        </p:nvPicPr>
+        <p:blipFill>
+          <a:blip r:embed="rId2"/>
+          <a:stretch>
+            <a:fillRect/>
+          </a:stretch>
+        </p:blipFill>
+        <p:spPr>
+          <a:xfrm>
+            <a:off x="1352613" y="251969"/>
+            <a:ext cx="4429743" cy="6354062"/>
+          </a:xfrm>
+          <a:prstGeom prst="rect">
+            <a:avLst/>
+          </a:prstGeom>
+        </p:spPr>
+      </p:pic>
+      <p:pic>
+        <p:nvPicPr>
+          <p:cNvPr id="7" name="Kép 6">
+            <a:extLst>
+              <a:ext uri="{FF2B5EF4-FFF2-40B4-BE49-F238E27FC236}">
+                <a16:creationId xmlns:a16="http://schemas.microsoft.com/office/drawing/2014/main" id="{5C0A3828-E04C-B621-9E71-78BC7FA5819E}"/>
+              </a:ext>
+            </a:extLst>
+          </p:cNvPr>
+          <p:cNvPicPr>
+            <a:picLocks noChangeAspect="1"/>
+          </p:cNvPicPr>
+          <p:nvPr/>
+        </p:nvPicPr>
+        <p:blipFill>
+          <a:blip r:embed="rId3"/>
+          <a:stretch>
+            <a:fillRect/>
+          </a:stretch>
+        </p:blipFill>
+        <p:spPr>
+          <a:xfrm>
+            <a:off x="6457275" y="251969"/>
+            <a:ext cx="4382112" cy="6325483"/>
+          </a:xfrm>
+          <a:prstGeom prst="rect">
+            <a:avLst/>
+          </a:prstGeom>
+        </p:spPr>
+      </p:pic>
+    </p:spTree>
+    <p:extLst>
+      <p:ext uri="{BB962C8B-B14F-4D97-AF65-F5344CB8AC3E}">
+        <p14:creationId xmlns:p14="http://schemas.microsoft.com/office/powerpoint/2010/main" val="664270231"/>
+      </p:ext>
+    </p:extLst>
+  </p:cSld>
+  <p:clrMapOvr>
+    <a:masterClrMapping/>
+  </p:clrMapOvr>
+</p:sld>
+</file>
+
+<file path=ppt/slides/slide6.xml><?xml version="1.0" encoding="utf-8"?>
 <p:sld xmlns:a="http://schemas.openxmlformats.org/drawingml/2006/main" xmlns:r="http://schemas.openxmlformats.org/officeDocument/2006/relationships" xmlns:p="http://schemas.openxmlformats.org/presentationml/2006/main">
   <p:cSld>
     <p:spTree>
@@ -12835,7 +13426,11 @@
           <a:bodyPr/>
           <a:lstStyle/>
           <a:p>
-            <a:endParaRPr lang="hu-HU" dirty="0"/>
+            <a:pPr algn="ctr"/>
+            <a:r>
+              <a:rPr lang="hu-HU" dirty="0"/>
+              <a:t>Megvalósítás</a:t>
+            </a:r>
           </a:p>
         </p:txBody>
       </p:sp>
@@ -12860,7 +13455,159 @@
           <a:bodyPr/>
           <a:lstStyle/>
           <a:p>
-            <a:endParaRPr lang="hu-HU"/>
+            <a:r>
+              <a:rPr lang="hu-HU" dirty="0">
+                <a:solidFill>
+                  <a:schemeClr val="bg1"/>
+                </a:solidFill>
+              </a:rPr>
+              <a:t>Adat és/vagy gyorsaság függő</a:t>
+            </a:r>
+          </a:p>
+          <a:p>
+            <a:r>
+              <a:rPr lang="hu-HU" dirty="0">
+                <a:solidFill>
+                  <a:schemeClr val="bg1"/>
+                </a:solidFill>
+              </a:rPr>
+              <a:t>Cél: Python </a:t>
+            </a:r>
+            <a:r>
+              <a:rPr lang="hu-HU" dirty="0" err="1">
+                <a:solidFill>
+                  <a:schemeClr val="bg1"/>
+                </a:solidFill>
+              </a:rPr>
+              <a:t>libekkel</a:t>
+            </a:r>
+            <a:r>
+              <a:rPr lang="hu-HU" dirty="0">
+                <a:solidFill>
+                  <a:schemeClr val="bg1"/>
+                </a:solidFill>
+              </a:rPr>
+              <a:t>: </a:t>
+            </a:r>
+            <a:r>
+              <a:rPr lang="hu-HU" dirty="0" err="1">
+                <a:solidFill>
+                  <a:schemeClr val="bg1"/>
+                </a:solidFill>
+              </a:rPr>
+              <a:t>Laspy</a:t>
+            </a:r>
+            <a:r>
+              <a:rPr lang="hu-HU" dirty="0">
+                <a:solidFill>
+                  <a:schemeClr val="bg1"/>
+                </a:solidFill>
+              </a:rPr>
+              <a:t>, </a:t>
+            </a:r>
+            <a:r>
+              <a:rPr lang="hu-HU" dirty="0" err="1">
+                <a:solidFill>
+                  <a:schemeClr val="bg1"/>
+                </a:solidFill>
+              </a:rPr>
+              <a:t>PyLidar</a:t>
+            </a:r>
+            <a:r>
+              <a:rPr lang="hu-HU" dirty="0">
+                <a:solidFill>
+                  <a:schemeClr val="bg1"/>
+                </a:solidFill>
+              </a:rPr>
+              <a:t>, </a:t>
+            </a:r>
+            <a:r>
+              <a:rPr lang="hu-HU" dirty="0" err="1">
+                <a:solidFill>
+                  <a:schemeClr val="bg1"/>
+                </a:solidFill>
+              </a:rPr>
+              <a:t>lidar</a:t>
+            </a:r>
+            <a:endParaRPr lang="hu-HU" dirty="0">
+              <a:solidFill>
+                <a:schemeClr val="bg1"/>
+              </a:solidFill>
+            </a:endParaRPr>
+          </a:p>
+          <a:p>
+            <a:r>
+              <a:rPr lang="hu-HU" dirty="0">
+                <a:solidFill>
+                  <a:schemeClr val="bg1"/>
+                </a:solidFill>
+              </a:rPr>
+              <a:t>Ha lassúak lennének a </a:t>
+            </a:r>
+            <a:r>
+              <a:rPr lang="hu-HU" dirty="0" err="1">
+                <a:solidFill>
+                  <a:schemeClr val="bg1"/>
+                </a:solidFill>
+              </a:rPr>
+              <a:t>Pythonos</a:t>
+            </a:r>
+            <a:r>
+              <a:rPr lang="hu-HU" dirty="0">
+                <a:solidFill>
+                  <a:schemeClr val="bg1"/>
+                </a:solidFill>
+              </a:rPr>
+              <a:t> eszközök: C++ </a:t>
+            </a:r>
+            <a:r>
+              <a:rPr lang="hu-HU" dirty="0" err="1">
+                <a:solidFill>
+                  <a:schemeClr val="bg1"/>
+                </a:solidFill>
+              </a:rPr>
+              <a:t>libekkel</a:t>
+            </a:r>
+            <a:r>
+              <a:rPr lang="hu-HU" dirty="0">
+                <a:solidFill>
+                  <a:schemeClr val="bg1"/>
+                </a:solidFill>
+              </a:rPr>
+              <a:t> (</a:t>
+            </a:r>
+            <a:r>
+              <a:rPr lang="hu-HU" dirty="0" err="1">
+                <a:solidFill>
+                  <a:schemeClr val="bg1"/>
+                </a:solidFill>
+              </a:rPr>
+              <a:t>libLas</a:t>
+            </a:r>
+            <a:r>
+              <a:rPr lang="hu-HU" dirty="0">
+                <a:solidFill>
+                  <a:schemeClr val="bg1"/>
+                </a:solidFill>
+              </a:rPr>
+              <a:t>, </a:t>
+            </a:r>
+            <a:r>
+              <a:rPr lang="hu-HU" dirty="0" err="1">
+                <a:solidFill>
+                  <a:schemeClr val="bg1"/>
+                </a:solidFill>
+              </a:rPr>
+              <a:t>RichDEM</a:t>
+            </a:r>
+            <a:r>
+              <a:rPr lang="hu-HU" dirty="0">
+                <a:solidFill>
+                  <a:schemeClr val="bg1"/>
+                </a:solidFill>
+              </a:rPr>
+              <a:t>)</a:t>
+            </a:r>
           </a:p>
         </p:txBody>
       </p:sp>
@@ -12877,7 +13624,7 @@
 </p:sld>
 </file>
 
-<file path=ppt/slides/slide6.xml><?xml version="1.0" encoding="utf-8"?>
+<file path=ppt/slides/slide7.xml><?xml version="1.0" encoding="utf-8"?>
 <p:sld xmlns:a="http://schemas.openxmlformats.org/drawingml/2006/main" xmlns:r="http://schemas.openxmlformats.org/officeDocument/2006/relationships" xmlns:p="http://schemas.openxmlformats.org/presentationml/2006/main">
   <p:cSld>
     <p:bg>
@@ -12902,2494 +13649,6 @@
           <a:chExt cx="0" cy="0"/>
         </a:xfrm>
       </p:grpSpPr>
-      <p:sp useBgFill="1">
-        <p:nvSpPr>
-          <p:cNvPr id="50" name="Rectangle 7">
-            <a:extLst>
-              <a:ext uri="{FF2B5EF4-FFF2-40B4-BE49-F238E27FC236}">
-                <a16:creationId xmlns:a16="http://schemas.microsoft.com/office/drawing/2014/main" id="{B61375F2-60B1-44ED-B60A-019C4BD5A62A}"/>
-              </a:ext>
-              <a:ext uri="{C183D7F6-B498-43B3-948B-1728B52AA6E4}">
-                <adec:decorative xmlns:adec="http://schemas.microsoft.com/office/drawing/2017/decorative" val="1"/>
-              </a:ext>
-            </a:extLst>
-          </p:cNvPr>
-          <p:cNvSpPr>
-            <a:spLocks noGrp="1" noRot="1" noChangeAspect="1" noMove="1" noResize="1" noEditPoints="1" noAdjustHandles="1" noChangeArrowheads="1" noChangeShapeType="1" noTextEdit="1"/>
-          </p:cNvSpPr>
-          <p:nvPr>
-            <p:extLst>
-              <p:ext uri="{386F3935-93C4-4BCD-93E2-E3B085C9AB24}">
-                <p16:designElem xmlns:p16="http://schemas.microsoft.com/office/powerpoint/2015/main" val="1"/>
-              </p:ext>
-            </p:extLst>
-          </p:nvPr>
-        </p:nvSpPr>
-        <p:spPr>
-          <a:xfrm>
-            <a:off x="0" y="0"/>
-            <a:ext cx="12191999" cy="6858001"/>
-          </a:xfrm>
-          <a:prstGeom prst="rect">
-            <a:avLst/>
-          </a:prstGeom>
-          <a:ln>
-            <a:noFill/>
-          </a:ln>
-        </p:spPr>
-        <p:style>
-          <a:lnRef idx="2">
-            <a:schemeClr val="accent1">
-              <a:shade val="50000"/>
-            </a:schemeClr>
-          </a:lnRef>
-          <a:fillRef idx="1">
-            <a:schemeClr val="accent1"/>
-          </a:fillRef>
-          <a:effectRef idx="0">
-            <a:schemeClr val="accent1"/>
-          </a:effectRef>
-          <a:fontRef idx="minor">
-            <a:schemeClr val="lt1"/>
-          </a:fontRef>
-        </p:style>
-        <p:txBody>
-          <a:bodyPr rtlCol="0" anchor="ctr"/>
-          <a:lstStyle/>
-          <a:p>
-            <a:pPr algn="ctr"/>
-            <a:endParaRPr lang="en-US" dirty="0"/>
-          </a:p>
-        </p:txBody>
-      </p:sp>
-      <p:grpSp>
-        <p:nvGrpSpPr>
-          <p:cNvPr id="51" name="Group 9">
-            <a:extLst>
-              <a:ext uri="{FF2B5EF4-FFF2-40B4-BE49-F238E27FC236}">
-                <a16:creationId xmlns:a16="http://schemas.microsoft.com/office/drawing/2014/main" id="{4ADB9295-9645-4BF2-ADFD-75800B7FAD06}"/>
-              </a:ext>
-              <a:ext uri="{C183D7F6-B498-43B3-948B-1728B52AA6E4}">
-                <adec:decorative xmlns:adec="http://schemas.microsoft.com/office/drawing/2017/decorative" val="1"/>
-              </a:ext>
-            </a:extLst>
-          </p:cNvPr>
-          <p:cNvGrpSpPr>
-            <a:grpSpLocks noGrp="1" noUngrp="1" noRot="1" noChangeAspect="1" noMove="1" noResize="1"/>
-          </p:cNvGrpSpPr>
-          <p:nvPr>
-            <p:extLst>
-              <p:ext uri="{386F3935-93C4-4BCD-93E2-E3B085C9AB24}">
-                <p16:designElem xmlns:p16="http://schemas.microsoft.com/office/powerpoint/2015/main" val="1"/>
-              </p:ext>
-            </p:extLst>
-          </p:nvPr>
-        </p:nvGrpSpPr>
-        <p:grpSpPr>
-          <a:xfrm>
-            <a:off x="-14288" y="0"/>
-            <a:ext cx="1220788" cy="6858001"/>
-            <a:chOff x="-14288" y="0"/>
-            <a:chExt cx="1220788" cy="6858001"/>
-          </a:xfrm>
-          <a:gradFill flip="none" rotWithShape="1">
-            <a:gsLst>
-              <a:gs pos="0">
-                <a:schemeClr val="tx2">
-                  <a:alpha val="60000"/>
-                </a:schemeClr>
-              </a:gs>
-              <a:gs pos="100000">
-                <a:schemeClr val="bg2">
-                  <a:lumMod val="60000"/>
-                  <a:lumOff val="40000"/>
-                  <a:alpha val="80000"/>
-                </a:schemeClr>
-              </a:gs>
-            </a:gsLst>
-            <a:lin ang="5400000" scaled="0"/>
-            <a:tileRect/>
-          </a:gradFill>
-        </p:grpSpPr>
-        <p:sp>
-          <p:nvSpPr>
-            <p:cNvPr id="11" name="Rectangle 5">
-              <a:extLst>
-                <a:ext uri="{FF2B5EF4-FFF2-40B4-BE49-F238E27FC236}">
-                  <a16:creationId xmlns:a16="http://schemas.microsoft.com/office/drawing/2014/main" id="{95B061E9-E435-4E1B-B160-96584A116691}"/>
-                </a:ext>
-                <a:ext uri="{C183D7F6-B498-43B3-948B-1728B52AA6E4}">
-                  <adec:decorative xmlns:adec="http://schemas.microsoft.com/office/drawing/2017/decorative" val="1"/>
-                </a:ext>
-              </a:extLst>
-            </p:cNvPr>
-            <p:cNvSpPr>
-              <a:spLocks noChangeArrowheads="1"/>
-            </p:cNvSpPr>
-            <p:nvPr>
-              <p:extLst>
-                <p:ext uri="{386F3935-93C4-4BCD-93E2-E3B085C9AB24}">
-                  <p16:designElem xmlns:p16="http://schemas.microsoft.com/office/powerpoint/2015/main" val="1"/>
-                </p:ext>
-              </p:extLst>
-            </p:nvPr>
-          </p:nvSpPr>
-          <p:spPr bwMode="auto">
-            <a:xfrm>
-              <a:off x="114300" y="4763"/>
-              <a:ext cx="23813" cy="2181225"/>
-            </a:xfrm>
-            <a:prstGeom prst="rect">
-              <a:avLst/>
-            </a:prstGeom>
-            <a:grpFill/>
-            <a:ln>
-              <a:noFill/>
-            </a:ln>
-            <a:extLst>
-              <a:ext uri="{91240B29-F687-4f45-9708-019B960494DF}">
-                <a14:hiddenLine xmlns="" xmlns:a16="http://schemas.microsoft.com/office/drawing/2014/main" xmlns:p14="http://schemas.microsoft.com/office/powerpoint/2010/main" xmlns:a14="http://schemas.microsoft.com/office/drawing/2010/main" w="9525">
-                  <a:solidFill>
-                    <a:srgbClr val="000000"/>
-                  </a:solidFill>
-                  <a:miter lim="800000"/>
-                  <a:headEnd/>
-                  <a:tailEnd/>
-                </a14:hiddenLine>
-              </a:ext>
-            </a:extLst>
-          </p:spPr>
-        </p:sp>
-        <p:sp>
-          <p:nvSpPr>
-            <p:cNvPr id="12" name="Freeform 6">
-              <a:extLst>
-                <a:ext uri="{FF2B5EF4-FFF2-40B4-BE49-F238E27FC236}">
-                  <a16:creationId xmlns:a16="http://schemas.microsoft.com/office/drawing/2014/main" id="{3CD7972E-7D38-40EE-A80B-E2A848811EDD}"/>
-                </a:ext>
-                <a:ext uri="{C183D7F6-B498-43B3-948B-1728B52AA6E4}">
-                  <adec:decorative xmlns:adec="http://schemas.microsoft.com/office/drawing/2017/decorative" val="1"/>
-                </a:ext>
-              </a:extLst>
-            </p:cNvPr>
-            <p:cNvSpPr>
-              <a:spLocks noEditPoints="1"/>
-            </p:cNvSpPr>
-            <p:nvPr>
-              <p:extLst>
-                <p:ext uri="{386F3935-93C4-4BCD-93E2-E3B085C9AB24}">
-                  <p16:designElem xmlns:p16="http://schemas.microsoft.com/office/powerpoint/2015/main" val="1"/>
-                </p:ext>
-              </p:extLst>
-            </p:nvPr>
-          </p:nvSpPr>
-          <p:spPr bwMode="auto">
-            <a:xfrm>
-              <a:off x="33337" y="2176463"/>
-              <a:ext cx="190500" cy="190500"/>
-            </a:xfrm>
-            <a:custGeom>
-              <a:avLst/>
-              <a:gdLst/>
-              <a:ahLst/>
-              <a:cxnLst/>
-              <a:rect l="0" t="0" r="r" b="b"/>
-              <a:pathLst>
-                <a:path w="40" h="40">
-                  <a:moveTo>
-                    <a:pt x="20" y="40"/>
-                  </a:moveTo>
-                  <a:cubicBezTo>
-                    <a:pt x="9" y="40"/>
-                    <a:pt x="0" y="31"/>
-                    <a:pt x="0" y="20"/>
-                  </a:cubicBezTo>
-                  <a:cubicBezTo>
-                    <a:pt x="0" y="9"/>
-                    <a:pt x="9" y="0"/>
-                    <a:pt x="20" y="0"/>
-                  </a:cubicBezTo>
-                  <a:cubicBezTo>
-                    <a:pt x="31" y="0"/>
-                    <a:pt x="40" y="9"/>
-                    <a:pt x="40" y="20"/>
-                  </a:cubicBezTo>
-                  <a:cubicBezTo>
-                    <a:pt x="40" y="31"/>
-                    <a:pt x="31" y="40"/>
-                    <a:pt x="20" y="40"/>
-                  </a:cubicBezTo>
-                  <a:close/>
-                  <a:moveTo>
-                    <a:pt x="20" y="4"/>
-                  </a:moveTo>
-                  <a:cubicBezTo>
-                    <a:pt x="11" y="4"/>
-                    <a:pt x="4" y="11"/>
-                    <a:pt x="4" y="20"/>
-                  </a:cubicBezTo>
-                  <a:cubicBezTo>
-                    <a:pt x="4" y="29"/>
-                    <a:pt x="11" y="36"/>
-                    <a:pt x="20" y="36"/>
-                  </a:cubicBezTo>
-                  <a:cubicBezTo>
-                    <a:pt x="28" y="36"/>
-                    <a:pt x="36" y="29"/>
-                    <a:pt x="36" y="20"/>
-                  </a:cubicBezTo>
-                  <a:cubicBezTo>
-                    <a:pt x="36" y="11"/>
-                    <a:pt x="28" y="4"/>
-                    <a:pt x="20" y="4"/>
-                  </a:cubicBezTo>
-                  <a:close/>
-                </a:path>
-              </a:pathLst>
-            </a:custGeom>
-            <a:grpFill/>
-            <a:ln>
-              <a:noFill/>
-            </a:ln>
-            <a:extLst>
-              <a:ext uri="{91240B29-F687-4f45-9708-019B960494DF}">
-                <a14:hiddenLine xmlns="" xmlns:a16="http://schemas.microsoft.com/office/drawing/2014/main" xmlns:p14="http://schemas.microsoft.com/office/powerpoint/2010/main" xmlns:a14="http://schemas.microsoft.com/office/drawing/2010/main" w="9525">
-                  <a:solidFill>
-                    <a:srgbClr val="000000"/>
-                  </a:solidFill>
-                  <a:round/>
-                  <a:headEnd/>
-                  <a:tailEnd/>
-                </a14:hiddenLine>
-              </a:ext>
-            </a:extLst>
-          </p:spPr>
-        </p:sp>
-        <p:sp>
-          <p:nvSpPr>
-            <p:cNvPr id="13" name="Freeform 7">
-              <a:extLst>
-                <a:ext uri="{FF2B5EF4-FFF2-40B4-BE49-F238E27FC236}">
-                  <a16:creationId xmlns:a16="http://schemas.microsoft.com/office/drawing/2014/main" id="{524A3B55-746F-419F-8CFF-5F3A4BE14345}"/>
-                </a:ext>
-                <a:ext uri="{C183D7F6-B498-43B3-948B-1728B52AA6E4}">
-                  <adec:decorative xmlns:adec="http://schemas.microsoft.com/office/drawing/2017/decorative" val="1"/>
-                </a:ext>
-              </a:extLst>
-            </p:cNvPr>
-            <p:cNvSpPr>
-              <a:spLocks noEditPoints="1"/>
-            </p:cNvSpPr>
-            <p:nvPr>
-              <p:extLst>
-                <p:ext uri="{386F3935-93C4-4BCD-93E2-E3B085C9AB24}">
-                  <p16:designElem xmlns:p16="http://schemas.microsoft.com/office/powerpoint/2015/main" val="1"/>
-                </p:ext>
-              </p:extLst>
-            </p:nvPr>
-          </p:nvSpPr>
-          <p:spPr bwMode="auto">
-            <a:xfrm>
-              <a:off x="28575" y="4021138"/>
-              <a:ext cx="190500" cy="188913"/>
-            </a:xfrm>
-            <a:custGeom>
-              <a:avLst/>
-              <a:gdLst/>
-              <a:ahLst/>
-              <a:cxnLst/>
-              <a:rect l="0" t="0" r="r" b="b"/>
-              <a:pathLst>
-                <a:path w="40" h="40">
-                  <a:moveTo>
-                    <a:pt x="20" y="40"/>
-                  </a:moveTo>
-                  <a:cubicBezTo>
-                    <a:pt x="9" y="40"/>
-                    <a:pt x="0" y="31"/>
-                    <a:pt x="0" y="20"/>
-                  </a:cubicBezTo>
-                  <a:cubicBezTo>
-                    <a:pt x="0" y="9"/>
-                    <a:pt x="9" y="0"/>
-                    <a:pt x="20" y="0"/>
-                  </a:cubicBezTo>
-                  <a:cubicBezTo>
-                    <a:pt x="31" y="0"/>
-                    <a:pt x="40" y="9"/>
-                    <a:pt x="40" y="20"/>
-                  </a:cubicBezTo>
-                  <a:cubicBezTo>
-                    <a:pt x="40" y="31"/>
-                    <a:pt x="31" y="40"/>
-                    <a:pt x="20" y="40"/>
-                  </a:cubicBezTo>
-                  <a:close/>
-                  <a:moveTo>
-                    <a:pt x="20" y="4"/>
-                  </a:moveTo>
-                  <a:cubicBezTo>
-                    <a:pt x="12" y="4"/>
-                    <a:pt x="4" y="11"/>
-                    <a:pt x="4" y="20"/>
-                  </a:cubicBezTo>
-                  <a:cubicBezTo>
-                    <a:pt x="4" y="29"/>
-                    <a:pt x="12" y="36"/>
-                    <a:pt x="20" y="36"/>
-                  </a:cubicBezTo>
-                  <a:cubicBezTo>
-                    <a:pt x="29" y="36"/>
-                    <a:pt x="36" y="29"/>
-                    <a:pt x="36" y="20"/>
-                  </a:cubicBezTo>
-                  <a:cubicBezTo>
-                    <a:pt x="36" y="11"/>
-                    <a:pt x="29" y="4"/>
-                    <a:pt x="20" y="4"/>
-                  </a:cubicBezTo>
-                  <a:close/>
-                </a:path>
-              </a:pathLst>
-            </a:custGeom>
-            <a:grpFill/>
-            <a:ln>
-              <a:noFill/>
-            </a:ln>
-            <a:extLst>
-              <a:ext uri="{91240B29-F687-4f45-9708-019B960494DF}">
-                <a14:hiddenLine xmlns="" xmlns:a16="http://schemas.microsoft.com/office/drawing/2014/main" xmlns:p14="http://schemas.microsoft.com/office/powerpoint/2010/main" xmlns:a14="http://schemas.microsoft.com/office/drawing/2010/main" w="9525">
-                  <a:solidFill>
-                    <a:srgbClr val="000000"/>
-                  </a:solidFill>
-                  <a:round/>
-                  <a:headEnd/>
-                  <a:tailEnd/>
-                </a14:hiddenLine>
-              </a:ext>
-            </a:extLst>
-          </p:spPr>
-        </p:sp>
-        <p:sp>
-          <p:nvSpPr>
-            <p:cNvPr id="14" name="Freeform 8">
-              <a:extLst>
-                <a:ext uri="{FF2B5EF4-FFF2-40B4-BE49-F238E27FC236}">
-                  <a16:creationId xmlns:a16="http://schemas.microsoft.com/office/drawing/2014/main" id="{9C63219B-AD72-4494-935E-F5C70DB5497C}"/>
-                </a:ext>
-                <a:ext uri="{C183D7F6-B498-43B3-948B-1728B52AA6E4}">
-                  <adec:decorative xmlns:adec="http://schemas.microsoft.com/office/drawing/2017/decorative" val="1"/>
-                </a:ext>
-              </a:extLst>
-            </p:cNvPr>
-            <p:cNvSpPr/>
-            <p:nvPr>
-              <p:extLst>
-                <p:ext uri="{386F3935-93C4-4BCD-93E2-E3B085C9AB24}">
-                  <p16:designElem xmlns:p16="http://schemas.microsoft.com/office/powerpoint/2015/main" val="1"/>
-                </p:ext>
-              </p:extLst>
-            </p:nvPr>
-          </p:nvSpPr>
-          <p:spPr bwMode="auto">
-            <a:xfrm>
-              <a:off x="200025" y="4763"/>
-              <a:ext cx="369888" cy="1811338"/>
-            </a:xfrm>
-            <a:custGeom>
-              <a:avLst/>
-              <a:gdLst/>
-              <a:ahLst/>
-              <a:cxnLst/>
-              <a:rect l="0" t="0" r="r" b="b"/>
-              <a:pathLst>
-                <a:path w="233" h="1141">
-                  <a:moveTo>
-                    <a:pt x="218" y="1141"/>
-                  </a:moveTo>
-                  <a:lnTo>
-                    <a:pt x="0" y="626"/>
-                  </a:lnTo>
-                  <a:lnTo>
-                    <a:pt x="0" y="0"/>
-                  </a:lnTo>
-                  <a:lnTo>
-                    <a:pt x="15" y="0"/>
-                  </a:lnTo>
-                  <a:lnTo>
-                    <a:pt x="15" y="623"/>
-                  </a:lnTo>
-                  <a:lnTo>
-                    <a:pt x="233" y="1135"/>
-                  </a:lnTo>
-                  <a:lnTo>
-                    <a:pt x="218" y="1141"/>
-                  </a:lnTo>
-                  <a:close/>
-                </a:path>
-              </a:pathLst>
-            </a:custGeom>
-            <a:grpFill/>
-            <a:ln>
-              <a:noFill/>
-            </a:ln>
-            <a:extLst>
-              <a:ext uri="{91240B29-F687-4f45-9708-019B960494DF}">
-                <a14:hiddenLine xmlns="" xmlns:a16="http://schemas.microsoft.com/office/drawing/2014/main" xmlns:p14="http://schemas.microsoft.com/office/powerpoint/2010/main" xmlns:a14="http://schemas.microsoft.com/office/drawing/2010/main" w="9525">
-                  <a:solidFill>
-                    <a:srgbClr val="000000"/>
-                  </a:solidFill>
-                  <a:round/>
-                  <a:headEnd/>
-                  <a:tailEnd/>
-                </a14:hiddenLine>
-              </a:ext>
-            </a:extLst>
-          </p:spPr>
-        </p:sp>
-        <p:sp>
-          <p:nvSpPr>
-            <p:cNvPr id="15" name="Freeform 9">
-              <a:extLst>
-                <a:ext uri="{FF2B5EF4-FFF2-40B4-BE49-F238E27FC236}">
-                  <a16:creationId xmlns:a16="http://schemas.microsoft.com/office/drawing/2014/main" id="{15B41FD2-05E2-44E7-8760-09E65D1C6034}"/>
-                </a:ext>
-                <a:ext uri="{C183D7F6-B498-43B3-948B-1728B52AA6E4}">
-                  <adec:decorative xmlns:adec="http://schemas.microsoft.com/office/drawing/2017/decorative" val="1"/>
-                </a:ext>
-              </a:extLst>
-            </p:cNvPr>
-            <p:cNvSpPr>
-              <a:spLocks noEditPoints="1"/>
-            </p:cNvSpPr>
-            <p:nvPr>
-              <p:extLst>
-                <p:ext uri="{386F3935-93C4-4BCD-93E2-E3B085C9AB24}">
-                  <p16:designElem xmlns:p16="http://schemas.microsoft.com/office/powerpoint/2015/main" val="1"/>
-                </p:ext>
-              </p:extLst>
-            </p:nvPr>
-          </p:nvSpPr>
-          <p:spPr bwMode="auto">
-            <a:xfrm>
-              <a:off x="503237" y="1801813"/>
-              <a:ext cx="190500" cy="188913"/>
-            </a:xfrm>
-            <a:custGeom>
-              <a:avLst/>
-              <a:gdLst/>
-              <a:ahLst/>
-              <a:cxnLst/>
-              <a:rect l="0" t="0" r="r" b="b"/>
-              <a:pathLst>
-                <a:path w="40" h="40">
-                  <a:moveTo>
-                    <a:pt x="20" y="40"/>
-                  </a:moveTo>
-                  <a:cubicBezTo>
-                    <a:pt x="9" y="40"/>
-                    <a:pt x="0" y="31"/>
-                    <a:pt x="0" y="20"/>
-                  </a:cubicBezTo>
-                  <a:cubicBezTo>
-                    <a:pt x="0" y="9"/>
-                    <a:pt x="9" y="0"/>
-                    <a:pt x="20" y="0"/>
-                  </a:cubicBezTo>
-                  <a:cubicBezTo>
-                    <a:pt x="33" y="0"/>
-                    <a:pt x="40" y="6"/>
-                    <a:pt x="40" y="20"/>
-                  </a:cubicBezTo>
-                  <a:cubicBezTo>
-                    <a:pt x="40" y="31"/>
-                    <a:pt x="31" y="40"/>
-                    <a:pt x="20" y="40"/>
-                  </a:cubicBezTo>
-                  <a:close/>
-                  <a:moveTo>
-                    <a:pt x="20" y="4"/>
-                  </a:moveTo>
-                  <a:cubicBezTo>
-                    <a:pt x="11" y="4"/>
-                    <a:pt x="4" y="11"/>
-                    <a:pt x="4" y="20"/>
-                  </a:cubicBezTo>
-                  <a:cubicBezTo>
-                    <a:pt x="4" y="29"/>
-                    <a:pt x="11" y="36"/>
-                    <a:pt x="20" y="36"/>
-                  </a:cubicBezTo>
-                  <a:cubicBezTo>
-                    <a:pt x="28" y="36"/>
-                    <a:pt x="36" y="29"/>
-                    <a:pt x="36" y="20"/>
-                  </a:cubicBezTo>
-                  <a:cubicBezTo>
-                    <a:pt x="36" y="9"/>
-                    <a:pt x="31" y="4"/>
-                    <a:pt x="20" y="4"/>
-                  </a:cubicBezTo>
-                  <a:close/>
-                </a:path>
-              </a:pathLst>
-            </a:custGeom>
-            <a:grpFill/>
-            <a:ln>
-              <a:noFill/>
-            </a:ln>
-            <a:extLst>
-              <a:ext uri="{91240B29-F687-4f45-9708-019B960494DF}">
-                <a14:hiddenLine xmlns="" xmlns:a16="http://schemas.microsoft.com/office/drawing/2014/main" xmlns:p14="http://schemas.microsoft.com/office/powerpoint/2010/main" xmlns:a14="http://schemas.microsoft.com/office/drawing/2010/main" w="9525">
-                  <a:solidFill>
-                    <a:srgbClr val="000000"/>
-                  </a:solidFill>
-                  <a:round/>
-                  <a:headEnd/>
-                  <a:tailEnd/>
-                </a14:hiddenLine>
-              </a:ext>
-            </a:extLst>
-          </p:spPr>
-        </p:sp>
-        <p:sp>
-          <p:nvSpPr>
-            <p:cNvPr id="16" name="Freeform 10">
-              <a:extLst>
-                <a:ext uri="{FF2B5EF4-FFF2-40B4-BE49-F238E27FC236}">
-                  <a16:creationId xmlns:a16="http://schemas.microsoft.com/office/drawing/2014/main" id="{FE6D63D0-3347-4EE2-8F65-F1C32168FA22}"/>
-                </a:ext>
-                <a:ext uri="{C183D7F6-B498-43B3-948B-1728B52AA6E4}">
-                  <adec:decorative xmlns:adec="http://schemas.microsoft.com/office/drawing/2017/decorative" val="1"/>
-                </a:ext>
-              </a:extLst>
-            </p:cNvPr>
-            <p:cNvSpPr/>
-            <p:nvPr>
-              <p:extLst>
-                <p:ext uri="{386F3935-93C4-4BCD-93E2-E3B085C9AB24}">
-                  <p16:designElem xmlns:p16="http://schemas.microsoft.com/office/powerpoint/2015/main" val="1"/>
-                </p:ext>
-              </p:extLst>
-            </p:nvPr>
-          </p:nvSpPr>
-          <p:spPr bwMode="auto">
-            <a:xfrm>
-              <a:off x="285750" y="4763"/>
-              <a:ext cx="369888" cy="1430338"/>
-            </a:xfrm>
-            <a:custGeom>
-              <a:avLst/>
-              <a:gdLst/>
-              <a:ahLst/>
-              <a:cxnLst/>
-              <a:rect l="0" t="0" r="r" b="b"/>
-              <a:pathLst>
-                <a:path w="233" h="901">
-                  <a:moveTo>
-                    <a:pt x="221" y="901"/>
-                  </a:moveTo>
-                  <a:lnTo>
-                    <a:pt x="0" y="383"/>
-                  </a:lnTo>
-                  <a:lnTo>
-                    <a:pt x="0" y="0"/>
-                  </a:lnTo>
-                  <a:lnTo>
-                    <a:pt x="18" y="0"/>
-                  </a:lnTo>
-                  <a:lnTo>
-                    <a:pt x="18" y="380"/>
-                  </a:lnTo>
-                  <a:lnTo>
-                    <a:pt x="233" y="895"/>
-                  </a:lnTo>
-                  <a:lnTo>
-                    <a:pt x="221" y="901"/>
-                  </a:lnTo>
-                  <a:close/>
-                </a:path>
-              </a:pathLst>
-            </a:custGeom>
-            <a:grpFill/>
-            <a:ln>
-              <a:noFill/>
-            </a:ln>
-            <a:extLst>
-              <a:ext uri="{91240B29-F687-4f45-9708-019B960494DF}">
-                <a14:hiddenLine xmlns="" xmlns:a16="http://schemas.microsoft.com/office/drawing/2014/main" xmlns:p14="http://schemas.microsoft.com/office/powerpoint/2010/main" xmlns:a14="http://schemas.microsoft.com/office/drawing/2010/main" w="9525">
-                  <a:solidFill>
-                    <a:srgbClr val="000000"/>
-                  </a:solidFill>
-                  <a:round/>
-                  <a:headEnd/>
-                  <a:tailEnd/>
-                </a14:hiddenLine>
-              </a:ext>
-            </a:extLst>
-          </p:spPr>
-        </p:sp>
-        <p:sp>
-          <p:nvSpPr>
-            <p:cNvPr id="17" name="Freeform 11">
-              <a:extLst>
-                <a:ext uri="{FF2B5EF4-FFF2-40B4-BE49-F238E27FC236}">
-                  <a16:creationId xmlns:a16="http://schemas.microsoft.com/office/drawing/2014/main" id="{538A46A3-DB16-45D5-B636-03EFE39FE96C}"/>
-                </a:ext>
-                <a:ext uri="{C183D7F6-B498-43B3-948B-1728B52AA6E4}">
-                  <adec:decorative xmlns:adec="http://schemas.microsoft.com/office/drawing/2017/decorative" val="1"/>
-                </a:ext>
-              </a:extLst>
-            </p:cNvPr>
-            <p:cNvSpPr/>
-            <p:nvPr>
-              <p:extLst>
-                <p:ext uri="{386F3935-93C4-4BCD-93E2-E3B085C9AB24}">
-                  <p16:designElem xmlns:p16="http://schemas.microsoft.com/office/powerpoint/2015/main" val="1"/>
-                </p:ext>
-              </p:extLst>
-            </p:nvPr>
-          </p:nvSpPr>
-          <p:spPr bwMode="auto">
-            <a:xfrm>
-              <a:off x="546100" y="0"/>
-              <a:ext cx="152400" cy="912813"/>
-            </a:xfrm>
-            <a:custGeom>
-              <a:avLst/>
-              <a:gdLst/>
-              <a:ahLst/>
-              <a:cxnLst/>
-              <a:rect l="0" t="0" r="r" b="b"/>
-              <a:pathLst>
-                <a:path w="96" h="575">
-                  <a:moveTo>
-                    <a:pt x="96" y="575"/>
-                  </a:moveTo>
-                  <a:lnTo>
-                    <a:pt x="78" y="575"/>
-                  </a:lnTo>
-                  <a:lnTo>
-                    <a:pt x="78" y="192"/>
-                  </a:lnTo>
-                  <a:lnTo>
-                    <a:pt x="0" y="6"/>
-                  </a:lnTo>
-                  <a:lnTo>
-                    <a:pt x="15" y="0"/>
-                  </a:lnTo>
-                  <a:lnTo>
-                    <a:pt x="96" y="189"/>
-                  </a:lnTo>
-                  <a:lnTo>
-                    <a:pt x="96" y="575"/>
-                  </a:lnTo>
-                  <a:close/>
-                </a:path>
-              </a:pathLst>
-            </a:custGeom>
-            <a:grpFill/>
-            <a:ln>
-              <a:noFill/>
-            </a:ln>
-            <a:extLst>
-              <a:ext uri="{91240B29-F687-4f45-9708-019B960494DF}">
-                <a14:hiddenLine xmlns="" xmlns:a16="http://schemas.microsoft.com/office/drawing/2014/main" xmlns:p14="http://schemas.microsoft.com/office/powerpoint/2010/main" xmlns:a14="http://schemas.microsoft.com/office/drawing/2010/main" w="9525">
-                  <a:solidFill>
-                    <a:srgbClr val="000000"/>
-                  </a:solidFill>
-                  <a:round/>
-                  <a:headEnd/>
-                  <a:tailEnd/>
-                </a14:hiddenLine>
-              </a:ext>
-            </a:extLst>
-          </p:spPr>
-        </p:sp>
-        <p:sp>
-          <p:nvSpPr>
-            <p:cNvPr id="52" name="Freeform 12">
-              <a:extLst>
-                <a:ext uri="{FF2B5EF4-FFF2-40B4-BE49-F238E27FC236}">
-                  <a16:creationId xmlns:a16="http://schemas.microsoft.com/office/drawing/2014/main" id="{0B8A2B0E-823F-4BE8-9359-45143BB1248E}"/>
-                </a:ext>
-                <a:ext uri="{C183D7F6-B498-43B3-948B-1728B52AA6E4}">
-                  <adec:decorative xmlns:adec="http://schemas.microsoft.com/office/drawing/2017/decorative" val="1"/>
-                </a:ext>
-              </a:extLst>
-            </p:cNvPr>
-            <p:cNvSpPr>
-              <a:spLocks noEditPoints="1"/>
-            </p:cNvSpPr>
-            <p:nvPr>
-              <p:extLst>
-                <p:ext uri="{386F3935-93C4-4BCD-93E2-E3B085C9AB24}">
-                  <p16:designElem xmlns:p16="http://schemas.microsoft.com/office/powerpoint/2015/main" val="1"/>
-                </p:ext>
-              </p:extLst>
-            </p:nvPr>
-          </p:nvSpPr>
-          <p:spPr bwMode="auto">
-            <a:xfrm>
-              <a:off x="588962" y="1420813"/>
-              <a:ext cx="190500" cy="190500"/>
-            </a:xfrm>
-            <a:custGeom>
-              <a:avLst/>
-              <a:gdLst/>
-              <a:ahLst/>
-              <a:cxnLst/>
-              <a:rect l="0" t="0" r="r" b="b"/>
-              <a:pathLst>
-                <a:path w="40" h="40">
-                  <a:moveTo>
-                    <a:pt x="20" y="40"/>
-                  </a:moveTo>
-                  <a:cubicBezTo>
-                    <a:pt x="9" y="40"/>
-                    <a:pt x="0" y="31"/>
-                    <a:pt x="0" y="20"/>
-                  </a:cubicBezTo>
-                  <a:cubicBezTo>
-                    <a:pt x="0" y="9"/>
-                    <a:pt x="9" y="0"/>
-                    <a:pt x="20" y="0"/>
-                  </a:cubicBezTo>
-                  <a:cubicBezTo>
-                    <a:pt x="33" y="0"/>
-                    <a:pt x="40" y="7"/>
-                    <a:pt x="40" y="20"/>
-                  </a:cubicBezTo>
-                  <a:cubicBezTo>
-                    <a:pt x="40" y="31"/>
-                    <a:pt x="31" y="40"/>
-                    <a:pt x="20" y="40"/>
-                  </a:cubicBezTo>
-                  <a:close/>
-                  <a:moveTo>
-                    <a:pt x="20" y="4"/>
-                  </a:moveTo>
-                  <a:cubicBezTo>
-                    <a:pt x="11" y="4"/>
-                    <a:pt x="4" y="11"/>
-                    <a:pt x="4" y="20"/>
-                  </a:cubicBezTo>
-                  <a:cubicBezTo>
-                    <a:pt x="4" y="29"/>
-                    <a:pt x="11" y="36"/>
-                    <a:pt x="20" y="36"/>
-                  </a:cubicBezTo>
-                  <a:cubicBezTo>
-                    <a:pt x="29" y="36"/>
-                    <a:pt x="36" y="29"/>
-                    <a:pt x="36" y="20"/>
-                  </a:cubicBezTo>
-                  <a:cubicBezTo>
-                    <a:pt x="36" y="9"/>
-                    <a:pt x="31" y="4"/>
-                    <a:pt x="20" y="4"/>
-                  </a:cubicBezTo>
-                  <a:close/>
-                </a:path>
-              </a:pathLst>
-            </a:custGeom>
-            <a:grpFill/>
-            <a:ln>
-              <a:noFill/>
-            </a:ln>
-            <a:extLst>
-              <a:ext uri="{91240B29-F687-4f45-9708-019B960494DF}">
-                <a14:hiddenLine xmlns="" xmlns:a16="http://schemas.microsoft.com/office/drawing/2014/main" xmlns:p14="http://schemas.microsoft.com/office/powerpoint/2010/main" xmlns:a14="http://schemas.microsoft.com/office/drawing/2010/main" w="9525">
-                  <a:solidFill>
-                    <a:srgbClr val="000000"/>
-                  </a:solidFill>
-                  <a:round/>
-                  <a:headEnd/>
-                  <a:tailEnd/>
-                </a14:hiddenLine>
-              </a:ext>
-            </a:extLst>
-          </p:spPr>
-        </p:sp>
-        <p:sp>
-          <p:nvSpPr>
-            <p:cNvPr id="19" name="Freeform 13">
-              <a:extLst>
-                <a:ext uri="{FF2B5EF4-FFF2-40B4-BE49-F238E27FC236}">
-                  <a16:creationId xmlns:a16="http://schemas.microsoft.com/office/drawing/2014/main" id="{44516B3C-A8BE-46FC-B643-3DFEB7F28386}"/>
-                </a:ext>
-                <a:ext uri="{C183D7F6-B498-43B3-948B-1728B52AA6E4}">
-                  <adec:decorative xmlns:adec="http://schemas.microsoft.com/office/drawing/2017/decorative" val="1"/>
-                </a:ext>
-              </a:extLst>
-            </p:cNvPr>
-            <p:cNvSpPr>
-              <a:spLocks noEditPoints="1"/>
-            </p:cNvSpPr>
-            <p:nvPr>
-              <p:extLst>
-                <p:ext uri="{386F3935-93C4-4BCD-93E2-E3B085C9AB24}">
-                  <p16:designElem xmlns:p16="http://schemas.microsoft.com/office/powerpoint/2015/main" val="1"/>
-                </p:ext>
-              </p:extLst>
-            </p:nvPr>
-          </p:nvSpPr>
-          <p:spPr bwMode="auto">
-            <a:xfrm>
-              <a:off x="588962" y="903288"/>
-              <a:ext cx="190500" cy="190500"/>
-            </a:xfrm>
-            <a:custGeom>
-              <a:avLst/>
-              <a:gdLst/>
-              <a:ahLst/>
-              <a:cxnLst/>
-              <a:rect l="0" t="0" r="r" b="b"/>
-              <a:pathLst>
-                <a:path w="40" h="40">
-                  <a:moveTo>
-                    <a:pt x="20" y="40"/>
-                  </a:moveTo>
-                  <a:cubicBezTo>
-                    <a:pt x="9" y="40"/>
-                    <a:pt x="0" y="31"/>
-                    <a:pt x="0" y="20"/>
-                  </a:cubicBezTo>
-                  <a:cubicBezTo>
-                    <a:pt x="0" y="9"/>
-                    <a:pt x="9" y="0"/>
-                    <a:pt x="20" y="0"/>
-                  </a:cubicBezTo>
-                  <a:cubicBezTo>
-                    <a:pt x="31" y="0"/>
-                    <a:pt x="40" y="9"/>
-                    <a:pt x="40" y="20"/>
-                  </a:cubicBezTo>
-                  <a:cubicBezTo>
-                    <a:pt x="40" y="31"/>
-                    <a:pt x="31" y="40"/>
-                    <a:pt x="20" y="40"/>
-                  </a:cubicBezTo>
-                  <a:close/>
-                  <a:moveTo>
-                    <a:pt x="20" y="4"/>
-                  </a:moveTo>
-                  <a:cubicBezTo>
-                    <a:pt x="11" y="4"/>
-                    <a:pt x="4" y="11"/>
-                    <a:pt x="4" y="20"/>
-                  </a:cubicBezTo>
-                  <a:cubicBezTo>
-                    <a:pt x="4" y="29"/>
-                    <a:pt x="11" y="36"/>
-                    <a:pt x="20" y="36"/>
-                  </a:cubicBezTo>
-                  <a:cubicBezTo>
-                    <a:pt x="29" y="36"/>
-                    <a:pt x="36" y="29"/>
-                    <a:pt x="36" y="20"/>
-                  </a:cubicBezTo>
-                  <a:cubicBezTo>
-                    <a:pt x="36" y="11"/>
-                    <a:pt x="29" y="4"/>
-                    <a:pt x="20" y="4"/>
-                  </a:cubicBezTo>
-                  <a:close/>
-                </a:path>
-              </a:pathLst>
-            </a:custGeom>
-            <a:grpFill/>
-            <a:ln>
-              <a:noFill/>
-            </a:ln>
-            <a:extLst>
-              <a:ext uri="{91240B29-F687-4f45-9708-019B960494DF}">
-                <a14:hiddenLine xmlns="" xmlns:a16="http://schemas.microsoft.com/office/drawing/2014/main" xmlns:p14="http://schemas.microsoft.com/office/powerpoint/2010/main" xmlns:a14="http://schemas.microsoft.com/office/drawing/2010/main" w="9525">
-                  <a:solidFill>
-                    <a:srgbClr val="000000"/>
-                  </a:solidFill>
-                  <a:round/>
-                  <a:headEnd/>
-                  <a:tailEnd/>
-                </a14:hiddenLine>
-              </a:ext>
-            </a:extLst>
-          </p:spPr>
-        </p:sp>
-        <p:sp>
-          <p:nvSpPr>
-            <p:cNvPr id="20" name="Freeform 14">
-              <a:extLst>
-                <a:ext uri="{FF2B5EF4-FFF2-40B4-BE49-F238E27FC236}">
-                  <a16:creationId xmlns:a16="http://schemas.microsoft.com/office/drawing/2014/main" id="{59FD699C-3920-4E57-BE27-165A3F036C20}"/>
-                </a:ext>
-                <a:ext uri="{C183D7F6-B498-43B3-948B-1728B52AA6E4}">
-                  <adec:decorative xmlns:adec="http://schemas.microsoft.com/office/drawing/2017/decorative" val="1"/>
-                </a:ext>
-              </a:extLst>
-            </p:cNvPr>
-            <p:cNvSpPr/>
-            <p:nvPr>
-              <p:extLst>
-                <p:ext uri="{386F3935-93C4-4BCD-93E2-E3B085C9AB24}">
-                  <p16:designElem xmlns:p16="http://schemas.microsoft.com/office/powerpoint/2015/main" val="1"/>
-                </p:ext>
-              </p:extLst>
-            </p:nvPr>
-          </p:nvSpPr>
-          <p:spPr bwMode="auto">
-            <a:xfrm>
-              <a:off x="641350" y="0"/>
-              <a:ext cx="422275" cy="527050"/>
-            </a:xfrm>
-            <a:custGeom>
-              <a:avLst/>
-              <a:gdLst/>
-              <a:ahLst/>
-              <a:cxnLst/>
-              <a:rect l="0" t="0" r="r" b="b"/>
-              <a:pathLst>
-                <a:path w="266" h="332">
-                  <a:moveTo>
-                    <a:pt x="257" y="332"/>
-                  </a:moveTo>
-                  <a:lnTo>
-                    <a:pt x="48" y="123"/>
-                  </a:lnTo>
-                  <a:lnTo>
-                    <a:pt x="0" y="6"/>
-                  </a:lnTo>
-                  <a:lnTo>
-                    <a:pt x="15" y="0"/>
-                  </a:lnTo>
-                  <a:lnTo>
-                    <a:pt x="63" y="114"/>
-                  </a:lnTo>
-                  <a:lnTo>
-                    <a:pt x="266" y="320"/>
-                  </a:lnTo>
-                  <a:lnTo>
-                    <a:pt x="257" y="332"/>
-                  </a:lnTo>
-                  <a:close/>
-                </a:path>
-              </a:pathLst>
-            </a:custGeom>
-            <a:grpFill/>
-            <a:ln>
-              <a:noFill/>
-            </a:ln>
-            <a:extLst>
-              <a:ext uri="{91240B29-F687-4f45-9708-019B960494DF}">
-                <a14:hiddenLine xmlns="" xmlns:a16="http://schemas.microsoft.com/office/drawing/2014/main" xmlns:p14="http://schemas.microsoft.com/office/powerpoint/2010/main" xmlns:a14="http://schemas.microsoft.com/office/drawing/2010/main" w="9525">
-                  <a:solidFill>
-                    <a:srgbClr val="000000"/>
-                  </a:solidFill>
-                  <a:round/>
-                  <a:headEnd/>
-                  <a:tailEnd/>
-                </a14:hiddenLine>
-              </a:ext>
-            </a:extLst>
-          </p:spPr>
-        </p:sp>
-        <p:sp>
-          <p:nvSpPr>
-            <p:cNvPr id="21" name="Freeform 15">
-              <a:extLst>
-                <a:ext uri="{FF2B5EF4-FFF2-40B4-BE49-F238E27FC236}">
-                  <a16:creationId xmlns:a16="http://schemas.microsoft.com/office/drawing/2014/main" id="{0FB0C02E-3F53-4889-8ADF-80DBC43F693C}"/>
-                </a:ext>
-                <a:ext uri="{C183D7F6-B498-43B3-948B-1728B52AA6E4}">
-                  <adec:decorative xmlns:adec="http://schemas.microsoft.com/office/drawing/2017/decorative" val="1"/>
-                </a:ext>
-              </a:extLst>
-            </p:cNvPr>
-            <p:cNvSpPr>
-              <a:spLocks noEditPoints="1"/>
-            </p:cNvSpPr>
-            <p:nvPr>
-              <p:extLst>
-                <p:ext uri="{386F3935-93C4-4BCD-93E2-E3B085C9AB24}">
-                  <p16:designElem xmlns:p16="http://schemas.microsoft.com/office/powerpoint/2015/main" val="1"/>
-                </p:ext>
-              </p:extLst>
-            </p:nvPr>
-          </p:nvSpPr>
-          <p:spPr bwMode="auto">
-            <a:xfrm>
-              <a:off x="1020762" y="488950"/>
-              <a:ext cx="161925" cy="147638"/>
-            </a:xfrm>
-            <a:custGeom>
-              <a:avLst/>
-              <a:gdLst/>
-              <a:ahLst/>
-              <a:cxnLst/>
-              <a:rect l="0" t="0" r="r" b="b"/>
-              <a:pathLst>
-                <a:path w="34" h="31">
-                  <a:moveTo>
-                    <a:pt x="17" y="31"/>
-                  </a:moveTo>
-                  <a:cubicBezTo>
-                    <a:pt x="13" y="31"/>
-                    <a:pt x="9" y="30"/>
-                    <a:pt x="6" y="27"/>
-                  </a:cubicBezTo>
-                  <a:cubicBezTo>
-                    <a:pt x="0" y="20"/>
-                    <a:pt x="0" y="10"/>
-                    <a:pt x="6" y="4"/>
-                  </a:cubicBezTo>
-                  <a:cubicBezTo>
-                    <a:pt x="9" y="1"/>
-                    <a:pt x="13" y="0"/>
-                    <a:pt x="17" y="0"/>
-                  </a:cubicBezTo>
-                  <a:cubicBezTo>
-                    <a:pt x="21" y="0"/>
-                    <a:pt x="25" y="1"/>
-                    <a:pt x="28" y="4"/>
-                  </a:cubicBezTo>
-                  <a:cubicBezTo>
-                    <a:pt x="34" y="10"/>
-                    <a:pt x="34" y="20"/>
-                    <a:pt x="28" y="27"/>
-                  </a:cubicBezTo>
-                  <a:cubicBezTo>
-                    <a:pt x="25" y="30"/>
-                    <a:pt x="21" y="31"/>
-                    <a:pt x="17" y="31"/>
-                  </a:cubicBezTo>
-                  <a:close/>
-                  <a:moveTo>
-                    <a:pt x="17" y="4"/>
-                  </a:moveTo>
-                  <a:cubicBezTo>
-                    <a:pt x="14" y="4"/>
-                    <a:pt x="11" y="5"/>
-                    <a:pt x="9" y="7"/>
-                  </a:cubicBezTo>
-                  <a:cubicBezTo>
-                    <a:pt x="4" y="12"/>
-                    <a:pt x="4" y="19"/>
-                    <a:pt x="9" y="24"/>
-                  </a:cubicBezTo>
-                  <a:cubicBezTo>
-                    <a:pt x="11" y="26"/>
-                    <a:pt x="14" y="27"/>
-                    <a:pt x="17" y="27"/>
-                  </a:cubicBezTo>
-                  <a:cubicBezTo>
-                    <a:pt x="20" y="27"/>
-                    <a:pt x="23" y="26"/>
-                    <a:pt x="25" y="24"/>
-                  </a:cubicBezTo>
-                  <a:cubicBezTo>
-                    <a:pt x="30" y="19"/>
-                    <a:pt x="30" y="12"/>
-                    <a:pt x="25" y="7"/>
-                  </a:cubicBezTo>
-                  <a:cubicBezTo>
-                    <a:pt x="23" y="5"/>
-                    <a:pt x="20" y="4"/>
-                    <a:pt x="17" y="4"/>
-                  </a:cubicBezTo>
-                  <a:close/>
-                </a:path>
-              </a:pathLst>
-            </a:custGeom>
-            <a:grpFill/>
-            <a:ln>
-              <a:noFill/>
-            </a:ln>
-            <a:extLst>
-              <a:ext uri="{91240B29-F687-4f45-9708-019B960494DF}">
-                <a14:hiddenLine xmlns="" xmlns:a16="http://schemas.microsoft.com/office/drawing/2014/main" xmlns:p14="http://schemas.microsoft.com/office/powerpoint/2010/main" xmlns:a14="http://schemas.microsoft.com/office/drawing/2010/main" w="9525">
-                  <a:solidFill>
-                    <a:srgbClr val="000000"/>
-                  </a:solidFill>
-                  <a:round/>
-                  <a:headEnd/>
-                  <a:tailEnd/>
-                </a14:hiddenLine>
-              </a:ext>
-            </a:extLst>
-          </p:spPr>
-        </p:sp>
-        <p:sp>
-          <p:nvSpPr>
-            <p:cNvPr id="22" name="Line 16">
-              <a:extLst>
-                <a:ext uri="{FF2B5EF4-FFF2-40B4-BE49-F238E27FC236}">
-                  <a16:creationId xmlns:a16="http://schemas.microsoft.com/office/drawing/2014/main" id="{F8A0C89C-946F-4BCD-8A27-BB73E37FE525}"/>
-                </a:ext>
-                <a:ext uri="{C183D7F6-B498-43B3-948B-1728B52AA6E4}">
-                  <adec:decorative xmlns:adec="http://schemas.microsoft.com/office/drawing/2017/decorative" val="1"/>
-                </a:ext>
-              </a:extLst>
-            </p:cNvPr>
-            <p:cNvSpPr>
-              <a:spLocks noChangeShapeType="1"/>
-            </p:cNvSpPr>
-            <p:nvPr>
-              <p:extLst>
-                <p:ext uri="{386F3935-93C4-4BCD-93E2-E3B085C9AB24}">
-                  <p16:designElem xmlns:p16="http://schemas.microsoft.com/office/powerpoint/2015/main" val="1"/>
-                </p:ext>
-              </p:extLst>
-            </p:nvPr>
-          </p:nvSpPr>
-          <p:spPr bwMode="auto">
-            <a:xfrm>
-              <a:off x="-4763" y="9525"/>
-              <a:ext cx="0" cy="0"/>
-            </a:xfrm>
-            <a:prstGeom prst="line">
-              <a:avLst/>
-            </a:prstGeom>
-            <a:grpFill/>
-            <a:ln w="15" cap="flat">
-              <a:solidFill>
-                <a:srgbClr val="FFFFFF"/>
-              </a:solidFill>
-              <a:prstDash val="solid"/>
-              <a:miter lim="800000"/>
-              <a:headEnd/>
-              <a:tailEnd/>
-            </a:ln>
-          </p:spPr>
-        </p:sp>
-        <p:sp>
-          <p:nvSpPr>
-            <p:cNvPr id="23" name="Freeform 17">
-              <a:extLst>
-                <a:ext uri="{FF2B5EF4-FFF2-40B4-BE49-F238E27FC236}">
-                  <a16:creationId xmlns:a16="http://schemas.microsoft.com/office/drawing/2014/main" id="{70C83EAF-4E92-4849-A240-B257871DC033}"/>
-                </a:ext>
-                <a:ext uri="{C183D7F6-B498-43B3-948B-1728B52AA6E4}">
-                  <adec:decorative xmlns:adec="http://schemas.microsoft.com/office/drawing/2017/decorative" val="1"/>
-                </a:ext>
-              </a:extLst>
-            </p:cNvPr>
-            <p:cNvSpPr/>
-            <p:nvPr>
-              <p:extLst>
-                <p:ext uri="{386F3935-93C4-4BCD-93E2-E3B085C9AB24}">
-                  <p16:designElem xmlns:p16="http://schemas.microsoft.com/office/powerpoint/2015/main" val="1"/>
-                </p:ext>
-              </p:extLst>
-            </p:nvPr>
-          </p:nvSpPr>
-          <p:spPr bwMode="auto">
-            <a:xfrm>
-              <a:off x="9525" y="1801813"/>
-              <a:ext cx="123825" cy="127000"/>
-            </a:xfrm>
-            <a:custGeom>
-              <a:avLst/>
-              <a:gdLst/>
-              <a:ahLst/>
-              <a:cxnLst/>
-              <a:rect l="0" t="0" r="r" b="b"/>
-              <a:pathLst>
-                <a:path w="78" h="80">
-                  <a:moveTo>
-                    <a:pt x="6" y="80"/>
-                  </a:moveTo>
-                  <a:lnTo>
-                    <a:pt x="0" y="71"/>
-                  </a:lnTo>
-                  <a:lnTo>
-                    <a:pt x="69" y="0"/>
-                  </a:lnTo>
-                  <a:lnTo>
-                    <a:pt x="78" y="9"/>
-                  </a:lnTo>
-                  <a:lnTo>
-                    <a:pt x="6" y="80"/>
-                  </a:lnTo>
-                  <a:close/>
-                </a:path>
-              </a:pathLst>
-            </a:custGeom>
-            <a:grpFill/>
-            <a:ln>
-              <a:noFill/>
-            </a:ln>
-            <a:extLst>
-              <a:ext uri="{91240B29-F687-4f45-9708-019B960494DF}">
-                <a14:hiddenLine xmlns="" xmlns:a16="http://schemas.microsoft.com/office/drawing/2014/main" xmlns:p14="http://schemas.microsoft.com/office/powerpoint/2010/main" xmlns:a14="http://schemas.microsoft.com/office/drawing/2010/main" w="9525">
-                  <a:solidFill>
-                    <a:srgbClr val="000000"/>
-                  </a:solidFill>
-                  <a:round/>
-                  <a:headEnd/>
-                  <a:tailEnd/>
-                </a14:hiddenLine>
-              </a:ext>
-            </a:extLst>
-          </p:spPr>
-        </p:sp>
-        <p:sp>
-          <p:nvSpPr>
-            <p:cNvPr id="53" name="Freeform 18">
-              <a:extLst>
-                <a:ext uri="{FF2B5EF4-FFF2-40B4-BE49-F238E27FC236}">
-                  <a16:creationId xmlns:a16="http://schemas.microsoft.com/office/drawing/2014/main" id="{320FD164-4D7A-469C-B3F4-B926BFACF53D}"/>
-                </a:ext>
-                <a:ext uri="{C183D7F6-B498-43B3-948B-1728B52AA6E4}">
-                  <adec:decorative xmlns:adec="http://schemas.microsoft.com/office/drawing/2017/decorative" val="1"/>
-                </a:ext>
-              </a:extLst>
-            </p:cNvPr>
-            <p:cNvSpPr/>
-            <p:nvPr>
-              <p:extLst>
-                <p:ext uri="{386F3935-93C4-4BCD-93E2-E3B085C9AB24}">
-                  <p16:designElem xmlns:p16="http://schemas.microsoft.com/office/powerpoint/2015/main" val="1"/>
-                </p:ext>
-              </p:extLst>
-            </p:nvPr>
-          </p:nvSpPr>
-          <p:spPr bwMode="auto">
-            <a:xfrm>
-              <a:off x="-9525" y="3549650"/>
-              <a:ext cx="147638" cy="481013"/>
-            </a:xfrm>
-            <a:custGeom>
-              <a:avLst/>
-              <a:gdLst/>
-              <a:ahLst/>
-              <a:cxnLst/>
-              <a:rect l="0" t="0" r="r" b="b"/>
-              <a:pathLst>
-                <a:path w="93" h="303">
-                  <a:moveTo>
-                    <a:pt x="93" y="303"/>
-                  </a:moveTo>
-                  <a:lnTo>
-                    <a:pt x="78" y="303"/>
-                  </a:lnTo>
-                  <a:lnTo>
-                    <a:pt x="78" y="78"/>
-                  </a:lnTo>
-                  <a:lnTo>
-                    <a:pt x="0" y="12"/>
-                  </a:lnTo>
-                  <a:lnTo>
-                    <a:pt x="12" y="0"/>
-                  </a:lnTo>
-                  <a:lnTo>
-                    <a:pt x="93" y="69"/>
-                  </a:lnTo>
-                  <a:lnTo>
-                    <a:pt x="93" y="303"/>
-                  </a:lnTo>
-                  <a:close/>
-                </a:path>
-              </a:pathLst>
-            </a:custGeom>
-            <a:grpFill/>
-            <a:ln>
-              <a:noFill/>
-            </a:ln>
-            <a:extLst>
-              <a:ext uri="{91240B29-F687-4f45-9708-019B960494DF}">
-                <a14:hiddenLine xmlns="" xmlns:a16="http://schemas.microsoft.com/office/drawing/2014/main" xmlns:p14="http://schemas.microsoft.com/office/powerpoint/2010/main" xmlns:a14="http://schemas.microsoft.com/office/drawing/2010/main" w="9525">
-                  <a:solidFill>
-                    <a:srgbClr val="000000"/>
-                  </a:solidFill>
-                  <a:round/>
-                  <a:headEnd/>
-                  <a:tailEnd/>
-                </a14:hiddenLine>
-              </a:ext>
-            </a:extLst>
-          </p:spPr>
-        </p:sp>
-        <p:sp>
-          <p:nvSpPr>
-            <p:cNvPr id="25" name="Freeform 19">
-              <a:extLst>
-                <a:ext uri="{FF2B5EF4-FFF2-40B4-BE49-F238E27FC236}">
-                  <a16:creationId xmlns:a16="http://schemas.microsoft.com/office/drawing/2014/main" id="{F6E14D9A-4E63-48FF-95C5-9E8DDFF86C45}"/>
-                </a:ext>
-                <a:ext uri="{C183D7F6-B498-43B3-948B-1728B52AA6E4}">
-                  <adec:decorative xmlns:adec="http://schemas.microsoft.com/office/drawing/2017/decorative" val="1"/>
-                </a:ext>
-              </a:extLst>
-            </p:cNvPr>
-            <p:cNvSpPr/>
-            <p:nvPr>
-              <p:extLst>
-                <p:ext uri="{386F3935-93C4-4BCD-93E2-E3B085C9AB24}">
-                  <p16:designElem xmlns:p16="http://schemas.microsoft.com/office/powerpoint/2015/main" val="1"/>
-                </p:ext>
-              </p:extLst>
-            </p:nvPr>
-          </p:nvSpPr>
-          <p:spPr bwMode="auto">
-            <a:xfrm>
-              <a:off x="128587" y="1382713"/>
-              <a:ext cx="142875" cy="476250"/>
-            </a:xfrm>
-            <a:custGeom>
-              <a:avLst/>
-              <a:gdLst/>
-              <a:ahLst/>
-              <a:cxnLst/>
-              <a:rect l="0" t="0" r="r" b="b"/>
-              <a:pathLst>
-                <a:path w="90" h="300">
-                  <a:moveTo>
-                    <a:pt x="90" y="300"/>
-                  </a:moveTo>
-                  <a:lnTo>
-                    <a:pt x="78" y="300"/>
-                  </a:lnTo>
-                  <a:lnTo>
-                    <a:pt x="78" y="84"/>
-                  </a:lnTo>
-                  <a:lnTo>
-                    <a:pt x="0" y="9"/>
-                  </a:lnTo>
-                  <a:lnTo>
-                    <a:pt x="9" y="0"/>
-                  </a:lnTo>
-                  <a:lnTo>
-                    <a:pt x="90" y="81"/>
-                  </a:lnTo>
-                  <a:lnTo>
-                    <a:pt x="90" y="300"/>
-                  </a:lnTo>
-                  <a:close/>
-                </a:path>
-              </a:pathLst>
-            </a:custGeom>
-            <a:grpFill/>
-            <a:ln>
-              <a:noFill/>
-            </a:ln>
-            <a:extLst>
-              <a:ext uri="{91240B29-F687-4f45-9708-019B960494DF}">
-                <a14:hiddenLine xmlns="" xmlns:a16="http://schemas.microsoft.com/office/drawing/2014/main" xmlns:p14="http://schemas.microsoft.com/office/powerpoint/2010/main" xmlns:a14="http://schemas.microsoft.com/office/drawing/2010/main" w="9525">
-                  <a:solidFill>
-                    <a:srgbClr val="000000"/>
-                  </a:solidFill>
-                  <a:round/>
-                  <a:headEnd/>
-                  <a:tailEnd/>
-                </a14:hiddenLine>
-              </a:ext>
-            </a:extLst>
-          </p:spPr>
-        </p:sp>
-        <p:sp>
-          <p:nvSpPr>
-            <p:cNvPr id="26" name="Freeform 20">
-              <a:extLst>
-                <a:ext uri="{FF2B5EF4-FFF2-40B4-BE49-F238E27FC236}">
-                  <a16:creationId xmlns:a16="http://schemas.microsoft.com/office/drawing/2014/main" id="{F3DCD24F-3CA8-4404-B22C-E4C928995F3B}"/>
-                </a:ext>
-                <a:ext uri="{C183D7F6-B498-43B3-948B-1728B52AA6E4}">
-                  <adec:decorative xmlns:adec="http://schemas.microsoft.com/office/drawing/2017/decorative" val="1"/>
-                </a:ext>
-              </a:extLst>
-            </p:cNvPr>
-            <p:cNvSpPr>
-              <a:spLocks noEditPoints="1"/>
-            </p:cNvSpPr>
-            <p:nvPr>
-              <p:extLst>
-                <p:ext uri="{386F3935-93C4-4BCD-93E2-E3B085C9AB24}">
-                  <p16:designElem xmlns:p16="http://schemas.microsoft.com/office/powerpoint/2015/main" val="1"/>
-                </p:ext>
-              </p:extLst>
-            </p:nvPr>
-          </p:nvSpPr>
-          <p:spPr bwMode="auto">
-            <a:xfrm>
-              <a:off x="204787" y="1849438"/>
-              <a:ext cx="114300" cy="107950"/>
-            </a:xfrm>
-            <a:custGeom>
-              <a:avLst/>
-              <a:gdLst/>
-              <a:ahLst/>
-              <a:cxnLst/>
-              <a:rect l="0" t="0" r="r" b="b"/>
-              <a:pathLst>
-                <a:path w="24" h="23">
-                  <a:moveTo>
-                    <a:pt x="12" y="23"/>
-                  </a:moveTo>
-                  <a:cubicBezTo>
-                    <a:pt x="6" y="23"/>
-                    <a:pt x="0" y="18"/>
-                    <a:pt x="0" y="12"/>
-                  </a:cubicBezTo>
-                  <a:cubicBezTo>
-                    <a:pt x="0" y="5"/>
-                    <a:pt x="6" y="0"/>
-                    <a:pt x="12" y="0"/>
-                  </a:cubicBezTo>
-                  <a:cubicBezTo>
-                    <a:pt x="18" y="0"/>
-                    <a:pt x="24" y="5"/>
-                    <a:pt x="24" y="12"/>
-                  </a:cubicBezTo>
-                  <a:cubicBezTo>
-                    <a:pt x="24" y="18"/>
-                    <a:pt x="18" y="23"/>
-                    <a:pt x="12" y="23"/>
-                  </a:cubicBezTo>
-                  <a:close/>
-                  <a:moveTo>
-                    <a:pt x="12" y="4"/>
-                  </a:moveTo>
-                  <a:cubicBezTo>
-                    <a:pt x="8" y="4"/>
-                    <a:pt x="4" y="8"/>
-                    <a:pt x="4" y="12"/>
-                  </a:cubicBezTo>
-                  <a:cubicBezTo>
-                    <a:pt x="4" y="16"/>
-                    <a:pt x="8" y="19"/>
-                    <a:pt x="12" y="19"/>
-                  </a:cubicBezTo>
-                  <a:cubicBezTo>
-                    <a:pt x="16" y="19"/>
-                    <a:pt x="20" y="16"/>
-                    <a:pt x="20" y="12"/>
-                  </a:cubicBezTo>
-                  <a:cubicBezTo>
-                    <a:pt x="20" y="8"/>
-                    <a:pt x="16" y="4"/>
-                    <a:pt x="12" y="4"/>
-                  </a:cubicBezTo>
-                  <a:close/>
-                </a:path>
-              </a:pathLst>
-            </a:custGeom>
-            <a:grpFill/>
-            <a:ln>
-              <a:noFill/>
-            </a:ln>
-            <a:extLst>
-              <a:ext uri="{91240B29-F687-4f45-9708-019B960494DF}">
-                <a14:hiddenLine xmlns="" xmlns:a16="http://schemas.microsoft.com/office/drawing/2014/main" xmlns:p14="http://schemas.microsoft.com/office/powerpoint/2010/main" xmlns:a14="http://schemas.microsoft.com/office/drawing/2010/main" w="9525">
-                  <a:solidFill>
-                    <a:srgbClr val="000000"/>
-                  </a:solidFill>
-                  <a:round/>
-                  <a:headEnd/>
-                  <a:tailEnd/>
-                </a14:hiddenLine>
-              </a:ext>
-            </a:extLst>
-          </p:spPr>
-        </p:sp>
-        <p:sp>
-          <p:nvSpPr>
-            <p:cNvPr id="27" name="Rectangle 21">
-              <a:extLst>
-                <a:ext uri="{FF2B5EF4-FFF2-40B4-BE49-F238E27FC236}">
-                  <a16:creationId xmlns:a16="http://schemas.microsoft.com/office/drawing/2014/main" id="{8AD2E827-32A3-4BE4-9CC6-8315629177AE}"/>
-                </a:ext>
-                <a:ext uri="{C183D7F6-B498-43B3-948B-1728B52AA6E4}">
-                  <adec:decorative xmlns:adec="http://schemas.microsoft.com/office/drawing/2017/decorative" val="1"/>
-                </a:ext>
-              </a:extLst>
-            </p:cNvPr>
-            <p:cNvSpPr>
-              <a:spLocks noChangeArrowheads="1"/>
-            </p:cNvSpPr>
-            <p:nvPr>
-              <p:extLst>
-                <p:ext uri="{386F3935-93C4-4BCD-93E2-E3B085C9AB24}">
-                  <p16:designElem xmlns:p16="http://schemas.microsoft.com/office/powerpoint/2015/main" val="1"/>
-                </p:ext>
-              </p:extLst>
-            </p:nvPr>
-          </p:nvSpPr>
-          <p:spPr bwMode="auto">
-            <a:xfrm>
-              <a:off x="133350" y="4662488"/>
-              <a:ext cx="23813" cy="2181225"/>
-            </a:xfrm>
-            <a:prstGeom prst="rect">
-              <a:avLst/>
-            </a:prstGeom>
-            <a:grpFill/>
-            <a:ln>
-              <a:noFill/>
-            </a:ln>
-            <a:extLst>
-              <a:ext uri="{91240B29-F687-4f45-9708-019B960494DF}">
-                <a14:hiddenLine xmlns="" xmlns:a16="http://schemas.microsoft.com/office/drawing/2014/main" xmlns:p14="http://schemas.microsoft.com/office/powerpoint/2010/main" xmlns:a14="http://schemas.microsoft.com/office/drawing/2010/main" w="9525">
-                  <a:solidFill>
-                    <a:srgbClr val="000000"/>
-                  </a:solidFill>
-                  <a:miter lim="800000"/>
-                  <a:headEnd/>
-                  <a:tailEnd/>
-                </a14:hiddenLine>
-              </a:ext>
-            </a:extLst>
-          </p:spPr>
-        </p:sp>
-        <p:sp>
-          <p:nvSpPr>
-            <p:cNvPr id="28" name="Freeform 22">
-              <a:extLst>
-                <a:ext uri="{FF2B5EF4-FFF2-40B4-BE49-F238E27FC236}">
-                  <a16:creationId xmlns:a16="http://schemas.microsoft.com/office/drawing/2014/main" id="{47FB2CCC-1230-494F-B2D1-F05E5B8EDF55}"/>
-                </a:ext>
-                <a:ext uri="{C183D7F6-B498-43B3-948B-1728B52AA6E4}">
-                  <adec:decorative xmlns:adec="http://schemas.microsoft.com/office/drawing/2017/decorative" val="1"/>
-                </a:ext>
-              </a:extLst>
-            </p:cNvPr>
-            <p:cNvSpPr/>
-            <p:nvPr>
-              <p:extLst>
-                <p:ext uri="{386F3935-93C4-4BCD-93E2-E3B085C9AB24}">
-                  <p16:designElem xmlns:p16="http://schemas.microsoft.com/office/powerpoint/2015/main" val="1"/>
-                </p:ext>
-              </p:extLst>
-            </p:nvPr>
-          </p:nvSpPr>
-          <p:spPr bwMode="auto">
-            <a:xfrm>
-              <a:off x="223837" y="5041900"/>
-              <a:ext cx="369888" cy="1801813"/>
-            </a:xfrm>
-            <a:custGeom>
-              <a:avLst/>
-              <a:gdLst/>
-              <a:ahLst/>
-              <a:cxnLst/>
-              <a:rect l="0" t="0" r="r" b="b"/>
-              <a:pathLst>
-                <a:path w="233" h="1135">
-                  <a:moveTo>
-                    <a:pt x="15" y="1135"/>
-                  </a:moveTo>
-                  <a:lnTo>
-                    <a:pt x="0" y="1135"/>
-                  </a:lnTo>
-                  <a:lnTo>
-                    <a:pt x="0" y="515"/>
-                  </a:lnTo>
-                  <a:lnTo>
-                    <a:pt x="0" y="512"/>
-                  </a:lnTo>
-                  <a:lnTo>
-                    <a:pt x="218" y="0"/>
-                  </a:lnTo>
-                  <a:lnTo>
-                    <a:pt x="233" y="6"/>
-                  </a:lnTo>
-                  <a:lnTo>
-                    <a:pt x="15" y="518"/>
-                  </a:lnTo>
-                  <a:lnTo>
-                    <a:pt x="15" y="1135"/>
-                  </a:lnTo>
-                  <a:close/>
-                </a:path>
-              </a:pathLst>
-            </a:custGeom>
-            <a:grpFill/>
-            <a:ln>
-              <a:noFill/>
-            </a:ln>
-            <a:extLst>
-              <a:ext uri="{91240B29-F687-4f45-9708-019B960494DF}">
-                <a14:hiddenLine xmlns="" xmlns:a16="http://schemas.microsoft.com/office/drawing/2014/main" xmlns:p14="http://schemas.microsoft.com/office/powerpoint/2010/main" xmlns:a14="http://schemas.microsoft.com/office/drawing/2010/main" w="9525">
-                  <a:solidFill>
-                    <a:srgbClr val="000000"/>
-                  </a:solidFill>
-                  <a:round/>
-                  <a:headEnd/>
-                  <a:tailEnd/>
-                </a14:hiddenLine>
-              </a:ext>
-            </a:extLst>
-          </p:spPr>
-        </p:sp>
-        <p:sp>
-          <p:nvSpPr>
-            <p:cNvPr id="29" name="Freeform 23">
-              <a:extLst>
-                <a:ext uri="{FF2B5EF4-FFF2-40B4-BE49-F238E27FC236}">
-                  <a16:creationId xmlns:a16="http://schemas.microsoft.com/office/drawing/2014/main" id="{A5F44514-9274-47E3-9243-CA9356C166B5}"/>
-                </a:ext>
-                <a:ext uri="{C183D7F6-B498-43B3-948B-1728B52AA6E4}">
-                  <adec:decorative xmlns:adec="http://schemas.microsoft.com/office/drawing/2017/decorative" val="1"/>
-                </a:ext>
-              </a:extLst>
-            </p:cNvPr>
-            <p:cNvSpPr>
-              <a:spLocks noEditPoints="1"/>
-            </p:cNvSpPr>
-            <p:nvPr>
-              <p:extLst>
-                <p:ext uri="{386F3935-93C4-4BCD-93E2-E3B085C9AB24}">
-                  <p16:designElem xmlns:p16="http://schemas.microsoft.com/office/powerpoint/2015/main" val="1"/>
-                </p:ext>
-              </p:extLst>
-            </p:nvPr>
-          </p:nvSpPr>
-          <p:spPr bwMode="auto">
-            <a:xfrm>
-              <a:off x="52387" y="4481513"/>
-              <a:ext cx="190500" cy="190500"/>
-            </a:xfrm>
-            <a:custGeom>
-              <a:avLst/>
-              <a:gdLst/>
-              <a:ahLst/>
-              <a:cxnLst/>
-              <a:rect l="0" t="0" r="r" b="b"/>
-              <a:pathLst>
-                <a:path w="40" h="40">
-                  <a:moveTo>
-                    <a:pt x="20" y="40"/>
-                  </a:moveTo>
-                  <a:cubicBezTo>
-                    <a:pt x="9" y="40"/>
-                    <a:pt x="0" y="31"/>
-                    <a:pt x="0" y="20"/>
-                  </a:cubicBezTo>
-                  <a:cubicBezTo>
-                    <a:pt x="0" y="9"/>
-                    <a:pt x="9" y="0"/>
-                    <a:pt x="20" y="0"/>
-                  </a:cubicBezTo>
-                  <a:cubicBezTo>
-                    <a:pt x="31" y="0"/>
-                    <a:pt x="40" y="9"/>
-                    <a:pt x="40" y="20"/>
-                  </a:cubicBezTo>
-                  <a:cubicBezTo>
-                    <a:pt x="40" y="31"/>
-                    <a:pt x="31" y="40"/>
-                    <a:pt x="20" y="40"/>
-                  </a:cubicBezTo>
-                  <a:close/>
-                  <a:moveTo>
-                    <a:pt x="20" y="4"/>
-                  </a:moveTo>
-                  <a:cubicBezTo>
-                    <a:pt x="11" y="4"/>
-                    <a:pt x="4" y="11"/>
-                    <a:pt x="4" y="20"/>
-                  </a:cubicBezTo>
-                  <a:cubicBezTo>
-                    <a:pt x="4" y="29"/>
-                    <a:pt x="11" y="36"/>
-                    <a:pt x="20" y="36"/>
-                  </a:cubicBezTo>
-                  <a:cubicBezTo>
-                    <a:pt x="28" y="36"/>
-                    <a:pt x="36" y="29"/>
-                    <a:pt x="36" y="20"/>
-                  </a:cubicBezTo>
-                  <a:cubicBezTo>
-                    <a:pt x="36" y="11"/>
-                    <a:pt x="28" y="4"/>
-                    <a:pt x="20" y="4"/>
-                  </a:cubicBezTo>
-                  <a:close/>
-                </a:path>
-              </a:pathLst>
-            </a:custGeom>
-            <a:grpFill/>
-            <a:ln>
-              <a:noFill/>
-            </a:ln>
-            <a:extLst>
-              <a:ext uri="{91240B29-F687-4f45-9708-019B960494DF}">
-                <a14:hiddenLine xmlns="" xmlns:a16="http://schemas.microsoft.com/office/drawing/2014/main" xmlns:p14="http://schemas.microsoft.com/office/powerpoint/2010/main" xmlns:a14="http://schemas.microsoft.com/office/drawing/2010/main" w="9525">
-                  <a:solidFill>
-                    <a:srgbClr val="000000"/>
-                  </a:solidFill>
-                  <a:round/>
-                  <a:headEnd/>
-                  <a:tailEnd/>
-                </a14:hiddenLine>
-              </a:ext>
-            </a:extLst>
-          </p:spPr>
-        </p:sp>
-        <p:sp>
-          <p:nvSpPr>
-            <p:cNvPr id="54" name="Freeform 24">
-              <a:extLst>
-                <a:ext uri="{FF2B5EF4-FFF2-40B4-BE49-F238E27FC236}">
-                  <a16:creationId xmlns:a16="http://schemas.microsoft.com/office/drawing/2014/main" id="{D06192CD-AD86-4DCA-8B53-4ACCA46583A9}"/>
-                </a:ext>
-                <a:ext uri="{C183D7F6-B498-43B3-948B-1728B52AA6E4}">
-                  <adec:decorative xmlns:adec="http://schemas.microsoft.com/office/drawing/2017/decorative" val="1"/>
-                </a:ext>
-              </a:extLst>
-            </p:cNvPr>
-            <p:cNvSpPr/>
-            <p:nvPr>
-              <p:extLst>
-                <p:ext uri="{386F3935-93C4-4BCD-93E2-E3B085C9AB24}">
-                  <p16:designElem xmlns:p16="http://schemas.microsoft.com/office/powerpoint/2015/main" val="1"/>
-                </p:ext>
-              </p:extLst>
-            </p:nvPr>
-          </p:nvSpPr>
-          <p:spPr bwMode="auto">
-            <a:xfrm>
-              <a:off x="-14288" y="5627688"/>
-              <a:ext cx="85725" cy="1216025"/>
-            </a:xfrm>
-            <a:custGeom>
-              <a:avLst/>
-              <a:gdLst/>
-              <a:ahLst/>
-              <a:cxnLst/>
-              <a:rect l="0" t="0" r="r" b="b"/>
-              <a:pathLst>
-                <a:path w="54" h="766">
-                  <a:moveTo>
-                    <a:pt x="54" y="766"/>
-                  </a:moveTo>
-                  <a:lnTo>
-                    <a:pt x="36" y="766"/>
-                  </a:lnTo>
-                  <a:lnTo>
-                    <a:pt x="36" y="149"/>
-                  </a:lnTo>
-                  <a:lnTo>
-                    <a:pt x="0" y="3"/>
-                  </a:lnTo>
-                  <a:lnTo>
-                    <a:pt x="18" y="0"/>
-                  </a:lnTo>
-                  <a:lnTo>
-                    <a:pt x="54" y="146"/>
-                  </a:lnTo>
-                  <a:lnTo>
-                    <a:pt x="54" y="766"/>
-                  </a:lnTo>
-                  <a:close/>
-                </a:path>
-              </a:pathLst>
-            </a:custGeom>
-            <a:grpFill/>
-            <a:ln>
-              <a:noFill/>
-            </a:ln>
-            <a:extLst>
-              <a:ext uri="{91240B29-F687-4f45-9708-019B960494DF}">
-                <a14:hiddenLine xmlns="" xmlns:a16="http://schemas.microsoft.com/office/drawing/2014/main" xmlns:p14="http://schemas.microsoft.com/office/powerpoint/2010/main" xmlns:a14="http://schemas.microsoft.com/office/drawing/2010/main" w="9525">
-                  <a:solidFill>
-                    <a:srgbClr val="000000"/>
-                  </a:solidFill>
-                  <a:round/>
-                  <a:headEnd/>
-                  <a:tailEnd/>
-                </a14:hiddenLine>
-              </a:ext>
-            </a:extLst>
-          </p:spPr>
-        </p:sp>
-        <p:sp>
-          <p:nvSpPr>
-            <p:cNvPr id="31" name="Freeform 25">
-              <a:extLst>
-                <a:ext uri="{FF2B5EF4-FFF2-40B4-BE49-F238E27FC236}">
-                  <a16:creationId xmlns:a16="http://schemas.microsoft.com/office/drawing/2014/main" id="{99E9203A-21E4-46D8-981A-4B28CA320A69}"/>
-                </a:ext>
-                <a:ext uri="{C183D7F6-B498-43B3-948B-1728B52AA6E4}">
-                  <adec:decorative xmlns:adec="http://schemas.microsoft.com/office/drawing/2017/decorative" val="1"/>
-                </a:ext>
-              </a:extLst>
-            </p:cNvPr>
-            <p:cNvSpPr>
-              <a:spLocks noEditPoints="1"/>
-            </p:cNvSpPr>
-            <p:nvPr>
-              <p:extLst>
-                <p:ext uri="{386F3935-93C4-4BCD-93E2-E3B085C9AB24}">
-                  <p16:designElem xmlns:p16="http://schemas.microsoft.com/office/powerpoint/2015/main" val="1"/>
-                </p:ext>
-              </p:extLst>
-            </p:nvPr>
-          </p:nvSpPr>
-          <p:spPr bwMode="auto">
-            <a:xfrm>
-              <a:off x="527050" y="4867275"/>
-              <a:ext cx="190500" cy="188913"/>
-            </a:xfrm>
-            <a:custGeom>
-              <a:avLst/>
-              <a:gdLst/>
-              <a:ahLst/>
-              <a:cxnLst/>
-              <a:rect l="0" t="0" r="r" b="b"/>
-              <a:pathLst>
-                <a:path w="40" h="40">
-                  <a:moveTo>
-                    <a:pt x="20" y="40"/>
-                  </a:moveTo>
-                  <a:cubicBezTo>
-                    <a:pt x="9" y="40"/>
-                    <a:pt x="0" y="31"/>
-                    <a:pt x="0" y="20"/>
-                  </a:cubicBezTo>
-                  <a:cubicBezTo>
-                    <a:pt x="0" y="9"/>
-                    <a:pt x="9" y="0"/>
-                    <a:pt x="20" y="0"/>
-                  </a:cubicBezTo>
-                  <a:cubicBezTo>
-                    <a:pt x="31" y="0"/>
-                    <a:pt x="40" y="9"/>
-                    <a:pt x="40" y="20"/>
-                  </a:cubicBezTo>
-                  <a:cubicBezTo>
-                    <a:pt x="40" y="31"/>
-                    <a:pt x="31" y="40"/>
-                    <a:pt x="20" y="40"/>
-                  </a:cubicBezTo>
-                  <a:close/>
-                  <a:moveTo>
-                    <a:pt x="20" y="4"/>
-                  </a:moveTo>
-                  <a:cubicBezTo>
-                    <a:pt x="11" y="4"/>
-                    <a:pt x="4" y="11"/>
-                    <a:pt x="4" y="20"/>
-                  </a:cubicBezTo>
-                  <a:cubicBezTo>
-                    <a:pt x="4" y="29"/>
-                    <a:pt x="11" y="36"/>
-                    <a:pt x="20" y="36"/>
-                  </a:cubicBezTo>
-                  <a:cubicBezTo>
-                    <a:pt x="29" y="36"/>
-                    <a:pt x="36" y="29"/>
-                    <a:pt x="36" y="20"/>
-                  </a:cubicBezTo>
-                  <a:cubicBezTo>
-                    <a:pt x="36" y="11"/>
-                    <a:pt x="29" y="4"/>
-                    <a:pt x="20" y="4"/>
-                  </a:cubicBezTo>
-                  <a:close/>
-                </a:path>
-              </a:pathLst>
-            </a:custGeom>
-            <a:grpFill/>
-            <a:ln>
-              <a:noFill/>
-            </a:ln>
-            <a:extLst>
-              <a:ext uri="{91240B29-F687-4f45-9708-019B960494DF}">
-                <a14:hiddenLine xmlns="" xmlns:a16="http://schemas.microsoft.com/office/drawing/2014/main" xmlns:p14="http://schemas.microsoft.com/office/powerpoint/2010/main" xmlns:a14="http://schemas.microsoft.com/office/drawing/2010/main" w="9525">
-                  <a:solidFill>
-                    <a:srgbClr val="000000"/>
-                  </a:solidFill>
-                  <a:round/>
-                  <a:headEnd/>
-                  <a:tailEnd/>
-                </a14:hiddenLine>
-              </a:ext>
-            </a:extLst>
-          </p:spPr>
-        </p:sp>
-        <p:sp>
-          <p:nvSpPr>
-            <p:cNvPr id="32" name="Freeform 26">
-              <a:extLst>
-                <a:ext uri="{FF2B5EF4-FFF2-40B4-BE49-F238E27FC236}">
-                  <a16:creationId xmlns:a16="http://schemas.microsoft.com/office/drawing/2014/main" id="{32FCE9B6-FB52-4045-8DCC-E5959B9A403B}"/>
-                </a:ext>
-                <a:ext uri="{C183D7F6-B498-43B3-948B-1728B52AA6E4}">
-                  <adec:decorative xmlns:adec="http://schemas.microsoft.com/office/drawing/2017/decorative" val="1"/>
-                </a:ext>
-              </a:extLst>
-            </p:cNvPr>
-            <p:cNvSpPr/>
-            <p:nvPr>
-              <p:extLst>
-                <p:ext uri="{386F3935-93C4-4BCD-93E2-E3B085C9AB24}">
-                  <p16:designElem xmlns:p16="http://schemas.microsoft.com/office/powerpoint/2015/main" val="1"/>
-                </p:ext>
-              </p:extLst>
-            </p:nvPr>
-          </p:nvSpPr>
-          <p:spPr bwMode="auto">
-            <a:xfrm>
-              <a:off x="309562" y="5422900"/>
-              <a:ext cx="374650" cy="1425575"/>
-            </a:xfrm>
-            <a:custGeom>
-              <a:avLst/>
-              <a:gdLst/>
-              <a:ahLst/>
-              <a:cxnLst/>
-              <a:rect l="0" t="0" r="r" b="b"/>
-              <a:pathLst>
-                <a:path w="236" h="898">
-                  <a:moveTo>
-                    <a:pt x="18" y="898"/>
-                  </a:moveTo>
-                  <a:lnTo>
-                    <a:pt x="0" y="898"/>
-                  </a:lnTo>
-                  <a:lnTo>
-                    <a:pt x="0" y="515"/>
-                  </a:lnTo>
-                  <a:lnTo>
-                    <a:pt x="3" y="512"/>
-                  </a:lnTo>
-                  <a:lnTo>
-                    <a:pt x="221" y="0"/>
-                  </a:lnTo>
-                  <a:lnTo>
-                    <a:pt x="236" y="6"/>
-                  </a:lnTo>
-                  <a:lnTo>
-                    <a:pt x="18" y="518"/>
-                  </a:lnTo>
-                  <a:lnTo>
-                    <a:pt x="18" y="898"/>
-                  </a:lnTo>
-                  <a:close/>
-                </a:path>
-              </a:pathLst>
-            </a:custGeom>
-            <a:grpFill/>
-            <a:ln>
-              <a:noFill/>
-            </a:ln>
-            <a:extLst>
-              <a:ext uri="{91240B29-F687-4f45-9708-019B960494DF}">
-                <a14:hiddenLine xmlns="" xmlns:a16="http://schemas.microsoft.com/office/drawing/2014/main" xmlns:p14="http://schemas.microsoft.com/office/powerpoint/2010/main" xmlns:a14="http://schemas.microsoft.com/office/drawing/2010/main" w="9525">
-                  <a:solidFill>
-                    <a:srgbClr val="000000"/>
-                  </a:solidFill>
-                  <a:round/>
-                  <a:headEnd/>
-                  <a:tailEnd/>
-                </a14:hiddenLine>
-              </a:ext>
-            </a:extLst>
-          </p:spPr>
-        </p:sp>
-        <p:sp>
-          <p:nvSpPr>
-            <p:cNvPr id="33" name="Freeform 27">
-              <a:extLst>
-                <a:ext uri="{FF2B5EF4-FFF2-40B4-BE49-F238E27FC236}">
-                  <a16:creationId xmlns:a16="http://schemas.microsoft.com/office/drawing/2014/main" id="{E4A7025C-CDE8-429A-BBB9-E7380C962388}"/>
-                </a:ext>
-                <a:ext uri="{C183D7F6-B498-43B3-948B-1728B52AA6E4}">
-                  <adec:decorative xmlns:adec="http://schemas.microsoft.com/office/drawing/2017/decorative" val="1"/>
-                </a:ext>
-              </a:extLst>
-            </p:cNvPr>
-            <p:cNvSpPr/>
-            <p:nvPr>
-              <p:extLst>
-                <p:ext uri="{386F3935-93C4-4BCD-93E2-E3B085C9AB24}">
-                  <p16:designElem xmlns:p16="http://schemas.microsoft.com/office/powerpoint/2015/main" val="1"/>
-                </p:ext>
-              </p:extLst>
-            </p:nvPr>
-          </p:nvSpPr>
-          <p:spPr bwMode="auto">
-            <a:xfrm>
-              <a:off x="569912" y="5945188"/>
-              <a:ext cx="152400" cy="912813"/>
-            </a:xfrm>
-            <a:custGeom>
-              <a:avLst/>
-              <a:gdLst/>
-              <a:ahLst/>
-              <a:cxnLst/>
-              <a:rect l="0" t="0" r="r" b="b"/>
-              <a:pathLst>
-                <a:path w="96" h="575">
-                  <a:moveTo>
-                    <a:pt x="15" y="575"/>
-                  </a:moveTo>
-                  <a:lnTo>
-                    <a:pt x="0" y="569"/>
-                  </a:lnTo>
-                  <a:lnTo>
-                    <a:pt x="81" y="383"/>
-                  </a:lnTo>
-                  <a:lnTo>
-                    <a:pt x="81" y="0"/>
-                  </a:lnTo>
-                  <a:lnTo>
-                    <a:pt x="96" y="0"/>
-                  </a:lnTo>
-                  <a:lnTo>
-                    <a:pt x="96" y="386"/>
-                  </a:lnTo>
-                  <a:lnTo>
-                    <a:pt x="15" y="575"/>
-                  </a:lnTo>
-                  <a:close/>
-                </a:path>
-              </a:pathLst>
-            </a:custGeom>
-            <a:grpFill/>
-            <a:ln>
-              <a:noFill/>
-            </a:ln>
-            <a:extLst>
-              <a:ext uri="{91240B29-F687-4f45-9708-019B960494DF}">
-                <a14:hiddenLine xmlns="" xmlns:a16="http://schemas.microsoft.com/office/drawing/2014/main" xmlns:p14="http://schemas.microsoft.com/office/powerpoint/2010/main" xmlns:a14="http://schemas.microsoft.com/office/drawing/2010/main" w="9525">
-                  <a:solidFill>
-                    <a:srgbClr val="000000"/>
-                  </a:solidFill>
-                  <a:round/>
-                  <a:headEnd/>
-                  <a:tailEnd/>
-                </a14:hiddenLine>
-              </a:ext>
-            </a:extLst>
-          </p:spPr>
-        </p:sp>
-        <p:sp>
-          <p:nvSpPr>
-            <p:cNvPr id="34" name="Freeform 28">
-              <a:extLst>
-                <a:ext uri="{FF2B5EF4-FFF2-40B4-BE49-F238E27FC236}">
-                  <a16:creationId xmlns:a16="http://schemas.microsoft.com/office/drawing/2014/main" id="{A4EA0256-5DF5-437A-98A7-B79F3E6BB89A}"/>
-                </a:ext>
-                <a:ext uri="{C183D7F6-B498-43B3-948B-1728B52AA6E4}">
-                  <adec:decorative xmlns:adec="http://schemas.microsoft.com/office/drawing/2017/decorative" val="1"/>
-                </a:ext>
-              </a:extLst>
-            </p:cNvPr>
-            <p:cNvSpPr>
-              <a:spLocks noEditPoints="1"/>
-            </p:cNvSpPr>
-            <p:nvPr>
-              <p:extLst>
-                <p:ext uri="{386F3935-93C4-4BCD-93E2-E3B085C9AB24}">
-                  <p16:designElem xmlns:p16="http://schemas.microsoft.com/office/powerpoint/2015/main" val="1"/>
-                </p:ext>
-              </p:extLst>
-            </p:nvPr>
-          </p:nvSpPr>
-          <p:spPr bwMode="auto">
-            <a:xfrm>
-              <a:off x="612775" y="5246688"/>
-              <a:ext cx="190500" cy="190500"/>
-            </a:xfrm>
-            <a:custGeom>
-              <a:avLst/>
-              <a:gdLst/>
-              <a:ahLst/>
-              <a:cxnLst/>
-              <a:rect l="0" t="0" r="r" b="b"/>
-              <a:pathLst>
-                <a:path w="40" h="40">
-                  <a:moveTo>
-                    <a:pt x="20" y="40"/>
-                  </a:moveTo>
-                  <a:cubicBezTo>
-                    <a:pt x="9" y="40"/>
-                    <a:pt x="0" y="31"/>
-                    <a:pt x="0" y="20"/>
-                  </a:cubicBezTo>
-                  <a:cubicBezTo>
-                    <a:pt x="0" y="9"/>
-                    <a:pt x="9" y="0"/>
-                    <a:pt x="20" y="0"/>
-                  </a:cubicBezTo>
-                  <a:cubicBezTo>
-                    <a:pt x="31" y="0"/>
-                    <a:pt x="40" y="9"/>
-                    <a:pt x="40" y="20"/>
-                  </a:cubicBezTo>
-                  <a:cubicBezTo>
-                    <a:pt x="40" y="31"/>
-                    <a:pt x="31" y="40"/>
-                    <a:pt x="20" y="40"/>
-                  </a:cubicBezTo>
-                  <a:close/>
-                  <a:moveTo>
-                    <a:pt x="20" y="4"/>
-                  </a:moveTo>
-                  <a:cubicBezTo>
-                    <a:pt x="12" y="4"/>
-                    <a:pt x="4" y="11"/>
-                    <a:pt x="4" y="20"/>
-                  </a:cubicBezTo>
-                  <a:cubicBezTo>
-                    <a:pt x="4" y="29"/>
-                    <a:pt x="12" y="36"/>
-                    <a:pt x="20" y="36"/>
-                  </a:cubicBezTo>
-                  <a:cubicBezTo>
-                    <a:pt x="29" y="36"/>
-                    <a:pt x="36" y="29"/>
-                    <a:pt x="36" y="20"/>
-                  </a:cubicBezTo>
-                  <a:cubicBezTo>
-                    <a:pt x="36" y="11"/>
-                    <a:pt x="29" y="4"/>
-                    <a:pt x="20" y="4"/>
-                  </a:cubicBezTo>
-                  <a:close/>
-                </a:path>
-              </a:pathLst>
-            </a:custGeom>
-            <a:grpFill/>
-            <a:ln>
-              <a:noFill/>
-            </a:ln>
-            <a:extLst>
-              <a:ext uri="{91240B29-F687-4f45-9708-019B960494DF}">
-                <a14:hiddenLine xmlns="" xmlns:a16="http://schemas.microsoft.com/office/drawing/2014/main" xmlns:p14="http://schemas.microsoft.com/office/powerpoint/2010/main" xmlns:a14="http://schemas.microsoft.com/office/drawing/2010/main" w="9525">
-                  <a:solidFill>
-                    <a:srgbClr val="000000"/>
-                  </a:solidFill>
-                  <a:round/>
-                  <a:headEnd/>
-                  <a:tailEnd/>
-                </a14:hiddenLine>
-              </a:ext>
-            </a:extLst>
-          </p:spPr>
-        </p:sp>
-        <p:sp>
-          <p:nvSpPr>
-            <p:cNvPr id="35" name="Freeform 29">
-              <a:extLst>
-                <a:ext uri="{FF2B5EF4-FFF2-40B4-BE49-F238E27FC236}">
-                  <a16:creationId xmlns:a16="http://schemas.microsoft.com/office/drawing/2014/main" id="{90C9433D-9E1C-493B-BEBD-C3081FFA328F}"/>
-                </a:ext>
-                <a:ext uri="{C183D7F6-B498-43B3-948B-1728B52AA6E4}">
-                  <adec:decorative xmlns:adec="http://schemas.microsoft.com/office/drawing/2017/decorative" val="1"/>
-                </a:ext>
-              </a:extLst>
-            </p:cNvPr>
-            <p:cNvSpPr>
-              <a:spLocks noEditPoints="1"/>
-            </p:cNvSpPr>
-            <p:nvPr>
-              <p:extLst>
-                <p:ext uri="{386F3935-93C4-4BCD-93E2-E3B085C9AB24}">
-                  <p16:designElem xmlns:p16="http://schemas.microsoft.com/office/powerpoint/2015/main" val="1"/>
-                </p:ext>
-              </p:extLst>
-            </p:nvPr>
-          </p:nvSpPr>
-          <p:spPr bwMode="auto">
-            <a:xfrm>
-              <a:off x="612775" y="5764213"/>
-              <a:ext cx="190500" cy="190500"/>
-            </a:xfrm>
-            <a:custGeom>
-              <a:avLst/>
-              <a:gdLst/>
-              <a:ahLst/>
-              <a:cxnLst/>
-              <a:rect l="0" t="0" r="r" b="b"/>
-              <a:pathLst>
-                <a:path w="40" h="40">
-                  <a:moveTo>
-                    <a:pt x="20" y="40"/>
-                  </a:moveTo>
-                  <a:cubicBezTo>
-                    <a:pt x="9" y="40"/>
-                    <a:pt x="0" y="31"/>
-                    <a:pt x="0" y="20"/>
-                  </a:cubicBezTo>
-                  <a:cubicBezTo>
-                    <a:pt x="0" y="9"/>
-                    <a:pt x="9" y="0"/>
-                    <a:pt x="20" y="0"/>
-                  </a:cubicBezTo>
-                  <a:cubicBezTo>
-                    <a:pt x="31" y="0"/>
-                    <a:pt x="40" y="9"/>
-                    <a:pt x="40" y="20"/>
-                  </a:cubicBezTo>
-                  <a:cubicBezTo>
-                    <a:pt x="40" y="31"/>
-                    <a:pt x="31" y="40"/>
-                    <a:pt x="20" y="40"/>
-                  </a:cubicBezTo>
-                  <a:close/>
-                  <a:moveTo>
-                    <a:pt x="20" y="4"/>
-                  </a:moveTo>
-                  <a:cubicBezTo>
-                    <a:pt x="12" y="4"/>
-                    <a:pt x="4" y="11"/>
-                    <a:pt x="4" y="20"/>
-                  </a:cubicBezTo>
-                  <a:cubicBezTo>
-                    <a:pt x="4" y="29"/>
-                    <a:pt x="12" y="36"/>
-                    <a:pt x="20" y="36"/>
-                  </a:cubicBezTo>
-                  <a:cubicBezTo>
-                    <a:pt x="29" y="36"/>
-                    <a:pt x="36" y="29"/>
-                    <a:pt x="36" y="20"/>
-                  </a:cubicBezTo>
-                  <a:cubicBezTo>
-                    <a:pt x="36" y="11"/>
-                    <a:pt x="29" y="4"/>
-                    <a:pt x="20" y="4"/>
-                  </a:cubicBezTo>
-                  <a:close/>
-                </a:path>
-              </a:pathLst>
-            </a:custGeom>
-            <a:grpFill/>
-            <a:ln>
-              <a:noFill/>
-            </a:ln>
-            <a:extLst>
-              <a:ext uri="{91240B29-F687-4f45-9708-019B960494DF}">
-                <a14:hiddenLine xmlns="" xmlns:a16="http://schemas.microsoft.com/office/drawing/2014/main" xmlns:p14="http://schemas.microsoft.com/office/powerpoint/2010/main" xmlns:a14="http://schemas.microsoft.com/office/drawing/2010/main" w="9525">
-                  <a:solidFill>
-                    <a:srgbClr val="000000"/>
-                  </a:solidFill>
-                  <a:round/>
-                  <a:headEnd/>
-                  <a:tailEnd/>
-                </a14:hiddenLine>
-              </a:ext>
-            </a:extLst>
-          </p:spPr>
-        </p:sp>
-        <p:sp>
-          <p:nvSpPr>
-            <p:cNvPr id="36" name="Freeform 30">
-              <a:extLst>
-                <a:ext uri="{FF2B5EF4-FFF2-40B4-BE49-F238E27FC236}">
-                  <a16:creationId xmlns:a16="http://schemas.microsoft.com/office/drawing/2014/main" id="{352B39BB-F298-4285-A709-1FBA0CB722C9}"/>
-                </a:ext>
-                <a:ext uri="{C183D7F6-B498-43B3-948B-1728B52AA6E4}">
-                  <adec:decorative xmlns:adec="http://schemas.microsoft.com/office/drawing/2017/decorative" val="1"/>
-                </a:ext>
-              </a:extLst>
-            </p:cNvPr>
-            <p:cNvSpPr/>
-            <p:nvPr>
-              <p:extLst>
-                <p:ext uri="{386F3935-93C4-4BCD-93E2-E3B085C9AB24}">
-                  <p16:designElem xmlns:p16="http://schemas.microsoft.com/office/powerpoint/2015/main" val="1"/>
-                </p:ext>
-              </p:extLst>
-            </p:nvPr>
-          </p:nvSpPr>
-          <p:spPr bwMode="auto">
-            <a:xfrm>
-              <a:off x="669925" y="6330950"/>
-              <a:ext cx="417513" cy="517525"/>
-            </a:xfrm>
-            <a:custGeom>
-              <a:avLst/>
-              <a:gdLst/>
-              <a:ahLst/>
-              <a:cxnLst/>
-              <a:rect l="0" t="0" r="r" b="b"/>
-              <a:pathLst>
-                <a:path w="263" h="326">
-                  <a:moveTo>
-                    <a:pt x="15" y="326"/>
-                  </a:moveTo>
-                  <a:lnTo>
-                    <a:pt x="0" y="320"/>
-                  </a:lnTo>
-                  <a:lnTo>
-                    <a:pt x="45" y="206"/>
-                  </a:lnTo>
-                  <a:lnTo>
-                    <a:pt x="48" y="206"/>
-                  </a:lnTo>
-                  <a:lnTo>
-                    <a:pt x="254" y="0"/>
-                  </a:lnTo>
-                  <a:lnTo>
-                    <a:pt x="263" y="12"/>
-                  </a:lnTo>
-                  <a:lnTo>
-                    <a:pt x="60" y="215"/>
-                  </a:lnTo>
-                  <a:lnTo>
-                    <a:pt x="15" y="326"/>
-                  </a:lnTo>
-                  <a:close/>
-                </a:path>
-              </a:pathLst>
-            </a:custGeom>
-            <a:grpFill/>
-            <a:ln>
-              <a:noFill/>
-            </a:ln>
-            <a:extLst>
-              <a:ext uri="{91240B29-F687-4f45-9708-019B960494DF}">
-                <a14:hiddenLine xmlns="" xmlns:a16="http://schemas.microsoft.com/office/drawing/2014/main" xmlns:p14="http://schemas.microsoft.com/office/powerpoint/2010/main" xmlns:a14="http://schemas.microsoft.com/office/drawing/2010/main" w="9525">
-                  <a:solidFill>
-                    <a:srgbClr val="000000"/>
-                  </a:solidFill>
-                  <a:round/>
-                  <a:headEnd/>
-                  <a:tailEnd/>
-                </a14:hiddenLine>
-              </a:ext>
-            </a:extLst>
-          </p:spPr>
-        </p:sp>
-        <p:sp>
-          <p:nvSpPr>
-            <p:cNvPr id="37" name="Freeform 31">
-              <a:extLst>
-                <a:ext uri="{FF2B5EF4-FFF2-40B4-BE49-F238E27FC236}">
-                  <a16:creationId xmlns:a16="http://schemas.microsoft.com/office/drawing/2014/main" id="{31CAF2A0-CBA0-4E86-AA87-8750EC1AFB2E}"/>
-                </a:ext>
-                <a:ext uri="{C183D7F6-B498-43B3-948B-1728B52AA6E4}">
-                  <adec:decorative xmlns:adec="http://schemas.microsoft.com/office/drawing/2017/decorative" val="1"/>
-                </a:ext>
-              </a:extLst>
-            </p:cNvPr>
-            <p:cNvSpPr>
-              <a:spLocks noEditPoints="1"/>
-            </p:cNvSpPr>
-            <p:nvPr>
-              <p:extLst>
-                <p:ext uri="{386F3935-93C4-4BCD-93E2-E3B085C9AB24}">
-                  <p16:designElem xmlns:p16="http://schemas.microsoft.com/office/powerpoint/2015/main" val="1"/>
-                </p:ext>
-              </p:extLst>
-            </p:nvPr>
-          </p:nvSpPr>
-          <p:spPr bwMode="auto">
-            <a:xfrm>
-              <a:off x="1049337" y="6221413"/>
-              <a:ext cx="157163" cy="147638"/>
-            </a:xfrm>
-            <a:custGeom>
-              <a:avLst/>
-              <a:gdLst/>
-              <a:ahLst/>
-              <a:cxnLst/>
-              <a:rect l="0" t="0" r="r" b="b"/>
-              <a:pathLst>
-                <a:path w="33" h="31">
-                  <a:moveTo>
-                    <a:pt x="16" y="31"/>
-                  </a:moveTo>
-                  <a:cubicBezTo>
-                    <a:pt x="12" y="31"/>
-                    <a:pt x="8" y="29"/>
-                    <a:pt x="5" y="26"/>
-                  </a:cubicBezTo>
-                  <a:cubicBezTo>
-                    <a:pt x="2" y="24"/>
-                    <a:pt x="0" y="20"/>
-                    <a:pt x="0" y="15"/>
-                  </a:cubicBezTo>
-                  <a:cubicBezTo>
-                    <a:pt x="0" y="11"/>
-                    <a:pt x="2" y="7"/>
-                    <a:pt x="5" y="4"/>
-                  </a:cubicBezTo>
-                  <a:cubicBezTo>
-                    <a:pt x="8" y="1"/>
-                    <a:pt x="12" y="0"/>
-                    <a:pt x="16" y="0"/>
-                  </a:cubicBezTo>
-                  <a:cubicBezTo>
-                    <a:pt x="20" y="0"/>
-                    <a:pt x="24" y="1"/>
-                    <a:pt x="27" y="4"/>
-                  </a:cubicBezTo>
-                  <a:cubicBezTo>
-                    <a:pt x="33" y="10"/>
-                    <a:pt x="33" y="20"/>
-                    <a:pt x="27" y="26"/>
-                  </a:cubicBezTo>
-                  <a:cubicBezTo>
-                    <a:pt x="24" y="29"/>
-                    <a:pt x="20" y="31"/>
-                    <a:pt x="16" y="31"/>
-                  </a:cubicBezTo>
-                  <a:close/>
-                  <a:moveTo>
-                    <a:pt x="16" y="4"/>
-                  </a:moveTo>
-                  <a:cubicBezTo>
-                    <a:pt x="13" y="4"/>
-                    <a:pt x="10" y="5"/>
-                    <a:pt x="8" y="7"/>
-                  </a:cubicBezTo>
-                  <a:cubicBezTo>
-                    <a:pt x="6" y="9"/>
-                    <a:pt x="4" y="12"/>
-                    <a:pt x="4" y="15"/>
-                  </a:cubicBezTo>
-                  <a:cubicBezTo>
-                    <a:pt x="4" y="19"/>
-                    <a:pt x="6" y="21"/>
-                    <a:pt x="8" y="24"/>
-                  </a:cubicBezTo>
-                  <a:cubicBezTo>
-                    <a:pt x="10" y="26"/>
-                    <a:pt x="13" y="27"/>
-                    <a:pt x="16" y="27"/>
-                  </a:cubicBezTo>
-                  <a:cubicBezTo>
-                    <a:pt x="19" y="27"/>
-                    <a:pt x="22" y="26"/>
-                    <a:pt x="24" y="24"/>
-                  </a:cubicBezTo>
-                  <a:cubicBezTo>
-                    <a:pt x="29" y="19"/>
-                    <a:pt x="29" y="12"/>
-                    <a:pt x="24" y="7"/>
-                  </a:cubicBezTo>
-                  <a:cubicBezTo>
-                    <a:pt x="22" y="5"/>
-                    <a:pt x="19" y="4"/>
-                    <a:pt x="16" y="4"/>
-                  </a:cubicBezTo>
-                  <a:close/>
-                </a:path>
-              </a:pathLst>
-            </a:custGeom>
-            <a:grpFill/>
-            <a:ln>
-              <a:noFill/>
-            </a:ln>
-            <a:extLst>
-              <a:ext uri="{91240B29-F687-4f45-9708-019B960494DF}">
-                <a14:hiddenLine xmlns="" xmlns:a16="http://schemas.microsoft.com/office/drawing/2014/main" xmlns:p14="http://schemas.microsoft.com/office/powerpoint/2010/main" xmlns:a14="http://schemas.microsoft.com/office/drawing/2010/main" w="9525">
-                  <a:solidFill>
-                    <a:srgbClr val="000000"/>
-                  </a:solidFill>
-                  <a:round/>
-                  <a:headEnd/>
-                  <a:tailEnd/>
-                </a14:hiddenLine>
-              </a:ext>
-            </a:extLst>
-          </p:spPr>
-        </p:sp>
-      </p:grpSp>
       <p:sp>
         <p:nvSpPr>
           <p:cNvPr id="2" name="Cím 1">
@@ -15406,12 +13665,7 @@
             <p:ph type="title"/>
           </p:nvPr>
         </p:nvSpPr>
-        <p:spPr>
-          <a:xfrm>
-            <a:off x="1141413" y="618518"/>
-            <a:ext cx="9905998" cy="1478570"/>
-          </a:xfrm>
-        </p:spPr>
+        <p:spPr/>
         <p:txBody>
           <a:bodyPr>
             <a:normAutofit/>
@@ -15426,981 +13680,6 @@
           </a:p>
         </p:txBody>
       </p:sp>
-      <p:grpSp>
-        <p:nvGrpSpPr>
-          <p:cNvPr id="39" name="Group 38">
-            <a:extLst>
-              <a:ext uri="{FF2B5EF4-FFF2-40B4-BE49-F238E27FC236}">
-                <a16:creationId xmlns:a16="http://schemas.microsoft.com/office/drawing/2014/main" id="{B485B3F6-654D-4842-A2DE-677D12FED460}"/>
-              </a:ext>
-              <a:ext uri="{C183D7F6-B498-43B3-948B-1728B52AA6E4}">
-                <adec:decorative xmlns:adec="http://schemas.microsoft.com/office/drawing/2017/decorative" val="1"/>
-              </a:ext>
-            </a:extLst>
-          </p:cNvPr>
-          <p:cNvGrpSpPr>
-            <a:grpSpLocks noGrp="1" noUngrp="1" noRot="1" noChangeAspect="1" noMove="1" noResize="1"/>
-          </p:cNvGrpSpPr>
-          <p:nvPr>
-            <p:extLst>
-              <p:ext uri="{386F3935-93C4-4BCD-93E2-E3B085C9AB24}">
-                <p16:designElem xmlns:p16="http://schemas.microsoft.com/office/powerpoint/2015/main" val="1"/>
-              </p:ext>
-            </p:extLst>
-          </p:nvPr>
-        </p:nvGrpSpPr>
-        <p:grpSpPr>
-          <a:xfrm>
-            <a:off x="11364912" y="0"/>
-            <a:ext cx="674688" cy="6848476"/>
-            <a:chOff x="11364912" y="0"/>
-            <a:chExt cx="674688" cy="6848476"/>
-          </a:xfrm>
-          <a:gradFill flip="none" rotWithShape="1">
-            <a:gsLst>
-              <a:gs pos="0">
-                <a:schemeClr val="tx2">
-                  <a:alpha val="60000"/>
-                </a:schemeClr>
-              </a:gs>
-              <a:gs pos="100000">
-                <a:schemeClr val="bg2">
-                  <a:lumMod val="60000"/>
-                  <a:lumOff val="40000"/>
-                  <a:alpha val="60000"/>
-                </a:schemeClr>
-              </a:gs>
-            </a:gsLst>
-            <a:lin ang="5400000" scaled="0"/>
-            <a:tileRect/>
-          </a:gradFill>
-        </p:grpSpPr>
-        <p:sp>
-          <p:nvSpPr>
-            <p:cNvPr id="55" name="Freeform 32">
-              <a:extLst>
-                <a:ext uri="{FF2B5EF4-FFF2-40B4-BE49-F238E27FC236}">
-                  <a16:creationId xmlns:a16="http://schemas.microsoft.com/office/drawing/2014/main" id="{BF4365F4-C63C-4FC2-907B-1F7D414B95E7}"/>
-                </a:ext>
-                <a:ext uri="{C183D7F6-B498-43B3-948B-1728B52AA6E4}">
-                  <adec:decorative xmlns:adec="http://schemas.microsoft.com/office/drawing/2017/decorative" val="1"/>
-                </a:ext>
-              </a:extLst>
-            </p:cNvPr>
-            <p:cNvSpPr/>
-            <p:nvPr>
-              <p:extLst>
-                <p:ext uri="{386F3935-93C4-4BCD-93E2-E3B085C9AB24}">
-                  <p16:designElem xmlns:p16="http://schemas.microsoft.com/office/powerpoint/2015/main" val="1"/>
-                </p:ext>
-              </p:extLst>
-            </p:nvPr>
-          </p:nvSpPr>
-          <p:spPr bwMode="auto">
-            <a:xfrm>
-              <a:off x="11483975" y="0"/>
-              <a:ext cx="417513" cy="512763"/>
-            </a:xfrm>
-            <a:custGeom>
-              <a:avLst/>
-              <a:gdLst/>
-              <a:ahLst/>
-              <a:cxnLst/>
-              <a:rect l="0" t="0" r="r" b="b"/>
-              <a:pathLst>
-                <a:path w="263" h="323">
-                  <a:moveTo>
-                    <a:pt x="12" y="323"/>
-                  </a:moveTo>
-                  <a:lnTo>
-                    <a:pt x="0" y="314"/>
-                  </a:lnTo>
-                  <a:lnTo>
-                    <a:pt x="203" y="108"/>
-                  </a:lnTo>
-                  <a:lnTo>
-                    <a:pt x="248" y="0"/>
-                  </a:lnTo>
-                  <a:lnTo>
-                    <a:pt x="263" y="6"/>
-                  </a:lnTo>
-                  <a:lnTo>
-                    <a:pt x="218" y="117"/>
-                  </a:lnTo>
-                  <a:lnTo>
-                    <a:pt x="218" y="117"/>
-                  </a:lnTo>
-                  <a:lnTo>
-                    <a:pt x="12" y="323"/>
-                  </a:lnTo>
-                  <a:close/>
-                </a:path>
-              </a:pathLst>
-            </a:custGeom>
-            <a:grpFill/>
-            <a:ln>
-              <a:noFill/>
-            </a:ln>
-            <a:extLst>
-              <a:ext uri="{91240B29-F687-4f45-9708-019B960494DF}">
-                <a14:hiddenLine xmlns="" xmlns:a16="http://schemas.microsoft.com/office/drawing/2014/main" xmlns:p14="http://schemas.microsoft.com/office/powerpoint/2010/main" xmlns:a14="http://schemas.microsoft.com/office/drawing/2010/main" w="9525">
-                  <a:solidFill>
-                    <a:srgbClr val="000000"/>
-                  </a:solidFill>
-                  <a:round/>
-                  <a:headEnd/>
-                  <a:tailEnd/>
-                </a14:hiddenLine>
-              </a:ext>
-            </a:extLst>
-          </p:spPr>
-        </p:sp>
-        <p:sp>
-          <p:nvSpPr>
-            <p:cNvPr id="41" name="Freeform 33">
-              <a:extLst>
-                <a:ext uri="{FF2B5EF4-FFF2-40B4-BE49-F238E27FC236}">
-                  <a16:creationId xmlns:a16="http://schemas.microsoft.com/office/drawing/2014/main" id="{B0538225-01AB-41C4-9A02-FE1BD81D6277}"/>
-                </a:ext>
-                <a:ext uri="{C183D7F6-B498-43B3-948B-1728B52AA6E4}">
-                  <adec:decorative xmlns:adec="http://schemas.microsoft.com/office/drawing/2017/decorative" val="1"/>
-                </a:ext>
-              </a:extLst>
-            </p:cNvPr>
-            <p:cNvSpPr>
-              <a:spLocks noEditPoints="1"/>
-            </p:cNvSpPr>
-            <p:nvPr>
-              <p:extLst>
-                <p:ext uri="{386F3935-93C4-4BCD-93E2-E3B085C9AB24}">
-                  <p16:designElem xmlns:p16="http://schemas.microsoft.com/office/powerpoint/2015/main" val="1"/>
-                </p:ext>
-              </p:extLst>
-            </p:nvPr>
-          </p:nvSpPr>
-          <p:spPr bwMode="auto">
-            <a:xfrm>
-              <a:off x="11364912" y="474663"/>
-              <a:ext cx="157163" cy="152400"/>
-            </a:xfrm>
-            <a:custGeom>
-              <a:avLst/>
-              <a:gdLst/>
-              <a:ahLst/>
-              <a:cxnLst/>
-              <a:rect l="0" t="0" r="r" b="b"/>
-              <a:pathLst>
-                <a:path w="33" h="32">
-                  <a:moveTo>
-                    <a:pt x="17" y="32"/>
-                  </a:moveTo>
-                  <a:cubicBezTo>
-                    <a:pt x="13" y="32"/>
-                    <a:pt x="9" y="30"/>
-                    <a:pt x="6" y="27"/>
-                  </a:cubicBezTo>
-                  <a:cubicBezTo>
-                    <a:pt x="0" y="21"/>
-                    <a:pt x="0" y="11"/>
-                    <a:pt x="6" y="5"/>
-                  </a:cubicBezTo>
-                  <a:cubicBezTo>
-                    <a:pt x="9" y="2"/>
-                    <a:pt x="13" y="0"/>
-                    <a:pt x="17" y="0"/>
-                  </a:cubicBezTo>
-                  <a:cubicBezTo>
-                    <a:pt x="21" y="0"/>
-                    <a:pt x="25" y="2"/>
-                    <a:pt x="28" y="5"/>
-                  </a:cubicBezTo>
-                  <a:cubicBezTo>
-                    <a:pt x="31" y="8"/>
-                    <a:pt x="33" y="12"/>
-                    <a:pt x="33" y="16"/>
-                  </a:cubicBezTo>
-                  <a:cubicBezTo>
-                    <a:pt x="33" y="20"/>
-                    <a:pt x="31" y="24"/>
-                    <a:pt x="28" y="27"/>
-                  </a:cubicBezTo>
-                  <a:cubicBezTo>
-                    <a:pt x="25" y="30"/>
-                    <a:pt x="21" y="32"/>
-                    <a:pt x="17" y="32"/>
-                  </a:cubicBezTo>
-                  <a:close/>
-                  <a:moveTo>
-                    <a:pt x="17" y="4"/>
-                  </a:moveTo>
-                  <a:cubicBezTo>
-                    <a:pt x="14" y="4"/>
-                    <a:pt x="11" y="6"/>
-                    <a:pt x="9" y="8"/>
-                  </a:cubicBezTo>
-                  <a:cubicBezTo>
-                    <a:pt x="4" y="12"/>
-                    <a:pt x="4" y="20"/>
-                    <a:pt x="9" y="24"/>
-                  </a:cubicBezTo>
-                  <a:cubicBezTo>
-                    <a:pt x="11" y="27"/>
-                    <a:pt x="14" y="28"/>
-                    <a:pt x="17" y="28"/>
-                  </a:cubicBezTo>
-                  <a:cubicBezTo>
-                    <a:pt x="20" y="28"/>
-                    <a:pt x="23" y="27"/>
-                    <a:pt x="26" y="24"/>
-                  </a:cubicBezTo>
-                  <a:cubicBezTo>
-                    <a:pt x="30" y="20"/>
-                    <a:pt x="30" y="12"/>
-                    <a:pt x="26" y="8"/>
-                  </a:cubicBezTo>
-                  <a:cubicBezTo>
-                    <a:pt x="23" y="6"/>
-                    <a:pt x="20" y="4"/>
-                    <a:pt x="17" y="4"/>
-                  </a:cubicBezTo>
-                  <a:close/>
-                </a:path>
-              </a:pathLst>
-            </a:custGeom>
-            <a:grpFill/>
-            <a:ln>
-              <a:noFill/>
-            </a:ln>
-            <a:extLst>
-              <a:ext uri="{91240B29-F687-4f45-9708-019B960494DF}">
-                <a14:hiddenLine xmlns="" xmlns:a16="http://schemas.microsoft.com/office/drawing/2014/main" xmlns:p14="http://schemas.microsoft.com/office/powerpoint/2010/main" xmlns:a14="http://schemas.microsoft.com/office/drawing/2010/main" w="9525">
-                  <a:solidFill>
-                    <a:srgbClr val="000000"/>
-                  </a:solidFill>
-                  <a:round/>
-                  <a:headEnd/>
-                  <a:tailEnd/>
-                </a14:hiddenLine>
-              </a:ext>
-            </a:extLst>
-          </p:spPr>
-        </p:sp>
-        <p:sp>
-          <p:nvSpPr>
-            <p:cNvPr id="42" name="Freeform 34">
-              <a:extLst>
-                <a:ext uri="{FF2B5EF4-FFF2-40B4-BE49-F238E27FC236}">
-                  <a16:creationId xmlns:a16="http://schemas.microsoft.com/office/drawing/2014/main" id="{66942F07-D7CC-49EB-BF73-8B94D5F4FCB9}"/>
-                </a:ext>
-                <a:ext uri="{C183D7F6-B498-43B3-948B-1728B52AA6E4}">
-                  <adec:decorative xmlns:adec="http://schemas.microsoft.com/office/drawing/2017/decorative" val="1"/>
-                </a:ext>
-              </a:extLst>
-            </p:cNvPr>
-            <p:cNvSpPr>
-              <a:spLocks noEditPoints="1"/>
-            </p:cNvSpPr>
-            <p:nvPr>
-              <p:extLst>
-                <p:ext uri="{386F3935-93C4-4BCD-93E2-E3B085C9AB24}">
-                  <p16:designElem xmlns:p16="http://schemas.microsoft.com/office/powerpoint/2015/main" val="1"/>
-                </p:ext>
-              </p:extLst>
-            </p:nvPr>
-          </p:nvSpPr>
-          <p:spPr bwMode="auto">
-            <a:xfrm>
-              <a:off x="11631612" y="1539875"/>
-              <a:ext cx="188913" cy="190500"/>
-            </a:xfrm>
-            <a:custGeom>
-              <a:avLst/>
-              <a:gdLst/>
-              <a:ahLst/>
-              <a:cxnLst/>
-              <a:rect l="0" t="0" r="r" b="b"/>
-              <a:pathLst>
-                <a:path w="40" h="40">
-                  <a:moveTo>
-                    <a:pt x="20" y="40"/>
-                  </a:moveTo>
-                  <a:cubicBezTo>
-                    <a:pt x="9" y="40"/>
-                    <a:pt x="0" y="31"/>
-                    <a:pt x="0" y="20"/>
-                  </a:cubicBezTo>
-                  <a:cubicBezTo>
-                    <a:pt x="0" y="9"/>
-                    <a:pt x="9" y="0"/>
-                    <a:pt x="20" y="0"/>
-                  </a:cubicBezTo>
-                  <a:cubicBezTo>
-                    <a:pt x="31" y="0"/>
-                    <a:pt x="40" y="9"/>
-                    <a:pt x="40" y="20"/>
-                  </a:cubicBezTo>
-                  <a:cubicBezTo>
-                    <a:pt x="40" y="31"/>
-                    <a:pt x="31" y="40"/>
-                    <a:pt x="20" y="40"/>
-                  </a:cubicBezTo>
-                  <a:close/>
-                  <a:moveTo>
-                    <a:pt x="20" y="4"/>
-                  </a:moveTo>
-                  <a:cubicBezTo>
-                    <a:pt x="11" y="4"/>
-                    <a:pt x="4" y="11"/>
-                    <a:pt x="4" y="20"/>
-                  </a:cubicBezTo>
-                  <a:cubicBezTo>
-                    <a:pt x="4" y="29"/>
-                    <a:pt x="11" y="36"/>
-                    <a:pt x="20" y="36"/>
-                  </a:cubicBezTo>
-                  <a:cubicBezTo>
-                    <a:pt x="29" y="36"/>
-                    <a:pt x="36" y="29"/>
-                    <a:pt x="36" y="20"/>
-                  </a:cubicBezTo>
-                  <a:cubicBezTo>
-                    <a:pt x="36" y="11"/>
-                    <a:pt x="29" y="4"/>
-                    <a:pt x="20" y="4"/>
-                  </a:cubicBezTo>
-                  <a:close/>
-                </a:path>
-              </a:pathLst>
-            </a:custGeom>
-            <a:grpFill/>
-            <a:ln>
-              <a:noFill/>
-            </a:ln>
-            <a:extLst>
-              <a:ext uri="{91240B29-F687-4f45-9708-019B960494DF}">
-                <a14:hiddenLine xmlns="" xmlns:a16="http://schemas.microsoft.com/office/drawing/2014/main" xmlns:p14="http://schemas.microsoft.com/office/powerpoint/2010/main" xmlns:a14="http://schemas.microsoft.com/office/drawing/2010/main" w="9525">
-                  <a:solidFill>
-                    <a:srgbClr val="000000"/>
-                  </a:solidFill>
-                  <a:round/>
-                  <a:headEnd/>
-                  <a:tailEnd/>
-                </a14:hiddenLine>
-              </a:ext>
-            </a:extLst>
-          </p:spPr>
-        </p:sp>
-        <p:sp>
-          <p:nvSpPr>
-            <p:cNvPr id="43" name="Freeform 35">
-              <a:extLst>
-                <a:ext uri="{FF2B5EF4-FFF2-40B4-BE49-F238E27FC236}">
-                  <a16:creationId xmlns:a16="http://schemas.microsoft.com/office/drawing/2014/main" id="{4D3CACE0-3AC7-4A9F-9A3F-1694ACCD4795}"/>
-                </a:ext>
-                <a:ext uri="{C183D7F6-B498-43B3-948B-1728B52AA6E4}">
-                  <adec:decorative xmlns:adec="http://schemas.microsoft.com/office/drawing/2017/decorative" val="1"/>
-                </a:ext>
-              </a:extLst>
-            </p:cNvPr>
-            <p:cNvSpPr/>
-            <p:nvPr>
-              <p:extLst>
-                <p:ext uri="{386F3935-93C4-4BCD-93E2-E3B085C9AB24}">
-                  <p16:designElem xmlns:p16="http://schemas.microsoft.com/office/powerpoint/2015/main" val="1"/>
-                </p:ext>
-              </p:extLst>
-            </p:nvPr>
-          </p:nvSpPr>
-          <p:spPr bwMode="auto">
-            <a:xfrm>
-              <a:off x="11531600" y="5694363"/>
-              <a:ext cx="298450" cy="1154113"/>
-            </a:xfrm>
-            <a:custGeom>
-              <a:avLst/>
-              <a:gdLst/>
-              <a:ahLst/>
-              <a:cxnLst/>
-              <a:rect l="0" t="0" r="r" b="b"/>
-              <a:pathLst>
-                <a:path w="188" h="727">
-                  <a:moveTo>
-                    <a:pt x="15" y="727"/>
-                  </a:moveTo>
-                  <a:lnTo>
-                    <a:pt x="0" y="727"/>
-                  </a:lnTo>
-                  <a:lnTo>
-                    <a:pt x="0" y="407"/>
-                  </a:lnTo>
-                  <a:lnTo>
-                    <a:pt x="0" y="407"/>
-                  </a:lnTo>
-                  <a:lnTo>
-                    <a:pt x="176" y="0"/>
-                  </a:lnTo>
-                  <a:lnTo>
-                    <a:pt x="188" y="6"/>
-                  </a:lnTo>
-                  <a:lnTo>
-                    <a:pt x="15" y="410"/>
-                  </a:lnTo>
-                  <a:lnTo>
-                    <a:pt x="15" y="727"/>
-                  </a:lnTo>
-                  <a:close/>
-                </a:path>
-              </a:pathLst>
-            </a:custGeom>
-            <a:grpFill/>
-            <a:ln>
-              <a:noFill/>
-            </a:ln>
-            <a:extLst>
-              <a:ext uri="{91240B29-F687-4f45-9708-019B960494DF}">
-                <a14:hiddenLine xmlns="" xmlns:a16="http://schemas.microsoft.com/office/drawing/2014/main" xmlns:p14="http://schemas.microsoft.com/office/powerpoint/2010/main" xmlns:a14="http://schemas.microsoft.com/office/drawing/2010/main" w="9525">
-                  <a:solidFill>
-                    <a:srgbClr val="000000"/>
-                  </a:solidFill>
-                  <a:round/>
-                  <a:headEnd/>
-                  <a:tailEnd/>
-                </a14:hiddenLine>
-              </a:ext>
-            </a:extLst>
-          </p:spPr>
-        </p:sp>
-        <p:sp>
-          <p:nvSpPr>
-            <p:cNvPr id="44" name="Freeform 36">
-              <a:extLst>
-                <a:ext uri="{FF2B5EF4-FFF2-40B4-BE49-F238E27FC236}">
-                  <a16:creationId xmlns:a16="http://schemas.microsoft.com/office/drawing/2014/main" id="{19063B47-FBFB-4EA1-A3FB-BECE005F48B1}"/>
-                </a:ext>
-                <a:ext uri="{C183D7F6-B498-43B3-948B-1728B52AA6E4}">
-                  <adec:decorative xmlns:adec="http://schemas.microsoft.com/office/drawing/2017/decorative" val="1"/>
-                </a:ext>
-              </a:extLst>
-            </p:cNvPr>
-            <p:cNvSpPr>
-              <a:spLocks noEditPoints="1"/>
-            </p:cNvSpPr>
-            <p:nvPr>
-              <p:extLst>
-                <p:ext uri="{386F3935-93C4-4BCD-93E2-E3B085C9AB24}">
-                  <p16:designElem xmlns:p16="http://schemas.microsoft.com/office/powerpoint/2015/main" val="1"/>
-                </p:ext>
-              </p:extLst>
-            </p:nvPr>
-          </p:nvSpPr>
-          <p:spPr bwMode="auto">
-            <a:xfrm>
-              <a:off x="11772900" y="5551488"/>
-              <a:ext cx="157163" cy="155575"/>
-            </a:xfrm>
-            <a:custGeom>
-              <a:avLst/>
-              <a:gdLst/>
-              <a:ahLst/>
-              <a:cxnLst/>
-              <a:rect l="0" t="0" r="r" b="b"/>
-              <a:pathLst>
-                <a:path w="33" h="33">
-                  <a:moveTo>
-                    <a:pt x="17" y="33"/>
-                  </a:moveTo>
-                  <a:cubicBezTo>
-                    <a:pt x="8" y="33"/>
-                    <a:pt x="0" y="25"/>
-                    <a:pt x="0" y="16"/>
-                  </a:cubicBezTo>
-                  <a:cubicBezTo>
-                    <a:pt x="0" y="7"/>
-                    <a:pt x="8" y="0"/>
-                    <a:pt x="17" y="0"/>
-                  </a:cubicBezTo>
-                  <a:cubicBezTo>
-                    <a:pt x="26" y="0"/>
-                    <a:pt x="33" y="7"/>
-                    <a:pt x="33" y="16"/>
-                  </a:cubicBezTo>
-                  <a:cubicBezTo>
-                    <a:pt x="33" y="25"/>
-                    <a:pt x="26" y="33"/>
-                    <a:pt x="17" y="33"/>
-                  </a:cubicBezTo>
-                  <a:close/>
-                  <a:moveTo>
-                    <a:pt x="17" y="4"/>
-                  </a:moveTo>
-                  <a:cubicBezTo>
-                    <a:pt x="10" y="4"/>
-                    <a:pt x="4" y="9"/>
-                    <a:pt x="4" y="16"/>
-                  </a:cubicBezTo>
-                  <a:cubicBezTo>
-                    <a:pt x="4" y="23"/>
-                    <a:pt x="10" y="29"/>
-                    <a:pt x="17" y="29"/>
-                  </a:cubicBezTo>
-                  <a:cubicBezTo>
-                    <a:pt x="23" y="29"/>
-                    <a:pt x="29" y="23"/>
-                    <a:pt x="29" y="16"/>
-                  </a:cubicBezTo>
-                  <a:cubicBezTo>
-                    <a:pt x="29" y="9"/>
-                    <a:pt x="23" y="4"/>
-                    <a:pt x="17" y="4"/>
-                  </a:cubicBezTo>
-                  <a:close/>
-                </a:path>
-              </a:pathLst>
-            </a:custGeom>
-            <a:grpFill/>
-            <a:ln>
-              <a:noFill/>
-            </a:ln>
-            <a:extLst>
-              <a:ext uri="{91240B29-F687-4f45-9708-019B960494DF}">
-                <a14:hiddenLine xmlns="" xmlns:a16="http://schemas.microsoft.com/office/drawing/2014/main" xmlns:p14="http://schemas.microsoft.com/office/powerpoint/2010/main" xmlns:a14="http://schemas.microsoft.com/office/drawing/2010/main" w="9525">
-                  <a:solidFill>
-                    <a:srgbClr val="000000"/>
-                  </a:solidFill>
-                  <a:round/>
-                  <a:headEnd/>
-                  <a:tailEnd/>
-                </a14:hiddenLine>
-              </a:ext>
-            </a:extLst>
-          </p:spPr>
-        </p:sp>
-        <p:sp>
-          <p:nvSpPr>
-            <p:cNvPr id="45" name="Freeform 37">
-              <a:extLst>
-                <a:ext uri="{FF2B5EF4-FFF2-40B4-BE49-F238E27FC236}">
-                  <a16:creationId xmlns:a16="http://schemas.microsoft.com/office/drawing/2014/main" id="{B856863B-C809-4C31-94D0-659A9185130E}"/>
-                </a:ext>
-                <a:ext uri="{C183D7F6-B498-43B3-948B-1728B52AA6E4}">
-                  <adec:decorative xmlns:adec="http://schemas.microsoft.com/office/drawing/2017/decorative" val="1"/>
-                </a:ext>
-              </a:extLst>
-            </p:cNvPr>
-            <p:cNvSpPr/>
-            <p:nvPr>
-              <p:extLst>
-                <p:ext uri="{386F3935-93C4-4BCD-93E2-E3B085C9AB24}">
-                  <p16:designElem xmlns:p16="http://schemas.microsoft.com/office/powerpoint/2015/main" val="1"/>
-                </p:ext>
-              </p:extLst>
-            </p:nvPr>
-          </p:nvSpPr>
-          <p:spPr bwMode="auto">
-            <a:xfrm>
-              <a:off x="11710987" y="4763"/>
-              <a:ext cx="304800" cy="1544638"/>
-            </a:xfrm>
-            <a:custGeom>
-              <a:avLst/>
-              <a:gdLst/>
-              <a:ahLst/>
-              <a:cxnLst/>
-              <a:rect l="0" t="0" r="r" b="b"/>
-              <a:pathLst>
-                <a:path w="192" h="973">
-                  <a:moveTo>
-                    <a:pt x="15" y="973"/>
-                  </a:moveTo>
-                  <a:lnTo>
-                    <a:pt x="0" y="973"/>
-                  </a:lnTo>
-                  <a:lnTo>
-                    <a:pt x="0" y="790"/>
-                  </a:lnTo>
-                  <a:lnTo>
-                    <a:pt x="174" y="614"/>
-                  </a:lnTo>
-                  <a:lnTo>
-                    <a:pt x="174" y="0"/>
-                  </a:lnTo>
-                  <a:lnTo>
-                    <a:pt x="192" y="0"/>
-                  </a:lnTo>
-                  <a:lnTo>
-                    <a:pt x="192" y="620"/>
-                  </a:lnTo>
-                  <a:lnTo>
-                    <a:pt x="15" y="796"/>
-                  </a:lnTo>
-                  <a:lnTo>
-                    <a:pt x="15" y="973"/>
-                  </a:lnTo>
-                  <a:close/>
-                </a:path>
-              </a:pathLst>
-            </a:custGeom>
-            <a:grpFill/>
-            <a:ln>
-              <a:noFill/>
-            </a:ln>
-            <a:extLst>
-              <a:ext uri="{91240B29-F687-4f45-9708-019B960494DF}">
-                <a14:hiddenLine xmlns="" xmlns:a16="http://schemas.microsoft.com/office/drawing/2014/main" xmlns:p14="http://schemas.microsoft.com/office/powerpoint/2010/main" xmlns:a14="http://schemas.microsoft.com/office/drawing/2010/main" w="9525">
-                  <a:solidFill>
-                    <a:srgbClr val="000000"/>
-                  </a:solidFill>
-                  <a:round/>
-                  <a:headEnd/>
-                  <a:tailEnd/>
-                </a14:hiddenLine>
-              </a:ext>
-            </a:extLst>
-          </p:spPr>
-        </p:sp>
-        <p:sp>
-          <p:nvSpPr>
-            <p:cNvPr id="46" name="Freeform 38">
-              <a:extLst>
-                <a:ext uri="{FF2B5EF4-FFF2-40B4-BE49-F238E27FC236}">
-                  <a16:creationId xmlns:a16="http://schemas.microsoft.com/office/drawing/2014/main" id="{298CB3D7-7373-4AC6-9E2C-4AFDDE28023C}"/>
-                </a:ext>
-                <a:ext uri="{C183D7F6-B498-43B3-948B-1728B52AA6E4}">
-                  <adec:decorative xmlns:adec="http://schemas.microsoft.com/office/drawing/2017/decorative" val="1"/>
-                </a:ext>
-              </a:extLst>
-            </p:cNvPr>
-            <p:cNvSpPr>
-              <a:spLocks noEditPoints="1"/>
-            </p:cNvSpPr>
-            <p:nvPr>
-              <p:extLst>
-                <p:ext uri="{386F3935-93C4-4BCD-93E2-E3B085C9AB24}">
-                  <p16:designElem xmlns:p16="http://schemas.microsoft.com/office/powerpoint/2015/main" val="1"/>
-                </p:ext>
-              </p:extLst>
-            </p:nvPr>
-          </p:nvSpPr>
-          <p:spPr bwMode="auto">
-            <a:xfrm>
-              <a:off x="11636375" y="4867275"/>
-              <a:ext cx="188913" cy="188913"/>
-            </a:xfrm>
-            <a:custGeom>
-              <a:avLst/>
-              <a:gdLst/>
-              <a:ahLst/>
-              <a:cxnLst/>
-              <a:rect l="0" t="0" r="r" b="b"/>
-              <a:pathLst>
-                <a:path w="40" h="40">
-                  <a:moveTo>
-                    <a:pt x="20" y="40"/>
-                  </a:moveTo>
-                  <a:cubicBezTo>
-                    <a:pt x="9" y="40"/>
-                    <a:pt x="0" y="31"/>
-                    <a:pt x="0" y="20"/>
-                  </a:cubicBezTo>
-                  <a:cubicBezTo>
-                    <a:pt x="0" y="9"/>
-                    <a:pt x="9" y="0"/>
-                    <a:pt x="20" y="0"/>
-                  </a:cubicBezTo>
-                  <a:cubicBezTo>
-                    <a:pt x="31" y="0"/>
-                    <a:pt x="40" y="9"/>
-                    <a:pt x="40" y="20"/>
-                  </a:cubicBezTo>
-                  <a:cubicBezTo>
-                    <a:pt x="40" y="31"/>
-                    <a:pt x="31" y="40"/>
-                    <a:pt x="20" y="40"/>
-                  </a:cubicBezTo>
-                  <a:close/>
-                  <a:moveTo>
-                    <a:pt x="20" y="4"/>
-                  </a:moveTo>
-                  <a:cubicBezTo>
-                    <a:pt x="11" y="4"/>
-                    <a:pt x="4" y="11"/>
-                    <a:pt x="4" y="20"/>
-                  </a:cubicBezTo>
-                  <a:cubicBezTo>
-                    <a:pt x="4" y="29"/>
-                    <a:pt x="11" y="36"/>
-                    <a:pt x="20" y="36"/>
-                  </a:cubicBezTo>
-                  <a:cubicBezTo>
-                    <a:pt x="29" y="36"/>
-                    <a:pt x="36" y="29"/>
-                    <a:pt x="36" y="20"/>
-                  </a:cubicBezTo>
-                  <a:cubicBezTo>
-                    <a:pt x="36" y="11"/>
-                    <a:pt x="29" y="4"/>
-                    <a:pt x="20" y="4"/>
-                  </a:cubicBezTo>
-                  <a:close/>
-                </a:path>
-              </a:pathLst>
-            </a:custGeom>
-            <a:grpFill/>
-            <a:ln>
-              <a:noFill/>
-            </a:ln>
-            <a:extLst>
-              <a:ext uri="{91240B29-F687-4f45-9708-019B960494DF}">
-                <a14:hiddenLine xmlns="" xmlns:a16="http://schemas.microsoft.com/office/drawing/2014/main" xmlns:p14="http://schemas.microsoft.com/office/powerpoint/2010/main" xmlns:a14="http://schemas.microsoft.com/office/drawing/2010/main" w="9525">
-                  <a:solidFill>
-                    <a:srgbClr val="000000"/>
-                  </a:solidFill>
-                  <a:round/>
-                  <a:headEnd/>
-                  <a:tailEnd/>
-                </a14:hiddenLine>
-              </a:ext>
-            </a:extLst>
-          </p:spPr>
-        </p:sp>
-        <p:sp>
-          <p:nvSpPr>
-            <p:cNvPr id="47" name="Freeform 39">
-              <a:extLst>
-                <a:ext uri="{FF2B5EF4-FFF2-40B4-BE49-F238E27FC236}">
-                  <a16:creationId xmlns:a16="http://schemas.microsoft.com/office/drawing/2014/main" id="{7DE09F1B-2326-4ED3-B63B-A30815DDEC88}"/>
-                </a:ext>
-                <a:ext uri="{C183D7F6-B498-43B3-948B-1728B52AA6E4}">
-                  <adec:decorative xmlns:adec="http://schemas.microsoft.com/office/drawing/2017/decorative" val="1"/>
-                </a:ext>
-              </a:extLst>
-            </p:cNvPr>
-            <p:cNvSpPr/>
-            <p:nvPr>
-              <p:extLst>
-                <p:ext uri="{386F3935-93C4-4BCD-93E2-E3B085C9AB24}">
-                  <p16:designElem xmlns:p16="http://schemas.microsoft.com/office/powerpoint/2015/main" val="1"/>
-                </p:ext>
-              </p:extLst>
-            </p:nvPr>
-          </p:nvSpPr>
-          <p:spPr bwMode="auto">
-            <a:xfrm>
-              <a:off x="11441112" y="5046663"/>
-              <a:ext cx="307975" cy="1801813"/>
-            </a:xfrm>
-            <a:custGeom>
-              <a:avLst/>
-              <a:gdLst/>
-              <a:ahLst/>
-              <a:cxnLst/>
-              <a:rect l="0" t="0" r="r" b="b"/>
-              <a:pathLst>
-                <a:path w="194" h="1135">
-                  <a:moveTo>
-                    <a:pt x="18" y="1135"/>
-                  </a:moveTo>
-                  <a:lnTo>
-                    <a:pt x="0" y="1135"/>
-                  </a:lnTo>
-                  <a:lnTo>
-                    <a:pt x="0" y="354"/>
-                  </a:lnTo>
-                  <a:lnTo>
-                    <a:pt x="176" y="177"/>
-                  </a:lnTo>
-                  <a:lnTo>
-                    <a:pt x="176" y="0"/>
-                  </a:lnTo>
-                  <a:lnTo>
-                    <a:pt x="194" y="0"/>
-                  </a:lnTo>
-                  <a:lnTo>
-                    <a:pt x="194" y="183"/>
-                  </a:lnTo>
-                  <a:lnTo>
-                    <a:pt x="18" y="360"/>
-                  </a:lnTo>
-                  <a:lnTo>
-                    <a:pt x="18" y="1135"/>
-                  </a:lnTo>
-                  <a:close/>
-                </a:path>
-              </a:pathLst>
-            </a:custGeom>
-            <a:grpFill/>
-            <a:ln>
-              <a:noFill/>
-            </a:ln>
-            <a:extLst>
-              <a:ext uri="{91240B29-F687-4f45-9708-019B960494DF}">
-                <a14:hiddenLine xmlns="" xmlns:a16="http://schemas.microsoft.com/office/drawing/2014/main" xmlns:p14="http://schemas.microsoft.com/office/powerpoint/2010/main" xmlns:a14="http://schemas.microsoft.com/office/drawing/2010/main" w="9525">
-                  <a:solidFill>
-                    <a:srgbClr val="000000"/>
-                  </a:solidFill>
-                  <a:round/>
-                  <a:headEnd/>
-                  <a:tailEnd/>
-                </a14:hiddenLine>
-              </a:ext>
-            </a:extLst>
-          </p:spPr>
-        </p:sp>
-        <p:sp>
-          <p:nvSpPr>
-            <p:cNvPr id="48" name="Freeform 40">
-              <a:extLst>
-                <a:ext uri="{FF2B5EF4-FFF2-40B4-BE49-F238E27FC236}">
-                  <a16:creationId xmlns:a16="http://schemas.microsoft.com/office/drawing/2014/main" id="{2498F244-3CE6-4D90-B5CF-5189DB17D0D3}"/>
-                </a:ext>
-                <a:ext uri="{C183D7F6-B498-43B3-948B-1728B52AA6E4}">
-                  <adec:decorative xmlns:adec="http://schemas.microsoft.com/office/drawing/2017/decorative" val="1"/>
-                </a:ext>
-              </a:extLst>
-            </p:cNvPr>
-            <p:cNvSpPr>
-              <a:spLocks noEditPoints="1"/>
-            </p:cNvSpPr>
-            <p:nvPr>
-              <p:extLst>
-                <p:ext uri="{386F3935-93C4-4BCD-93E2-E3B085C9AB24}">
-                  <p16:designElem xmlns:p16="http://schemas.microsoft.com/office/powerpoint/2015/main" val="1"/>
-                </p:ext>
-              </p:extLst>
-            </p:nvPr>
-          </p:nvSpPr>
-          <p:spPr bwMode="auto">
-            <a:xfrm>
-              <a:off x="11849100" y="6416675"/>
-              <a:ext cx="190500" cy="188913"/>
-            </a:xfrm>
-            <a:custGeom>
-              <a:avLst/>
-              <a:gdLst/>
-              <a:ahLst/>
-              <a:cxnLst/>
-              <a:rect l="0" t="0" r="r" b="b"/>
-              <a:pathLst>
-                <a:path w="40" h="40">
-                  <a:moveTo>
-                    <a:pt x="20" y="40"/>
-                  </a:moveTo>
-                  <a:cubicBezTo>
-                    <a:pt x="9" y="40"/>
-                    <a:pt x="0" y="31"/>
-                    <a:pt x="0" y="20"/>
-                  </a:cubicBezTo>
-                  <a:cubicBezTo>
-                    <a:pt x="0" y="9"/>
-                    <a:pt x="9" y="0"/>
-                    <a:pt x="20" y="0"/>
-                  </a:cubicBezTo>
-                  <a:cubicBezTo>
-                    <a:pt x="31" y="0"/>
-                    <a:pt x="40" y="9"/>
-                    <a:pt x="40" y="20"/>
-                  </a:cubicBezTo>
-                  <a:cubicBezTo>
-                    <a:pt x="40" y="31"/>
-                    <a:pt x="31" y="40"/>
-                    <a:pt x="20" y="40"/>
-                  </a:cubicBezTo>
-                  <a:close/>
-                  <a:moveTo>
-                    <a:pt x="20" y="4"/>
-                  </a:moveTo>
-                  <a:cubicBezTo>
-                    <a:pt x="12" y="4"/>
-                    <a:pt x="4" y="11"/>
-                    <a:pt x="4" y="20"/>
-                  </a:cubicBezTo>
-                  <a:cubicBezTo>
-                    <a:pt x="4" y="29"/>
-                    <a:pt x="12" y="36"/>
-                    <a:pt x="20" y="36"/>
-                  </a:cubicBezTo>
-                  <a:cubicBezTo>
-                    <a:pt x="29" y="36"/>
-                    <a:pt x="36" y="29"/>
-                    <a:pt x="36" y="20"/>
-                  </a:cubicBezTo>
-                  <a:cubicBezTo>
-                    <a:pt x="36" y="11"/>
-                    <a:pt x="29" y="4"/>
-                    <a:pt x="20" y="4"/>
-                  </a:cubicBezTo>
-                  <a:close/>
-                </a:path>
-              </a:pathLst>
-            </a:custGeom>
-            <a:grpFill/>
-            <a:ln>
-              <a:noFill/>
-            </a:ln>
-            <a:extLst>
-              <a:ext uri="{91240B29-F687-4f45-9708-019B960494DF}">
-                <a14:hiddenLine xmlns="" xmlns:a16="http://schemas.microsoft.com/office/drawing/2014/main" xmlns:p14="http://schemas.microsoft.com/office/powerpoint/2010/main" xmlns:a14="http://schemas.microsoft.com/office/drawing/2010/main" w="9525">
-                  <a:solidFill>
-                    <a:srgbClr val="000000"/>
-                  </a:solidFill>
-                  <a:round/>
-                  <a:headEnd/>
-                  <a:tailEnd/>
-                </a14:hiddenLine>
-              </a:ext>
-            </a:extLst>
-          </p:spPr>
-        </p:sp>
-        <p:sp>
-          <p:nvSpPr>
-            <p:cNvPr id="49" name="Rectangle 41">
-              <a:extLst>
-                <a:ext uri="{FF2B5EF4-FFF2-40B4-BE49-F238E27FC236}">
-                  <a16:creationId xmlns:a16="http://schemas.microsoft.com/office/drawing/2014/main" id="{9A30DD13-FA10-4B9F-8B4D-97B7287B82F9}"/>
-                </a:ext>
-                <a:ext uri="{C183D7F6-B498-43B3-948B-1728B52AA6E4}">
-                  <adec:decorative xmlns:adec="http://schemas.microsoft.com/office/drawing/2017/decorative" val="1"/>
-                </a:ext>
-              </a:extLst>
-            </p:cNvPr>
-            <p:cNvSpPr>
-              <a:spLocks noChangeArrowheads="1"/>
-            </p:cNvSpPr>
-            <p:nvPr>
-              <p:extLst>
-                <p:ext uri="{386F3935-93C4-4BCD-93E2-E3B085C9AB24}">
-                  <p16:designElem xmlns:p16="http://schemas.microsoft.com/office/powerpoint/2015/main" val="1"/>
-                </p:ext>
-              </p:extLst>
-            </p:nvPr>
-          </p:nvSpPr>
-          <p:spPr bwMode="auto">
-            <a:xfrm>
-              <a:off x="11939587" y="6596063"/>
-              <a:ext cx="23813" cy="252413"/>
-            </a:xfrm>
-            <a:prstGeom prst="rect">
-              <a:avLst/>
-            </a:prstGeom>
-            <a:grpFill/>
-            <a:ln>
-              <a:noFill/>
-            </a:ln>
-            <a:extLst>
-              <a:ext uri="{91240B29-F687-4f45-9708-019B960494DF}">
-                <a14:hiddenLine xmlns="" xmlns:a16="http://schemas.microsoft.com/office/drawing/2014/main" xmlns:p14="http://schemas.microsoft.com/office/powerpoint/2010/main" xmlns:a14="http://schemas.microsoft.com/office/drawing/2010/main" w="9525">
-                  <a:solidFill>
-                    <a:srgbClr val="000000"/>
-                  </a:solidFill>
-                  <a:miter lim="800000"/>
-                  <a:headEnd/>
-                  <a:tailEnd/>
-                </a14:hiddenLine>
-              </a:ext>
-            </a:extLst>
-          </p:spPr>
-        </p:sp>
-      </p:grpSp>
     </p:spTree>
     <p:extLst>
       <p:ext uri="{BB962C8B-B14F-4D97-AF65-F5344CB8AC3E}">
@@ -16425,34 +13704,34 @@
         <a:sysClr val="window" lastClr="FFFFFF"/>
       </a:lt1>
       <a:dk2>
-        <a:srgbClr val="8D1E14"/>
+        <a:srgbClr val="2B5F27"/>
       </a:dk2>
       <a:lt2>
-        <a:srgbClr val="FF744E"/>
+        <a:srgbClr val="D8FC68"/>
       </a:lt2>
       <a:accent1>
-        <a:srgbClr val="E9B758"/>
+        <a:srgbClr val="DDC855"/>
       </a:accent1>
       <a:accent2>
-        <a:srgbClr val="FE8943"/>
+        <a:srgbClr val="FCA03D"/>
       </a:accent2>
       <a:accent3>
-        <a:srgbClr val="AEA27C"/>
+        <a:srgbClr val="E36439"/>
       </a:accent3>
       <a:accent4>
-        <a:srgbClr val="90B46E"/>
+        <a:srgbClr val="C2935B"/>
       </a:accent4>
       <a:accent5>
-        <a:srgbClr val="71AEC1"/>
+        <a:srgbClr val="88C25C"/>
       </a:accent5>
       <a:accent6>
-        <a:srgbClr val="C98DE7"/>
+        <a:srgbClr val="BFCC86"/>
       </a:accent6>
       <a:hlink>
-        <a:srgbClr val="FF7A22"/>
+        <a:srgbClr val="FFCE23"/>
       </a:hlink>
       <a:folHlink>
-        <a:srgbClr val="FDCD86"/>
+        <a:srgbClr val="FDEB86"/>
       </a:folHlink>
     </a:clrScheme>
     <a:fontScheme name="Áramkör">
@@ -16644,9 +13923,9 @@
               </a:schemeClr>
               <a:schemeClr val="phClr">
                 <a:tint val="98000"/>
-                <a:hueMod val="92000"/>
+                <a:hueMod val="82000"/>
                 <a:satMod val="150000"/>
-                <a:lumMod val="150000"/>
+                <a:lumMod val="160000"/>
               </a:schemeClr>
             </a:duotone>
           </a:blip>
@@ -16659,7 +13938,7 @@
   <a:extraClrSchemeLst/>
   <a:extLst>
     <a:ext uri="{05A4C25C-085E-4340-85A3-A5531E510DB2}">
-      <thm15:themeFamily xmlns:thm15="http://schemas.microsoft.com/office/thememl/2012/main" name="Circuit" id="{0AC2F7E7-15F5-431C-B2A2-456FE929F56C}" vid="{14971C58-AB76-4A2A-B231-5F8CA03CF491}"/>
+      <thm15:themeFamily xmlns:thm15="http://schemas.microsoft.com/office/thememl/2012/main" name="Circuit" id="{0AC2F7E7-15F5-431C-B2A2-456FE929F56C}" vid="{97ECCC31-8429-4523-BE8D-8F09B7A4D46D}"/>
     </a:ext>
   </a:extLst>
 </a:theme>

--- a/presentation.pptx
+++ b/presentation.pptx
@@ -4,14 +4,24 @@
   <p:sldMasterIdLst>
     <p:sldMasterId id="2147483756" r:id="rId1"/>
   </p:sldMasterIdLst>
+  <p:notesMasterIdLst>
+    <p:notesMasterId r:id="rId16"/>
+  </p:notesMasterIdLst>
   <p:sldIdLst>
     <p:sldId id="256" r:id="rId2"/>
     <p:sldId id="257" r:id="rId3"/>
     <p:sldId id="258" r:id="rId4"/>
     <p:sldId id="260" r:id="rId5"/>
     <p:sldId id="262" r:id="rId6"/>
-    <p:sldId id="261" r:id="rId7"/>
-    <p:sldId id="259" r:id="rId8"/>
+    <p:sldId id="263" r:id="rId7"/>
+    <p:sldId id="269" r:id="rId8"/>
+    <p:sldId id="268" r:id="rId9"/>
+    <p:sldId id="264" r:id="rId10"/>
+    <p:sldId id="265" r:id="rId11"/>
+    <p:sldId id="266" r:id="rId12"/>
+    <p:sldId id="267" r:id="rId13"/>
+    <p:sldId id="261" r:id="rId14"/>
+    <p:sldId id="259" r:id="rId15"/>
   </p:sldIdLst>
   <p:sldSz cx="12192000" cy="6858000"/>
   <p:notesSz cx="6858000" cy="9144000"/>
@@ -118,6 +128,440 @@
 </p:presentation>
 </file>
 
+<file path=ppt/notesMasters/notesMaster1.xml><?xml version="1.0" encoding="utf-8"?>
+<p:notesMaster xmlns:a="http://schemas.openxmlformats.org/drawingml/2006/main" xmlns:r="http://schemas.openxmlformats.org/officeDocument/2006/relationships" xmlns:p="http://schemas.openxmlformats.org/presentationml/2006/main">
+  <p:cSld>
+    <p:bg>
+      <p:bgRef idx="1001">
+        <a:schemeClr val="bg1"/>
+      </p:bgRef>
+    </p:bg>
+    <p:spTree>
+      <p:nvGrpSpPr>
+        <p:cNvPr id="1" name=""/>
+        <p:cNvGrpSpPr/>
+        <p:nvPr/>
+      </p:nvGrpSpPr>
+      <p:grpSpPr>
+        <a:xfrm>
+          <a:off x="0" y="0"/>
+          <a:ext cx="0" cy="0"/>
+          <a:chOff x="0" y="0"/>
+          <a:chExt cx="0" cy="0"/>
+        </a:xfrm>
+      </p:grpSpPr>
+      <p:sp>
+        <p:nvSpPr>
+          <p:cNvPr id="2" name="Header Placeholder 1"/>
+          <p:cNvSpPr>
+            <a:spLocks noGrp="1"/>
+          </p:cNvSpPr>
+          <p:nvPr>
+            <p:ph type="hdr" sz="quarter"/>
+          </p:nvPr>
+        </p:nvSpPr>
+        <p:spPr>
+          <a:xfrm>
+            <a:off x="0" y="0"/>
+            <a:ext cx="2971800" cy="458788"/>
+          </a:xfrm>
+          <a:prstGeom prst="rect">
+            <a:avLst/>
+          </a:prstGeom>
+        </p:spPr>
+        <p:txBody>
+          <a:bodyPr vert="horz" lIns="91440" tIns="45720" rIns="91440" bIns="45720" rtlCol="0"/>
+          <a:lstStyle>
+            <a:lvl1pPr algn="l">
+              <a:defRPr sz="1200"/>
+            </a:lvl1pPr>
+          </a:lstStyle>
+          <a:p>
+            <a:endParaRPr lang="en-HU"/>
+          </a:p>
+        </p:txBody>
+      </p:sp>
+      <p:sp>
+        <p:nvSpPr>
+          <p:cNvPr id="3" name="Date Placeholder 2"/>
+          <p:cNvSpPr>
+            <a:spLocks noGrp="1"/>
+          </p:cNvSpPr>
+          <p:nvPr>
+            <p:ph type="dt" idx="1"/>
+          </p:nvPr>
+        </p:nvSpPr>
+        <p:spPr>
+          <a:xfrm>
+            <a:off x="3884613" y="0"/>
+            <a:ext cx="2971800" cy="458788"/>
+          </a:xfrm>
+          <a:prstGeom prst="rect">
+            <a:avLst/>
+          </a:prstGeom>
+        </p:spPr>
+        <p:txBody>
+          <a:bodyPr vert="horz" lIns="91440" tIns="45720" rIns="91440" bIns="45720" rtlCol="0"/>
+          <a:lstStyle>
+            <a:lvl1pPr algn="r">
+              <a:defRPr sz="1200"/>
+            </a:lvl1pPr>
+          </a:lstStyle>
+          <a:p>
+            <a:fld id="{E52D13D9-638E-1942-BF6D-A0101D8AE78E}" type="datetimeFigureOut">
+              <a:rPr lang="en-HU" smtClean="0"/>
+              <a:t>2023. 03. 19.</a:t>
+            </a:fld>
+            <a:endParaRPr lang="en-HU"/>
+          </a:p>
+        </p:txBody>
+      </p:sp>
+      <p:sp>
+        <p:nvSpPr>
+          <p:cNvPr id="4" name="Slide Image Placeholder 3"/>
+          <p:cNvSpPr>
+            <a:spLocks noGrp="1" noRot="1" noChangeAspect="1"/>
+          </p:cNvSpPr>
+          <p:nvPr>
+            <p:ph type="sldImg" idx="2"/>
+          </p:nvPr>
+        </p:nvSpPr>
+        <p:spPr>
+          <a:xfrm>
+            <a:off x="685800" y="1143000"/>
+            <a:ext cx="5486400" cy="3086100"/>
+          </a:xfrm>
+          <a:prstGeom prst="rect">
+            <a:avLst/>
+          </a:prstGeom>
+          <a:noFill/>
+          <a:ln w="12700">
+            <a:solidFill>
+              <a:prstClr val="black"/>
+            </a:solidFill>
+          </a:ln>
+        </p:spPr>
+        <p:txBody>
+          <a:bodyPr vert="horz" lIns="91440" tIns="45720" rIns="91440" bIns="45720" rtlCol="0" anchor="ctr"/>
+          <a:lstStyle/>
+          <a:p>
+            <a:endParaRPr lang="en-HU"/>
+          </a:p>
+        </p:txBody>
+      </p:sp>
+      <p:sp>
+        <p:nvSpPr>
+          <p:cNvPr id="5" name="Notes Placeholder 4"/>
+          <p:cNvSpPr>
+            <a:spLocks noGrp="1"/>
+          </p:cNvSpPr>
+          <p:nvPr>
+            <p:ph type="body" sz="quarter" idx="3"/>
+          </p:nvPr>
+        </p:nvSpPr>
+        <p:spPr>
+          <a:xfrm>
+            <a:off x="685800" y="4400550"/>
+            <a:ext cx="5486400" cy="3600450"/>
+          </a:xfrm>
+          <a:prstGeom prst="rect">
+            <a:avLst/>
+          </a:prstGeom>
+        </p:spPr>
+        <p:txBody>
+          <a:bodyPr vert="horz" lIns="91440" tIns="45720" rIns="91440" bIns="45720" rtlCol="0"/>
+          <a:lstStyle/>
+          <a:p>
+            <a:pPr lvl="0"/>
+            <a:r>
+              <a:rPr lang="en-GB"/>
+              <a:t>Click to edit Master text styles</a:t>
+            </a:r>
+          </a:p>
+          <a:p>
+            <a:pPr lvl="1"/>
+            <a:r>
+              <a:rPr lang="en-GB"/>
+              <a:t>Second level</a:t>
+            </a:r>
+          </a:p>
+          <a:p>
+            <a:pPr lvl="2"/>
+            <a:r>
+              <a:rPr lang="en-GB"/>
+              <a:t>Third level</a:t>
+            </a:r>
+          </a:p>
+          <a:p>
+            <a:pPr lvl="3"/>
+            <a:r>
+              <a:rPr lang="en-GB"/>
+              <a:t>Fourth level</a:t>
+            </a:r>
+          </a:p>
+          <a:p>
+            <a:pPr lvl="4"/>
+            <a:r>
+              <a:rPr lang="en-GB"/>
+              <a:t>Fifth level</a:t>
+            </a:r>
+            <a:endParaRPr lang="en-HU"/>
+          </a:p>
+        </p:txBody>
+      </p:sp>
+      <p:sp>
+        <p:nvSpPr>
+          <p:cNvPr id="6" name="Footer Placeholder 5"/>
+          <p:cNvSpPr>
+            <a:spLocks noGrp="1"/>
+          </p:cNvSpPr>
+          <p:nvPr>
+            <p:ph type="ftr" sz="quarter" idx="4"/>
+          </p:nvPr>
+        </p:nvSpPr>
+        <p:spPr>
+          <a:xfrm>
+            <a:off x="0" y="8685213"/>
+            <a:ext cx="2971800" cy="458787"/>
+          </a:xfrm>
+          <a:prstGeom prst="rect">
+            <a:avLst/>
+          </a:prstGeom>
+        </p:spPr>
+        <p:txBody>
+          <a:bodyPr vert="horz" lIns="91440" tIns="45720" rIns="91440" bIns="45720" rtlCol="0" anchor="b"/>
+          <a:lstStyle>
+            <a:lvl1pPr algn="l">
+              <a:defRPr sz="1200"/>
+            </a:lvl1pPr>
+          </a:lstStyle>
+          <a:p>
+            <a:endParaRPr lang="en-HU"/>
+          </a:p>
+        </p:txBody>
+      </p:sp>
+      <p:sp>
+        <p:nvSpPr>
+          <p:cNvPr id="7" name="Slide Number Placeholder 6"/>
+          <p:cNvSpPr>
+            <a:spLocks noGrp="1"/>
+          </p:cNvSpPr>
+          <p:nvPr>
+            <p:ph type="sldNum" sz="quarter" idx="5"/>
+          </p:nvPr>
+        </p:nvSpPr>
+        <p:spPr>
+          <a:xfrm>
+            <a:off x="3884613" y="8685213"/>
+            <a:ext cx="2971800" cy="458787"/>
+          </a:xfrm>
+          <a:prstGeom prst="rect">
+            <a:avLst/>
+          </a:prstGeom>
+        </p:spPr>
+        <p:txBody>
+          <a:bodyPr vert="horz" lIns="91440" tIns="45720" rIns="91440" bIns="45720" rtlCol="0" anchor="b"/>
+          <a:lstStyle>
+            <a:lvl1pPr algn="r">
+              <a:defRPr sz="1200"/>
+            </a:lvl1pPr>
+          </a:lstStyle>
+          <a:p>
+            <a:fld id="{D1119D86-F408-F043-8393-069A9EF2529F}" type="slidenum">
+              <a:rPr lang="en-HU" smtClean="0"/>
+              <a:t>‹#›</a:t>
+            </a:fld>
+            <a:endParaRPr lang="en-HU"/>
+          </a:p>
+        </p:txBody>
+      </p:sp>
+    </p:spTree>
+    <p:extLst>
+      <p:ext uri="{BB962C8B-B14F-4D97-AF65-F5344CB8AC3E}">
+        <p14:creationId xmlns:p14="http://schemas.microsoft.com/office/powerpoint/2010/main" val="1238655217"/>
+      </p:ext>
+    </p:extLst>
+  </p:cSld>
+  <p:clrMap bg1="lt1" tx1="dk1" bg2="lt2" tx2="dk2" accent1="accent1" accent2="accent2" accent3="accent3" accent4="accent4" accent5="accent5" accent6="accent6" hlink="hlink" folHlink="folHlink"/>
+  <p:notesStyle>
+    <a:lvl1pPr marL="0" algn="l" defTabSz="914400" rtl="0" eaLnBrk="1" latinLnBrk="0" hangingPunct="1">
+      <a:defRPr sz="1200" kern="1200">
+        <a:solidFill>
+          <a:schemeClr val="tx1"/>
+        </a:solidFill>
+        <a:latin typeface="+mn-lt"/>
+        <a:ea typeface="+mn-ea"/>
+        <a:cs typeface="+mn-cs"/>
+      </a:defRPr>
+    </a:lvl1pPr>
+    <a:lvl2pPr marL="457200" algn="l" defTabSz="914400" rtl="0" eaLnBrk="1" latinLnBrk="0" hangingPunct="1">
+      <a:defRPr sz="1200" kern="1200">
+        <a:solidFill>
+          <a:schemeClr val="tx1"/>
+        </a:solidFill>
+        <a:latin typeface="+mn-lt"/>
+        <a:ea typeface="+mn-ea"/>
+        <a:cs typeface="+mn-cs"/>
+      </a:defRPr>
+    </a:lvl2pPr>
+    <a:lvl3pPr marL="914400" algn="l" defTabSz="914400" rtl="0" eaLnBrk="1" latinLnBrk="0" hangingPunct="1">
+      <a:defRPr sz="1200" kern="1200">
+        <a:solidFill>
+          <a:schemeClr val="tx1"/>
+        </a:solidFill>
+        <a:latin typeface="+mn-lt"/>
+        <a:ea typeface="+mn-ea"/>
+        <a:cs typeface="+mn-cs"/>
+      </a:defRPr>
+    </a:lvl3pPr>
+    <a:lvl4pPr marL="1371600" algn="l" defTabSz="914400" rtl="0" eaLnBrk="1" latinLnBrk="0" hangingPunct="1">
+      <a:defRPr sz="1200" kern="1200">
+        <a:solidFill>
+          <a:schemeClr val="tx1"/>
+        </a:solidFill>
+        <a:latin typeface="+mn-lt"/>
+        <a:ea typeface="+mn-ea"/>
+        <a:cs typeface="+mn-cs"/>
+      </a:defRPr>
+    </a:lvl4pPr>
+    <a:lvl5pPr marL="1828800" algn="l" defTabSz="914400" rtl="0" eaLnBrk="1" latinLnBrk="0" hangingPunct="1">
+      <a:defRPr sz="1200" kern="1200">
+        <a:solidFill>
+          <a:schemeClr val="tx1"/>
+        </a:solidFill>
+        <a:latin typeface="+mn-lt"/>
+        <a:ea typeface="+mn-ea"/>
+        <a:cs typeface="+mn-cs"/>
+      </a:defRPr>
+    </a:lvl5pPr>
+    <a:lvl6pPr marL="2286000" algn="l" defTabSz="914400" rtl="0" eaLnBrk="1" latinLnBrk="0" hangingPunct="1">
+      <a:defRPr sz="1200" kern="1200">
+        <a:solidFill>
+          <a:schemeClr val="tx1"/>
+        </a:solidFill>
+        <a:latin typeface="+mn-lt"/>
+        <a:ea typeface="+mn-ea"/>
+        <a:cs typeface="+mn-cs"/>
+      </a:defRPr>
+    </a:lvl6pPr>
+    <a:lvl7pPr marL="2743200" algn="l" defTabSz="914400" rtl="0" eaLnBrk="1" latinLnBrk="0" hangingPunct="1">
+      <a:defRPr sz="1200" kern="1200">
+        <a:solidFill>
+          <a:schemeClr val="tx1"/>
+        </a:solidFill>
+        <a:latin typeface="+mn-lt"/>
+        <a:ea typeface="+mn-ea"/>
+        <a:cs typeface="+mn-cs"/>
+      </a:defRPr>
+    </a:lvl7pPr>
+    <a:lvl8pPr marL="3200400" algn="l" defTabSz="914400" rtl="0" eaLnBrk="1" latinLnBrk="0" hangingPunct="1">
+      <a:defRPr sz="1200" kern="1200">
+        <a:solidFill>
+          <a:schemeClr val="tx1"/>
+        </a:solidFill>
+        <a:latin typeface="+mn-lt"/>
+        <a:ea typeface="+mn-ea"/>
+        <a:cs typeface="+mn-cs"/>
+      </a:defRPr>
+    </a:lvl8pPr>
+    <a:lvl9pPr marL="3657600" algn="l" defTabSz="914400" rtl="0" eaLnBrk="1" latinLnBrk="0" hangingPunct="1">
+      <a:defRPr sz="1200" kern="1200">
+        <a:solidFill>
+          <a:schemeClr val="tx1"/>
+        </a:solidFill>
+        <a:latin typeface="+mn-lt"/>
+        <a:ea typeface="+mn-ea"/>
+        <a:cs typeface="+mn-cs"/>
+      </a:defRPr>
+    </a:lvl9pPr>
+  </p:notesStyle>
+</p:notesMaster>
+</file>
+
+<file path=ppt/notesSlides/notesSlide1.xml><?xml version="1.0" encoding="utf-8"?>
+<p:notes xmlns:a="http://schemas.openxmlformats.org/drawingml/2006/main" xmlns:r="http://schemas.openxmlformats.org/officeDocument/2006/relationships" xmlns:p="http://schemas.openxmlformats.org/presentationml/2006/main">
+  <p:cSld>
+    <p:spTree>
+      <p:nvGrpSpPr>
+        <p:cNvPr id="1" name=""/>
+        <p:cNvGrpSpPr/>
+        <p:nvPr/>
+      </p:nvGrpSpPr>
+      <p:grpSpPr>
+        <a:xfrm>
+          <a:off x="0" y="0"/>
+          <a:ext cx="0" cy="0"/>
+          <a:chOff x="0" y="0"/>
+          <a:chExt cx="0" cy="0"/>
+        </a:xfrm>
+      </p:grpSpPr>
+      <p:sp>
+        <p:nvSpPr>
+          <p:cNvPr id="2" name="Slide Image Placeholder 1"/>
+          <p:cNvSpPr>
+            <a:spLocks noGrp="1" noRot="1" noChangeAspect="1"/>
+          </p:cNvSpPr>
+          <p:nvPr>
+            <p:ph type="sldImg"/>
+          </p:nvPr>
+        </p:nvSpPr>
+        <p:spPr/>
+      </p:sp>
+      <p:sp>
+        <p:nvSpPr>
+          <p:cNvPr id="3" name="Notes Placeholder 2"/>
+          <p:cNvSpPr>
+            <a:spLocks noGrp="1"/>
+          </p:cNvSpPr>
+          <p:nvPr>
+            <p:ph type="body" idx="1"/>
+          </p:nvPr>
+        </p:nvSpPr>
+        <p:spPr/>
+        <p:txBody>
+          <a:bodyPr/>
+          <a:lstStyle/>
+          <a:p>
+            <a:endParaRPr lang="en-HU" dirty="0"/>
+          </a:p>
+        </p:txBody>
+      </p:sp>
+      <p:sp>
+        <p:nvSpPr>
+          <p:cNvPr id="4" name="Slide Number Placeholder 3"/>
+          <p:cNvSpPr>
+            <a:spLocks noGrp="1"/>
+          </p:cNvSpPr>
+          <p:nvPr>
+            <p:ph type="sldNum" sz="quarter" idx="5"/>
+          </p:nvPr>
+        </p:nvSpPr>
+        <p:spPr/>
+        <p:txBody>
+          <a:bodyPr/>
+          <a:lstStyle/>
+          <a:p>
+            <a:fld id="{D1119D86-F408-F043-8393-069A9EF2529F}" type="slidenum">
+              <a:rPr lang="en-HU" smtClean="0"/>
+              <a:t>9</a:t>
+            </a:fld>
+            <a:endParaRPr lang="en-HU"/>
+          </a:p>
+        </p:txBody>
+      </p:sp>
+    </p:spTree>
+    <p:extLst>
+      <p:ext uri="{BB962C8B-B14F-4D97-AF65-F5344CB8AC3E}">
+        <p14:creationId xmlns:p14="http://schemas.microsoft.com/office/powerpoint/2010/main" val="1606723873"/>
+      </p:ext>
+    </p:extLst>
+  </p:cSld>
+  <p:clrMapOvr>
+    <a:masterClrMapping/>
+  </p:clrMapOvr>
+</p:notes>
+</file>
+
 <file path=ppt/slideLayouts/slideLayout1.xml><?xml version="1.0" encoding="utf-8"?>
 <p:sldLayout xmlns:a="http://schemas.openxmlformats.org/drawingml/2006/main" xmlns:r="http://schemas.openxmlformats.org/officeDocument/2006/relationships" xmlns:p="http://schemas.openxmlformats.org/presentationml/2006/main" showMasterSp="0" type="title" preserve="1">
   <p:cSld name="Címdia">
@@ -175,7 +619,7 @@
           <a:noFill/>
           <a:extLst>
             <a:ext uri="{909E8E84-426E-40dd-AFC4-6F175D3DCCD1}">
-              <a14:hiddenFill xmlns:a14="http://schemas.microsoft.com/office/drawing/2010/main" xmlns="">
+              <a14:hiddenFill xmlns="" xmlns:a14="http://schemas.microsoft.com/office/drawing/2010/main">
                 <a:solidFill>
                   <a:srgbClr val="FFFFFF"/>
                 </a:solidFill>
@@ -235,7 +679,7 @@
             </a:ln>
             <a:extLst>
               <a:ext uri="{91240B29-F687-4f45-9708-019B960494DF}">
-                <a14:hiddenLine xmlns:a14="http://schemas.microsoft.com/office/drawing/2010/main" xmlns="" w="9525">
+                <a14:hiddenLine xmlns="" xmlns:a14="http://schemas.microsoft.com/office/drawing/2010/main" w="9525">
                   <a:solidFill>
                     <a:srgbClr val="000000"/>
                   </a:solidFill>
@@ -325,7 +769,7 @@
             </a:ln>
             <a:extLst>
               <a:ext uri="{91240B29-F687-4f45-9708-019B960494DF}">
-                <a14:hiddenLine xmlns:a14="http://schemas.microsoft.com/office/drawing/2010/main" xmlns="" w="9525">
+                <a14:hiddenLine xmlns="" xmlns:a14="http://schemas.microsoft.com/office/drawing/2010/main" w="9525">
                   <a:solidFill>
                     <a:srgbClr val="000000"/>
                   </a:solidFill>
@@ -415,7 +859,7 @@
             </a:ln>
             <a:extLst>
               <a:ext uri="{91240B29-F687-4f45-9708-019B960494DF}">
-                <a14:hiddenLine xmlns:a14="http://schemas.microsoft.com/office/drawing/2010/main" xmlns="" w="9525">
+                <a14:hiddenLine xmlns="" xmlns:a14="http://schemas.microsoft.com/office/drawing/2010/main" w="9525">
                   <a:solidFill>
                     <a:srgbClr val="000000"/>
                   </a:solidFill>
@@ -449,7 +893,7 @@
             </a:ln>
             <a:extLst>
               <a:ext uri="{91240B29-F687-4f45-9708-019B960494DF}">
-                <a14:hiddenLine xmlns:a14="http://schemas.microsoft.com/office/drawing/2010/main" xmlns="" w="9525">
+                <a14:hiddenLine xmlns="" xmlns:a14="http://schemas.microsoft.com/office/drawing/2010/main" w="9525">
                   <a:solidFill>
                     <a:srgbClr val="000000"/>
                   </a:solidFill>
@@ -539,7 +983,7 @@
             </a:ln>
             <a:extLst>
               <a:ext uri="{91240B29-F687-4f45-9708-019B960494DF}">
-                <a14:hiddenLine xmlns:a14="http://schemas.microsoft.com/office/drawing/2010/main" xmlns="" w="9525">
+                <a14:hiddenLine xmlns="" xmlns:a14="http://schemas.microsoft.com/office/drawing/2010/main" w="9525">
                   <a:solidFill>
                     <a:srgbClr val="000000"/>
                   </a:solidFill>
@@ -601,7 +1045,7 @@
             </a:ln>
             <a:extLst>
               <a:ext uri="{91240B29-F687-4f45-9708-019B960494DF}">
-                <a14:hiddenLine xmlns:a14="http://schemas.microsoft.com/office/drawing/2010/main" xmlns="" w="9525">
+                <a14:hiddenLine xmlns="" xmlns:a14="http://schemas.microsoft.com/office/drawing/2010/main" w="9525">
                   <a:solidFill>
                     <a:srgbClr val="000000"/>
                   </a:solidFill>
@@ -663,7 +1107,7 @@
             </a:ln>
             <a:extLst>
               <a:ext uri="{91240B29-F687-4f45-9708-019B960494DF}">
-                <a14:hiddenLine xmlns:a14="http://schemas.microsoft.com/office/drawing/2010/main" xmlns="" w="9525">
+                <a14:hiddenLine xmlns="" xmlns:a14="http://schemas.microsoft.com/office/drawing/2010/main" w="9525">
                   <a:solidFill>
                     <a:srgbClr val="000000"/>
                   </a:solidFill>
@@ -753,7 +1197,7 @@
             </a:ln>
             <a:extLst>
               <a:ext uri="{91240B29-F687-4f45-9708-019B960494DF}">
-                <a14:hiddenLine xmlns:a14="http://schemas.microsoft.com/office/drawing/2010/main" xmlns="" w="9525">
+                <a14:hiddenLine xmlns="" xmlns:a14="http://schemas.microsoft.com/office/drawing/2010/main" w="9525">
                   <a:solidFill>
                     <a:srgbClr val="000000"/>
                   </a:solidFill>
@@ -815,7 +1259,7 @@
             </a:ln>
             <a:extLst>
               <a:ext uri="{91240B29-F687-4f45-9708-019B960494DF}">
-                <a14:hiddenLine xmlns:a14="http://schemas.microsoft.com/office/drawing/2010/main" xmlns="" w="9525">
+                <a14:hiddenLine xmlns="" xmlns:a14="http://schemas.microsoft.com/office/drawing/2010/main" w="9525">
                   <a:solidFill>
                     <a:srgbClr val="000000"/>
                   </a:solidFill>
@@ -877,7 +1321,7 @@
             </a:ln>
             <a:extLst>
               <a:ext uri="{91240B29-F687-4f45-9708-019B960494DF}">
-                <a14:hiddenLine xmlns:a14="http://schemas.microsoft.com/office/drawing/2010/main" xmlns="" w="9525">
+                <a14:hiddenLine xmlns="" xmlns:a14="http://schemas.microsoft.com/office/drawing/2010/main" w="9525">
                   <a:solidFill>
                     <a:srgbClr val="000000"/>
                   </a:solidFill>
@@ -967,7 +1411,7 @@
             </a:ln>
             <a:extLst>
               <a:ext uri="{91240B29-F687-4f45-9708-019B960494DF}">
-                <a14:hiddenLine xmlns:a14="http://schemas.microsoft.com/office/drawing/2010/main" xmlns="" w="9525">
+                <a14:hiddenLine xmlns="" xmlns:a14="http://schemas.microsoft.com/office/drawing/2010/main" w="9525">
                   <a:solidFill>
                     <a:srgbClr val="000000"/>
                   </a:solidFill>
@@ -1057,7 +1501,7 @@
             </a:ln>
             <a:extLst>
               <a:ext uri="{91240B29-F687-4f45-9708-019B960494DF}">
-                <a14:hiddenLine xmlns:a14="http://schemas.microsoft.com/office/drawing/2010/main" xmlns="" w="9525">
+                <a14:hiddenLine xmlns="" xmlns:a14="http://schemas.microsoft.com/office/drawing/2010/main" w="9525">
                   <a:solidFill>
                     <a:srgbClr val="000000"/>
                   </a:solidFill>
@@ -1119,7 +1563,7 @@
             </a:ln>
             <a:extLst>
               <a:ext uri="{91240B29-F687-4f45-9708-019B960494DF}">
-                <a14:hiddenLine xmlns:a14="http://schemas.microsoft.com/office/drawing/2010/main" xmlns="" w="9525">
+                <a14:hiddenLine xmlns="" xmlns:a14="http://schemas.microsoft.com/office/drawing/2010/main" w="9525">
                   <a:solidFill>
                     <a:srgbClr val="000000"/>
                   </a:solidFill>
@@ -1229,7 +1673,7 @@
             </a:ln>
             <a:extLst>
               <a:ext uri="{91240B29-F687-4f45-9708-019B960494DF}">
-                <a14:hiddenLine xmlns:a14="http://schemas.microsoft.com/office/drawing/2010/main" xmlns="" w="9525">
+                <a14:hiddenLine xmlns="" xmlns:a14="http://schemas.microsoft.com/office/drawing/2010/main" w="9525">
                   <a:solidFill>
                     <a:srgbClr val="000000"/>
                   </a:solidFill>
@@ -1291,7 +1735,7 @@
             </a:ln>
             <a:extLst>
               <a:ext uri="{91240B29-F687-4f45-9708-019B960494DF}">
-                <a14:hiddenLine xmlns:a14="http://schemas.microsoft.com/office/drawing/2010/main" xmlns="" w="9525">
+                <a14:hiddenLine xmlns="" xmlns:a14="http://schemas.microsoft.com/office/drawing/2010/main" w="9525">
                   <a:solidFill>
                     <a:srgbClr val="000000"/>
                   </a:solidFill>
@@ -1381,7 +1825,7 @@
             </a:ln>
             <a:extLst>
               <a:ext uri="{91240B29-F687-4f45-9708-019B960494DF}">
-                <a14:hiddenLine xmlns:a14="http://schemas.microsoft.com/office/drawing/2010/main" xmlns="" w="9525">
+                <a14:hiddenLine xmlns="" xmlns:a14="http://schemas.microsoft.com/office/drawing/2010/main" w="9525">
                   <a:solidFill>
                     <a:srgbClr val="000000"/>
                   </a:solidFill>
@@ -1471,7 +1915,7 @@
             </a:ln>
             <a:extLst>
               <a:ext uri="{91240B29-F687-4f45-9708-019B960494DF}">
-                <a14:hiddenLine xmlns:a14="http://schemas.microsoft.com/office/drawing/2010/main" xmlns="" w="9525">
+                <a14:hiddenLine xmlns="" xmlns:a14="http://schemas.microsoft.com/office/drawing/2010/main" w="9525">
                   <a:solidFill>
                     <a:srgbClr val="000000"/>
                   </a:solidFill>
@@ -1533,7 +1977,7 @@
             </a:ln>
             <a:extLst>
               <a:ext uri="{91240B29-F687-4f45-9708-019B960494DF}">
-                <a14:hiddenLine xmlns:a14="http://schemas.microsoft.com/office/drawing/2010/main" xmlns="" w="9525">
+                <a14:hiddenLine xmlns="" xmlns:a14="http://schemas.microsoft.com/office/drawing/2010/main" w="9525">
                   <a:solidFill>
                     <a:srgbClr val="000000"/>
                   </a:solidFill>
@@ -1623,7 +2067,7 @@
             </a:ln>
             <a:extLst>
               <a:ext uri="{91240B29-F687-4f45-9708-019B960494DF}">
-                <a14:hiddenLine xmlns:a14="http://schemas.microsoft.com/office/drawing/2010/main" xmlns="" w="9525">
+                <a14:hiddenLine xmlns="" xmlns:a14="http://schemas.microsoft.com/office/drawing/2010/main" w="9525">
                   <a:solidFill>
                     <a:srgbClr val="000000"/>
                   </a:solidFill>
@@ -1713,7 +2157,7 @@
             </a:ln>
             <a:extLst>
               <a:ext uri="{91240B29-F687-4f45-9708-019B960494DF}">
-                <a14:hiddenLine xmlns:a14="http://schemas.microsoft.com/office/drawing/2010/main" xmlns="" w="9525">
+                <a14:hiddenLine xmlns="" xmlns:a14="http://schemas.microsoft.com/office/drawing/2010/main" w="9525">
                   <a:solidFill>
                     <a:srgbClr val="000000"/>
                   </a:solidFill>
@@ -1769,7 +2213,7 @@
             </a:ln>
             <a:extLst>
               <a:ext uri="{91240B29-F687-4f45-9708-019B960494DF}">
-                <a14:hiddenLine xmlns:a14="http://schemas.microsoft.com/office/drawing/2010/main" xmlns="" w="9525">
+                <a14:hiddenLine xmlns="" xmlns:a14="http://schemas.microsoft.com/office/drawing/2010/main" w="9525">
                   <a:solidFill>
                     <a:srgbClr val="000000"/>
                   </a:solidFill>
@@ -1859,7 +2303,7 @@
             </a:ln>
             <a:extLst>
               <a:ext uri="{91240B29-F687-4f45-9708-019B960494DF}">
-                <a14:hiddenLine xmlns:a14="http://schemas.microsoft.com/office/drawing/2010/main" xmlns="" w="9525">
+                <a14:hiddenLine xmlns="" xmlns:a14="http://schemas.microsoft.com/office/drawing/2010/main" w="9525">
                   <a:solidFill>
                     <a:srgbClr val="000000"/>
                   </a:solidFill>
@@ -1915,7 +2359,7 @@
             </a:ln>
             <a:extLst>
               <a:ext uri="{91240B29-F687-4f45-9708-019B960494DF}">
-                <a14:hiddenLine xmlns:a14="http://schemas.microsoft.com/office/drawing/2010/main" xmlns="" w="9525">
+                <a14:hiddenLine xmlns="" xmlns:a14="http://schemas.microsoft.com/office/drawing/2010/main" w="9525">
                   <a:solidFill>
                     <a:srgbClr val="000000"/>
                   </a:solidFill>
@@ -2005,7 +2449,7 @@
             </a:ln>
             <a:extLst>
               <a:ext uri="{91240B29-F687-4f45-9708-019B960494DF}">
-                <a14:hiddenLine xmlns:a14="http://schemas.microsoft.com/office/drawing/2010/main" xmlns="" w="9525">
+                <a14:hiddenLine xmlns="" xmlns:a14="http://schemas.microsoft.com/office/drawing/2010/main" w="9525">
                   <a:solidFill>
                     <a:srgbClr val="000000"/>
                   </a:solidFill>
@@ -2073,7 +2517,7 @@
             </a:ln>
             <a:extLst>
               <a:ext uri="{91240B29-F687-4f45-9708-019B960494DF}">
-                <a14:hiddenLine xmlns:a14="http://schemas.microsoft.com/office/drawing/2010/main" xmlns="" w="9525">
+                <a14:hiddenLine xmlns="" xmlns:a14="http://schemas.microsoft.com/office/drawing/2010/main" w="9525">
                   <a:solidFill>
                     <a:srgbClr val="000000"/>
                   </a:solidFill>
@@ -2163,7 +2607,7 @@
             </a:ln>
             <a:extLst>
               <a:ext uri="{91240B29-F687-4f45-9708-019B960494DF}">
-                <a14:hiddenLine xmlns:a14="http://schemas.microsoft.com/office/drawing/2010/main" xmlns="" w="9525">
+                <a14:hiddenLine xmlns="" xmlns:a14="http://schemas.microsoft.com/office/drawing/2010/main" w="9525">
                   <a:solidFill>
                     <a:srgbClr val="000000"/>
                   </a:solidFill>
@@ -2231,7 +2675,7 @@
             </a:ln>
             <a:extLst>
               <a:ext uri="{91240B29-F687-4f45-9708-019B960494DF}">
-                <a14:hiddenLine xmlns:a14="http://schemas.microsoft.com/office/drawing/2010/main" xmlns="" w="9525">
+                <a14:hiddenLine xmlns="" xmlns:a14="http://schemas.microsoft.com/office/drawing/2010/main" w="9525">
                   <a:solidFill>
                     <a:srgbClr val="000000"/>
                   </a:solidFill>
@@ -2321,7 +2765,7 @@
             </a:ln>
             <a:extLst>
               <a:ext uri="{91240B29-F687-4f45-9708-019B960494DF}">
-                <a14:hiddenLine xmlns:a14="http://schemas.microsoft.com/office/drawing/2010/main" xmlns="" w="9525">
+                <a14:hiddenLine xmlns="" xmlns:a14="http://schemas.microsoft.com/office/drawing/2010/main" w="9525">
                   <a:solidFill>
                     <a:srgbClr val="000000"/>
                   </a:solidFill>
@@ -2355,7 +2799,7 @@
             </a:ln>
             <a:extLst>
               <a:ext uri="{91240B29-F687-4f45-9708-019B960494DF}">
-                <a14:hiddenLine xmlns:a14="http://schemas.microsoft.com/office/drawing/2010/main" xmlns="" w="9525">
+                <a14:hiddenLine xmlns="" xmlns:a14="http://schemas.microsoft.com/office/drawing/2010/main" w="9525">
                   <a:solidFill>
                     <a:srgbClr val="000000"/>
                   </a:solidFill>
@@ -2445,7 +2889,7 @@
             </a:ln>
             <a:extLst>
               <a:ext uri="{91240B29-F687-4f45-9708-019B960494DF}">
-                <a14:hiddenLine xmlns:a14="http://schemas.microsoft.com/office/drawing/2010/main" xmlns="" w="9525">
+                <a14:hiddenLine xmlns="" xmlns:a14="http://schemas.microsoft.com/office/drawing/2010/main" w="9525">
                   <a:solidFill>
                     <a:srgbClr val="000000"/>
                   </a:solidFill>
@@ -2507,7 +2951,7 @@
             </a:ln>
             <a:extLst>
               <a:ext uri="{91240B29-F687-4f45-9708-019B960494DF}">
-                <a14:hiddenLine xmlns:a14="http://schemas.microsoft.com/office/drawing/2010/main" xmlns="" w="9525">
+                <a14:hiddenLine xmlns="" xmlns:a14="http://schemas.microsoft.com/office/drawing/2010/main" w="9525">
                   <a:solidFill>
                     <a:srgbClr val="000000"/>
                   </a:solidFill>
@@ -2569,7 +3013,7 @@
             </a:ln>
             <a:extLst>
               <a:ext uri="{91240B29-F687-4f45-9708-019B960494DF}">
-                <a14:hiddenLine xmlns:a14="http://schemas.microsoft.com/office/drawing/2010/main" xmlns="" w="9525">
+                <a14:hiddenLine xmlns="" xmlns:a14="http://schemas.microsoft.com/office/drawing/2010/main" w="9525">
                   <a:solidFill>
                     <a:srgbClr val="000000"/>
                   </a:solidFill>
@@ -2659,7 +3103,7 @@
             </a:ln>
             <a:extLst>
               <a:ext uri="{91240B29-F687-4f45-9708-019B960494DF}">
-                <a14:hiddenLine xmlns:a14="http://schemas.microsoft.com/office/drawing/2010/main" xmlns="" w="9525">
+                <a14:hiddenLine xmlns="" xmlns:a14="http://schemas.microsoft.com/office/drawing/2010/main" w="9525">
                   <a:solidFill>
                     <a:srgbClr val="000000"/>
                   </a:solidFill>
@@ -2727,7 +3171,7 @@
             </a:ln>
             <a:extLst>
               <a:ext uri="{91240B29-F687-4f45-9708-019B960494DF}">
-                <a14:hiddenLine xmlns:a14="http://schemas.microsoft.com/office/drawing/2010/main" xmlns="" w="9525">
+                <a14:hiddenLine xmlns="" xmlns:a14="http://schemas.microsoft.com/office/drawing/2010/main" w="9525">
                   <a:solidFill>
                     <a:srgbClr val="000000"/>
                   </a:solidFill>
@@ -2789,7 +3233,7 @@
             </a:ln>
             <a:extLst>
               <a:ext uri="{91240B29-F687-4f45-9708-019B960494DF}">
-                <a14:hiddenLine xmlns:a14="http://schemas.microsoft.com/office/drawing/2010/main" xmlns="" w="9525">
+                <a14:hiddenLine xmlns="" xmlns:a14="http://schemas.microsoft.com/office/drawing/2010/main" w="9525">
                   <a:solidFill>
                     <a:srgbClr val="000000"/>
                   </a:solidFill>
@@ -2879,7 +3323,7 @@
             </a:ln>
             <a:extLst>
               <a:ext uri="{91240B29-F687-4f45-9708-019B960494DF}">
-                <a14:hiddenLine xmlns:a14="http://schemas.microsoft.com/office/drawing/2010/main" xmlns="" w="9525">
+                <a14:hiddenLine xmlns="" xmlns:a14="http://schemas.microsoft.com/office/drawing/2010/main" w="9525">
                   <a:solidFill>
                     <a:srgbClr val="000000"/>
                   </a:solidFill>
@@ -2941,7 +3385,7 @@
             </a:ln>
             <a:extLst>
               <a:ext uri="{91240B29-F687-4f45-9708-019B960494DF}">
-                <a14:hiddenLine xmlns:a14="http://schemas.microsoft.com/office/drawing/2010/main" xmlns="" w="9525">
+                <a14:hiddenLine xmlns="" xmlns:a14="http://schemas.microsoft.com/office/drawing/2010/main" w="9525">
                   <a:solidFill>
                     <a:srgbClr val="000000"/>
                   </a:solidFill>
@@ -3031,7 +3475,7 @@
             </a:ln>
             <a:extLst>
               <a:ext uri="{91240B29-F687-4f45-9708-019B960494DF}">
-                <a14:hiddenLine xmlns:a14="http://schemas.microsoft.com/office/drawing/2010/main" xmlns="" w="9525">
+                <a14:hiddenLine xmlns="" xmlns:a14="http://schemas.microsoft.com/office/drawing/2010/main" w="9525">
                   <a:solidFill>
                     <a:srgbClr val="000000"/>
                   </a:solidFill>
@@ -3093,7 +3537,7 @@
             </a:ln>
             <a:extLst>
               <a:ext uri="{91240B29-F687-4f45-9708-019B960494DF}">
-                <a14:hiddenLine xmlns:a14="http://schemas.microsoft.com/office/drawing/2010/main" xmlns="" w="9525">
+                <a14:hiddenLine xmlns="" xmlns:a14="http://schemas.microsoft.com/office/drawing/2010/main" w="9525">
                   <a:solidFill>
                     <a:srgbClr val="000000"/>
                   </a:solidFill>
@@ -3183,7 +3627,7 @@
             </a:ln>
             <a:extLst>
               <a:ext uri="{91240B29-F687-4f45-9708-019B960494DF}">
-                <a14:hiddenLine xmlns:a14="http://schemas.microsoft.com/office/drawing/2010/main" xmlns="" w="9525">
+                <a14:hiddenLine xmlns="" xmlns:a14="http://schemas.microsoft.com/office/drawing/2010/main" w="9525">
                   <a:solidFill>
                     <a:srgbClr val="000000"/>
                   </a:solidFill>
@@ -3217,7 +3661,7 @@
             </a:ln>
             <a:extLst>
               <a:ext uri="{91240B29-F687-4f45-9708-019B960494DF}">
-                <a14:hiddenLine xmlns:a14="http://schemas.microsoft.com/office/drawing/2010/main" xmlns="" w="9525">
+                <a14:hiddenLine xmlns="" xmlns:a14="http://schemas.microsoft.com/office/drawing/2010/main" w="9525">
                   <a:solidFill>
                     <a:srgbClr val="000000"/>
                   </a:solidFill>
@@ -3282,7 +3726,7 @@
             </a:ln>
             <a:extLst>
               <a:ext uri="{91240B29-F687-4f45-9708-019B960494DF}">
-                <a14:hiddenLine xmlns:a14="http://schemas.microsoft.com/office/drawing/2010/main" xmlns="" w="9525">
+                <a14:hiddenLine xmlns="" xmlns:a14="http://schemas.microsoft.com/office/drawing/2010/main" w="9525">
                   <a:solidFill>
                     <a:srgbClr val="000000"/>
                   </a:solidFill>
@@ -3372,7 +3816,7 @@
             </a:ln>
             <a:extLst>
               <a:ext uri="{91240B29-F687-4f45-9708-019B960494DF}">
-                <a14:hiddenLine xmlns:a14="http://schemas.microsoft.com/office/drawing/2010/main" xmlns="" w="9525">
+                <a14:hiddenLine xmlns="" xmlns:a14="http://schemas.microsoft.com/office/drawing/2010/main" w="9525">
                   <a:solidFill>
                     <a:srgbClr val="000000"/>
                   </a:solidFill>
@@ -3434,7 +3878,7 @@
             </a:ln>
             <a:extLst>
               <a:ext uri="{91240B29-F687-4f45-9708-019B960494DF}">
-                <a14:hiddenLine xmlns:a14="http://schemas.microsoft.com/office/drawing/2010/main" xmlns="" w="9525">
+                <a14:hiddenLine xmlns="" xmlns:a14="http://schemas.microsoft.com/office/drawing/2010/main" w="9525">
                   <a:solidFill>
                     <a:srgbClr val="000000"/>
                   </a:solidFill>
@@ -3524,7 +3968,7 @@
             </a:ln>
             <a:extLst>
               <a:ext uri="{91240B29-F687-4f45-9708-019B960494DF}">
-                <a14:hiddenLine xmlns:a14="http://schemas.microsoft.com/office/drawing/2010/main" xmlns="" w="9525">
+                <a14:hiddenLine xmlns="" xmlns:a14="http://schemas.microsoft.com/office/drawing/2010/main" w="9525">
                   <a:solidFill>
                     <a:srgbClr val="000000"/>
                   </a:solidFill>
@@ -3614,7 +4058,7 @@
             </a:ln>
             <a:extLst>
               <a:ext uri="{91240B29-F687-4f45-9708-019B960494DF}">
-                <a14:hiddenLine xmlns:a14="http://schemas.microsoft.com/office/drawing/2010/main" xmlns="" w="9525">
+                <a14:hiddenLine xmlns="" xmlns:a14="http://schemas.microsoft.com/office/drawing/2010/main" w="9525">
                   <a:solidFill>
                     <a:srgbClr val="000000"/>
                   </a:solidFill>
@@ -3679,7 +4123,7 @@
             </a:ln>
             <a:extLst>
               <a:ext uri="{91240B29-F687-4f45-9708-019B960494DF}">
-                <a14:hiddenLine xmlns:a14="http://schemas.microsoft.com/office/drawing/2010/main" xmlns="" w="9525">
+                <a14:hiddenLine xmlns="" xmlns:a14="http://schemas.microsoft.com/office/drawing/2010/main" w="9525">
                   <a:solidFill>
                     <a:srgbClr val="000000"/>
                   </a:solidFill>
@@ -3741,7 +4185,7 @@
             </a:ln>
             <a:extLst>
               <a:ext uri="{91240B29-F687-4f45-9708-019B960494DF}">
-                <a14:hiddenLine xmlns:a14="http://schemas.microsoft.com/office/drawing/2010/main" xmlns="" w="9525">
+                <a14:hiddenLine xmlns="" xmlns:a14="http://schemas.microsoft.com/office/drawing/2010/main" w="9525">
                   <a:solidFill>
                     <a:srgbClr val="000000"/>
                   </a:solidFill>
@@ -3831,7 +4275,7 @@
             </a:ln>
             <a:extLst>
               <a:ext uri="{91240B29-F687-4f45-9708-019B960494DF}">
-                <a14:hiddenLine xmlns:a14="http://schemas.microsoft.com/office/drawing/2010/main" xmlns="" w="9525">
+                <a14:hiddenLine xmlns="" xmlns:a14="http://schemas.microsoft.com/office/drawing/2010/main" w="9525">
                   <a:solidFill>
                     <a:srgbClr val="000000"/>
                   </a:solidFill>
@@ -3921,7 +4365,7 @@
             </a:ln>
             <a:extLst>
               <a:ext uri="{91240B29-F687-4f45-9708-019B960494DF}">
-                <a14:hiddenLine xmlns:a14="http://schemas.microsoft.com/office/drawing/2010/main" xmlns="" w="9525">
+                <a14:hiddenLine xmlns="" xmlns:a14="http://schemas.microsoft.com/office/drawing/2010/main" w="9525">
                   <a:solidFill>
                     <a:srgbClr val="000000"/>
                   </a:solidFill>
@@ -3983,7 +4427,7 @@
             </a:ln>
             <a:extLst>
               <a:ext uri="{91240B29-F687-4f45-9708-019B960494DF}">
-                <a14:hiddenLine xmlns:a14="http://schemas.microsoft.com/office/drawing/2010/main" xmlns="" w="9525">
+                <a14:hiddenLine xmlns="" xmlns:a14="http://schemas.microsoft.com/office/drawing/2010/main" w="9525">
                   <a:solidFill>
                     <a:srgbClr val="000000"/>
                   </a:solidFill>
@@ -4103,7 +4547,7 @@
             </a:ln>
             <a:extLst>
               <a:ext uri="{91240B29-F687-4f45-9708-019B960494DF}">
-                <a14:hiddenLine xmlns:a14="http://schemas.microsoft.com/office/drawing/2010/main" xmlns="" w="9525">
+                <a14:hiddenLine xmlns="" xmlns:a14="http://schemas.microsoft.com/office/drawing/2010/main" w="9525">
                   <a:solidFill>
                     <a:srgbClr val="000000"/>
                   </a:solidFill>
@@ -4171,7 +4615,7 @@
             </a:ln>
             <a:extLst>
               <a:ext uri="{91240B29-F687-4f45-9708-019B960494DF}">
-                <a14:hiddenLine xmlns:a14="http://schemas.microsoft.com/office/drawing/2010/main" xmlns="" w="9525">
+                <a14:hiddenLine xmlns="" xmlns:a14="http://schemas.microsoft.com/office/drawing/2010/main" w="9525">
                   <a:solidFill>
                     <a:srgbClr val="000000"/>
                   </a:solidFill>
@@ -4261,7 +4705,7 @@
             </a:ln>
             <a:extLst>
               <a:ext uri="{91240B29-F687-4f45-9708-019B960494DF}">
-                <a14:hiddenLine xmlns:a14="http://schemas.microsoft.com/office/drawing/2010/main" xmlns="" w="9525">
+                <a14:hiddenLine xmlns="" xmlns:a14="http://schemas.microsoft.com/office/drawing/2010/main" w="9525">
                   <a:solidFill>
                     <a:srgbClr val="000000"/>
                   </a:solidFill>
@@ -4401,7 +4845,7 @@
           <a:p>
             <a:fld id="{3E440231-8DCC-48AA-ABEF-1F8D29FA8B99}" type="datetimeFigureOut">
               <a:rPr lang="hu-HU" smtClean="0"/>
-              <a:t>2023/03/18</a:t>
+              <a:t>2023. 03. 19.</a:t>
             </a:fld>
             <a:endParaRPr lang="hu-HU"/>
           </a:p>
@@ -4668,7 +5112,7 @@
           <a:p>
             <a:fld id="{3E440231-8DCC-48AA-ABEF-1F8D29FA8B99}" type="datetimeFigureOut">
               <a:rPr lang="hu-HU" smtClean="0"/>
-              <a:t>2023/03/18</a:t>
+              <a:t>2023. 03. 19.</a:t>
             </a:fld>
             <a:endParaRPr lang="hu-HU"/>
           </a:p>
@@ -4864,7 +5308,7 @@
           <a:p>
             <a:fld id="{3E440231-8DCC-48AA-ABEF-1F8D29FA8B99}" type="datetimeFigureOut">
               <a:rPr lang="hu-HU" smtClean="0"/>
-              <a:t>2023/03/18</a:t>
+              <a:t>2023. 03. 19.</a:t>
             </a:fld>
             <a:endParaRPr lang="hu-HU"/>
           </a:p>
@@ -5127,7 +5571,7 @@
           <a:p>
             <a:fld id="{3E440231-8DCC-48AA-ABEF-1F8D29FA8B99}" type="datetimeFigureOut">
               <a:rPr lang="hu-HU" smtClean="0"/>
-              <a:t>2023/03/18</a:t>
+              <a:t>2023. 03. 19.</a:t>
             </a:fld>
             <a:endParaRPr lang="hu-HU"/>
           </a:p>
@@ -5561,7 +6005,7 @@
           <a:p>
             <a:fld id="{3E440231-8DCC-48AA-ABEF-1F8D29FA8B99}" type="datetimeFigureOut">
               <a:rPr lang="hu-HU" smtClean="0"/>
-              <a:t>2023/03/18</a:t>
+              <a:t>2023. 03. 19.</a:t>
             </a:fld>
             <a:endParaRPr lang="hu-HU"/>
           </a:p>
@@ -6107,7 +6551,7 @@
           <a:p>
             <a:fld id="{3E440231-8DCC-48AA-ABEF-1F8D29FA8B99}" type="datetimeFigureOut">
               <a:rPr lang="hu-HU" smtClean="0"/>
-              <a:t>2023/03/18</a:t>
+              <a:t>2023. 03. 19.</a:t>
             </a:fld>
             <a:endParaRPr lang="hu-HU"/>
           </a:p>
@@ -6827,7 +7271,7 @@
           <a:p>
             <a:fld id="{3E440231-8DCC-48AA-ABEF-1F8D29FA8B99}" type="datetimeFigureOut">
               <a:rPr lang="hu-HU" smtClean="0"/>
-              <a:t>2023/03/18</a:t>
+              <a:t>2023. 03. 19.</a:t>
             </a:fld>
             <a:endParaRPr lang="hu-HU"/>
           </a:p>
@@ -6997,7 +7441,7 @@
           <a:p>
             <a:fld id="{3E440231-8DCC-48AA-ABEF-1F8D29FA8B99}" type="datetimeFigureOut">
               <a:rPr lang="hu-HU" smtClean="0"/>
-              <a:t>2023/03/18</a:t>
+              <a:t>2023. 03. 19.</a:t>
             </a:fld>
             <a:endParaRPr lang="hu-HU"/>
           </a:p>
@@ -7177,7 +7621,7 @@
           <a:p>
             <a:fld id="{3E440231-8DCC-48AA-ABEF-1F8D29FA8B99}" type="datetimeFigureOut">
               <a:rPr lang="hu-HU" smtClean="0"/>
-              <a:t>2023/03/18</a:t>
+              <a:t>2023. 03. 19.</a:t>
             </a:fld>
             <a:endParaRPr lang="hu-HU"/>
           </a:p>
@@ -7347,7 +7791,7 @@
           <a:p>
             <a:fld id="{3E440231-8DCC-48AA-ABEF-1F8D29FA8B99}" type="datetimeFigureOut">
               <a:rPr lang="hu-HU" smtClean="0"/>
-              <a:t>2023/03/18</a:t>
+              <a:t>2023. 03. 19.</a:t>
             </a:fld>
             <a:endParaRPr lang="hu-HU"/>
           </a:p>
@@ -7597,7 +8041,7 @@
           <a:p>
             <a:fld id="{3E440231-8DCC-48AA-ABEF-1F8D29FA8B99}" type="datetimeFigureOut">
               <a:rPr lang="hu-HU" smtClean="0"/>
-              <a:t>2023/03/18</a:t>
+              <a:t>2023. 03. 19.</a:t>
             </a:fld>
             <a:endParaRPr lang="hu-HU"/>
           </a:p>
@@ -7829,7 +8273,7 @@
           <a:p>
             <a:fld id="{3E440231-8DCC-48AA-ABEF-1F8D29FA8B99}" type="datetimeFigureOut">
               <a:rPr lang="hu-HU" smtClean="0"/>
-              <a:t>2023/03/18</a:t>
+              <a:t>2023. 03. 19.</a:t>
             </a:fld>
             <a:endParaRPr lang="hu-HU"/>
           </a:p>
@@ -8210,7 +8654,7 @@
           <a:p>
             <a:fld id="{3E440231-8DCC-48AA-ABEF-1F8D29FA8B99}" type="datetimeFigureOut">
               <a:rPr lang="hu-HU" smtClean="0"/>
-              <a:t>2023/03/18</a:t>
+              <a:t>2023. 03. 19.</a:t>
             </a:fld>
             <a:endParaRPr lang="hu-HU"/>
           </a:p>
@@ -8328,7 +8772,7 @@
           <a:p>
             <a:fld id="{3E440231-8DCC-48AA-ABEF-1F8D29FA8B99}" type="datetimeFigureOut">
               <a:rPr lang="hu-HU" smtClean="0"/>
-              <a:t>2023/03/18</a:t>
+              <a:t>2023. 03. 19.</a:t>
             </a:fld>
             <a:endParaRPr lang="hu-HU"/>
           </a:p>
@@ -8423,7 +8867,7 @@
           <a:p>
             <a:fld id="{3E440231-8DCC-48AA-ABEF-1F8D29FA8B99}" type="datetimeFigureOut">
               <a:rPr lang="hu-HU" smtClean="0"/>
-              <a:t>2023/03/18</a:t>
+              <a:t>2023. 03. 19.</a:t>
             </a:fld>
             <a:endParaRPr lang="hu-HU"/>
           </a:p>
@@ -8672,7 +9116,7 @@
           <a:p>
             <a:fld id="{3E440231-8DCC-48AA-ABEF-1F8D29FA8B99}" type="datetimeFigureOut">
               <a:rPr lang="hu-HU" smtClean="0"/>
-              <a:t>2023/03/18</a:t>
+              <a:t>2023. 03. 19.</a:t>
             </a:fld>
             <a:endParaRPr lang="hu-HU"/>
           </a:p>
@@ -8952,7 +9396,7 @@
           <a:p>
             <a:fld id="{3E440231-8DCC-48AA-ABEF-1F8D29FA8B99}" type="datetimeFigureOut">
               <a:rPr lang="hu-HU" smtClean="0"/>
-              <a:t>2023/03/18</a:t>
+              <a:t>2023. 03. 19.</a:t>
             </a:fld>
             <a:endParaRPr lang="hu-HU"/>
           </a:p>
@@ -9075,7 +9519,7 @@
           <a:noFill/>
           <a:extLst>
             <a:ext uri="{909E8E84-426E-40dd-AFC4-6F175D3DCCD1}">
-              <a14:hiddenFill xmlns:a14="http://schemas.microsoft.com/office/drawing/2010/main" xmlns="">
+              <a14:hiddenFill xmlns="" xmlns:a14="http://schemas.microsoft.com/office/drawing/2010/main">
                 <a:solidFill>
                   <a:srgbClr val="FFFFFF"/>
                 </a:solidFill>
@@ -9149,7 +9593,7 @@
               </a:ln>
               <a:extLst>
                 <a:ext uri="{91240B29-F687-4f45-9708-019B960494DF}">
-                  <a14:hiddenLine xmlns:a14="http://schemas.microsoft.com/office/drawing/2010/main" xmlns="" w="9525">
+                  <a14:hiddenLine xmlns="" xmlns:a14="http://schemas.microsoft.com/office/drawing/2010/main" w="9525">
                     <a:solidFill>
                       <a:srgbClr val="000000"/>
                     </a:solidFill>
@@ -9239,7 +9683,7 @@
               </a:ln>
               <a:extLst>
                 <a:ext uri="{91240B29-F687-4f45-9708-019B960494DF}">
-                  <a14:hiddenLine xmlns:a14="http://schemas.microsoft.com/office/drawing/2010/main" xmlns="" w="9525">
+                  <a14:hiddenLine xmlns="" xmlns:a14="http://schemas.microsoft.com/office/drawing/2010/main" w="9525">
                     <a:solidFill>
                       <a:srgbClr val="000000"/>
                     </a:solidFill>
@@ -9329,7 +9773,7 @@
               </a:ln>
               <a:extLst>
                 <a:ext uri="{91240B29-F687-4f45-9708-019B960494DF}">
-                  <a14:hiddenLine xmlns:a14="http://schemas.microsoft.com/office/drawing/2010/main" xmlns="" w="9525">
+                  <a14:hiddenLine xmlns="" xmlns:a14="http://schemas.microsoft.com/office/drawing/2010/main" w="9525">
                     <a:solidFill>
                       <a:srgbClr val="000000"/>
                     </a:solidFill>
@@ -9391,7 +9835,7 @@
               </a:ln>
               <a:extLst>
                 <a:ext uri="{91240B29-F687-4f45-9708-019B960494DF}">
-                  <a14:hiddenLine xmlns:a14="http://schemas.microsoft.com/office/drawing/2010/main" xmlns="" w="9525">
+                  <a14:hiddenLine xmlns="" xmlns:a14="http://schemas.microsoft.com/office/drawing/2010/main" w="9525">
                     <a:solidFill>
                       <a:srgbClr val="000000"/>
                     </a:solidFill>
@@ -9481,7 +9925,7 @@
               </a:ln>
               <a:extLst>
                 <a:ext uri="{91240B29-F687-4f45-9708-019B960494DF}">
-                  <a14:hiddenLine xmlns:a14="http://schemas.microsoft.com/office/drawing/2010/main" xmlns="" w="9525">
+                  <a14:hiddenLine xmlns="" xmlns:a14="http://schemas.microsoft.com/office/drawing/2010/main" w="9525">
                     <a:solidFill>
                       <a:srgbClr val="000000"/>
                     </a:solidFill>
@@ -9543,7 +9987,7 @@
               </a:ln>
               <a:extLst>
                 <a:ext uri="{91240B29-F687-4f45-9708-019B960494DF}">
-                  <a14:hiddenLine xmlns:a14="http://schemas.microsoft.com/office/drawing/2010/main" xmlns="" w="9525">
+                  <a14:hiddenLine xmlns="" xmlns:a14="http://schemas.microsoft.com/office/drawing/2010/main" w="9525">
                     <a:solidFill>
                       <a:srgbClr val="000000"/>
                     </a:solidFill>
@@ -9605,7 +10049,7 @@
               </a:ln>
               <a:extLst>
                 <a:ext uri="{91240B29-F687-4f45-9708-019B960494DF}">
-                  <a14:hiddenLine xmlns:a14="http://schemas.microsoft.com/office/drawing/2010/main" xmlns="" w="9525">
+                  <a14:hiddenLine xmlns="" xmlns:a14="http://schemas.microsoft.com/office/drawing/2010/main" w="9525">
                     <a:solidFill>
                       <a:srgbClr val="000000"/>
                     </a:solidFill>
@@ -9695,7 +10139,7 @@
               </a:ln>
               <a:extLst>
                 <a:ext uri="{91240B29-F687-4f45-9708-019B960494DF}">
-                  <a14:hiddenLine xmlns:a14="http://schemas.microsoft.com/office/drawing/2010/main" xmlns="" w="9525">
+                  <a14:hiddenLine xmlns="" xmlns:a14="http://schemas.microsoft.com/office/drawing/2010/main" w="9525">
                     <a:solidFill>
                       <a:srgbClr val="000000"/>
                     </a:solidFill>
@@ -9785,7 +10229,7 @@
               </a:ln>
               <a:extLst>
                 <a:ext uri="{91240B29-F687-4f45-9708-019B960494DF}">
-                  <a14:hiddenLine xmlns:a14="http://schemas.microsoft.com/office/drawing/2010/main" xmlns="" w="9525">
+                  <a14:hiddenLine xmlns="" xmlns:a14="http://schemas.microsoft.com/office/drawing/2010/main" w="9525">
                     <a:solidFill>
                       <a:srgbClr val="000000"/>
                     </a:solidFill>
@@ -9847,7 +10291,7 @@
               </a:ln>
               <a:extLst>
                 <a:ext uri="{91240B29-F687-4f45-9708-019B960494DF}">
-                  <a14:hiddenLine xmlns:a14="http://schemas.microsoft.com/office/drawing/2010/main" xmlns="" w="9525">
+                  <a14:hiddenLine xmlns="" xmlns:a14="http://schemas.microsoft.com/office/drawing/2010/main" w="9525">
                     <a:solidFill>
                       <a:srgbClr val="000000"/>
                     </a:solidFill>
@@ -9957,7 +10401,7 @@
               </a:ln>
               <a:extLst>
                 <a:ext uri="{91240B29-F687-4f45-9708-019B960494DF}">
-                  <a14:hiddenLine xmlns:a14="http://schemas.microsoft.com/office/drawing/2010/main" xmlns="" w="9525">
+                  <a14:hiddenLine xmlns="" xmlns:a14="http://schemas.microsoft.com/office/drawing/2010/main" w="9525">
                     <a:solidFill>
                       <a:srgbClr val="000000"/>
                     </a:solidFill>
@@ -10041,7 +10485,7 @@
               </a:ln>
               <a:extLst>
                 <a:ext uri="{91240B29-F687-4f45-9708-019B960494DF}">
-                  <a14:hiddenLine xmlns:a14="http://schemas.microsoft.com/office/drawing/2010/main" xmlns="" w="9525">
+                  <a14:hiddenLine xmlns="" xmlns:a14="http://schemas.microsoft.com/office/drawing/2010/main" w="9525">
                     <a:solidFill>
                       <a:srgbClr val="000000"/>
                     </a:solidFill>
@@ -10103,7 +10547,7 @@
               </a:ln>
               <a:extLst>
                 <a:ext uri="{91240B29-F687-4f45-9708-019B960494DF}">
-                  <a14:hiddenLine xmlns:a14="http://schemas.microsoft.com/office/drawing/2010/main" xmlns="" w="9525">
+                  <a14:hiddenLine xmlns="" xmlns:a14="http://schemas.microsoft.com/office/drawing/2010/main" w="9525">
                     <a:solidFill>
                       <a:srgbClr val="000000"/>
                     </a:solidFill>
@@ -10165,7 +10609,7 @@
               </a:ln>
               <a:extLst>
                 <a:ext uri="{91240B29-F687-4f45-9708-019B960494DF}">
-                  <a14:hiddenLine xmlns:a14="http://schemas.microsoft.com/office/drawing/2010/main" xmlns="" w="9525">
+                  <a14:hiddenLine xmlns="" xmlns:a14="http://schemas.microsoft.com/office/drawing/2010/main" w="9525">
                     <a:solidFill>
                       <a:srgbClr val="000000"/>
                     </a:solidFill>
@@ -10255,7 +10699,7 @@
               </a:ln>
               <a:extLst>
                 <a:ext uri="{91240B29-F687-4f45-9708-019B960494DF}">
-                  <a14:hiddenLine xmlns:a14="http://schemas.microsoft.com/office/drawing/2010/main" xmlns="" w="9525">
+                  <a14:hiddenLine xmlns="" xmlns:a14="http://schemas.microsoft.com/office/drawing/2010/main" w="9525">
                     <a:solidFill>
                       <a:srgbClr val="000000"/>
                     </a:solidFill>
@@ -10289,7 +10733,7 @@
               </a:ln>
               <a:extLst>
                 <a:ext uri="{91240B29-F687-4f45-9708-019B960494DF}">
-                  <a14:hiddenLine xmlns:a14="http://schemas.microsoft.com/office/drawing/2010/main" xmlns="" w="9525">
+                  <a14:hiddenLine xmlns="" xmlns:a14="http://schemas.microsoft.com/office/drawing/2010/main" w="9525">
                     <a:solidFill>
                       <a:srgbClr val="000000"/>
                     </a:solidFill>
@@ -10354,7 +10798,7 @@
               </a:ln>
               <a:extLst>
                 <a:ext uri="{91240B29-F687-4f45-9708-019B960494DF}">
-                  <a14:hiddenLine xmlns:a14="http://schemas.microsoft.com/office/drawing/2010/main" xmlns="" w="9525">
+                  <a14:hiddenLine xmlns="" xmlns:a14="http://schemas.microsoft.com/office/drawing/2010/main" w="9525">
                     <a:solidFill>
                       <a:srgbClr val="000000"/>
                     </a:solidFill>
@@ -10444,7 +10888,7 @@
               </a:ln>
               <a:extLst>
                 <a:ext uri="{91240B29-F687-4f45-9708-019B960494DF}">
-                  <a14:hiddenLine xmlns:a14="http://schemas.microsoft.com/office/drawing/2010/main" xmlns="" w="9525">
+                  <a14:hiddenLine xmlns="" xmlns:a14="http://schemas.microsoft.com/office/drawing/2010/main" w="9525">
                     <a:solidFill>
                       <a:srgbClr val="000000"/>
                     </a:solidFill>
@@ -10506,7 +10950,7 @@
               </a:ln>
               <a:extLst>
                 <a:ext uri="{91240B29-F687-4f45-9708-019B960494DF}">
-                  <a14:hiddenLine xmlns:a14="http://schemas.microsoft.com/office/drawing/2010/main" xmlns="" w="9525">
+                  <a14:hiddenLine xmlns="" xmlns:a14="http://schemas.microsoft.com/office/drawing/2010/main" w="9525">
                     <a:solidFill>
                       <a:srgbClr val="000000"/>
                     </a:solidFill>
@@ -10596,7 +11040,7 @@
               </a:ln>
               <a:extLst>
                 <a:ext uri="{91240B29-F687-4f45-9708-019B960494DF}">
-                  <a14:hiddenLine xmlns:a14="http://schemas.microsoft.com/office/drawing/2010/main" xmlns="" w="9525">
+                  <a14:hiddenLine xmlns="" xmlns:a14="http://schemas.microsoft.com/office/drawing/2010/main" w="9525">
                     <a:solidFill>
                       <a:srgbClr val="000000"/>
                     </a:solidFill>
@@ -10661,7 +11105,7 @@
               </a:ln>
               <a:extLst>
                 <a:ext uri="{91240B29-F687-4f45-9708-019B960494DF}">
-                  <a14:hiddenLine xmlns:a14="http://schemas.microsoft.com/office/drawing/2010/main" xmlns="" w="9525">
+                  <a14:hiddenLine xmlns="" xmlns:a14="http://schemas.microsoft.com/office/drawing/2010/main" w="9525">
                     <a:solidFill>
                       <a:srgbClr val="000000"/>
                     </a:solidFill>
@@ -10723,7 +11167,7 @@
               </a:ln>
               <a:extLst>
                 <a:ext uri="{91240B29-F687-4f45-9708-019B960494DF}">
-                  <a14:hiddenLine xmlns:a14="http://schemas.microsoft.com/office/drawing/2010/main" xmlns="" w="9525">
+                  <a14:hiddenLine xmlns="" xmlns:a14="http://schemas.microsoft.com/office/drawing/2010/main" w="9525">
                     <a:solidFill>
                       <a:srgbClr val="000000"/>
                     </a:solidFill>
@@ -10813,7 +11257,7 @@
               </a:ln>
               <a:extLst>
                 <a:ext uri="{91240B29-F687-4f45-9708-019B960494DF}">
-                  <a14:hiddenLine xmlns:a14="http://schemas.microsoft.com/office/drawing/2010/main" xmlns="" w="9525">
+                  <a14:hiddenLine xmlns="" xmlns:a14="http://schemas.microsoft.com/office/drawing/2010/main" w="9525">
                     <a:solidFill>
                       <a:srgbClr val="000000"/>
                     </a:solidFill>
@@ -10903,7 +11347,7 @@
               </a:ln>
               <a:extLst>
                 <a:ext uri="{91240B29-F687-4f45-9708-019B960494DF}">
-                  <a14:hiddenLine xmlns:a14="http://schemas.microsoft.com/office/drawing/2010/main" xmlns="" w="9525">
+                  <a14:hiddenLine xmlns="" xmlns:a14="http://schemas.microsoft.com/office/drawing/2010/main" w="9525">
                     <a:solidFill>
                       <a:srgbClr val="000000"/>
                     </a:solidFill>
@@ -10968,7 +11412,7 @@
               </a:ln>
               <a:extLst>
                 <a:ext uri="{91240B29-F687-4f45-9708-019B960494DF}">
-                  <a14:hiddenLine xmlns:a14="http://schemas.microsoft.com/office/drawing/2010/main" xmlns="" w="9525">
+                  <a14:hiddenLine xmlns="" xmlns:a14="http://schemas.microsoft.com/office/drawing/2010/main" w="9525">
                     <a:solidFill>
                       <a:srgbClr val="000000"/>
                     </a:solidFill>
@@ -11088,7 +11532,7 @@
               </a:ln>
               <a:extLst>
                 <a:ext uri="{91240B29-F687-4f45-9708-019B960494DF}">
-                  <a14:hiddenLine xmlns:a14="http://schemas.microsoft.com/office/drawing/2010/main" xmlns="" w="9525">
+                  <a14:hiddenLine xmlns="" xmlns:a14="http://schemas.microsoft.com/office/drawing/2010/main" w="9525">
                     <a:solidFill>
                       <a:srgbClr val="000000"/>
                     </a:solidFill>
@@ -11186,7 +11630,7 @@
               </a:ln>
               <a:extLst>
                 <a:ext uri="{91240B29-F687-4f45-9708-019B960494DF}">
-                  <a14:hiddenLine xmlns:a14="http://schemas.microsoft.com/office/drawing/2010/main" xmlns="" w="9525">
+                  <a14:hiddenLine xmlns="" xmlns:a14="http://schemas.microsoft.com/office/drawing/2010/main" w="9525">
                     <a:solidFill>
                       <a:srgbClr val="000000"/>
                     </a:solidFill>
@@ -11301,7 +11745,7 @@
               </a:ln>
               <a:extLst>
                 <a:ext uri="{91240B29-F687-4f45-9708-019B960494DF}">
-                  <a14:hiddenLine xmlns:a14="http://schemas.microsoft.com/office/drawing/2010/main" xmlns="" w="9525">
+                  <a14:hiddenLine xmlns="" xmlns:a14="http://schemas.microsoft.com/office/drawing/2010/main" w="9525">
                     <a:solidFill>
                       <a:srgbClr val="000000"/>
                     </a:solidFill>
@@ -11391,7 +11835,7 @@
               </a:ln>
               <a:extLst>
                 <a:ext uri="{91240B29-F687-4f45-9708-019B960494DF}">
-                  <a14:hiddenLine xmlns:a14="http://schemas.microsoft.com/office/drawing/2010/main" xmlns="" w="9525">
+                  <a14:hiddenLine xmlns="" xmlns:a14="http://schemas.microsoft.com/office/drawing/2010/main" w="9525">
                     <a:solidFill>
                       <a:srgbClr val="000000"/>
                     </a:solidFill>
@@ -11456,7 +11900,7 @@
               </a:ln>
               <a:extLst>
                 <a:ext uri="{91240B29-F687-4f45-9708-019B960494DF}">
-                  <a14:hiddenLine xmlns:a14="http://schemas.microsoft.com/office/drawing/2010/main" xmlns="" w="9525">
+                  <a14:hiddenLine xmlns="" xmlns:a14="http://schemas.microsoft.com/office/drawing/2010/main" w="9525">
                     <a:solidFill>
                       <a:srgbClr val="000000"/>
                     </a:solidFill>
@@ -11546,7 +11990,7 @@
               </a:ln>
               <a:extLst>
                 <a:ext uri="{91240B29-F687-4f45-9708-019B960494DF}">
-                  <a14:hiddenLine xmlns:a14="http://schemas.microsoft.com/office/drawing/2010/main" xmlns="" w="9525">
+                  <a14:hiddenLine xmlns="" xmlns:a14="http://schemas.microsoft.com/office/drawing/2010/main" w="9525">
                     <a:solidFill>
                       <a:srgbClr val="000000"/>
                     </a:solidFill>
@@ -11614,7 +12058,7 @@
               </a:ln>
               <a:extLst>
                 <a:ext uri="{91240B29-F687-4f45-9708-019B960494DF}">
-                  <a14:hiddenLine xmlns:a14="http://schemas.microsoft.com/office/drawing/2010/main" xmlns="" w="9525">
+                  <a14:hiddenLine xmlns="" xmlns:a14="http://schemas.microsoft.com/office/drawing/2010/main" w="9525">
                     <a:solidFill>
                       <a:srgbClr val="000000"/>
                     </a:solidFill>
@@ -11704,7 +12148,7 @@
               </a:ln>
               <a:extLst>
                 <a:ext uri="{91240B29-F687-4f45-9708-019B960494DF}">
-                  <a14:hiddenLine xmlns:a14="http://schemas.microsoft.com/office/drawing/2010/main" xmlns="" w="9525">
+                  <a14:hiddenLine xmlns="" xmlns:a14="http://schemas.microsoft.com/office/drawing/2010/main" w="9525">
                     <a:solidFill>
                       <a:srgbClr val="000000"/>
                     </a:solidFill>
@@ -11772,7 +12216,7 @@
               </a:ln>
               <a:extLst>
                 <a:ext uri="{91240B29-F687-4f45-9708-019B960494DF}">
-                  <a14:hiddenLine xmlns:a14="http://schemas.microsoft.com/office/drawing/2010/main" xmlns="" w="9525">
+                  <a14:hiddenLine xmlns="" xmlns:a14="http://schemas.microsoft.com/office/drawing/2010/main" w="9525">
                     <a:solidFill>
                       <a:srgbClr val="000000"/>
                     </a:solidFill>
@@ -11862,7 +12306,7 @@
               </a:ln>
               <a:extLst>
                 <a:ext uri="{91240B29-F687-4f45-9708-019B960494DF}">
-                  <a14:hiddenLine xmlns:a14="http://schemas.microsoft.com/office/drawing/2010/main" xmlns="" w="9525">
+                  <a14:hiddenLine xmlns="" xmlns:a14="http://schemas.microsoft.com/office/drawing/2010/main" w="9525">
                     <a:solidFill>
                       <a:srgbClr val="000000"/>
                     </a:solidFill>
@@ -11896,7 +12340,7 @@
               </a:ln>
               <a:extLst>
                 <a:ext uri="{91240B29-F687-4f45-9708-019B960494DF}">
-                  <a14:hiddenLine xmlns:a14="http://schemas.microsoft.com/office/drawing/2010/main" xmlns="" w="9525">
+                  <a14:hiddenLine xmlns="" xmlns:a14="http://schemas.microsoft.com/office/drawing/2010/main" w="9525">
                     <a:solidFill>
                       <a:srgbClr val="000000"/>
                     </a:solidFill>
@@ -12036,7 +12480,7 @@
           <a:p>
             <a:fld id="{3E440231-8DCC-48AA-ABEF-1F8D29FA8B99}" type="datetimeFigureOut">
               <a:rPr lang="hu-HU" smtClean="0"/>
-              <a:t>2023/03/18</a:t>
+              <a:t>2023. 03. 19.</a:t>
             </a:fld>
             <a:endParaRPr lang="hu-HU"/>
           </a:p>
@@ -12623,6 +13067,752 @@
 </p:sld>
 </file>
 
+<file path=ppt/slides/slide10.xml><?xml version="1.0" encoding="utf-8"?>
+<p:sld xmlns:a="http://schemas.openxmlformats.org/drawingml/2006/main" xmlns:r="http://schemas.openxmlformats.org/officeDocument/2006/relationships" xmlns:p="http://schemas.openxmlformats.org/presentationml/2006/main">
+  <p:cSld>
+    <p:spTree>
+      <p:nvGrpSpPr>
+        <p:cNvPr id="1" name=""/>
+        <p:cNvGrpSpPr/>
+        <p:nvPr/>
+      </p:nvGrpSpPr>
+      <p:grpSpPr>
+        <a:xfrm>
+          <a:off x="0" y="0"/>
+          <a:ext cx="0" cy="0"/>
+          <a:chOff x="0" y="0"/>
+          <a:chExt cx="0" cy="0"/>
+        </a:xfrm>
+      </p:grpSpPr>
+      <p:sp>
+        <p:nvSpPr>
+          <p:cNvPr id="2" name="Title 1">
+            <a:extLst>
+              <a:ext uri="{FF2B5EF4-FFF2-40B4-BE49-F238E27FC236}">
+                <a16:creationId xmlns:a16="http://schemas.microsoft.com/office/drawing/2014/main" id="{7B7DEF51-9774-51DC-992C-CC806785611A}"/>
+              </a:ext>
+            </a:extLst>
+          </p:cNvPr>
+          <p:cNvSpPr>
+            <a:spLocks noGrp="1"/>
+          </p:cNvSpPr>
+          <p:nvPr>
+            <p:ph type="title"/>
+          </p:nvPr>
+        </p:nvSpPr>
+        <p:spPr/>
+        <p:txBody>
+          <a:bodyPr/>
+          <a:lstStyle/>
+          <a:p>
+            <a:pPr algn="ctr"/>
+            <a:r>
+              <a:rPr lang="en-HU" dirty="0"/>
+              <a:t>Eredmények és analízis</a:t>
+            </a:r>
+          </a:p>
+        </p:txBody>
+      </p:sp>
+      <p:sp>
+        <p:nvSpPr>
+          <p:cNvPr id="3" name="Content Placeholder 2">
+            <a:extLst>
+              <a:ext uri="{FF2B5EF4-FFF2-40B4-BE49-F238E27FC236}">
+                <a16:creationId xmlns:a16="http://schemas.microsoft.com/office/drawing/2014/main" id="{3D50C330-F025-B79C-4858-AA8933897D79}"/>
+              </a:ext>
+            </a:extLst>
+          </p:cNvPr>
+          <p:cNvSpPr>
+            <a:spLocks noGrp="1"/>
+          </p:cNvSpPr>
+          <p:nvPr>
+            <p:ph idx="1"/>
+          </p:nvPr>
+        </p:nvSpPr>
+        <p:spPr/>
+        <p:txBody>
+          <a:bodyPr>
+            <a:normAutofit fontScale="92500" lnSpcReduction="20000"/>
+          </a:bodyPr>
+          <a:lstStyle/>
+          <a:p>
+            <a:r>
+              <a:rPr lang="en-HU" dirty="0">
+                <a:solidFill>
+                  <a:schemeClr val="bg1"/>
+                </a:solidFill>
+              </a:rPr>
+              <a:t>Az épületek detektálásának eredménye (ebbe nem tartozik bele a fákkal eltakart épületek):</a:t>
+            </a:r>
+          </a:p>
+          <a:p>
+            <a:pPr lvl="1"/>
+            <a:r>
+              <a:rPr lang="en-HU" dirty="0">
+                <a:solidFill>
+                  <a:schemeClr val="bg1"/>
+                </a:solidFill>
+              </a:rPr>
+              <a:t>1-es adathalmaz: ~80%</a:t>
+            </a:r>
+          </a:p>
+          <a:p>
+            <a:pPr lvl="1"/>
+            <a:r>
+              <a:rPr lang="en-HU" dirty="0">
+                <a:solidFill>
+                  <a:schemeClr val="bg1"/>
+                </a:solidFill>
+              </a:rPr>
+              <a:t>2-es adathalmaz: ~93%</a:t>
+            </a:r>
+          </a:p>
+          <a:p>
+            <a:r>
+              <a:rPr lang="en-HU" dirty="0">
+                <a:solidFill>
+                  <a:schemeClr val="bg1"/>
+                </a:solidFill>
+              </a:rPr>
+              <a:t>Az 1-es adathalmaz több “íves” épületet tartalmaz, így ezért kaptunk gyengébb eredeményt.</a:t>
+            </a:r>
+          </a:p>
+          <a:p>
+            <a:r>
+              <a:rPr lang="en-HU" dirty="0">
+                <a:solidFill>
+                  <a:schemeClr val="bg1"/>
+                </a:solidFill>
+              </a:rPr>
+              <a:t>Megoldás: </a:t>
+            </a:r>
+          </a:p>
+          <a:p>
+            <a:pPr lvl="1"/>
+            <a:r>
+              <a:rPr lang="en-HU" dirty="0">
+                <a:solidFill>
+                  <a:schemeClr val="bg1"/>
+                </a:solidFill>
+              </a:rPr>
+              <a:t>A síkbeli aspektus-meghatározás küszöbe lazítható =&gt; elzárási hibát fog okozni</a:t>
+            </a:r>
+          </a:p>
+          <a:p>
+            <a:pPr lvl="1"/>
+            <a:r>
+              <a:rPr lang="en-HU" dirty="0">
+                <a:solidFill>
+                  <a:schemeClr val="bg1"/>
+                </a:solidFill>
+              </a:rPr>
+              <a:t>Összetett felületi modellek alkalmazása a nem sík tetők észlelésére</a:t>
+            </a:r>
+          </a:p>
+        </p:txBody>
+      </p:sp>
+    </p:spTree>
+    <p:extLst>
+      <p:ext uri="{BB962C8B-B14F-4D97-AF65-F5344CB8AC3E}">
+        <p14:creationId xmlns:p14="http://schemas.microsoft.com/office/powerpoint/2010/main" val="1956148866"/>
+      </p:ext>
+    </p:extLst>
+  </p:cSld>
+  <p:clrMapOvr>
+    <a:masterClrMapping/>
+  </p:clrMapOvr>
+</p:sld>
+</file>
+
+<file path=ppt/slides/slide11.xml><?xml version="1.0" encoding="utf-8"?>
+<p:sld xmlns:a="http://schemas.openxmlformats.org/drawingml/2006/main" xmlns:r="http://schemas.openxmlformats.org/officeDocument/2006/relationships" xmlns:p="http://schemas.openxmlformats.org/presentationml/2006/main">
+  <p:cSld>
+    <p:spTree>
+      <p:nvGrpSpPr>
+        <p:cNvPr id="1" name=""/>
+        <p:cNvGrpSpPr/>
+        <p:nvPr/>
+      </p:nvGrpSpPr>
+      <p:grpSpPr>
+        <a:xfrm>
+          <a:off x="0" y="0"/>
+          <a:ext cx="0" cy="0"/>
+          <a:chOff x="0" y="0"/>
+          <a:chExt cx="0" cy="0"/>
+        </a:xfrm>
+      </p:grpSpPr>
+      <p:sp>
+        <p:nvSpPr>
+          <p:cNvPr id="2" name="Title 1">
+            <a:extLst>
+              <a:ext uri="{FF2B5EF4-FFF2-40B4-BE49-F238E27FC236}">
+                <a16:creationId xmlns:a16="http://schemas.microsoft.com/office/drawing/2014/main" id="{C8207AB8-4CE8-A630-E3F8-9681D480A493}"/>
+              </a:ext>
+            </a:extLst>
+          </p:cNvPr>
+          <p:cNvSpPr>
+            <a:spLocks noGrp="1"/>
+          </p:cNvSpPr>
+          <p:nvPr>
+            <p:ph type="title"/>
+          </p:nvPr>
+        </p:nvSpPr>
+        <p:spPr/>
+        <p:txBody>
+          <a:bodyPr/>
+          <a:lstStyle/>
+          <a:p>
+            <a:pPr algn="ctr"/>
+            <a:r>
+              <a:rPr lang="en-HU" dirty="0"/>
+              <a:t>Konklúzió</a:t>
+            </a:r>
+          </a:p>
+        </p:txBody>
+      </p:sp>
+      <p:sp>
+        <p:nvSpPr>
+          <p:cNvPr id="3" name="Content Placeholder 2">
+            <a:extLst>
+              <a:ext uri="{FF2B5EF4-FFF2-40B4-BE49-F238E27FC236}">
+                <a16:creationId xmlns:a16="http://schemas.microsoft.com/office/drawing/2014/main" id="{717177B3-648B-BC2E-2D8B-E5A944654714}"/>
+              </a:ext>
+            </a:extLst>
+          </p:cNvPr>
+          <p:cNvSpPr>
+            <a:spLocks noGrp="1"/>
+          </p:cNvSpPr>
+          <p:nvPr>
+            <p:ph idx="1"/>
+          </p:nvPr>
+        </p:nvSpPr>
+        <p:spPr/>
+        <p:txBody>
+          <a:bodyPr/>
+          <a:lstStyle/>
+          <a:p>
+            <a:r>
+              <a:rPr lang="en-HU" dirty="0">
+                <a:solidFill>
+                  <a:schemeClr val="bg1"/>
+                </a:solidFill>
+              </a:rPr>
+              <a:t>A tanulmányban bemutatott új módszer DEM generálásra és épületek detektálására: hatékony és eredményes (városi és elővárosi területeken)</a:t>
+            </a:r>
+          </a:p>
+          <a:p>
+            <a:r>
+              <a:rPr lang="en-HU" dirty="0">
+                <a:solidFill>
+                  <a:schemeClr val="bg1"/>
+                </a:solidFill>
+              </a:rPr>
+              <a:t> Határregulációs módszer (globális információkat is figyelembe veszi):</a:t>
+            </a:r>
+          </a:p>
+          <a:p>
+            <a:pPr lvl="1"/>
+            <a:r>
+              <a:rPr lang="en-HU" dirty="0">
+                <a:solidFill>
+                  <a:schemeClr val="bg1"/>
+                </a:solidFill>
+              </a:rPr>
+              <a:t> Ígéretes eredményeket hoz</a:t>
+            </a:r>
+          </a:p>
+          <a:p>
+            <a:pPr lvl="1"/>
+            <a:r>
+              <a:rPr lang="en-GB" dirty="0">
+                <a:solidFill>
+                  <a:schemeClr val="bg1"/>
+                </a:solidFill>
+              </a:rPr>
+              <a:t>A</a:t>
+            </a:r>
+            <a:r>
+              <a:rPr lang="en-HU" dirty="0">
+                <a:solidFill>
+                  <a:schemeClr val="bg1"/>
+                </a:solidFill>
+              </a:rPr>
+              <a:t> számítási költség jobb, mint az MDL módszernél</a:t>
+            </a:r>
+          </a:p>
+        </p:txBody>
+      </p:sp>
+    </p:spTree>
+    <p:extLst>
+      <p:ext uri="{BB962C8B-B14F-4D97-AF65-F5344CB8AC3E}">
+        <p14:creationId xmlns:p14="http://schemas.microsoft.com/office/powerpoint/2010/main" val="1109432240"/>
+      </p:ext>
+    </p:extLst>
+  </p:cSld>
+  <p:clrMapOvr>
+    <a:masterClrMapping/>
+  </p:clrMapOvr>
+</p:sld>
+</file>
+
+<file path=ppt/slides/slide12.xml><?xml version="1.0" encoding="utf-8"?>
+<p:sld xmlns:a="http://schemas.openxmlformats.org/drawingml/2006/main" xmlns:r="http://schemas.openxmlformats.org/officeDocument/2006/relationships" xmlns:p="http://schemas.openxmlformats.org/presentationml/2006/main">
+  <p:cSld>
+    <p:spTree>
+      <p:nvGrpSpPr>
+        <p:cNvPr id="1" name=""/>
+        <p:cNvGrpSpPr/>
+        <p:nvPr/>
+      </p:nvGrpSpPr>
+      <p:grpSpPr>
+        <a:xfrm>
+          <a:off x="0" y="0"/>
+          <a:ext cx="0" cy="0"/>
+          <a:chOff x="0" y="0"/>
+          <a:chExt cx="0" cy="0"/>
+        </a:xfrm>
+      </p:grpSpPr>
+      <p:sp>
+        <p:nvSpPr>
+          <p:cNvPr id="2" name="Title 1">
+            <a:extLst>
+              <a:ext uri="{FF2B5EF4-FFF2-40B4-BE49-F238E27FC236}">
+                <a16:creationId xmlns:a16="http://schemas.microsoft.com/office/drawing/2014/main" id="{862DDA03-E06D-1A5B-3DAC-2E606DDF926D}"/>
+              </a:ext>
+            </a:extLst>
+          </p:cNvPr>
+          <p:cNvSpPr>
+            <a:spLocks noGrp="1"/>
+          </p:cNvSpPr>
+          <p:nvPr>
+            <p:ph type="title"/>
+          </p:nvPr>
+        </p:nvSpPr>
+        <p:spPr/>
+        <p:txBody>
+          <a:bodyPr/>
+          <a:lstStyle/>
+          <a:p>
+            <a:r>
+              <a:rPr lang="en-HU" dirty="0"/>
+              <a:t>További tanulmányok</a:t>
+            </a:r>
+          </a:p>
+        </p:txBody>
+      </p:sp>
+      <p:sp>
+        <p:nvSpPr>
+          <p:cNvPr id="3" name="Content Placeholder 2">
+            <a:extLst>
+              <a:ext uri="{FF2B5EF4-FFF2-40B4-BE49-F238E27FC236}">
+                <a16:creationId xmlns:a16="http://schemas.microsoft.com/office/drawing/2014/main" id="{BC5A2F5D-17E4-4326-BE5B-3A412D9E162D}"/>
+              </a:ext>
+            </a:extLst>
+          </p:cNvPr>
+          <p:cNvSpPr>
+            <a:spLocks noGrp="1"/>
+          </p:cNvSpPr>
+          <p:nvPr>
+            <p:ph idx="1"/>
+          </p:nvPr>
+        </p:nvSpPr>
+        <p:spPr/>
+        <p:txBody>
+          <a:bodyPr/>
+          <a:lstStyle/>
+          <a:p>
+            <a:r>
+              <a:rPr lang="en-HU" dirty="0">
+                <a:solidFill>
+                  <a:schemeClr val="bg1"/>
+                </a:solidFill>
+              </a:rPr>
+              <a:t>3D-s épületmodell rekonstrukció</a:t>
+            </a:r>
+          </a:p>
+          <a:p>
+            <a:r>
+              <a:rPr lang="en-HU" dirty="0">
+                <a:solidFill>
+                  <a:schemeClr val="bg1"/>
+                </a:solidFill>
+              </a:rPr>
+              <a:t>Nem sík felületű épületek észlelése</a:t>
+            </a:r>
+          </a:p>
+          <a:p>
+            <a:r>
+              <a:rPr lang="en-HU" dirty="0">
+                <a:solidFill>
+                  <a:schemeClr val="bg1"/>
+                </a:solidFill>
+              </a:rPr>
+              <a:t>Épület detektálás és rekonstrukció több adatforrásból, mint például:</a:t>
+            </a:r>
+          </a:p>
+          <a:p>
+            <a:pPr lvl="1"/>
+            <a:r>
+              <a:rPr lang="en-HU" dirty="0">
+                <a:solidFill>
+                  <a:schemeClr val="bg1"/>
+                </a:solidFill>
+              </a:rPr>
+              <a:t>Lidar</a:t>
+            </a:r>
+          </a:p>
+          <a:p>
+            <a:pPr lvl="1"/>
+            <a:r>
+              <a:rPr lang="en-HU" dirty="0">
+                <a:solidFill>
+                  <a:schemeClr val="bg1"/>
+                </a:solidFill>
+              </a:rPr>
+              <a:t>Színes és </a:t>
+            </a:r>
+            <a:r>
+              <a:rPr lang="hu-HU" dirty="0" err="1">
+                <a:solidFill>
+                  <a:schemeClr val="bg1"/>
+                </a:solidFill>
+              </a:rPr>
+              <a:t>hiperspektrális</a:t>
+            </a:r>
+            <a:r>
+              <a:rPr lang="hu-HU" dirty="0">
+                <a:solidFill>
+                  <a:schemeClr val="bg1"/>
+                </a:solidFill>
+              </a:rPr>
+              <a:t> képek</a:t>
+            </a:r>
+          </a:p>
+        </p:txBody>
+      </p:sp>
+    </p:spTree>
+    <p:extLst>
+      <p:ext uri="{BB962C8B-B14F-4D97-AF65-F5344CB8AC3E}">
+        <p14:creationId xmlns:p14="http://schemas.microsoft.com/office/powerpoint/2010/main" val="654242109"/>
+      </p:ext>
+    </p:extLst>
+  </p:cSld>
+  <p:clrMapOvr>
+    <a:masterClrMapping/>
+  </p:clrMapOvr>
+</p:sld>
+</file>
+
+<file path=ppt/slides/slide13.xml><?xml version="1.0" encoding="utf-8"?>
+<p:sld xmlns:a="http://schemas.openxmlformats.org/drawingml/2006/main" xmlns:r="http://schemas.openxmlformats.org/officeDocument/2006/relationships" xmlns:p="http://schemas.openxmlformats.org/presentationml/2006/main">
+  <p:cSld>
+    <p:spTree>
+      <p:nvGrpSpPr>
+        <p:cNvPr id="1" name=""/>
+        <p:cNvGrpSpPr/>
+        <p:nvPr/>
+      </p:nvGrpSpPr>
+      <p:grpSpPr>
+        <a:xfrm>
+          <a:off x="0" y="0"/>
+          <a:ext cx="0" cy="0"/>
+          <a:chOff x="0" y="0"/>
+          <a:chExt cx="0" cy="0"/>
+        </a:xfrm>
+      </p:grpSpPr>
+      <p:sp>
+        <p:nvSpPr>
+          <p:cNvPr id="2" name="Cím 1">
+            <a:extLst>
+              <a:ext uri="{FF2B5EF4-FFF2-40B4-BE49-F238E27FC236}">
+                <a16:creationId xmlns:a16="http://schemas.microsoft.com/office/drawing/2014/main" id="{BA7533CD-0524-B016-53D3-F31BE70A3F56}"/>
+              </a:ext>
+            </a:extLst>
+          </p:cNvPr>
+          <p:cNvSpPr>
+            <a:spLocks noGrp="1"/>
+          </p:cNvSpPr>
+          <p:nvPr>
+            <p:ph type="title"/>
+          </p:nvPr>
+        </p:nvSpPr>
+        <p:spPr/>
+        <p:txBody>
+          <a:bodyPr/>
+          <a:lstStyle/>
+          <a:p>
+            <a:pPr algn="ctr"/>
+            <a:r>
+              <a:rPr lang="hu-HU" dirty="0"/>
+              <a:t>Megvalósítás</a:t>
+            </a:r>
+          </a:p>
+        </p:txBody>
+      </p:sp>
+      <p:sp>
+        <p:nvSpPr>
+          <p:cNvPr id="3" name="Tartalom helye 2">
+            <a:extLst>
+              <a:ext uri="{FF2B5EF4-FFF2-40B4-BE49-F238E27FC236}">
+                <a16:creationId xmlns:a16="http://schemas.microsoft.com/office/drawing/2014/main" id="{52076594-BAA3-C236-5812-5414ABF4E063}"/>
+              </a:ext>
+            </a:extLst>
+          </p:cNvPr>
+          <p:cNvSpPr>
+            <a:spLocks noGrp="1"/>
+          </p:cNvSpPr>
+          <p:nvPr>
+            <p:ph idx="1"/>
+          </p:nvPr>
+        </p:nvSpPr>
+        <p:spPr/>
+        <p:txBody>
+          <a:bodyPr/>
+          <a:lstStyle/>
+          <a:p>
+            <a:r>
+              <a:rPr lang="hu-HU" dirty="0">
+                <a:solidFill>
+                  <a:schemeClr val="bg1"/>
+                </a:solidFill>
+              </a:rPr>
+              <a:t>Adat és/vagy gyorsaság függő</a:t>
+            </a:r>
+          </a:p>
+          <a:p>
+            <a:r>
+              <a:rPr lang="hu-HU" dirty="0">
+                <a:solidFill>
+                  <a:schemeClr val="bg1"/>
+                </a:solidFill>
+              </a:rPr>
+              <a:t>Cél: Python </a:t>
+            </a:r>
+            <a:r>
+              <a:rPr lang="hu-HU" dirty="0" err="1">
+                <a:solidFill>
+                  <a:schemeClr val="bg1"/>
+                </a:solidFill>
+              </a:rPr>
+              <a:t>libekkel</a:t>
+            </a:r>
+            <a:r>
+              <a:rPr lang="hu-HU" dirty="0">
+                <a:solidFill>
+                  <a:schemeClr val="bg1"/>
+                </a:solidFill>
+              </a:rPr>
+              <a:t>: </a:t>
+            </a:r>
+            <a:r>
+              <a:rPr lang="hu-HU" dirty="0" err="1">
+                <a:solidFill>
+                  <a:schemeClr val="bg1"/>
+                </a:solidFill>
+              </a:rPr>
+              <a:t>Laspy</a:t>
+            </a:r>
+            <a:r>
+              <a:rPr lang="hu-HU" dirty="0">
+                <a:solidFill>
+                  <a:schemeClr val="bg1"/>
+                </a:solidFill>
+              </a:rPr>
+              <a:t>, </a:t>
+            </a:r>
+            <a:r>
+              <a:rPr lang="hu-HU" dirty="0" err="1">
+                <a:solidFill>
+                  <a:schemeClr val="bg1"/>
+                </a:solidFill>
+              </a:rPr>
+              <a:t>PyLidar</a:t>
+            </a:r>
+            <a:r>
+              <a:rPr lang="hu-HU" dirty="0">
+                <a:solidFill>
+                  <a:schemeClr val="bg1"/>
+                </a:solidFill>
+              </a:rPr>
+              <a:t>, </a:t>
+            </a:r>
+            <a:r>
+              <a:rPr lang="hu-HU" dirty="0" err="1">
+                <a:solidFill>
+                  <a:schemeClr val="bg1"/>
+                </a:solidFill>
+              </a:rPr>
+              <a:t>lidar</a:t>
+            </a:r>
+            <a:endParaRPr lang="hu-HU" dirty="0">
+              <a:solidFill>
+                <a:schemeClr val="bg1"/>
+              </a:solidFill>
+            </a:endParaRPr>
+          </a:p>
+          <a:p>
+            <a:r>
+              <a:rPr lang="hu-HU" dirty="0">
+                <a:solidFill>
+                  <a:schemeClr val="bg1"/>
+                </a:solidFill>
+              </a:rPr>
+              <a:t>Ha lassúak lennének a </a:t>
+            </a:r>
+            <a:r>
+              <a:rPr lang="hu-HU" dirty="0" err="1">
+                <a:solidFill>
+                  <a:schemeClr val="bg1"/>
+                </a:solidFill>
+              </a:rPr>
+              <a:t>Pythonos</a:t>
+            </a:r>
+            <a:r>
+              <a:rPr lang="hu-HU" dirty="0">
+                <a:solidFill>
+                  <a:schemeClr val="bg1"/>
+                </a:solidFill>
+              </a:rPr>
+              <a:t> eszközök: C++ </a:t>
+            </a:r>
+            <a:r>
+              <a:rPr lang="hu-HU" dirty="0" err="1">
+                <a:solidFill>
+                  <a:schemeClr val="bg1"/>
+                </a:solidFill>
+              </a:rPr>
+              <a:t>libekkel</a:t>
+            </a:r>
+            <a:r>
+              <a:rPr lang="hu-HU" dirty="0">
+                <a:solidFill>
+                  <a:schemeClr val="bg1"/>
+                </a:solidFill>
+              </a:rPr>
+              <a:t> (</a:t>
+            </a:r>
+            <a:r>
+              <a:rPr lang="hu-HU" dirty="0" err="1">
+                <a:solidFill>
+                  <a:schemeClr val="bg1"/>
+                </a:solidFill>
+              </a:rPr>
+              <a:t>libLas</a:t>
+            </a:r>
+            <a:r>
+              <a:rPr lang="hu-HU" dirty="0">
+                <a:solidFill>
+                  <a:schemeClr val="bg1"/>
+                </a:solidFill>
+              </a:rPr>
+              <a:t>, </a:t>
+            </a:r>
+            <a:r>
+              <a:rPr lang="hu-HU" dirty="0" err="1">
+                <a:solidFill>
+                  <a:schemeClr val="bg1"/>
+                </a:solidFill>
+              </a:rPr>
+              <a:t>RichDEM</a:t>
+            </a:r>
+            <a:r>
+              <a:rPr lang="hu-HU" dirty="0">
+                <a:solidFill>
+                  <a:schemeClr val="bg1"/>
+                </a:solidFill>
+              </a:rPr>
+              <a:t>)</a:t>
+            </a:r>
+          </a:p>
+        </p:txBody>
+      </p:sp>
+    </p:spTree>
+    <p:extLst>
+      <p:ext uri="{BB962C8B-B14F-4D97-AF65-F5344CB8AC3E}">
+        <p14:creationId xmlns:p14="http://schemas.microsoft.com/office/powerpoint/2010/main" val="1084787248"/>
+      </p:ext>
+    </p:extLst>
+  </p:cSld>
+  <p:clrMapOvr>
+    <a:masterClrMapping/>
+  </p:clrMapOvr>
+</p:sld>
+</file>
+
+<file path=ppt/slides/slide14.xml><?xml version="1.0" encoding="utf-8"?>
+<p:sld xmlns:a="http://schemas.openxmlformats.org/drawingml/2006/main" xmlns:r="http://schemas.openxmlformats.org/officeDocument/2006/relationships" xmlns:p="http://schemas.openxmlformats.org/presentationml/2006/main">
+  <p:cSld>
+    <p:bg>
+      <p:bgPr>
+        <a:solidFill>
+          <a:schemeClr val="bg2"/>
+        </a:solidFill>
+        <a:effectLst/>
+      </p:bgPr>
+    </p:bg>
+    <p:spTree>
+      <p:nvGrpSpPr>
+        <p:cNvPr id="1" name=""/>
+        <p:cNvGrpSpPr/>
+        <p:nvPr/>
+      </p:nvGrpSpPr>
+      <p:grpSpPr>
+        <a:xfrm>
+          <a:off x="0" y="0"/>
+          <a:ext cx="0" cy="0"/>
+          <a:chOff x="0" y="0"/>
+          <a:chExt cx="0" cy="0"/>
+        </a:xfrm>
+      </p:grpSpPr>
+      <p:sp>
+        <p:nvSpPr>
+          <p:cNvPr id="2" name="Cím 1">
+            <a:extLst>
+              <a:ext uri="{FF2B5EF4-FFF2-40B4-BE49-F238E27FC236}">
+                <a16:creationId xmlns:a16="http://schemas.microsoft.com/office/drawing/2014/main" id="{FECF87B8-EB43-7FD2-13B3-BBA1B5F31C19}"/>
+              </a:ext>
+            </a:extLst>
+          </p:cNvPr>
+          <p:cNvSpPr>
+            <a:spLocks noGrp="1"/>
+          </p:cNvSpPr>
+          <p:nvPr>
+            <p:ph type="title"/>
+          </p:nvPr>
+        </p:nvSpPr>
+        <p:spPr>
+          <a:xfrm>
+            <a:off x="1143001" y="2689715"/>
+            <a:ext cx="9905998" cy="1478570"/>
+          </a:xfrm>
+        </p:spPr>
+        <p:txBody>
+          <a:bodyPr>
+            <a:normAutofit/>
+          </a:bodyPr>
+          <a:lstStyle/>
+          <a:p>
+            <a:pPr algn="ctr"/>
+            <a:r>
+              <a:rPr lang="hu-HU" sz="5400" dirty="0"/>
+              <a:t>Köszönjük a figyelmet!</a:t>
+            </a:r>
+          </a:p>
+        </p:txBody>
+      </p:sp>
+    </p:spTree>
+    <p:extLst>
+      <p:ext uri="{BB962C8B-B14F-4D97-AF65-F5344CB8AC3E}">
+        <p14:creationId xmlns:p14="http://schemas.microsoft.com/office/powerpoint/2010/main" val="334283175"/>
+      </p:ext>
+    </p:extLst>
+  </p:cSld>
+  <p:clrMapOvr>
+    <a:masterClrMapping/>
+  </p:clrMapOvr>
+</p:sld>
+</file>
+
 <file path=ppt/slides/slide2.xml><?xml version="1.0" encoding="utf-8"?>
 <p:sld xmlns:a="http://schemas.openxmlformats.org/drawingml/2006/main" xmlns:r="http://schemas.openxmlformats.org/officeDocument/2006/relationships" xmlns:p="http://schemas.openxmlformats.org/presentationml/2006/main">
   <p:cSld>
@@ -13407,10 +14597,10 @@
       </p:grpSpPr>
       <p:sp>
         <p:nvSpPr>
-          <p:cNvPr id="2" name="Cím 1">
+          <p:cNvPr id="2" name="Title 1">
             <a:extLst>
               <a:ext uri="{FF2B5EF4-FFF2-40B4-BE49-F238E27FC236}">
-                <a16:creationId xmlns:a16="http://schemas.microsoft.com/office/drawing/2014/main" id="{BA7533CD-0524-B016-53D3-F31BE70A3F56}"/>
+                <a16:creationId xmlns:a16="http://schemas.microsoft.com/office/drawing/2014/main" id="{2639CA44-98D3-23F7-38FC-803DB6D56620}"/>
               </a:ext>
             </a:extLst>
           </p:cNvPr>
@@ -13428,18 +14618,19 @@
           <a:p>
             <a:pPr algn="ctr"/>
             <a:r>
-              <a:rPr lang="hu-HU" dirty="0"/>
-              <a:t>Megvalósítás</a:t>
-            </a:r>
+              <a:rPr lang="en-HU"/>
+              <a:t>ÉpületHatárok Szabalályozása</a:t>
+            </a:r>
+            <a:endParaRPr lang="en-HU" dirty="0"/>
           </a:p>
         </p:txBody>
       </p:sp>
       <p:sp>
         <p:nvSpPr>
-          <p:cNvPr id="3" name="Tartalom helye 2">
+          <p:cNvPr id="3" name="Content Placeholder 2">
             <a:extLst>
               <a:ext uri="{FF2B5EF4-FFF2-40B4-BE49-F238E27FC236}">
-                <a16:creationId xmlns:a16="http://schemas.microsoft.com/office/drawing/2014/main" id="{52076594-BAA3-C236-5812-5414ABF4E063}"/>
+                <a16:creationId xmlns:a16="http://schemas.microsoft.com/office/drawing/2014/main" id="{C4F8BC84-031C-3234-50F7-188627F6EB5F}"/>
               </a:ext>
             </a:extLst>
           </p:cNvPr>
@@ -13456,157 +14647,32 @@
           <a:lstStyle/>
           <a:p>
             <a:r>
+              <a:rPr lang="en-HU" dirty="0">
+                <a:solidFill>
+                  <a:schemeClr val="bg1"/>
+                </a:solidFill>
+              </a:rPr>
+              <a:t>MDL (Minimum Description Length) – épülethatárok szabályozása, statisztikai módszer (túl költséges)</a:t>
+            </a:r>
+          </a:p>
+          <a:p>
+            <a:r>
+              <a:rPr lang="en-HU" dirty="0">
+                <a:solidFill>
+                  <a:schemeClr val="bg1"/>
+                </a:solidFill>
+              </a:rPr>
+              <a:t>Új módszer a téglalap alakú épülethatárok meghatározása</a:t>
+            </a:r>
+          </a:p>
+          <a:p>
+            <a:r>
               <a:rPr lang="hu-HU" dirty="0">
                 <a:solidFill>
                   <a:schemeClr val="bg1"/>
                 </a:solidFill>
               </a:rPr>
-              <a:t>Adat és/vagy gyorsaság függő</a:t>
-            </a:r>
-          </a:p>
-          <a:p>
-            <a:r>
-              <a:rPr lang="hu-HU" dirty="0">
-                <a:solidFill>
-                  <a:schemeClr val="bg1"/>
-                </a:solidFill>
-              </a:rPr>
-              <a:t>Cél: Python </a:t>
-            </a:r>
-            <a:r>
-              <a:rPr lang="hu-HU" dirty="0" err="1">
-                <a:solidFill>
-                  <a:schemeClr val="bg1"/>
-                </a:solidFill>
-              </a:rPr>
-              <a:t>libekkel</a:t>
-            </a:r>
-            <a:r>
-              <a:rPr lang="hu-HU" dirty="0">
-                <a:solidFill>
-                  <a:schemeClr val="bg1"/>
-                </a:solidFill>
-              </a:rPr>
-              <a:t>: </a:t>
-            </a:r>
-            <a:r>
-              <a:rPr lang="hu-HU" dirty="0" err="1">
-                <a:solidFill>
-                  <a:schemeClr val="bg1"/>
-                </a:solidFill>
-              </a:rPr>
-              <a:t>Laspy</a:t>
-            </a:r>
-            <a:r>
-              <a:rPr lang="hu-HU" dirty="0">
-                <a:solidFill>
-                  <a:schemeClr val="bg1"/>
-                </a:solidFill>
-              </a:rPr>
-              <a:t>, </a:t>
-            </a:r>
-            <a:r>
-              <a:rPr lang="hu-HU" dirty="0" err="1">
-                <a:solidFill>
-                  <a:schemeClr val="bg1"/>
-                </a:solidFill>
-              </a:rPr>
-              <a:t>PyLidar</a:t>
-            </a:r>
-            <a:r>
-              <a:rPr lang="hu-HU" dirty="0">
-                <a:solidFill>
-                  <a:schemeClr val="bg1"/>
-                </a:solidFill>
-              </a:rPr>
-              <a:t>, </a:t>
-            </a:r>
-            <a:r>
-              <a:rPr lang="hu-HU" dirty="0" err="1">
-                <a:solidFill>
-                  <a:schemeClr val="bg1"/>
-                </a:solidFill>
-              </a:rPr>
-              <a:t>lidar</a:t>
-            </a:r>
-            <a:endParaRPr lang="hu-HU" dirty="0">
-              <a:solidFill>
-                <a:schemeClr val="bg1"/>
-              </a:solidFill>
-            </a:endParaRPr>
-          </a:p>
-          <a:p>
-            <a:r>
-              <a:rPr lang="hu-HU" dirty="0">
-                <a:solidFill>
-                  <a:schemeClr val="bg1"/>
-                </a:solidFill>
-              </a:rPr>
-              <a:t>Ha lassúak lennének a </a:t>
-            </a:r>
-            <a:r>
-              <a:rPr lang="hu-HU" dirty="0" err="1">
-                <a:solidFill>
-                  <a:schemeClr val="bg1"/>
-                </a:solidFill>
-              </a:rPr>
-              <a:t>Pythonos</a:t>
-            </a:r>
-            <a:r>
-              <a:rPr lang="hu-HU" dirty="0">
-                <a:solidFill>
-                  <a:schemeClr val="bg1"/>
-                </a:solidFill>
-              </a:rPr>
-              <a:t> eszközök: C++ </a:t>
-            </a:r>
-            <a:r>
-              <a:rPr lang="hu-HU" dirty="0" err="1">
-                <a:solidFill>
-                  <a:schemeClr val="bg1"/>
-                </a:solidFill>
-              </a:rPr>
-              <a:t>libekkel</a:t>
-            </a:r>
-            <a:r>
-              <a:rPr lang="hu-HU" dirty="0">
-                <a:solidFill>
-                  <a:schemeClr val="bg1"/>
-                </a:solidFill>
-              </a:rPr>
-              <a:t> (</a:t>
-            </a:r>
-            <a:r>
-              <a:rPr lang="hu-HU" dirty="0" err="1">
-                <a:solidFill>
-                  <a:schemeClr val="bg1"/>
-                </a:solidFill>
-              </a:rPr>
-              <a:t>libLas</a:t>
-            </a:r>
-            <a:r>
-              <a:rPr lang="hu-HU" dirty="0">
-                <a:solidFill>
-                  <a:schemeClr val="bg1"/>
-                </a:solidFill>
-              </a:rPr>
-              <a:t>, </a:t>
-            </a:r>
-            <a:r>
-              <a:rPr lang="hu-HU" dirty="0" err="1">
-                <a:solidFill>
-                  <a:schemeClr val="bg1"/>
-                </a:solidFill>
-              </a:rPr>
-              <a:t>RichDEM</a:t>
-            </a:r>
-            <a:r>
-              <a:rPr lang="hu-HU" dirty="0">
-                <a:solidFill>
-                  <a:schemeClr val="bg1"/>
-                </a:solidFill>
-              </a:rPr>
-              <a:t>)</a:t>
+              <a:t>Épülethatárokat először általánosították, hogy elkerüljék a töredezett vonalszakaszokat és a redundáns pontokat. Ezután az általánosított épülethatárokon megtörtént a szabályozás.</a:t>
             </a:r>
           </a:p>
         </p:txBody>
@@ -13614,7 +14680,7 @@
     </p:spTree>
     <p:extLst>
       <p:ext uri="{BB962C8B-B14F-4D97-AF65-F5344CB8AC3E}">
-        <p14:creationId xmlns:p14="http://schemas.microsoft.com/office/powerpoint/2010/main" val="1084787248"/>
+        <p14:creationId xmlns:p14="http://schemas.microsoft.com/office/powerpoint/2010/main" val="2435729062"/>
       </p:ext>
     </p:extLst>
   </p:cSld>
@@ -13627,11 +14693,120 @@
 <file path=ppt/slides/slide7.xml><?xml version="1.0" encoding="utf-8"?>
 <p:sld xmlns:a="http://schemas.openxmlformats.org/drawingml/2006/main" xmlns:r="http://schemas.openxmlformats.org/officeDocument/2006/relationships" xmlns:p="http://schemas.openxmlformats.org/presentationml/2006/main">
   <p:cSld>
+    <p:spTree>
+      <p:nvGrpSpPr>
+        <p:cNvPr id="1" name=""/>
+        <p:cNvGrpSpPr/>
+        <p:nvPr/>
+      </p:nvGrpSpPr>
+      <p:grpSpPr>
+        <a:xfrm>
+          <a:off x="0" y="0"/>
+          <a:ext cx="0" cy="0"/>
+          <a:chOff x="0" y="0"/>
+          <a:chExt cx="0" cy="0"/>
+        </a:xfrm>
+      </p:grpSpPr>
+      <p:sp>
+        <p:nvSpPr>
+          <p:cNvPr id="2" name="Title 1">
+            <a:extLst>
+              <a:ext uri="{FF2B5EF4-FFF2-40B4-BE49-F238E27FC236}">
+                <a16:creationId xmlns:a16="http://schemas.microsoft.com/office/drawing/2014/main" id="{171A4E40-67BF-440D-C09A-8D1C93A945C7}"/>
+              </a:ext>
+            </a:extLst>
+          </p:cNvPr>
+          <p:cNvSpPr>
+            <a:spLocks noGrp="1"/>
+          </p:cNvSpPr>
+          <p:nvPr>
+            <p:ph type="title"/>
+          </p:nvPr>
+        </p:nvSpPr>
+        <p:spPr/>
+        <p:txBody>
+          <a:bodyPr/>
+          <a:lstStyle/>
+          <a:p>
+            <a:r>
+              <a:rPr lang="en-HU" dirty="0"/>
+              <a:t>Épülethatárok Szabályozása - folyamatábra</a:t>
+            </a:r>
+          </a:p>
+        </p:txBody>
+      </p:sp>
+      <p:pic>
+        <p:nvPicPr>
+          <p:cNvPr id="5" name="Content Placeholder 4" descr="Diagram&#10;&#10;Description automatically generated">
+            <a:extLst>
+              <a:ext uri="{FF2B5EF4-FFF2-40B4-BE49-F238E27FC236}">
+                <a16:creationId xmlns:a16="http://schemas.microsoft.com/office/drawing/2014/main" id="{9BD40851-1A0B-E599-680E-6DDF7E202BB3}"/>
+              </a:ext>
+            </a:extLst>
+          </p:cNvPr>
+          <p:cNvPicPr>
+            <a:picLocks noGrp="1" noChangeAspect="1"/>
+          </p:cNvPicPr>
+          <p:nvPr>
+            <p:ph idx="1"/>
+          </p:nvPr>
+        </p:nvPicPr>
+        <p:blipFill>
+          <a:blip r:embed="rId2">
+            <a:extLst>
+              <a:ext uri="{28A0092B-C50C-407E-A947-70E740481C1C}">
+                <a14:useLocalDpi xmlns:a14="http://schemas.microsoft.com/office/drawing/2010/main" val="0"/>
+              </a:ext>
+            </a:extLst>
+          </a:blip>
+          <a:stretch>
+            <a:fillRect/>
+          </a:stretch>
+        </p:blipFill>
+        <p:spPr>
+          <a:xfrm>
+            <a:off x="2313934" y="2249488"/>
+            <a:ext cx="7560958" cy="3541712"/>
+          </a:xfrm>
+        </p:spPr>
+      </p:pic>
+    </p:spTree>
+    <p:extLst>
+      <p:ext uri="{BB962C8B-B14F-4D97-AF65-F5344CB8AC3E}">
+        <p14:creationId xmlns:p14="http://schemas.microsoft.com/office/powerpoint/2010/main" val="3874792057"/>
+      </p:ext>
+    </p:extLst>
+  </p:cSld>
+  <p:clrMapOvr>
+    <a:masterClrMapping/>
+  </p:clrMapOvr>
+</p:sld>
+</file>
+
+<file path=ppt/slides/slide8.xml><?xml version="1.0" encoding="utf-8"?>
+<p:sld xmlns:a="http://schemas.openxmlformats.org/drawingml/2006/main" xmlns:r="http://schemas.openxmlformats.org/officeDocument/2006/relationships" xmlns:p="http://schemas.openxmlformats.org/presentationml/2006/main">
+  <p:cSld>
     <p:bg>
       <p:bgPr>
-        <a:solidFill>
-          <a:schemeClr val="bg2"/>
-        </a:solidFill>
+        <a:blipFill>
+          <a:blip r:embed="rId2">
+            <a:duotone>
+              <a:schemeClr val="bg2">
+                <a:shade val="88000"/>
+                <a:hueMod val="106000"/>
+                <a:satMod val="140000"/>
+                <a:lumMod val="54000"/>
+              </a:schemeClr>
+              <a:schemeClr val="bg2">
+                <a:tint val="98000"/>
+                <a:hueMod val="82000"/>
+                <a:satMod val="150000"/>
+                <a:lumMod val="160000"/>
+              </a:schemeClr>
+            </a:duotone>
+          </a:blip>
+          <a:stretch/>
+        </a:blipFill>
         <a:effectLst/>
       </p:bgPr>
     </p:bg>
@@ -13651,10 +14826,10 @@
       </p:grpSpPr>
       <p:sp>
         <p:nvSpPr>
-          <p:cNvPr id="2" name="Cím 1">
+          <p:cNvPr id="2" name="Title 1">
             <a:extLst>
               <a:ext uri="{FF2B5EF4-FFF2-40B4-BE49-F238E27FC236}">
-                <a16:creationId xmlns:a16="http://schemas.microsoft.com/office/drawing/2014/main" id="{FECF87B8-EB43-7FD2-13B3-BBA1B5F31C19}"/>
+                <a16:creationId xmlns:a16="http://schemas.microsoft.com/office/drawing/2014/main" id="{8313B117-5E56-6BCE-C50F-3BA79375153D}"/>
               </a:ext>
             </a:extLst>
           </p:cNvPr>
@@ -13665,17 +14840,286 @@
             <p:ph type="title"/>
           </p:nvPr>
         </p:nvSpPr>
-        <p:spPr/>
+        <p:spPr>
+          <a:xfrm>
+            <a:off x="1141413" y="618518"/>
+            <a:ext cx="9905998" cy="1478570"/>
+          </a:xfrm>
+        </p:spPr>
         <p:txBody>
           <a:bodyPr>
             <a:normAutofit/>
           </a:bodyPr>
           <a:lstStyle/>
           <a:p>
-            <a:pPr algn="ctr"/>
-            <a:r>
-              <a:rPr lang="hu-HU" sz="5400" dirty="0"/>
-              <a:t>Köszönjük a figyelmet!</a:t>
+            <a:r>
+              <a:rPr lang="en-HU"/>
+              <a:t>Példa az épületHatárok szabályozására</a:t>
+            </a:r>
+            <a:endParaRPr lang="en-HU" dirty="0"/>
+          </a:p>
+        </p:txBody>
+      </p:sp>
+      <p:pic>
+        <p:nvPicPr>
+          <p:cNvPr id="8" name="Content Placeholder 7" descr="Graphical user interface, application, Word&#10;&#10;Description automatically generated">
+            <a:extLst>
+              <a:ext uri="{FF2B5EF4-FFF2-40B4-BE49-F238E27FC236}">
+                <a16:creationId xmlns:a16="http://schemas.microsoft.com/office/drawing/2014/main" id="{699E2212-E84B-43B0-2226-303561799DC3}"/>
+              </a:ext>
+            </a:extLst>
+          </p:cNvPr>
+          <p:cNvPicPr>
+            <a:picLocks noChangeAspect="1"/>
+          </p:cNvPicPr>
+          <p:nvPr/>
+        </p:nvPicPr>
+        <p:blipFill>
+          <a:blip r:embed="rId3">
+            <a:extLst>
+              <a:ext uri="{28A0092B-C50C-407E-A947-70E740481C1C}">
+                <a14:useLocalDpi xmlns:a14="http://schemas.microsoft.com/office/drawing/2010/main" val="0"/>
+              </a:ext>
+            </a:extLst>
+          </a:blip>
+          <a:stretch>
+            <a:fillRect/>
+          </a:stretch>
+        </p:blipFill>
+        <p:spPr>
+          <a:xfrm>
+            <a:off x="1141411" y="2289295"/>
+            <a:ext cx="4689234" cy="3470033"/>
+          </a:xfrm>
+          <a:prstGeom prst="round2DiagRect">
+            <a:avLst>
+              <a:gd name="adj1" fmla="val 5608"/>
+              <a:gd name="adj2" fmla="val 0"/>
+            </a:avLst>
+          </a:prstGeom>
+          <a:noFill/>
+          <a:ln w="19050" cap="sq">
+            <a:solidFill>
+              <a:schemeClr val="tx2">
+                <a:lumMod val="60000"/>
+                <a:lumOff val="40000"/>
+                <a:alpha val="60000"/>
+              </a:schemeClr>
+            </a:solidFill>
+            <a:miter lim="800000"/>
+          </a:ln>
+          <a:effectLst>
+            <a:outerShdw blurRad="88900" dist="38100" dir="5400000" algn="t" rotWithShape="0">
+              <a:prstClr val="black">
+                <a:alpha val="40000"/>
+              </a:prstClr>
+            </a:outerShdw>
+          </a:effectLst>
+        </p:spPr>
+      </p:pic>
+      <p:sp>
+        <p:nvSpPr>
+          <p:cNvPr id="14" name="Content Placeholder 11">
+            <a:extLst>
+              <a:ext uri="{FF2B5EF4-FFF2-40B4-BE49-F238E27FC236}">
+                <a16:creationId xmlns:a16="http://schemas.microsoft.com/office/drawing/2014/main" id="{CDFD1419-F7D8-4E70-A5DD-306B79B797C6}"/>
+              </a:ext>
+            </a:extLst>
+          </p:cNvPr>
+          <p:cNvSpPr>
+            <a:spLocks noGrp="1"/>
+          </p:cNvSpPr>
+          <p:nvPr>
+            <p:ph idx="1"/>
+          </p:nvPr>
+        </p:nvSpPr>
+        <p:spPr>
+          <a:xfrm>
+            <a:off x="6361357" y="2995961"/>
+            <a:ext cx="4710683" cy="2056699"/>
+          </a:xfrm>
+        </p:spPr>
+        <p:txBody>
+          <a:bodyPr>
+            <a:normAutofit/>
+          </a:bodyPr>
+          <a:lstStyle/>
+          <a:p>
+            <a:r>
+              <a:rPr lang="en-US" dirty="0" err="1">
+                <a:solidFill>
+                  <a:schemeClr val="bg1"/>
+                </a:solidFill>
+              </a:rPr>
+              <a:t>Globális</a:t>
+            </a:r>
+            <a:r>
+              <a:rPr lang="en-US" dirty="0">
+                <a:solidFill>
+                  <a:schemeClr val="bg1"/>
+                </a:solidFill>
+              </a:rPr>
+              <a:t> </a:t>
+            </a:r>
+            <a:r>
+              <a:rPr lang="en-US" dirty="0" err="1">
+                <a:solidFill>
+                  <a:schemeClr val="bg1"/>
+                </a:solidFill>
+              </a:rPr>
+              <a:t>információkat</a:t>
+            </a:r>
+            <a:r>
+              <a:rPr lang="en-US" dirty="0">
+                <a:solidFill>
+                  <a:schemeClr val="bg1"/>
+                </a:solidFill>
+              </a:rPr>
+              <a:t> </a:t>
+            </a:r>
+            <a:r>
+              <a:rPr lang="en-US" dirty="0" err="1">
+                <a:solidFill>
+                  <a:schemeClr val="bg1"/>
+                </a:solidFill>
+              </a:rPr>
+              <a:t>figyelembe</a:t>
+            </a:r>
+            <a:r>
+              <a:rPr lang="en-US" dirty="0">
+                <a:solidFill>
+                  <a:schemeClr val="bg1"/>
+                </a:solidFill>
+              </a:rPr>
+              <a:t> </a:t>
+            </a:r>
+            <a:r>
+              <a:rPr lang="en-US" dirty="0" err="1">
+                <a:solidFill>
+                  <a:schemeClr val="bg1"/>
+                </a:solidFill>
+              </a:rPr>
+              <a:t>veszi</a:t>
+            </a:r>
+            <a:r>
+              <a:rPr lang="en-US" dirty="0">
+                <a:solidFill>
+                  <a:schemeClr val="bg1"/>
+                </a:solidFill>
+              </a:rPr>
+              <a:t> </a:t>
+            </a:r>
+            <a:r>
+              <a:rPr lang="en-US" dirty="0" err="1">
+                <a:solidFill>
+                  <a:schemeClr val="bg1"/>
+                </a:solidFill>
+              </a:rPr>
+              <a:t>az</a:t>
+            </a:r>
+            <a:r>
+              <a:rPr lang="en-US" dirty="0">
+                <a:solidFill>
+                  <a:schemeClr val="bg1"/>
+                </a:solidFill>
+              </a:rPr>
+              <a:t> </a:t>
+            </a:r>
+            <a:r>
+              <a:rPr lang="en-US" dirty="0" err="1">
+                <a:solidFill>
+                  <a:schemeClr val="bg1"/>
+                </a:solidFill>
+              </a:rPr>
+              <a:t>azimutok</a:t>
+            </a:r>
+            <a:r>
+              <a:rPr lang="en-US" dirty="0">
+                <a:solidFill>
+                  <a:schemeClr val="bg1"/>
+                </a:solidFill>
+              </a:rPr>
+              <a:t> </a:t>
+            </a:r>
+            <a:r>
+              <a:rPr lang="en-US" dirty="0" err="1">
+                <a:solidFill>
+                  <a:schemeClr val="bg1"/>
+                </a:solidFill>
+              </a:rPr>
+              <a:t>kiszámításával</a:t>
+            </a:r>
+            <a:r>
+              <a:rPr lang="en-US" dirty="0">
+                <a:solidFill>
+                  <a:schemeClr val="bg1"/>
+                </a:solidFill>
+              </a:rPr>
+              <a:t> </a:t>
+            </a:r>
+            <a:r>
+              <a:rPr lang="en-US" dirty="0" err="1">
+                <a:solidFill>
+                  <a:schemeClr val="bg1"/>
+                </a:solidFill>
+              </a:rPr>
+              <a:t>és</a:t>
+            </a:r>
+            <a:r>
+              <a:rPr lang="en-US" dirty="0">
+                <a:solidFill>
+                  <a:schemeClr val="bg1"/>
+                </a:solidFill>
+              </a:rPr>
+              <a:t> </a:t>
+            </a:r>
+            <a:r>
+              <a:rPr lang="en-US" dirty="0" err="1">
+                <a:solidFill>
+                  <a:schemeClr val="bg1"/>
+                </a:solidFill>
+              </a:rPr>
+              <a:t>beállításával</a:t>
+            </a:r>
+            <a:r>
+              <a:rPr lang="en-US" dirty="0">
+                <a:solidFill>
+                  <a:schemeClr val="bg1"/>
+                </a:solidFill>
+              </a:rPr>
+              <a:t>, a </a:t>
+            </a:r>
+            <a:r>
+              <a:rPr lang="en-US" dirty="0" err="1">
+                <a:solidFill>
+                  <a:schemeClr val="bg1"/>
+                </a:solidFill>
+              </a:rPr>
+              <a:t>vonalszakasz-hosszak</a:t>
+            </a:r>
+            <a:r>
+              <a:rPr lang="en-US" dirty="0">
+                <a:solidFill>
+                  <a:schemeClr val="bg1"/>
+                </a:solidFill>
+              </a:rPr>
+              <a:t> </a:t>
+            </a:r>
+            <a:r>
+              <a:rPr lang="en-US" dirty="0" err="1">
+                <a:solidFill>
+                  <a:schemeClr val="bg1"/>
+                </a:solidFill>
+              </a:rPr>
+              <a:t>súlyozásával</a:t>
+            </a:r>
+            <a:r>
+              <a:rPr lang="en-US" dirty="0">
+                <a:solidFill>
+                  <a:schemeClr val="bg1"/>
+                </a:solidFill>
+              </a:rPr>
+              <a:t>.</a:t>
             </a:r>
           </a:p>
         </p:txBody>
@@ -13683,7 +15127,5274 @@
     </p:spTree>
     <p:extLst>
       <p:ext uri="{BB962C8B-B14F-4D97-AF65-F5344CB8AC3E}">
-        <p14:creationId xmlns:p14="http://schemas.microsoft.com/office/powerpoint/2010/main" val="334283175"/>
+        <p14:creationId xmlns:p14="http://schemas.microsoft.com/office/powerpoint/2010/main" val="1299901552"/>
+      </p:ext>
+    </p:extLst>
+  </p:cSld>
+  <p:clrMapOvr>
+    <a:masterClrMapping/>
+  </p:clrMapOvr>
+</p:sld>
+</file>
+
+<file path=ppt/slides/slide9.xml><?xml version="1.0" encoding="utf-8"?>
+<p:sld xmlns:a="http://schemas.openxmlformats.org/drawingml/2006/main" xmlns:r="http://schemas.openxmlformats.org/officeDocument/2006/relationships" xmlns:p="http://schemas.openxmlformats.org/presentationml/2006/main">
+  <p:cSld>
+    <p:bg>
+      <p:bgPr>
+        <a:blipFill>
+          <a:blip r:embed="rId3">
+            <a:duotone>
+              <a:schemeClr val="bg2">
+                <a:shade val="88000"/>
+                <a:hueMod val="106000"/>
+                <a:satMod val="140000"/>
+                <a:lumMod val="54000"/>
+              </a:schemeClr>
+              <a:schemeClr val="bg2">
+                <a:tint val="98000"/>
+                <a:hueMod val="82000"/>
+                <a:satMod val="150000"/>
+                <a:lumMod val="160000"/>
+              </a:schemeClr>
+            </a:duotone>
+          </a:blip>
+          <a:stretch/>
+        </a:blipFill>
+        <a:effectLst/>
+      </p:bgPr>
+    </p:bg>
+    <p:spTree>
+      <p:nvGrpSpPr>
+        <p:cNvPr id="1" name=""/>
+        <p:cNvGrpSpPr/>
+        <p:nvPr/>
+      </p:nvGrpSpPr>
+      <p:grpSpPr>
+        <a:xfrm>
+          <a:off x="0" y="0"/>
+          <a:ext cx="0" cy="0"/>
+          <a:chOff x="0" y="0"/>
+          <a:chExt cx="0" cy="0"/>
+        </a:xfrm>
+      </p:grpSpPr>
+      <p:grpSp>
+        <p:nvGrpSpPr>
+          <p:cNvPr id="12" name="Group 11">
+            <a:extLst>
+              <a:ext uri="{FF2B5EF4-FFF2-40B4-BE49-F238E27FC236}">
+                <a16:creationId xmlns:a16="http://schemas.microsoft.com/office/drawing/2014/main" id="{CA4BA62A-90C3-46AC-ABF1-DB389760F9D8}"/>
+              </a:ext>
+              <a:ext uri="{C183D7F6-B498-43B3-948B-1728B52AA6E4}">
+                <adec:decorative xmlns:adec="http://schemas.microsoft.com/office/drawing/2017/decorative" val="1"/>
+              </a:ext>
+            </a:extLst>
+          </p:cNvPr>
+          <p:cNvGrpSpPr>
+            <a:grpSpLocks noGrp="1" noUngrp="1" noRot="1" noChangeAspect="1" noMove="1" noResize="1"/>
+          </p:cNvGrpSpPr>
+          <p:nvPr>
+            <p:extLst>
+              <p:ext uri="{386F3935-93C4-4BCD-93E2-E3B085C9AB24}">
+                <p16:designElem xmlns:p16="http://schemas.microsoft.com/office/powerpoint/2015/main" val="1"/>
+              </p:ext>
+            </p:extLst>
+          </p:nvPr>
+        </p:nvGrpSpPr>
+        <p:grpSpPr>
+          <a:xfrm>
+            <a:off x="0" y="-1"/>
+            <a:ext cx="12192003" cy="6858001"/>
+            <a:chOff x="0" y="-1"/>
+            <a:chExt cx="12192003" cy="6858001"/>
+          </a:xfrm>
+        </p:grpSpPr>
+        <p:sp useBgFill="1">
+          <p:nvSpPr>
+            <p:cNvPr id="13" name="Rectangle 12">
+              <a:extLst>
+                <a:ext uri="{FF2B5EF4-FFF2-40B4-BE49-F238E27FC236}">
+                  <a16:creationId xmlns:a16="http://schemas.microsoft.com/office/drawing/2014/main" id="{8308F883-1FF9-4FB4-B09D-354C5819AAA2}"/>
+                </a:ext>
+                <a:ext uri="{C183D7F6-B498-43B3-948B-1728B52AA6E4}">
+                  <adec:decorative xmlns:adec="http://schemas.microsoft.com/office/drawing/2017/decorative" val="1"/>
+                </a:ext>
+              </a:extLst>
+            </p:cNvPr>
+            <p:cNvSpPr/>
+            <p:nvPr>
+              <p:extLst>
+                <p:ext uri="{386F3935-93C4-4BCD-93E2-E3B085C9AB24}">
+                  <p16:designElem xmlns:p16="http://schemas.microsoft.com/office/powerpoint/2015/main" val="1"/>
+                </p:ext>
+              </p:extLst>
+            </p:nvPr>
+          </p:nvSpPr>
+          <p:spPr>
+            <a:xfrm>
+              <a:off x="1" y="-1"/>
+              <a:ext cx="12192000" cy="6858000"/>
+            </a:xfrm>
+            <a:prstGeom prst="rect">
+              <a:avLst/>
+            </a:prstGeom>
+            <a:ln>
+              <a:noFill/>
+            </a:ln>
+          </p:spPr>
+          <p:style>
+            <a:lnRef idx="2">
+              <a:schemeClr val="accent1">
+                <a:shade val="50000"/>
+              </a:schemeClr>
+            </a:lnRef>
+            <a:fillRef idx="1">
+              <a:schemeClr val="accent1"/>
+            </a:fillRef>
+            <a:effectRef idx="0">
+              <a:schemeClr val="accent1"/>
+            </a:effectRef>
+            <a:fontRef idx="minor">
+              <a:schemeClr val="lt1"/>
+            </a:fontRef>
+          </p:style>
+          <p:txBody>
+            <a:bodyPr rtlCol="0" anchor="ctr"/>
+            <a:lstStyle/>
+            <a:p>
+              <a:pPr algn="ctr"/>
+              <a:endParaRPr lang="en-US"/>
+            </a:p>
+          </p:txBody>
+        </p:sp>
+        <p:pic>
+          <p:nvPicPr>
+            <p:cNvPr id="14" name="Picture 2">
+              <a:extLst>
+                <a:ext uri="{FF2B5EF4-FFF2-40B4-BE49-F238E27FC236}">
+                  <a16:creationId xmlns:a16="http://schemas.microsoft.com/office/drawing/2014/main" id="{247AA389-59A7-40B9-9A8D-BD7594E8B6E8}"/>
+                </a:ext>
+                <a:ext uri="{C183D7F6-B498-43B3-948B-1728B52AA6E4}">
+                  <adec:decorative xmlns:adec="http://schemas.microsoft.com/office/drawing/2017/decorative" val="1"/>
+                </a:ext>
+              </a:extLst>
+            </p:cNvPr>
+            <p:cNvPicPr>
+              <a:picLocks noChangeAspect="1" noChangeArrowheads="1"/>
+            </p:cNvPicPr>
+            <p:nvPr>
+              <p:extLst>
+                <p:ext uri="{386F3935-93C4-4BCD-93E2-E3B085C9AB24}">
+                  <p16:designElem xmlns:p16="http://schemas.microsoft.com/office/powerpoint/2015/main" val="1"/>
+                </p:ext>
+              </p:extLst>
+            </p:nvPr>
+          </p:nvPicPr>
+          <p:blipFill>
+            <a:blip r:embed="rId4">
+              <a:alphaModFix amt="30000"/>
+              <a:duotone>
+                <a:prstClr val="black"/>
+                <a:schemeClr val="tx2">
+                  <a:tint val="45000"/>
+                  <a:satMod val="400000"/>
+                </a:schemeClr>
+              </a:duotone>
+              <a:extLst>
+                <a:ext uri="{28A0092B-C50C-407E-A947-70E740481C1C}">
+                  <a14:useLocalDpi xmlns:a14="http://schemas.microsoft.com/office/drawing/2010/main" val="0"/>
+                </a:ext>
+              </a:extLst>
+            </a:blip>
+            <a:srcRect/>
+            <a:stretch>
+              <a:fillRect/>
+            </a:stretch>
+          </p:blipFill>
+          <p:spPr bwMode="auto">
+            <a:xfrm>
+              <a:off x="0" y="-1"/>
+              <a:ext cx="12192003" cy="6858001"/>
+            </a:xfrm>
+            <a:prstGeom prst="rect">
+              <a:avLst/>
+            </a:prstGeom>
+            <a:noFill/>
+            <a:extLst>
+              <a:ext uri="{909E8E84-426E-40dd-AFC4-6F175D3DCCD1}">
+                <a14:hiddenFill xmlns="" xmlns:a16="http://schemas.microsoft.com/office/drawing/2014/main" xmlns:a14="http://schemas.microsoft.com/office/drawing/2010/main" xmlns:p14="http://schemas.microsoft.com/office/powerpoint/2010/main">
+                  <a:solidFill>
+                    <a:srgbClr val="FFFFFF"/>
+                  </a:solidFill>
+                </a14:hiddenFill>
+              </a:ext>
+            </a:extLst>
+          </p:spPr>
+        </p:pic>
+      </p:grpSp>
+      <p:sp>
+        <p:nvSpPr>
+          <p:cNvPr id="2" name="Title 1">
+            <a:extLst>
+              <a:ext uri="{FF2B5EF4-FFF2-40B4-BE49-F238E27FC236}">
+                <a16:creationId xmlns:a16="http://schemas.microsoft.com/office/drawing/2014/main" id="{5D7B8DEE-168E-4768-9E4D-658261B09BA2}"/>
+              </a:ext>
+            </a:extLst>
+          </p:cNvPr>
+          <p:cNvSpPr>
+            <a:spLocks noGrp="1"/>
+          </p:cNvSpPr>
+          <p:nvPr>
+            <p:ph type="title"/>
+          </p:nvPr>
+        </p:nvSpPr>
+        <p:spPr>
+          <a:xfrm>
+            <a:off x="4996697" y="618518"/>
+            <a:ext cx="6050713" cy="1478570"/>
+          </a:xfrm>
+        </p:spPr>
+        <p:txBody>
+          <a:bodyPr>
+            <a:normAutofit/>
+          </a:bodyPr>
+          <a:lstStyle/>
+          <a:p>
+            <a:pPr algn="ctr"/>
+            <a:r>
+              <a:rPr lang="en-HU" dirty="0"/>
+              <a:t>Eredmények és analízis</a:t>
+            </a:r>
+          </a:p>
+        </p:txBody>
+      </p:sp>
+      <p:pic>
+        <p:nvPicPr>
+          <p:cNvPr id="5" name="Content Placeholder 4" descr="A picture containing text, screenshot&#10;&#10;Description automatically generated">
+            <a:extLst>
+              <a:ext uri="{FF2B5EF4-FFF2-40B4-BE49-F238E27FC236}">
+                <a16:creationId xmlns:a16="http://schemas.microsoft.com/office/drawing/2014/main" id="{B08D6736-4ACB-3C60-58DA-FA54A07865C7}"/>
+              </a:ext>
+            </a:extLst>
+          </p:cNvPr>
+          <p:cNvPicPr>
+            <a:picLocks noChangeAspect="1"/>
+          </p:cNvPicPr>
+          <p:nvPr/>
+        </p:nvPicPr>
+        <p:blipFill rotWithShape="1">
+          <a:blip r:embed="rId5">
+            <a:extLst>
+              <a:ext uri="{28A0092B-C50C-407E-A947-70E740481C1C}">
+                <a14:useLocalDpi xmlns:a14="http://schemas.microsoft.com/office/drawing/2010/main" val="0"/>
+              </a:ext>
+            </a:extLst>
+          </a:blip>
+          <a:srcRect t="1575" r="1" b="9291"/>
+          <a:stretch/>
+        </p:blipFill>
+        <p:spPr>
+          <a:xfrm>
+            <a:off x="-5597" y="10"/>
+            <a:ext cx="4635583" cy="6857990"/>
+          </a:xfrm>
+          <a:prstGeom prst="rect">
+            <a:avLst/>
+          </a:prstGeom>
+        </p:spPr>
+      </p:pic>
+      <p:grpSp>
+        <p:nvGrpSpPr>
+          <p:cNvPr id="16" name="Group 15">
+            <a:extLst>
+              <a:ext uri="{FF2B5EF4-FFF2-40B4-BE49-F238E27FC236}">
+                <a16:creationId xmlns:a16="http://schemas.microsoft.com/office/drawing/2014/main" id="{799BB957-1ECA-4DD2-AF2D-84C4D94B6CD9}"/>
+              </a:ext>
+              <a:ext uri="{C183D7F6-B498-43B3-948B-1728B52AA6E4}">
+                <adec:decorative xmlns:adec="http://schemas.microsoft.com/office/drawing/2017/decorative" val="1"/>
+              </a:ext>
+            </a:extLst>
+          </p:cNvPr>
+          <p:cNvGrpSpPr>
+            <a:grpSpLocks noGrp="1" noUngrp="1" noRot="1" noChangeAspect="1" noMove="1" noResize="1"/>
+          </p:cNvGrpSpPr>
+          <p:nvPr>
+            <p:extLst>
+              <p:ext uri="{386F3935-93C4-4BCD-93E2-E3B085C9AB24}">
+                <p16:designElem xmlns:p16="http://schemas.microsoft.com/office/powerpoint/2015/main" val="1"/>
+              </p:ext>
+            </p:extLst>
+          </p:nvPr>
+        </p:nvGrpSpPr>
+        <p:grpSpPr>
+          <a:xfrm>
+            <a:off x="0" y="0"/>
+            <a:ext cx="2305051" cy="6858001"/>
+            <a:chOff x="0" y="0"/>
+            <a:chExt cx="2305051" cy="6858001"/>
+          </a:xfrm>
+          <a:solidFill>
+            <a:schemeClr val="tx1">
+              <a:alpha val="70000"/>
+            </a:schemeClr>
+          </a:solidFill>
+          <a:effectLst/>
+        </p:grpSpPr>
+        <p:sp>
+          <p:nvSpPr>
+            <p:cNvPr id="17" name="Rectangle 16">
+              <a:extLst>
+                <a:ext uri="{FF2B5EF4-FFF2-40B4-BE49-F238E27FC236}">
+                  <a16:creationId xmlns:a16="http://schemas.microsoft.com/office/drawing/2014/main" id="{70116985-07B6-4432-A7C6-129152D1B0D8}"/>
+                </a:ext>
+                <a:ext uri="{C183D7F6-B498-43B3-948B-1728B52AA6E4}">
+                  <adec:decorative xmlns:adec="http://schemas.microsoft.com/office/drawing/2017/decorative" val="1"/>
+                </a:ext>
+              </a:extLst>
+            </p:cNvPr>
+            <p:cNvSpPr>
+              <a:spLocks noChangeArrowheads="1"/>
+            </p:cNvSpPr>
+            <p:nvPr>
+              <p:extLst>
+                <p:ext uri="{386F3935-93C4-4BCD-93E2-E3B085C9AB24}">
+                  <p16:designElem xmlns:p16="http://schemas.microsoft.com/office/powerpoint/2015/main" val="1"/>
+                </p:ext>
+              </p:extLst>
+            </p:nvPr>
+          </p:nvSpPr>
+          <p:spPr bwMode="auto">
+            <a:xfrm>
+              <a:off x="1209675" y="4763"/>
+              <a:ext cx="23813" cy="2181225"/>
+            </a:xfrm>
+            <a:prstGeom prst="rect">
+              <a:avLst/>
+            </a:prstGeom>
+            <a:grpFill/>
+            <a:ln>
+              <a:noFill/>
+            </a:ln>
+            <a:extLst>
+              <a:ext uri="{91240B29-F687-4f45-9708-019B960494DF}">
+                <a14:hiddenLine xmlns="" xmlns:a16="http://schemas.microsoft.com/office/drawing/2014/main" xmlns:a14="http://schemas.microsoft.com/office/drawing/2010/main" xmlns:p14="http://schemas.microsoft.com/office/powerpoint/2010/main" w="9525">
+                  <a:solidFill>
+                    <a:srgbClr val="000000"/>
+                  </a:solidFill>
+                  <a:miter lim="800000"/>
+                  <a:headEnd/>
+                  <a:tailEnd/>
+                </a14:hiddenLine>
+              </a:ext>
+            </a:extLst>
+          </p:spPr>
+        </p:sp>
+        <p:sp>
+          <p:nvSpPr>
+            <p:cNvPr id="18" name="Freeform 6">
+              <a:extLst>
+                <a:ext uri="{FF2B5EF4-FFF2-40B4-BE49-F238E27FC236}">
+                  <a16:creationId xmlns:a16="http://schemas.microsoft.com/office/drawing/2014/main" id="{3FF5C267-0D36-47E2-AF2A-8ADDA0A0C6EE}"/>
+                </a:ext>
+                <a:ext uri="{C183D7F6-B498-43B3-948B-1728B52AA6E4}">
+                  <adec:decorative xmlns:adec="http://schemas.microsoft.com/office/drawing/2017/decorative" val="1"/>
+                </a:ext>
+              </a:extLst>
+            </p:cNvPr>
+            <p:cNvSpPr>
+              <a:spLocks noEditPoints="1"/>
+            </p:cNvSpPr>
+            <p:nvPr>
+              <p:extLst>
+                <p:ext uri="{386F3935-93C4-4BCD-93E2-E3B085C9AB24}">
+                  <p16:designElem xmlns:p16="http://schemas.microsoft.com/office/powerpoint/2015/main" val="1"/>
+                </p:ext>
+              </p:extLst>
+            </p:nvPr>
+          </p:nvSpPr>
+          <p:spPr bwMode="auto">
+            <a:xfrm>
+              <a:off x="1128713" y="2176463"/>
+              <a:ext cx="190500" cy="190500"/>
+            </a:xfrm>
+            <a:custGeom>
+              <a:avLst/>
+              <a:gdLst/>
+              <a:ahLst/>
+              <a:cxnLst/>
+              <a:rect l="0" t="0" r="r" b="b"/>
+              <a:pathLst>
+                <a:path w="40" h="40">
+                  <a:moveTo>
+                    <a:pt x="20" y="40"/>
+                  </a:moveTo>
+                  <a:cubicBezTo>
+                    <a:pt x="9" y="40"/>
+                    <a:pt x="0" y="31"/>
+                    <a:pt x="0" y="20"/>
+                  </a:cubicBezTo>
+                  <a:cubicBezTo>
+                    <a:pt x="0" y="9"/>
+                    <a:pt x="9" y="0"/>
+                    <a:pt x="20" y="0"/>
+                  </a:cubicBezTo>
+                  <a:cubicBezTo>
+                    <a:pt x="31" y="0"/>
+                    <a:pt x="40" y="9"/>
+                    <a:pt x="40" y="20"/>
+                  </a:cubicBezTo>
+                  <a:cubicBezTo>
+                    <a:pt x="40" y="31"/>
+                    <a:pt x="31" y="40"/>
+                    <a:pt x="20" y="40"/>
+                  </a:cubicBezTo>
+                  <a:close/>
+                  <a:moveTo>
+                    <a:pt x="20" y="4"/>
+                  </a:moveTo>
+                  <a:cubicBezTo>
+                    <a:pt x="11" y="4"/>
+                    <a:pt x="4" y="11"/>
+                    <a:pt x="4" y="20"/>
+                  </a:cubicBezTo>
+                  <a:cubicBezTo>
+                    <a:pt x="4" y="29"/>
+                    <a:pt x="11" y="36"/>
+                    <a:pt x="20" y="36"/>
+                  </a:cubicBezTo>
+                  <a:cubicBezTo>
+                    <a:pt x="28" y="36"/>
+                    <a:pt x="36" y="29"/>
+                    <a:pt x="36" y="20"/>
+                  </a:cubicBezTo>
+                  <a:cubicBezTo>
+                    <a:pt x="36" y="11"/>
+                    <a:pt x="28" y="4"/>
+                    <a:pt x="20" y="4"/>
+                  </a:cubicBezTo>
+                  <a:close/>
+                </a:path>
+              </a:pathLst>
+            </a:custGeom>
+            <a:grpFill/>
+            <a:ln>
+              <a:noFill/>
+            </a:ln>
+            <a:extLst>
+              <a:ext uri="{91240B29-F687-4f45-9708-019B960494DF}">
+                <a14:hiddenLine xmlns="" xmlns:a16="http://schemas.microsoft.com/office/drawing/2014/main" xmlns:a14="http://schemas.microsoft.com/office/drawing/2010/main" xmlns:p14="http://schemas.microsoft.com/office/powerpoint/2010/main" w="9525">
+                  <a:solidFill>
+                    <a:srgbClr val="000000"/>
+                  </a:solidFill>
+                  <a:round/>
+                  <a:headEnd/>
+                  <a:tailEnd/>
+                </a14:hiddenLine>
+              </a:ext>
+            </a:extLst>
+          </p:spPr>
+        </p:sp>
+        <p:sp>
+          <p:nvSpPr>
+            <p:cNvPr id="19" name="Freeform 7">
+              <a:extLst>
+                <a:ext uri="{FF2B5EF4-FFF2-40B4-BE49-F238E27FC236}">
+                  <a16:creationId xmlns:a16="http://schemas.microsoft.com/office/drawing/2014/main" id="{AC0A8A87-09EE-4153-ACBA-34BCD738F1B7}"/>
+                </a:ext>
+                <a:ext uri="{C183D7F6-B498-43B3-948B-1728B52AA6E4}">
+                  <adec:decorative xmlns:adec="http://schemas.microsoft.com/office/drawing/2017/decorative" val="1"/>
+                </a:ext>
+              </a:extLst>
+            </p:cNvPr>
+            <p:cNvSpPr>
+              <a:spLocks noEditPoints="1"/>
+            </p:cNvSpPr>
+            <p:nvPr>
+              <p:extLst>
+                <p:ext uri="{386F3935-93C4-4BCD-93E2-E3B085C9AB24}">
+                  <p16:designElem xmlns:p16="http://schemas.microsoft.com/office/powerpoint/2015/main" val="1"/>
+                </p:ext>
+              </p:extLst>
+            </p:nvPr>
+          </p:nvSpPr>
+          <p:spPr bwMode="auto">
+            <a:xfrm>
+              <a:off x="1123950" y="4021138"/>
+              <a:ext cx="190500" cy="188913"/>
+            </a:xfrm>
+            <a:custGeom>
+              <a:avLst/>
+              <a:gdLst/>
+              <a:ahLst/>
+              <a:cxnLst/>
+              <a:rect l="0" t="0" r="r" b="b"/>
+              <a:pathLst>
+                <a:path w="40" h="40">
+                  <a:moveTo>
+                    <a:pt x="20" y="40"/>
+                  </a:moveTo>
+                  <a:cubicBezTo>
+                    <a:pt x="9" y="40"/>
+                    <a:pt x="0" y="31"/>
+                    <a:pt x="0" y="20"/>
+                  </a:cubicBezTo>
+                  <a:cubicBezTo>
+                    <a:pt x="0" y="9"/>
+                    <a:pt x="9" y="0"/>
+                    <a:pt x="20" y="0"/>
+                  </a:cubicBezTo>
+                  <a:cubicBezTo>
+                    <a:pt x="31" y="0"/>
+                    <a:pt x="40" y="9"/>
+                    <a:pt x="40" y="20"/>
+                  </a:cubicBezTo>
+                  <a:cubicBezTo>
+                    <a:pt x="40" y="31"/>
+                    <a:pt x="31" y="40"/>
+                    <a:pt x="20" y="40"/>
+                  </a:cubicBezTo>
+                  <a:close/>
+                  <a:moveTo>
+                    <a:pt x="20" y="4"/>
+                  </a:moveTo>
+                  <a:cubicBezTo>
+                    <a:pt x="11" y="4"/>
+                    <a:pt x="4" y="11"/>
+                    <a:pt x="4" y="20"/>
+                  </a:cubicBezTo>
+                  <a:cubicBezTo>
+                    <a:pt x="4" y="29"/>
+                    <a:pt x="11" y="36"/>
+                    <a:pt x="20" y="36"/>
+                  </a:cubicBezTo>
+                  <a:cubicBezTo>
+                    <a:pt x="29" y="36"/>
+                    <a:pt x="36" y="29"/>
+                    <a:pt x="36" y="20"/>
+                  </a:cubicBezTo>
+                  <a:cubicBezTo>
+                    <a:pt x="36" y="11"/>
+                    <a:pt x="29" y="4"/>
+                    <a:pt x="20" y="4"/>
+                  </a:cubicBezTo>
+                  <a:close/>
+                </a:path>
+              </a:pathLst>
+            </a:custGeom>
+            <a:grpFill/>
+            <a:ln>
+              <a:noFill/>
+            </a:ln>
+            <a:extLst>
+              <a:ext uri="{91240B29-F687-4f45-9708-019B960494DF}">
+                <a14:hiddenLine xmlns="" xmlns:a16="http://schemas.microsoft.com/office/drawing/2014/main" xmlns:a14="http://schemas.microsoft.com/office/drawing/2010/main" xmlns:p14="http://schemas.microsoft.com/office/powerpoint/2010/main" w="9525">
+                  <a:solidFill>
+                    <a:srgbClr val="000000"/>
+                  </a:solidFill>
+                  <a:round/>
+                  <a:headEnd/>
+                  <a:tailEnd/>
+                </a14:hiddenLine>
+              </a:ext>
+            </a:extLst>
+          </p:spPr>
+        </p:sp>
+        <p:sp>
+          <p:nvSpPr>
+            <p:cNvPr id="20" name="Rectangle 19">
+              <a:extLst>
+                <a:ext uri="{FF2B5EF4-FFF2-40B4-BE49-F238E27FC236}">
+                  <a16:creationId xmlns:a16="http://schemas.microsoft.com/office/drawing/2014/main" id="{E28845CA-636E-4D43-982F-60A69EBC505D}"/>
+                </a:ext>
+                <a:ext uri="{C183D7F6-B498-43B3-948B-1728B52AA6E4}">
+                  <adec:decorative xmlns:adec="http://schemas.microsoft.com/office/drawing/2017/decorative" val="1"/>
+                </a:ext>
+              </a:extLst>
+            </p:cNvPr>
+            <p:cNvSpPr>
+              <a:spLocks noChangeArrowheads="1"/>
+            </p:cNvSpPr>
+            <p:nvPr>
+              <p:extLst>
+                <p:ext uri="{386F3935-93C4-4BCD-93E2-E3B085C9AB24}">
+                  <p16:designElem xmlns:p16="http://schemas.microsoft.com/office/powerpoint/2015/main" val="1"/>
+                </p:ext>
+              </p:extLst>
+            </p:nvPr>
+          </p:nvSpPr>
+          <p:spPr bwMode="auto">
+            <a:xfrm>
+              <a:off x="414338" y="9525"/>
+              <a:ext cx="28575" cy="4481513"/>
+            </a:xfrm>
+            <a:prstGeom prst="rect">
+              <a:avLst/>
+            </a:prstGeom>
+            <a:grpFill/>
+            <a:ln>
+              <a:noFill/>
+            </a:ln>
+            <a:extLst>
+              <a:ext uri="{91240B29-F687-4f45-9708-019B960494DF}">
+                <a14:hiddenLine xmlns="" xmlns:a16="http://schemas.microsoft.com/office/drawing/2014/main" xmlns:a14="http://schemas.microsoft.com/office/drawing/2010/main" xmlns:p14="http://schemas.microsoft.com/office/powerpoint/2010/main" w="9525">
+                  <a:solidFill>
+                    <a:srgbClr val="000000"/>
+                  </a:solidFill>
+                  <a:miter lim="800000"/>
+                  <a:headEnd/>
+                  <a:tailEnd/>
+                </a14:hiddenLine>
+              </a:ext>
+            </a:extLst>
+          </p:spPr>
+        </p:sp>
+        <p:sp>
+          <p:nvSpPr>
+            <p:cNvPr id="21" name="Freeform 9">
+              <a:extLst>
+                <a:ext uri="{FF2B5EF4-FFF2-40B4-BE49-F238E27FC236}">
+                  <a16:creationId xmlns:a16="http://schemas.microsoft.com/office/drawing/2014/main" id="{46E2981B-3779-4C07-B094-022D36D78B7A}"/>
+                </a:ext>
+                <a:ext uri="{C183D7F6-B498-43B3-948B-1728B52AA6E4}">
+                  <adec:decorative xmlns:adec="http://schemas.microsoft.com/office/drawing/2017/decorative" val="1"/>
+                </a:ext>
+              </a:extLst>
+            </p:cNvPr>
+            <p:cNvSpPr>
+              <a:spLocks noEditPoints="1"/>
+            </p:cNvSpPr>
+            <p:nvPr>
+              <p:extLst>
+                <p:ext uri="{386F3935-93C4-4BCD-93E2-E3B085C9AB24}">
+                  <p16:designElem xmlns:p16="http://schemas.microsoft.com/office/powerpoint/2015/main" val="1"/>
+                </p:ext>
+              </p:extLst>
+            </p:nvPr>
+          </p:nvSpPr>
+          <p:spPr bwMode="auto">
+            <a:xfrm>
+              <a:off x="333375" y="4481513"/>
+              <a:ext cx="190500" cy="190500"/>
+            </a:xfrm>
+            <a:custGeom>
+              <a:avLst/>
+              <a:gdLst/>
+              <a:ahLst/>
+              <a:cxnLst/>
+              <a:rect l="0" t="0" r="r" b="b"/>
+              <a:pathLst>
+                <a:path w="40" h="40">
+                  <a:moveTo>
+                    <a:pt x="20" y="40"/>
+                  </a:moveTo>
+                  <a:cubicBezTo>
+                    <a:pt x="9" y="40"/>
+                    <a:pt x="0" y="31"/>
+                    <a:pt x="0" y="20"/>
+                  </a:cubicBezTo>
+                  <a:cubicBezTo>
+                    <a:pt x="0" y="9"/>
+                    <a:pt x="9" y="0"/>
+                    <a:pt x="20" y="0"/>
+                  </a:cubicBezTo>
+                  <a:cubicBezTo>
+                    <a:pt x="31" y="0"/>
+                    <a:pt x="40" y="9"/>
+                    <a:pt x="40" y="20"/>
+                  </a:cubicBezTo>
+                  <a:cubicBezTo>
+                    <a:pt x="40" y="31"/>
+                    <a:pt x="31" y="40"/>
+                    <a:pt x="20" y="40"/>
+                  </a:cubicBezTo>
+                  <a:close/>
+                  <a:moveTo>
+                    <a:pt x="20" y="4"/>
+                  </a:moveTo>
+                  <a:cubicBezTo>
+                    <a:pt x="11" y="4"/>
+                    <a:pt x="4" y="11"/>
+                    <a:pt x="4" y="20"/>
+                  </a:cubicBezTo>
+                  <a:cubicBezTo>
+                    <a:pt x="4" y="29"/>
+                    <a:pt x="11" y="36"/>
+                    <a:pt x="20" y="36"/>
+                  </a:cubicBezTo>
+                  <a:cubicBezTo>
+                    <a:pt x="29" y="36"/>
+                    <a:pt x="36" y="29"/>
+                    <a:pt x="36" y="20"/>
+                  </a:cubicBezTo>
+                  <a:cubicBezTo>
+                    <a:pt x="36" y="11"/>
+                    <a:pt x="29" y="4"/>
+                    <a:pt x="20" y="4"/>
+                  </a:cubicBezTo>
+                  <a:close/>
+                </a:path>
+              </a:pathLst>
+            </a:custGeom>
+            <a:grpFill/>
+            <a:ln>
+              <a:noFill/>
+            </a:ln>
+            <a:extLst>
+              <a:ext uri="{91240B29-F687-4f45-9708-019B960494DF}">
+                <a14:hiddenLine xmlns="" xmlns:a16="http://schemas.microsoft.com/office/drawing/2014/main" xmlns:a14="http://schemas.microsoft.com/office/drawing/2010/main" xmlns:p14="http://schemas.microsoft.com/office/powerpoint/2010/main" w="9525">
+                  <a:solidFill>
+                    <a:srgbClr val="000000"/>
+                  </a:solidFill>
+                  <a:round/>
+                  <a:headEnd/>
+                  <a:tailEnd/>
+                </a14:hiddenLine>
+              </a:ext>
+            </a:extLst>
+          </p:spPr>
+        </p:sp>
+        <p:sp>
+          <p:nvSpPr>
+            <p:cNvPr id="22" name="Freeform 10">
+              <a:extLst>
+                <a:ext uri="{FF2B5EF4-FFF2-40B4-BE49-F238E27FC236}">
+                  <a16:creationId xmlns:a16="http://schemas.microsoft.com/office/drawing/2014/main" id="{CF68AF7A-09BB-405A-97E2-54B6364247D5}"/>
+                </a:ext>
+                <a:ext uri="{C183D7F6-B498-43B3-948B-1728B52AA6E4}">
+                  <adec:decorative xmlns:adec="http://schemas.microsoft.com/office/drawing/2017/decorative" val="1"/>
+                </a:ext>
+              </a:extLst>
+            </p:cNvPr>
+            <p:cNvSpPr/>
+            <p:nvPr>
+              <p:extLst>
+                <p:ext uri="{386F3935-93C4-4BCD-93E2-E3B085C9AB24}">
+                  <p16:designElem xmlns:p16="http://schemas.microsoft.com/office/powerpoint/2015/main" val="1"/>
+                </p:ext>
+              </p:extLst>
+            </p:nvPr>
+          </p:nvSpPr>
+          <p:spPr bwMode="auto">
+            <a:xfrm>
+              <a:off x="190500" y="9525"/>
+              <a:ext cx="152400" cy="908050"/>
+            </a:xfrm>
+            <a:custGeom>
+              <a:avLst/>
+              <a:gdLst/>
+              <a:ahLst/>
+              <a:cxnLst/>
+              <a:rect l="0" t="0" r="r" b="b"/>
+              <a:pathLst>
+                <a:path w="96" h="572">
+                  <a:moveTo>
+                    <a:pt x="15" y="572"/>
+                  </a:moveTo>
+                  <a:lnTo>
+                    <a:pt x="0" y="566"/>
+                  </a:lnTo>
+                  <a:lnTo>
+                    <a:pt x="81" y="380"/>
+                  </a:lnTo>
+                  <a:lnTo>
+                    <a:pt x="81" y="0"/>
+                  </a:lnTo>
+                  <a:lnTo>
+                    <a:pt x="96" y="0"/>
+                  </a:lnTo>
+                  <a:lnTo>
+                    <a:pt x="96" y="383"/>
+                  </a:lnTo>
+                  <a:lnTo>
+                    <a:pt x="15" y="572"/>
+                  </a:lnTo>
+                  <a:close/>
+                </a:path>
+              </a:pathLst>
+            </a:custGeom>
+            <a:grpFill/>
+            <a:ln>
+              <a:noFill/>
+            </a:ln>
+            <a:extLst>
+              <a:ext uri="{91240B29-F687-4f45-9708-019B960494DF}">
+                <a14:hiddenLine xmlns="" xmlns:a16="http://schemas.microsoft.com/office/drawing/2014/main" xmlns:a14="http://schemas.microsoft.com/office/drawing/2010/main" xmlns:p14="http://schemas.microsoft.com/office/powerpoint/2010/main" w="9525">
+                  <a:solidFill>
+                    <a:srgbClr val="000000"/>
+                  </a:solidFill>
+                  <a:round/>
+                  <a:headEnd/>
+                  <a:tailEnd/>
+                </a14:hiddenLine>
+              </a:ext>
+            </a:extLst>
+          </p:spPr>
+        </p:sp>
+        <p:sp>
+          <p:nvSpPr>
+            <p:cNvPr id="23" name="Freeform 11">
+              <a:extLst>
+                <a:ext uri="{FF2B5EF4-FFF2-40B4-BE49-F238E27FC236}">
+                  <a16:creationId xmlns:a16="http://schemas.microsoft.com/office/drawing/2014/main" id="{B0B046C9-B134-4B2D-A72D-EE8726713EB6}"/>
+                </a:ext>
+                <a:ext uri="{C183D7F6-B498-43B3-948B-1728B52AA6E4}">
+                  <adec:decorative xmlns:adec="http://schemas.microsoft.com/office/drawing/2017/decorative" val="1"/>
+                </a:ext>
+              </a:extLst>
+            </p:cNvPr>
+            <p:cNvSpPr/>
+            <p:nvPr>
+              <p:extLst>
+                <p:ext uri="{386F3935-93C4-4BCD-93E2-E3B085C9AB24}">
+                  <p16:designElem xmlns:p16="http://schemas.microsoft.com/office/powerpoint/2015/main" val="1"/>
+                </p:ext>
+              </p:extLst>
+            </p:nvPr>
+          </p:nvSpPr>
+          <p:spPr bwMode="auto">
+            <a:xfrm>
+              <a:off x="1290638" y="14288"/>
+              <a:ext cx="376238" cy="1801813"/>
+            </a:xfrm>
+            <a:custGeom>
+              <a:avLst/>
+              <a:gdLst/>
+              <a:ahLst/>
+              <a:cxnLst/>
+              <a:rect l="0" t="0" r="r" b="b"/>
+              <a:pathLst>
+                <a:path w="237" h="1135">
+                  <a:moveTo>
+                    <a:pt x="222" y="1135"/>
+                  </a:moveTo>
+                  <a:lnTo>
+                    <a:pt x="0" y="620"/>
+                  </a:lnTo>
+                  <a:lnTo>
+                    <a:pt x="0" y="0"/>
+                  </a:lnTo>
+                  <a:lnTo>
+                    <a:pt x="18" y="0"/>
+                  </a:lnTo>
+                  <a:lnTo>
+                    <a:pt x="18" y="617"/>
+                  </a:lnTo>
+                  <a:lnTo>
+                    <a:pt x="237" y="1129"/>
+                  </a:lnTo>
+                  <a:lnTo>
+                    <a:pt x="222" y="1135"/>
+                  </a:lnTo>
+                  <a:close/>
+                </a:path>
+              </a:pathLst>
+            </a:custGeom>
+            <a:grpFill/>
+            <a:ln>
+              <a:noFill/>
+            </a:ln>
+            <a:extLst>
+              <a:ext uri="{91240B29-F687-4f45-9708-019B960494DF}">
+                <a14:hiddenLine xmlns="" xmlns:a16="http://schemas.microsoft.com/office/drawing/2014/main" xmlns:a14="http://schemas.microsoft.com/office/drawing/2010/main" xmlns:p14="http://schemas.microsoft.com/office/powerpoint/2010/main" w="9525">
+                  <a:solidFill>
+                    <a:srgbClr val="000000"/>
+                  </a:solidFill>
+                  <a:round/>
+                  <a:headEnd/>
+                  <a:tailEnd/>
+                </a14:hiddenLine>
+              </a:ext>
+            </a:extLst>
+          </p:spPr>
+        </p:sp>
+        <p:sp>
+          <p:nvSpPr>
+            <p:cNvPr id="24" name="Freeform 12">
+              <a:extLst>
+                <a:ext uri="{FF2B5EF4-FFF2-40B4-BE49-F238E27FC236}">
+                  <a16:creationId xmlns:a16="http://schemas.microsoft.com/office/drawing/2014/main" id="{7BDCF20A-0928-4450-A706-38EC67A436B0}"/>
+                </a:ext>
+                <a:ext uri="{C183D7F6-B498-43B3-948B-1728B52AA6E4}">
+                  <adec:decorative xmlns:adec="http://schemas.microsoft.com/office/drawing/2017/decorative" val="1"/>
+                </a:ext>
+              </a:extLst>
+            </p:cNvPr>
+            <p:cNvSpPr>
+              <a:spLocks noEditPoints="1"/>
+            </p:cNvSpPr>
+            <p:nvPr>
+              <p:extLst>
+                <p:ext uri="{386F3935-93C4-4BCD-93E2-E3B085C9AB24}">
+                  <p16:designElem xmlns:p16="http://schemas.microsoft.com/office/powerpoint/2015/main" val="1"/>
+                </p:ext>
+              </p:extLst>
+            </p:nvPr>
+          </p:nvSpPr>
+          <p:spPr bwMode="auto">
+            <a:xfrm>
+              <a:off x="1600200" y="1801813"/>
+              <a:ext cx="190500" cy="188913"/>
+            </a:xfrm>
+            <a:custGeom>
+              <a:avLst/>
+              <a:gdLst/>
+              <a:ahLst/>
+              <a:cxnLst/>
+              <a:rect l="0" t="0" r="r" b="b"/>
+              <a:pathLst>
+                <a:path w="40" h="40">
+                  <a:moveTo>
+                    <a:pt x="20" y="40"/>
+                  </a:moveTo>
+                  <a:cubicBezTo>
+                    <a:pt x="9" y="40"/>
+                    <a:pt x="0" y="31"/>
+                    <a:pt x="0" y="20"/>
+                  </a:cubicBezTo>
+                  <a:cubicBezTo>
+                    <a:pt x="0" y="9"/>
+                    <a:pt x="9" y="0"/>
+                    <a:pt x="20" y="0"/>
+                  </a:cubicBezTo>
+                  <a:cubicBezTo>
+                    <a:pt x="31" y="0"/>
+                    <a:pt x="40" y="9"/>
+                    <a:pt x="40" y="20"/>
+                  </a:cubicBezTo>
+                  <a:cubicBezTo>
+                    <a:pt x="40" y="31"/>
+                    <a:pt x="31" y="40"/>
+                    <a:pt x="20" y="40"/>
+                  </a:cubicBezTo>
+                  <a:close/>
+                  <a:moveTo>
+                    <a:pt x="20" y="4"/>
+                  </a:moveTo>
+                  <a:cubicBezTo>
+                    <a:pt x="11" y="4"/>
+                    <a:pt x="4" y="11"/>
+                    <a:pt x="4" y="20"/>
+                  </a:cubicBezTo>
+                  <a:cubicBezTo>
+                    <a:pt x="4" y="29"/>
+                    <a:pt x="11" y="36"/>
+                    <a:pt x="20" y="36"/>
+                  </a:cubicBezTo>
+                  <a:cubicBezTo>
+                    <a:pt x="28" y="36"/>
+                    <a:pt x="36" y="29"/>
+                    <a:pt x="36" y="20"/>
+                  </a:cubicBezTo>
+                  <a:cubicBezTo>
+                    <a:pt x="36" y="11"/>
+                    <a:pt x="28" y="4"/>
+                    <a:pt x="20" y="4"/>
+                  </a:cubicBezTo>
+                  <a:close/>
+                </a:path>
+              </a:pathLst>
+            </a:custGeom>
+            <a:grpFill/>
+            <a:ln>
+              <a:noFill/>
+            </a:ln>
+            <a:extLst>
+              <a:ext uri="{91240B29-F687-4f45-9708-019B960494DF}">
+                <a14:hiddenLine xmlns="" xmlns:a16="http://schemas.microsoft.com/office/drawing/2014/main" xmlns:a14="http://schemas.microsoft.com/office/drawing/2010/main" xmlns:p14="http://schemas.microsoft.com/office/powerpoint/2010/main" w="9525">
+                  <a:solidFill>
+                    <a:srgbClr val="000000"/>
+                  </a:solidFill>
+                  <a:round/>
+                  <a:headEnd/>
+                  <a:tailEnd/>
+                </a14:hiddenLine>
+              </a:ext>
+            </a:extLst>
+          </p:spPr>
+        </p:sp>
+        <p:sp>
+          <p:nvSpPr>
+            <p:cNvPr id="25" name="Freeform 13">
+              <a:extLst>
+                <a:ext uri="{FF2B5EF4-FFF2-40B4-BE49-F238E27FC236}">
+                  <a16:creationId xmlns:a16="http://schemas.microsoft.com/office/drawing/2014/main" id="{0A9B8658-6A08-43AE-90A6-6DC58EE907B9}"/>
+                </a:ext>
+                <a:ext uri="{C183D7F6-B498-43B3-948B-1728B52AA6E4}">
+                  <adec:decorative xmlns:adec="http://schemas.microsoft.com/office/drawing/2017/decorative" val="1"/>
+                </a:ext>
+              </a:extLst>
+            </p:cNvPr>
+            <p:cNvSpPr/>
+            <p:nvPr>
+              <p:extLst>
+                <p:ext uri="{386F3935-93C4-4BCD-93E2-E3B085C9AB24}">
+                  <p16:designElem xmlns:p16="http://schemas.microsoft.com/office/powerpoint/2015/main" val="1"/>
+                </p:ext>
+              </p:extLst>
+            </p:nvPr>
+          </p:nvSpPr>
+          <p:spPr bwMode="auto">
+            <a:xfrm>
+              <a:off x="1381125" y="9525"/>
+              <a:ext cx="371475" cy="1425575"/>
+            </a:xfrm>
+            <a:custGeom>
+              <a:avLst/>
+              <a:gdLst/>
+              <a:ahLst/>
+              <a:cxnLst/>
+              <a:rect l="0" t="0" r="r" b="b"/>
+              <a:pathLst>
+                <a:path w="234" h="898">
+                  <a:moveTo>
+                    <a:pt x="219" y="898"/>
+                  </a:moveTo>
+                  <a:lnTo>
+                    <a:pt x="0" y="383"/>
+                  </a:lnTo>
+                  <a:lnTo>
+                    <a:pt x="0" y="0"/>
+                  </a:lnTo>
+                  <a:lnTo>
+                    <a:pt x="15" y="0"/>
+                  </a:lnTo>
+                  <a:lnTo>
+                    <a:pt x="15" y="380"/>
+                  </a:lnTo>
+                  <a:lnTo>
+                    <a:pt x="234" y="892"/>
+                  </a:lnTo>
+                  <a:lnTo>
+                    <a:pt x="219" y="898"/>
+                  </a:lnTo>
+                  <a:close/>
+                </a:path>
+              </a:pathLst>
+            </a:custGeom>
+            <a:grpFill/>
+            <a:ln>
+              <a:noFill/>
+            </a:ln>
+            <a:extLst>
+              <a:ext uri="{91240B29-F687-4f45-9708-019B960494DF}">
+                <a14:hiddenLine xmlns="" xmlns:a16="http://schemas.microsoft.com/office/drawing/2014/main" xmlns:a14="http://schemas.microsoft.com/office/drawing/2010/main" xmlns:p14="http://schemas.microsoft.com/office/powerpoint/2010/main" w="9525">
+                  <a:solidFill>
+                    <a:srgbClr val="000000"/>
+                  </a:solidFill>
+                  <a:round/>
+                  <a:headEnd/>
+                  <a:tailEnd/>
+                </a14:hiddenLine>
+              </a:ext>
+            </a:extLst>
+          </p:spPr>
+        </p:sp>
+        <p:sp>
+          <p:nvSpPr>
+            <p:cNvPr id="26" name="Freeform 14">
+              <a:extLst>
+                <a:ext uri="{FF2B5EF4-FFF2-40B4-BE49-F238E27FC236}">
+                  <a16:creationId xmlns:a16="http://schemas.microsoft.com/office/drawing/2014/main" id="{0E09D33C-4BEF-4E3D-9D05-7C3E204AEC88}"/>
+                </a:ext>
+                <a:ext uri="{C183D7F6-B498-43B3-948B-1728B52AA6E4}">
+                  <adec:decorative xmlns:adec="http://schemas.microsoft.com/office/drawing/2017/decorative" val="1"/>
+                </a:ext>
+              </a:extLst>
+            </p:cNvPr>
+            <p:cNvSpPr/>
+            <p:nvPr>
+              <p:extLst>
+                <p:ext uri="{386F3935-93C4-4BCD-93E2-E3B085C9AB24}">
+                  <p16:designElem xmlns:p16="http://schemas.microsoft.com/office/powerpoint/2015/main" val="1"/>
+                </p:ext>
+              </p:extLst>
+            </p:nvPr>
+          </p:nvSpPr>
+          <p:spPr bwMode="auto">
+            <a:xfrm>
+              <a:off x="1643063" y="0"/>
+              <a:ext cx="152400" cy="912813"/>
+            </a:xfrm>
+            <a:custGeom>
+              <a:avLst/>
+              <a:gdLst/>
+              <a:ahLst/>
+              <a:cxnLst/>
+              <a:rect l="0" t="0" r="r" b="b"/>
+              <a:pathLst>
+                <a:path w="96" h="575">
+                  <a:moveTo>
+                    <a:pt x="96" y="575"/>
+                  </a:moveTo>
+                  <a:lnTo>
+                    <a:pt x="78" y="575"/>
+                  </a:lnTo>
+                  <a:lnTo>
+                    <a:pt x="78" y="192"/>
+                  </a:lnTo>
+                  <a:lnTo>
+                    <a:pt x="0" y="6"/>
+                  </a:lnTo>
+                  <a:lnTo>
+                    <a:pt x="15" y="0"/>
+                  </a:lnTo>
+                  <a:lnTo>
+                    <a:pt x="96" y="189"/>
+                  </a:lnTo>
+                  <a:lnTo>
+                    <a:pt x="96" y="575"/>
+                  </a:lnTo>
+                  <a:close/>
+                </a:path>
+              </a:pathLst>
+            </a:custGeom>
+            <a:grpFill/>
+            <a:ln>
+              <a:noFill/>
+            </a:ln>
+            <a:extLst>
+              <a:ext uri="{91240B29-F687-4f45-9708-019B960494DF}">
+                <a14:hiddenLine xmlns="" xmlns:a16="http://schemas.microsoft.com/office/drawing/2014/main" xmlns:a14="http://schemas.microsoft.com/office/drawing/2010/main" xmlns:p14="http://schemas.microsoft.com/office/powerpoint/2010/main" w="9525">
+                  <a:solidFill>
+                    <a:srgbClr val="000000"/>
+                  </a:solidFill>
+                  <a:round/>
+                  <a:headEnd/>
+                  <a:tailEnd/>
+                </a14:hiddenLine>
+              </a:ext>
+            </a:extLst>
+          </p:spPr>
+        </p:sp>
+        <p:sp>
+          <p:nvSpPr>
+            <p:cNvPr id="27" name="Freeform 15">
+              <a:extLst>
+                <a:ext uri="{FF2B5EF4-FFF2-40B4-BE49-F238E27FC236}">
+                  <a16:creationId xmlns:a16="http://schemas.microsoft.com/office/drawing/2014/main" id="{BC144127-0703-4638-BA33-F27F2746EFF3}"/>
+                </a:ext>
+                <a:ext uri="{C183D7F6-B498-43B3-948B-1728B52AA6E4}">
+                  <adec:decorative xmlns:adec="http://schemas.microsoft.com/office/drawing/2017/decorative" val="1"/>
+                </a:ext>
+              </a:extLst>
+            </p:cNvPr>
+            <p:cNvSpPr>
+              <a:spLocks noEditPoints="1"/>
+            </p:cNvSpPr>
+            <p:nvPr>
+              <p:extLst>
+                <p:ext uri="{386F3935-93C4-4BCD-93E2-E3B085C9AB24}">
+                  <p16:designElem xmlns:p16="http://schemas.microsoft.com/office/powerpoint/2015/main" val="1"/>
+                </p:ext>
+              </p:extLst>
+            </p:nvPr>
+          </p:nvSpPr>
+          <p:spPr bwMode="auto">
+            <a:xfrm>
+              <a:off x="1685925" y="1420813"/>
+              <a:ext cx="190500" cy="190500"/>
+            </a:xfrm>
+            <a:custGeom>
+              <a:avLst/>
+              <a:gdLst/>
+              <a:ahLst/>
+              <a:cxnLst/>
+              <a:rect l="0" t="0" r="r" b="b"/>
+              <a:pathLst>
+                <a:path w="40" h="40">
+                  <a:moveTo>
+                    <a:pt x="20" y="40"/>
+                  </a:moveTo>
+                  <a:cubicBezTo>
+                    <a:pt x="9" y="40"/>
+                    <a:pt x="0" y="31"/>
+                    <a:pt x="0" y="20"/>
+                  </a:cubicBezTo>
+                  <a:cubicBezTo>
+                    <a:pt x="0" y="9"/>
+                    <a:pt x="9" y="0"/>
+                    <a:pt x="20" y="0"/>
+                  </a:cubicBezTo>
+                  <a:cubicBezTo>
+                    <a:pt x="31" y="0"/>
+                    <a:pt x="40" y="9"/>
+                    <a:pt x="40" y="20"/>
+                  </a:cubicBezTo>
+                  <a:cubicBezTo>
+                    <a:pt x="40" y="31"/>
+                    <a:pt x="31" y="40"/>
+                    <a:pt x="20" y="40"/>
+                  </a:cubicBezTo>
+                  <a:close/>
+                  <a:moveTo>
+                    <a:pt x="20" y="4"/>
+                  </a:moveTo>
+                  <a:cubicBezTo>
+                    <a:pt x="11" y="4"/>
+                    <a:pt x="4" y="11"/>
+                    <a:pt x="4" y="20"/>
+                  </a:cubicBezTo>
+                  <a:cubicBezTo>
+                    <a:pt x="4" y="29"/>
+                    <a:pt x="11" y="36"/>
+                    <a:pt x="20" y="36"/>
+                  </a:cubicBezTo>
+                  <a:cubicBezTo>
+                    <a:pt x="29" y="36"/>
+                    <a:pt x="36" y="29"/>
+                    <a:pt x="36" y="20"/>
+                  </a:cubicBezTo>
+                  <a:cubicBezTo>
+                    <a:pt x="36" y="11"/>
+                    <a:pt x="29" y="4"/>
+                    <a:pt x="20" y="4"/>
+                  </a:cubicBezTo>
+                  <a:close/>
+                </a:path>
+              </a:pathLst>
+            </a:custGeom>
+            <a:grpFill/>
+            <a:ln>
+              <a:noFill/>
+            </a:ln>
+            <a:extLst>
+              <a:ext uri="{91240B29-F687-4f45-9708-019B960494DF}">
+                <a14:hiddenLine xmlns="" xmlns:a16="http://schemas.microsoft.com/office/drawing/2014/main" xmlns:a14="http://schemas.microsoft.com/office/drawing/2010/main" xmlns:p14="http://schemas.microsoft.com/office/powerpoint/2010/main" w="9525">
+                  <a:solidFill>
+                    <a:srgbClr val="000000"/>
+                  </a:solidFill>
+                  <a:round/>
+                  <a:headEnd/>
+                  <a:tailEnd/>
+                </a14:hiddenLine>
+              </a:ext>
+            </a:extLst>
+          </p:spPr>
+        </p:sp>
+        <p:sp>
+          <p:nvSpPr>
+            <p:cNvPr id="28" name="Freeform 16">
+              <a:extLst>
+                <a:ext uri="{FF2B5EF4-FFF2-40B4-BE49-F238E27FC236}">
+                  <a16:creationId xmlns:a16="http://schemas.microsoft.com/office/drawing/2014/main" id="{34BA113B-51FC-4ACC-B554-442D60138615}"/>
+                </a:ext>
+                <a:ext uri="{C183D7F6-B498-43B3-948B-1728B52AA6E4}">
+                  <adec:decorative xmlns:adec="http://schemas.microsoft.com/office/drawing/2017/decorative" val="1"/>
+                </a:ext>
+              </a:extLst>
+            </p:cNvPr>
+            <p:cNvSpPr>
+              <a:spLocks noEditPoints="1"/>
+            </p:cNvSpPr>
+            <p:nvPr>
+              <p:extLst>
+                <p:ext uri="{386F3935-93C4-4BCD-93E2-E3B085C9AB24}">
+                  <p16:designElem xmlns:p16="http://schemas.microsoft.com/office/powerpoint/2015/main" val="1"/>
+                </p:ext>
+              </p:extLst>
+            </p:nvPr>
+          </p:nvSpPr>
+          <p:spPr bwMode="auto">
+            <a:xfrm>
+              <a:off x="1685925" y="903288"/>
+              <a:ext cx="190500" cy="190500"/>
+            </a:xfrm>
+            <a:custGeom>
+              <a:avLst/>
+              <a:gdLst/>
+              <a:ahLst/>
+              <a:cxnLst/>
+              <a:rect l="0" t="0" r="r" b="b"/>
+              <a:pathLst>
+                <a:path w="40" h="40">
+                  <a:moveTo>
+                    <a:pt x="20" y="40"/>
+                  </a:moveTo>
+                  <a:cubicBezTo>
+                    <a:pt x="9" y="40"/>
+                    <a:pt x="0" y="31"/>
+                    <a:pt x="0" y="20"/>
+                  </a:cubicBezTo>
+                  <a:cubicBezTo>
+                    <a:pt x="0" y="9"/>
+                    <a:pt x="9" y="0"/>
+                    <a:pt x="20" y="0"/>
+                  </a:cubicBezTo>
+                  <a:cubicBezTo>
+                    <a:pt x="31" y="0"/>
+                    <a:pt x="40" y="9"/>
+                    <a:pt x="40" y="20"/>
+                  </a:cubicBezTo>
+                  <a:cubicBezTo>
+                    <a:pt x="40" y="31"/>
+                    <a:pt x="31" y="40"/>
+                    <a:pt x="20" y="40"/>
+                  </a:cubicBezTo>
+                  <a:close/>
+                  <a:moveTo>
+                    <a:pt x="20" y="4"/>
+                  </a:moveTo>
+                  <a:cubicBezTo>
+                    <a:pt x="11" y="4"/>
+                    <a:pt x="4" y="11"/>
+                    <a:pt x="4" y="20"/>
+                  </a:cubicBezTo>
+                  <a:cubicBezTo>
+                    <a:pt x="4" y="29"/>
+                    <a:pt x="11" y="36"/>
+                    <a:pt x="20" y="36"/>
+                  </a:cubicBezTo>
+                  <a:cubicBezTo>
+                    <a:pt x="29" y="36"/>
+                    <a:pt x="36" y="29"/>
+                    <a:pt x="36" y="20"/>
+                  </a:cubicBezTo>
+                  <a:cubicBezTo>
+                    <a:pt x="36" y="11"/>
+                    <a:pt x="29" y="4"/>
+                    <a:pt x="20" y="4"/>
+                  </a:cubicBezTo>
+                  <a:close/>
+                </a:path>
+              </a:pathLst>
+            </a:custGeom>
+            <a:grpFill/>
+            <a:ln>
+              <a:noFill/>
+            </a:ln>
+            <a:extLst>
+              <a:ext uri="{91240B29-F687-4f45-9708-019B960494DF}">
+                <a14:hiddenLine xmlns="" xmlns:a16="http://schemas.microsoft.com/office/drawing/2014/main" xmlns:a14="http://schemas.microsoft.com/office/drawing/2010/main" xmlns:p14="http://schemas.microsoft.com/office/powerpoint/2010/main" w="9525">
+                  <a:solidFill>
+                    <a:srgbClr val="000000"/>
+                  </a:solidFill>
+                  <a:round/>
+                  <a:headEnd/>
+                  <a:tailEnd/>
+                </a14:hiddenLine>
+              </a:ext>
+            </a:extLst>
+          </p:spPr>
+        </p:sp>
+        <p:sp>
+          <p:nvSpPr>
+            <p:cNvPr id="29" name="Freeform 17">
+              <a:extLst>
+                <a:ext uri="{FF2B5EF4-FFF2-40B4-BE49-F238E27FC236}">
+                  <a16:creationId xmlns:a16="http://schemas.microsoft.com/office/drawing/2014/main" id="{185614A2-022E-4370-8387-439F351082D2}"/>
+                </a:ext>
+                <a:ext uri="{C183D7F6-B498-43B3-948B-1728B52AA6E4}">
+                  <adec:decorative xmlns:adec="http://schemas.microsoft.com/office/drawing/2017/decorative" val="1"/>
+                </a:ext>
+              </a:extLst>
+            </p:cNvPr>
+            <p:cNvSpPr/>
+            <p:nvPr>
+              <p:extLst>
+                <p:ext uri="{386F3935-93C4-4BCD-93E2-E3B085C9AB24}">
+                  <p16:designElem xmlns:p16="http://schemas.microsoft.com/office/powerpoint/2015/main" val="1"/>
+                </p:ext>
+              </p:extLst>
+            </p:nvPr>
+          </p:nvSpPr>
+          <p:spPr bwMode="auto">
+            <a:xfrm>
+              <a:off x="1743075" y="4763"/>
+              <a:ext cx="419100" cy="522288"/>
+            </a:xfrm>
+            <a:custGeom>
+              <a:avLst/>
+              <a:gdLst/>
+              <a:ahLst/>
+              <a:cxnLst/>
+              <a:rect l="0" t="0" r="r" b="b"/>
+              <a:pathLst>
+                <a:path w="264" h="329">
+                  <a:moveTo>
+                    <a:pt x="252" y="329"/>
+                  </a:moveTo>
+                  <a:lnTo>
+                    <a:pt x="45" y="120"/>
+                  </a:lnTo>
+                  <a:lnTo>
+                    <a:pt x="0" y="6"/>
+                  </a:lnTo>
+                  <a:lnTo>
+                    <a:pt x="15" y="0"/>
+                  </a:lnTo>
+                  <a:lnTo>
+                    <a:pt x="60" y="111"/>
+                  </a:lnTo>
+                  <a:lnTo>
+                    <a:pt x="264" y="317"/>
+                  </a:lnTo>
+                  <a:lnTo>
+                    <a:pt x="252" y="329"/>
+                  </a:lnTo>
+                  <a:close/>
+                </a:path>
+              </a:pathLst>
+            </a:custGeom>
+            <a:grpFill/>
+            <a:ln>
+              <a:noFill/>
+            </a:ln>
+            <a:extLst>
+              <a:ext uri="{91240B29-F687-4f45-9708-019B960494DF}">
+                <a14:hiddenLine xmlns="" xmlns:a16="http://schemas.microsoft.com/office/drawing/2014/main" xmlns:a14="http://schemas.microsoft.com/office/drawing/2010/main" xmlns:p14="http://schemas.microsoft.com/office/powerpoint/2010/main" w="9525">
+                  <a:solidFill>
+                    <a:srgbClr val="000000"/>
+                  </a:solidFill>
+                  <a:round/>
+                  <a:headEnd/>
+                  <a:tailEnd/>
+                </a14:hiddenLine>
+              </a:ext>
+            </a:extLst>
+          </p:spPr>
+        </p:sp>
+        <p:sp>
+          <p:nvSpPr>
+            <p:cNvPr id="30" name="Freeform 18">
+              <a:extLst>
+                <a:ext uri="{FF2B5EF4-FFF2-40B4-BE49-F238E27FC236}">
+                  <a16:creationId xmlns:a16="http://schemas.microsoft.com/office/drawing/2014/main" id="{655F15B6-A731-4942-9BF5-E840422632A0}"/>
+                </a:ext>
+                <a:ext uri="{C183D7F6-B498-43B3-948B-1728B52AA6E4}">
+                  <adec:decorative xmlns:adec="http://schemas.microsoft.com/office/drawing/2017/decorative" val="1"/>
+                </a:ext>
+              </a:extLst>
+            </p:cNvPr>
+            <p:cNvSpPr>
+              <a:spLocks noEditPoints="1"/>
+            </p:cNvSpPr>
+            <p:nvPr>
+              <p:extLst>
+                <p:ext uri="{386F3935-93C4-4BCD-93E2-E3B085C9AB24}">
+                  <p16:designElem xmlns:p16="http://schemas.microsoft.com/office/powerpoint/2015/main" val="1"/>
+                </p:ext>
+              </p:extLst>
+            </p:nvPr>
+          </p:nvSpPr>
+          <p:spPr bwMode="auto">
+            <a:xfrm>
+              <a:off x="2119313" y="488950"/>
+              <a:ext cx="161925" cy="147638"/>
+            </a:xfrm>
+            <a:custGeom>
+              <a:avLst/>
+              <a:gdLst/>
+              <a:ahLst/>
+              <a:cxnLst/>
+              <a:rect l="0" t="0" r="r" b="b"/>
+              <a:pathLst>
+                <a:path w="34" h="31">
+                  <a:moveTo>
+                    <a:pt x="17" y="31"/>
+                  </a:moveTo>
+                  <a:cubicBezTo>
+                    <a:pt x="13" y="31"/>
+                    <a:pt x="9" y="30"/>
+                    <a:pt x="6" y="27"/>
+                  </a:cubicBezTo>
+                  <a:cubicBezTo>
+                    <a:pt x="0" y="20"/>
+                    <a:pt x="0" y="10"/>
+                    <a:pt x="6" y="4"/>
+                  </a:cubicBezTo>
+                  <a:cubicBezTo>
+                    <a:pt x="9" y="1"/>
+                    <a:pt x="13" y="0"/>
+                    <a:pt x="17" y="0"/>
+                  </a:cubicBezTo>
+                  <a:cubicBezTo>
+                    <a:pt x="21" y="0"/>
+                    <a:pt x="25" y="1"/>
+                    <a:pt x="28" y="4"/>
+                  </a:cubicBezTo>
+                  <a:cubicBezTo>
+                    <a:pt x="34" y="10"/>
+                    <a:pt x="34" y="20"/>
+                    <a:pt x="28" y="27"/>
+                  </a:cubicBezTo>
+                  <a:cubicBezTo>
+                    <a:pt x="25" y="30"/>
+                    <a:pt x="21" y="31"/>
+                    <a:pt x="17" y="31"/>
+                  </a:cubicBezTo>
+                  <a:close/>
+                  <a:moveTo>
+                    <a:pt x="17" y="4"/>
+                  </a:moveTo>
+                  <a:cubicBezTo>
+                    <a:pt x="14" y="4"/>
+                    <a:pt x="11" y="5"/>
+                    <a:pt x="9" y="7"/>
+                  </a:cubicBezTo>
+                  <a:cubicBezTo>
+                    <a:pt x="4" y="12"/>
+                    <a:pt x="4" y="19"/>
+                    <a:pt x="9" y="24"/>
+                  </a:cubicBezTo>
+                  <a:cubicBezTo>
+                    <a:pt x="11" y="26"/>
+                    <a:pt x="14" y="27"/>
+                    <a:pt x="17" y="27"/>
+                  </a:cubicBezTo>
+                  <a:cubicBezTo>
+                    <a:pt x="20" y="27"/>
+                    <a:pt x="23" y="26"/>
+                    <a:pt x="25" y="24"/>
+                  </a:cubicBezTo>
+                  <a:cubicBezTo>
+                    <a:pt x="30" y="19"/>
+                    <a:pt x="30" y="12"/>
+                    <a:pt x="25" y="7"/>
+                  </a:cubicBezTo>
+                  <a:cubicBezTo>
+                    <a:pt x="23" y="5"/>
+                    <a:pt x="20" y="4"/>
+                    <a:pt x="17" y="4"/>
+                  </a:cubicBezTo>
+                  <a:close/>
+                </a:path>
+              </a:pathLst>
+            </a:custGeom>
+            <a:grpFill/>
+            <a:ln>
+              <a:noFill/>
+            </a:ln>
+            <a:extLst>
+              <a:ext uri="{91240B29-F687-4f45-9708-019B960494DF}">
+                <a14:hiddenLine xmlns="" xmlns:a16="http://schemas.microsoft.com/office/drawing/2014/main" xmlns:a14="http://schemas.microsoft.com/office/drawing/2010/main" xmlns:p14="http://schemas.microsoft.com/office/powerpoint/2010/main" w="9525">
+                  <a:solidFill>
+                    <a:srgbClr val="000000"/>
+                  </a:solidFill>
+                  <a:round/>
+                  <a:headEnd/>
+                  <a:tailEnd/>
+                </a14:hiddenLine>
+              </a:ext>
+            </a:extLst>
+          </p:spPr>
+        </p:sp>
+        <p:sp>
+          <p:nvSpPr>
+            <p:cNvPr id="31" name="Freeform 19">
+              <a:extLst>
+                <a:ext uri="{FF2B5EF4-FFF2-40B4-BE49-F238E27FC236}">
+                  <a16:creationId xmlns:a16="http://schemas.microsoft.com/office/drawing/2014/main" id="{2637AC00-EDD0-4AB2-BB46-92261D4CFDC4}"/>
+                </a:ext>
+                <a:ext uri="{C183D7F6-B498-43B3-948B-1728B52AA6E4}">
+                  <adec:decorative xmlns:adec="http://schemas.microsoft.com/office/drawing/2017/decorative" val="1"/>
+                </a:ext>
+              </a:extLst>
+            </p:cNvPr>
+            <p:cNvSpPr/>
+            <p:nvPr>
+              <p:extLst>
+                <p:ext uri="{386F3935-93C4-4BCD-93E2-E3B085C9AB24}">
+                  <p16:designElem xmlns:p16="http://schemas.microsoft.com/office/powerpoint/2015/main" val="1"/>
+                </p:ext>
+              </p:extLst>
+            </p:nvPr>
+          </p:nvSpPr>
+          <p:spPr bwMode="auto">
+            <a:xfrm>
+              <a:off x="952500" y="4763"/>
+              <a:ext cx="152400" cy="908050"/>
+            </a:xfrm>
+            <a:custGeom>
+              <a:avLst/>
+              <a:gdLst/>
+              <a:ahLst/>
+              <a:cxnLst/>
+              <a:rect l="0" t="0" r="r" b="b"/>
+              <a:pathLst>
+                <a:path w="96" h="572">
+                  <a:moveTo>
+                    <a:pt x="15" y="572"/>
+                  </a:moveTo>
+                  <a:lnTo>
+                    <a:pt x="0" y="572"/>
+                  </a:lnTo>
+                  <a:lnTo>
+                    <a:pt x="0" y="189"/>
+                  </a:lnTo>
+                  <a:lnTo>
+                    <a:pt x="81" y="0"/>
+                  </a:lnTo>
+                  <a:lnTo>
+                    <a:pt x="96" y="6"/>
+                  </a:lnTo>
+                  <a:lnTo>
+                    <a:pt x="15" y="192"/>
+                  </a:lnTo>
+                  <a:lnTo>
+                    <a:pt x="15" y="572"/>
+                  </a:lnTo>
+                  <a:close/>
+                </a:path>
+              </a:pathLst>
+            </a:custGeom>
+            <a:grpFill/>
+            <a:ln>
+              <a:noFill/>
+            </a:ln>
+            <a:extLst>
+              <a:ext uri="{91240B29-F687-4f45-9708-019B960494DF}">
+                <a14:hiddenLine xmlns="" xmlns:a16="http://schemas.microsoft.com/office/drawing/2014/main" xmlns:a14="http://schemas.microsoft.com/office/drawing/2010/main" xmlns:p14="http://schemas.microsoft.com/office/powerpoint/2010/main" w="9525">
+                  <a:solidFill>
+                    <a:srgbClr val="000000"/>
+                  </a:solidFill>
+                  <a:round/>
+                  <a:headEnd/>
+                  <a:tailEnd/>
+                </a14:hiddenLine>
+              </a:ext>
+            </a:extLst>
+          </p:spPr>
+        </p:sp>
+        <p:sp>
+          <p:nvSpPr>
+            <p:cNvPr id="32" name="Freeform 20">
+              <a:extLst>
+                <a:ext uri="{FF2B5EF4-FFF2-40B4-BE49-F238E27FC236}">
+                  <a16:creationId xmlns:a16="http://schemas.microsoft.com/office/drawing/2014/main" id="{49CA14E2-2ACD-4C73-B26C-17681580FBA1}"/>
+                </a:ext>
+                <a:ext uri="{C183D7F6-B498-43B3-948B-1728B52AA6E4}">
+                  <adec:decorative xmlns:adec="http://schemas.microsoft.com/office/drawing/2017/decorative" val="1"/>
+                </a:ext>
+              </a:extLst>
+            </p:cNvPr>
+            <p:cNvSpPr>
+              <a:spLocks noEditPoints="1"/>
+            </p:cNvSpPr>
+            <p:nvPr>
+              <p:extLst>
+                <p:ext uri="{386F3935-93C4-4BCD-93E2-E3B085C9AB24}">
+                  <p16:designElem xmlns:p16="http://schemas.microsoft.com/office/powerpoint/2015/main" val="1"/>
+                </p:ext>
+              </p:extLst>
+            </p:nvPr>
+          </p:nvSpPr>
+          <p:spPr bwMode="auto">
+            <a:xfrm>
+              <a:off x="866775" y="903288"/>
+              <a:ext cx="190500" cy="190500"/>
+            </a:xfrm>
+            <a:custGeom>
+              <a:avLst/>
+              <a:gdLst/>
+              <a:ahLst/>
+              <a:cxnLst/>
+              <a:rect l="0" t="0" r="r" b="b"/>
+              <a:pathLst>
+                <a:path w="40" h="40">
+                  <a:moveTo>
+                    <a:pt x="20" y="40"/>
+                  </a:moveTo>
+                  <a:cubicBezTo>
+                    <a:pt x="9" y="40"/>
+                    <a:pt x="0" y="31"/>
+                    <a:pt x="0" y="20"/>
+                  </a:cubicBezTo>
+                  <a:cubicBezTo>
+                    <a:pt x="0" y="9"/>
+                    <a:pt x="9" y="0"/>
+                    <a:pt x="20" y="0"/>
+                  </a:cubicBezTo>
+                  <a:cubicBezTo>
+                    <a:pt x="31" y="0"/>
+                    <a:pt x="40" y="9"/>
+                    <a:pt x="40" y="20"/>
+                  </a:cubicBezTo>
+                  <a:cubicBezTo>
+                    <a:pt x="40" y="31"/>
+                    <a:pt x="31" y="40"/>
+                    <a:pt x="20" y="40"/>
+                  </a:cubicBezTo>
+                  <a:close/>
+                  <a:moveTo>
+                    <a:pt x="20" y="4"/>
+                  </a:moveTo>
+                  <a:cubicBezTo>
+                    <a:pt x="11" y="4"/>
+                    <a:pt x="4" y="12"/>
+                    <a:pt x="4" y="20"/>
+                  </a:cubicBezTo>
+                  <a:cubicBezTo>
+                    <a:pt x="4" y="29"/>
+                    <a:pt x="11" y="36"/>
+                    <a:pt x="20" y="36"/>
+                  </a:cubicBezTo>
+                  <a:cubicBezTo>
+                    <a:pt x="29" y="36"/>
+                    <a:pt x="36" y="29"/>
+                    <a:pt x="36" y="20"/>
+                  </a:cubicBezTo>
+                  <a:cubicBezTo>
+                    <a:pt x="36" y="12"/>
+                    <a:pt x="29" y="4"/>
+                    <a:pt x="20" y="4"/>
+                  </a:cubicBezTo>
+                  <a:close/>
+                </a:path>
+              </a:pathLst>
+            </a:custGeom>
+            <a:grpFill/>
+            <a:ln>
+              <a:noFill/>
+            </a:ln>
+            <a:extLst>
+              <a:ext uri="{91240B29-F687-4f45-9708-019B960494DF}">
+                <a14:hiddenLine xmlns="" xmlns:a16="http://schemas.microsoft.com/office/drawing/2014/main" xmlns:a14="http://schemas.microsoft.com/office/drawing/2010/main" xmlns:p14="http://schemas.microsoft.com/office/powerpoint/2010/main" w="9525">
+                  <a:solidFill>
+                    <a:srgbClr val="000000"/>
+                  </a:solidFill>
+                  <a:round/>
+                  <a:headEnd/>
+                  <a:tailEnd/>
+                </a14:hiddenLine>
+              </a:ext>
+            </a:extLst>
+          </p:spPr>
+        </p:sp>
+        <p:sp>
+          <p:nvSpPr>
+            <p:cNvPr id="33" name="Freeform 21">
+              <a:extLst>
+                <a:ext uri="{FF2B5EF4-FFF2-40B4-BE49-F238E27FC236}">
+                  <a16:creationId xmlns:a16="http://schemas.microsoft.com/office/drawing/2014/main" id="{7BE7C3D8-CC9A-43FB-938C-8125D25B1BE4}"/>
+                </a:ext>
+                <a:ext uri="{C183D7F6-B498-43B3-948B-1728B52AA6E4}">
+                  <adec:decorative xmlns:adec="http://schemas.microsoft.com/office/drawing/2017/decorative" val="1"/>
+                </a:ext>
+              </a:extLst>
+            </p:cNvPr>
+            <p:cNvSpPr>
+              <a:spLocks noEditPoints="1"/>
+            </p:cNvSpPr>
+            <p:nvPr>
+              <p:extLst>
+                <p:ext uri="{386F3935-93C4-4BCD-93E2-E3B085C9AB24}">
+                  <p16:designElem xmlns:p16="http://schemas.microsoft.com/office/powerpoint/2015/main" val="1"/>
+                </p:ext>
+              </p:extLst>
+            </p:nvPr>
+          </p:nvSpPr>
+          <p:spPr bwMode="auto">
+            <a:xfrm>
+              <a:off x="890588" y="1554163"/>
+              <a:ext cx="190500" cy="190500"/>
+            </a:xfrm>
+            <a:custGeom>
+              <a:avLst/>
+              <a:gdLst/>
+              <a:ahLst/>
+              <a:cxnLst/>
+              <a:rect l="0" t="0" r="r" b="b"/>
+              <a:pathLst>
+                <a:path w="40" h="40">
+                  <a:moveTo>
+                    <a:pt x="20" y="40"/>
+                  </a:moveTo>
+                  <a:cubicBezTo>
+                    <a:pt x="9" y="40"/>
+                    <a:pt x="0" y="31"/>
+                    <a:pt x="0" y="20"/>
+                  </a:cubicBezTo>
+                  <a:cubicBezTo>
+                    <a:pt x="0" y="9"/>
+                    <a:pt x="9" y="0"/>
+                    <a:pt x="20" y="0"/>
+                  </a:cubicBezTo>
+                  <a:cubicBezTo>
+                    <a:pt x="31" y="0"/>
+                    <a:pt x="40" y="9"/>
+                    <a:pt x="40" y="20"/>
+                  </a:cubicBezTo>
+                  <a:cubicBezTo>
+                    <a:pt x="40" y="31"/>
+                    <a:pt x="31" y="40"/>
+                    <a:pt x="20" y="40"/>
+                  </a:cubicBezTo>
+                  <a:close/>
+                  <a:moveTo>
+                    <a:pt x="20" y="4"/>
+                  </a:moveTo>
+                  <a:cubicBezTo>
+                    <a:pt x="11" y="4"/>
+                    <a:pt x="4" y="11"/>
+                    <a:pt x="4" y="20"/>
+                  </a:cubicBezTo>
+                  <a:cubicBezTo>
+                    <a:pt x="4" y="28"/>
+                    <a:pt x="11" y="36"/>
+                    <a:pt x="20" y="36"/>
+                  </a:cubicBezTo>
+                  <a:cubicBezTo>
+                    <a:pt x="29" y="36"/>
+                    <a:pt x="36" y="28"/>
+                    <a:pt x="36" y="20"/>
+                  </a:cubicBezTo>
+                  <a:cubicBezTo>
+                    <a:pt x="36" y="11"/>
+                    <a:pt x="29" y="4"/>
+                    <a:pt x="20" y="4"/>
+                  </a:cubicBezTo>
+                  <a:close/>
+                </a:path>
+              </a:pathLst>
+            </a:custGeom>
+            <a:grpFill/>
+            <a:ln>
+              <a:noFill/>
+            </a:ln>
+            <a:extLst>
+              <a:ext uri="{91240B29-F687-4f45-9708-019B960494DF}">
+                <a14:hiddenLine xmlns="" xmlns:a16="http://schemas.microsoft.com/office/drawing/2014/main" xmlns:a14="http://schemas.microsoft.com/office/drawing/2010/main" xmlns:p14="http://schemas.microsoft.com/office/powerpoint/2010/main" w="9525">
+                  <a:solidFill>
+                    <a:srgbClr val="000000"/>
+                  </a:solidFill>
+                  <a:round/>
+                  <a:headEnd/>
+                  <a:tailEnd/>
+                </a14:hiddenLine>
+              </a:ext>
+            </a:extLst>
+          </p:spPr>
+        </p:sp>
+        <p:sp>
+          <p:nvSpPr>
+            <p:cNvPr id="34" name="Freeform 22">
+              <a:extLst>
+                <a:ext uri="{FF2B5EF4-FFF2-40B4-BE49-F238E27FC236}">
+                  <a16:creationId xmlns:a16="http://schemas.microsoft.com/office/drawing/2014/main" id="{41ECB971-ADF8-48CB-A78C-166DDF6D9459}"/>
+                </a:ext>
+                <a:ext uri="{C183D7F6-B498-43B3-948B-1728B52AA6E4}">
+                  <adec:decorative xmlns:adec="http://schemas.microsoft.com/office/drawing/2017/decorative" val="1"/>
+                </a:ext>
+              </a:extLst>
+            </p:cNvPr>
+            <p:cNvSpPr/>
+            <p:nvPr>
+              <p:extLst>
+                <p:ext uri="{386F3935-93C4-4BCD-93E2-E3B085C9AB24}">
+                  <p16:designElem xmlns:p16="http://schemas.microsoft.com/office/powerpoint/2015/main" val="1"/>
+                </p:ext>
+              </p:extLst>
+            </p:nvPr>
+          </p:nvSpPr>
+          <p:spPr bwMode="auto">
+            <a:xfrm>
+              <a:off x="738188" y="5622925"/>
+              <a:ext cx="338138" cy="1216025"/>
+            </a:xfrm>
+            <a:custGeom>
+              <a:avLst/>
+              <a:gdLst/>
+              <a:ahLst/>
+              <a:cxnLst/>
+              <a:rect l="0" t="0" r="r" b="b"/>
+              <a:pathLst>
+                <a:path w="213" h="766">
+                  <a:moveTo>
+                    <a:pt x="213" y="766"/>
+                  </a:moveTo>
+                  <a:lnTo>
+                    <a:pt x="195" y="766"/>
+                  </a:lnTo>
+                  <a:lnTo>
+                    <a:pt x="195" y="464"/>
+                  </a:lnTo>
+                  <a:lnTo>
+                    <a:pt x="0" y="6"/>
+                  </a:lnTo>
+                  <a:lnTo>
+                    <a:pt x="12" y="0"/>
+                  </a:lnTo>
+                  <a:lnTo>
+                    <a:pt x="213" y="461"/>
+                  </a:lnTo>
+                  <a:lnTo>
+                    <a:pt x="213" y="766"/>
+                  </a:lnTo>
+                  <a:close/>
+                </a:path>
+              </a:pathLst>
+            </a:custGeom>
+            <a:grpFill/>
+            <a:ln>
+              <a:noFill/>
+            </a:ln>
+            <a:extLst>
+              <a:ext uri="{91240B29-F687-4f45-9708-019B960494DF}">
+                <a14:hiddenLine xmlns="" xmlns:a16="http://schemas.microsoft.com/office/drawing/2014/main" xmlns:a14="http://schemas.microsoft.com/office/drawing/2010/main" xmlns:p14="http://schemas.microsoft.com/office/powerpoint/2010/main" w="9525">
+                  <a:solidFill>
+                    <a:srgbClr val="000000"/>
+                  </a:solidFill>
+                  <a:round/>
+                  <a:headEnd/>
+                  <a:tailEnd/>
+                </a14:hiddenLine>
+              </a:ext>
+            </a:extLst>
+          </p:spPr>
+        </p:sp>
+        <p:sp>
+          <p:nvSpPr>
+            <p:cNvPr id="35" name="Freeform 23">
+              <a:extLst>
+                <a:ext uri="{FF2B5EF4-FFF2-40B4-BE49-F238E27FC236}">
+                  <a16:creationId xmlns:a16="http://schemas.microsoft.com/office/drawing/2014/main" id="{2B8D398E-DB17-415A-B93E-DA60EE00EF6B}"/>
+                </a:ext>
+                <a:ext uri="{C183D7F6-B498-43B3-948B-1728B52AA6E4}">
+                  <adec:decorative xmlns:adec="http://schemas.microsoft.com/office/drawing/2017/decorative" val="1"/>
+                </a:ext>
+              </a:extLst>
+            </p:cNvPr>
+            <p:cNvSpPr>
+              <a:spLocks noEditPoints="1"/>
+            </p:cNvSpPr>
+            <p:nvPr>
+              <p:extLst>
+                <p:ext uri="{386F3935-93C4-4BCD-93E2-E3B085C9AB24}">
+                  <p16:designElem xmlns:p16="http://schemas.microsoft.com/office/powerpoint/2015/main" val="1"/>
+                </p:ext>
+              </p:extLst>
+            </p:nvPr>
+          </p:nvSpPr>
+          <p:spPr bwMode="auto">
+            <a:xfrm>
+              <a:off x="647700" y="5480050"/>
+              <a:ext cx="157163" cy="157163"/>
+            </a:xfrm>
+            <a:custGeom>
+              <a:avLst/>
+              <a:gdLst/>
+              <a:ahLst/>
+              <a:cxnLst/>
+              <a:rect l="0" t="0" r="r" b="b"/>
+              <a:pathLst>
+                <a:path w="33" h="33">
+                  <a:moveTo>
+                    <a:pt x="17" y="33"/>
+                  </a:moveTo>
+                  <a:cubicBezTo>
+                    <a:pt x="8" y="33"/>
+                    <a:pt x="0" y="26"/>
+                    <a:pt x="0" y="17"/>
+                  </a:cubicBezTo>
+                  <a:cubicBezTo>
+                    <a:pt x="0" y="8"/>
+                    <a:pt x="8" y="0"/>
+                    <a:pt x="17" y="0"/>
+                  </a:cubicBezTo>
+                  <a:cubicBezTo>
+                    <a:pt x="26" y="0"/>
+                    <a:pt x="33" y="8"/>
+                    <a:pt x="33" y="17"/>
+                  </a:cubicBezTo>
+                  <a:cubicBezTo>
+                    <a:pt x="33" y="26"/>
+                    <a:pt x="26" y="33"/>
+                    <a:pt x="17" y="33"/>
+                  </a:cubicBezTo>
+                  <a:close/>
+                  <a:moveTo>
+                    <a:pt x="17" y="4"/>
+                  </a:moveTo>
+                  <a:cubicBezTo>
+                    <a:pt x="10" y="4"/>
+                    <a:pt x="4" y="10"/>
+                    <a:pt x="4" y="17"/>
+                  </a:cubicBezTo>
+                  <a:cubicBezTo>
+                    <a:pt x="4" y="24"/>
+                    <a:pt x="10" y="29"/>
+                    <a:pt x="17" y="29"/>
+                  </a:cubicBezTo>
+                  <a:cubicBezTo>
+                    <a:pt x="23" y="29"/>
+                    <a:pt x="29" y="24"/>
+                    <a:pt x="29" y="17"/>
+                  </a:cubicBezTo>
+                  <a:cubicBezTo>
+                    <a:pt x="29" y="10"/>
+                    <a:pt x="23" y="4"/>
+                    <a:pt x="17" y="4"/>
+                  </a:cubicBezTo>
+                  <a:close/>
+                </a:path>
+              </a:pathLst>
+            </a:custGeom>
+            <a:grpFill/>
+            <a:ln>
+              <a:noFill/>
+            </a:ln>
+            <a:extLst>
+              <a:ext uri="{91240B29-F687-4f45-9708-019B960494DF}">
+                <a14:hiddenLine xmlns="" xmlns:a16="http://schemas.microsoft.com/office/drawing/2014/main" xmlns:a14="http://schemas.microsoft.com/office/drawing/2010/main" xmlns:p14="http://schemas.microsoft.com/office/powerpoint/2010/main" w="9525">
+                  <a:solidFill>
+                    <a:srgbClr val="000000"/>
+                  </a:solidFill>
+                  <a:round/>
+                  <a:headEnd/>
+                  <a:tailEnd/>
+                </a14:hiddenLine>
+              </a:ext>
+            </a:extLst>
+          </p:spPr>
+        </p:sp>
+        <p:sp>
+          <p:nvSpPr>
+            <p:cNvPr id="36" name="Freeform 24">
+              <a:extLst>
+                <a:ext uri="{FF2B5EF4-FFF2-40B4-BE49-F238E27FC236}">
+                  <a16:creationId xmlns:a16="http://schemas.microsoft.com/office/drawing/2014/main" id="{0A2B49D3-85EC-4DEA-BBB9-0CE7A2D16ED7}"/>
+                </a:ext>
+                <a:ext uri="{C183D7F6-B498-43B3-948B-1728B52AA6E4}">
+                  <adec:decorative xmlns:adec="http://schemas.microsoft.com/office/drawing/2017/decorative" val="1"/>
+                </a:ext>
+              </a:extLst>
+            </p:cNvPr>
+            <p:cNvSpPr>
+              <a:spLocks noEditPoints="1"/>
+            </p:cNvSpPr>
+            <p:nvPr>
+              <p:extLst>
+                <p:ext uri="{386F3935-93C4-4BCD-93E2-E3B085C9AB24}">
+                  <p16:designElem xmlns:p16="http://schemas.microsoft.com/office/powerpoint/2015/main" val="1"/>
+                </p:ext>
+              </p:extLst>
+            </p:nvPr>
+          </p:nvSpPr>
+          <p:spPr bwMode="auto">
+            <a:xfrm>
+              <a:off x="66675" y="903288"/>
+              <a:ext cx="190500" cy="190500"/>
+            </a:xfrm>
+            <a:custGeom>
+              <a:avLst/>
+              <a:gdLst/>
+              <a:ahLst/>
+              <a:cxnLst/>
+              <a:rect l="0" t="0" r="r" b="b"/>
+              <a:pathLst>
+                <a:path w="40" h="40">
+                  <a:moveTo>
+                    <a:pt x="20" y="40"/>
+                  </a:moveTo>
+                  <a:cubicBezTo>
+                    <a:pt x="9" y="40"/>
+                    <a:pt x="0" y="31"/>
+                    <a:pt x="0" y="20"/>
+                  </a:cubicBezTo>
+                  <a:cubicBezTo>
+                    <a:pt x="0" y="9"/>
+                    <a:pt x="9" y="0"/>
+                    <a:pt x="20" y="0"/>
+                  </a:cubicBezTo>
+                  <a:cubicBezTo>
+                    <a:pt x="32" y="0"/>
+                    <a:pt x="40" y="9"/>
+                    <a:pt x="40" y="20"/>
+                  </a:cubicBezTo>
+                  <a:cubicBezTo>
+                    <a:pt x="40" y="31"/>
+                    <a:pt x="32" y="40"/>
+                    <a:pt x="20" y="40"/>
+                  </a:cubicBezTo>
+                  <a:close/>
+                  <a:moveTo>
+                    <a:pt x="20" y="4"/>
+                  </a:moveTo>
+                  <a:cubicBezTo>
+                    <a:pt x="12" y="4"/>
+                    <a:pt x="4" y="12"/>
+                    <a:pt x="4" y="20"/>
+                  </a:cubicBezTo>
+                  <a:cubicBezTo>
+                    <a:pt x="4" y="29"/>
+                    <a:pt x="12" y="36"/>
+                    <a:pt x="20" y="36"/>
+                  </a:cubicBezTo>
+                  <a:cubicBezTo>
+                    <a:pt x="29" y="36"/>
+                    <a:pt x="36" y="29"/>
+                    <a:pt x="36" y="20"/>
+                  </a:cubicBezTo>
+                  <a:cubicBezTo>
+                    <a:pt x="36" y="12"/>
+                    <a:pt x="29" y="4"/>
+                    <a:pt x="20" y="4"/>
+                  </a:cubicBezTo>
+                  <a:close/>
+                </a:path>
+              </a:pathLst>
+            </a:custGeom>
+            <a:grpFill/>
+            <a:ln>
+              <a:noFill/>
+            </a:ln>
+            <a:extLst>
+              <a:ext uri="{91240B29-F687-4f45-9708-019B960494DF}">
+                <a14:hiddenLine xmlns="" xmlns:a16="http://schemas.microsoft.com/office/drawing/2014/main" xmlns:a14="http://schemas.microsoft.com/office/drawing/2010/main" xmlns:p14="http://schemas.microsoft.com/office/powerpoint/2010/main" w="9525">
+                  <a:solidFill>
+                    <a:srgbClr val="000000"/>
+                  </a:solidFill>
+                  <a:round/>
+                  <a:headEnd/>
+                  <a:tailEnd/>
+                </a14:hiddenLine>
+              </a:ext>
+            </a:extLst>
+          </p:spPr>
+        </p:sp>
+        <p:sp>
+          <p:nvSpPr>
+            <p:cNvPr id="37" name="Freeform 25">
+              <a:extLst>
+                <a:ext uri="{FF2B5EF4-FFF2-40B4-BE49-F238E27FC236}">
+                  <a16:creationId xmlns:a16="http://schemas.microsoft.com/office/drawing/2014/main" id="{E9F6B8E8-A133-4250-A247-BD82711918E3}"/>
+                </a:ext>
+                <a:ext uri="{C183D7F6-B498-43B3-948B-1728B52AA6E4}">
+                  <adec:decorative xmlns:adec="http://schemas.microsoft.com/office/drawing/2017/decorative" val="1"/>
+                </a:ext>
+              </a:extLst>
+            </p:cNvPr>
+            <p:cNvSpPr/>
+            <p:nvPr>
+              <p:extLst>
+                <p:ext uri="{386F3935-93C4-4BCD-93E2-E3B085C9AB24}">
+                  <p16:designElem xmlns:p16="http://schemas.microsoft.com/office/powerpoint/2015/main" val="1"/>
+                </p:ext>
+              </p:extLst>
+            </p:nvPr>
+          </p:nvSpPr>
+          <p:spPr bwMode="auto">
+            <a:xfrm>
+              <a:off x="0" y="3897313"/>
+              <a:ext cx="133350" cy="266700"/>
+            </a:xfrm>
+            <a:custGeom>
+              <a:avLst/>
+              <a:gdLst/>
+              <a:ahLst/>
+              <a:cxnLst/>
+              <a:rect l="0" t="0" r="r" b="b"/>
+              <a:pathLst>
+                <a:path w="84" h="168">
+                  <a:moveTo>
+                    <a:pt x="69" y="168"/>
+                  </a:moveTo>
+                  <a:lnTo>
+                    <a:pt x="0" y="6"/>
+                  </a:lnTo>
+                  <a:lnTo>
+                    <a:pt x="12" y="0"/>
+                  </a:lnTo>
+                  <a:lnTo>
+                    <a:pt x="84" y="162"/>
+                  </a:lnTo>
+                  <a:lnTo>
+                    <a:pt x="69" y="168"/>
+                  </a:lnTo>
+                  <a:close/>
+                </a:path>
+              </a:pathLst>
+            </a:custGeom>
+            <a:grpFill/>
+            <a:ln>
+              <a:noFill/>
+            </a:ln>
+            <a:extLst>
+              <a:ext uri="{91240B29-F687-4f45-9708-019B960494DF}">
+                <a14:hiddenLine xmlns="" xmlns:a16="http://schemas.microsoft.com/office/drawing/2014/main" xmlns:a14="http://schemas.microsoft.com/office/drawing/2010/main" xmlns:p14="http://schemas.microsoft.com/office/powerpoint/2010/main" w="9525">
+                  <a:solidFill>
+                    <a:srgbClr val="000000"/>
+                  </a:solidFill>
+                  <a:round/>
+                  <a:headEnd/>
+                  <a:tailEnd/>
+                </a14:hiddenLine>
+              </a:ext>
+            </a:extLst>
+          </p:spPr>
+        </p:sp>
+        <p:sp>
+          <p:nvSpPr>
+            <p:cNvPr id="38" name="Freeform 26">
+              <a:extLst>
+                <a:ext uri="{FF2B5EF4-FFF2-40B4-BE49-F238E27FC236}">
+                  <a16:creationId xmlns:a16="http://schemas.microsoft.com/office/drawing/2014/main" id="{8C5D839A-A5A2-4B72-80E4-ADB4F2F4701C}"/>
+                </a:ext>
+                <a:ext uri="{C183D7F6-B498-43B3-948B-1728B52AA6E4}">
+                  <adec:decorative xmlns:adec="http://schemas.microsoft.com/office/drawing/2017/decorative" val="1"/>
+                </a:ext>
+              </a:extLst>
+            </p:cNvPr>
+            <p:cNvSpPr>
+              <a:spLocks noEditPoints="1"/>
+            </p:cNvSpPr>
+            <p:nvPr>
+              <p:extLst>
+                <p:ext uri="{386F3935-93C4-4BCD-93E2-E3B085C9AB24}">
+                  <p16:designElem xmlns:p16="http://schemas.microsoft.com/office/powerpoint/2015/main" val="1"/>
+                </p:ext>
+              </p:extLst>
+            </p:nvPr>
+          </p:nvSpPr>
+          <p:spPr bwMode="auto">
+            <a:xfrm>
+              <a:off x="66675" y="4149725"/>
+              <a:ext cx="190500" cy="188913"/>
+            </a:xfrm>
+            <a:custGeom>
+              <a:avLst/>
+              <a:gdLst/>
+              <a:ahLst/>
+              <a:cxnLst/>
+              <a:rect l="0" t="0" r="r" b="b"/>
+              <a:pathLst>
+                <a:path w="40" h="40">
+                  <a:moveTo>
+                    <a:pt x="20" y="40"/>
+                  </a:moveTo>
+                  <a:cubicBezTo>
+                    <a:pt x="9" y="40"/>
+                    <a:pt x="0" y="31"/>
+                    <a:pt x="0" y="20"/>
+                  </a:cubicBezTo>
+                  <a:cubicBezTo>
+                    <a:pt x="0" y="9"/>
+                    <a:pt x="9" y="0"/>
+                    <a:pt x="20" y="0"/>
+                  </a:cubicBezTo>
+                  <a:cubicBezTo>
+                    <a:pt x="31" y="0"/>
+                    <a:pt x="40" y="9"/>
+                    <a:pt x="40" y="20"/>
+                  </a:cubicBezTo>
+                  <a:cubicBezTo>
+                    <a:pt x="40" y="31"/>
+                    <a:pt x="31" y="40"/>
+                    <a:pt x="20" y="40"/>
+                  </a:cubicBezTo>
+                  <a:close/>
+                  <a:moveTo>
+                    <a:pt x="20" y="4"/>
+                  </a:moveTo>
+                  <a:cubicBezTo>
+                    <a:pt x="11" y="4"/>
+                    <a:pt x="4" y="11"/>
+                    <a:pt x="4" y="20"/>
+                  </a:cubicBezTo>
+                  <a:cubicBezTo>
+                    <a:pt x="4" y="28"/>
+                    <a:pt x="11" y="36"/>
+                    <a:pt x="20" y="36"/>
+                  </a:cubicBezTo>
+                  <a:cubicBezTo>
+                    <a:pt x="29" y="36"/>
+                    <a:pt x="36" y="28"/>
+                    <a:pt x="36" y="20"/>
+                  </a:cubicBezTo>
+                  <a:cubicBezTo>
+                    <a:pt x="36" y="11"/>
+                    <a:pt x="29" y="4"/>
+                    <a:pt x="20" y="4"/>
+                  </a:cubicBezTo>
+                  <a:close/>
+                </a:path>
+              </a:pathLst>
+            </a:custGeom>
+            <a:grpFill/>
+            <a:ln>
+              <a:noFill/>
+            </a:ln>
+            <a:extLst>
+              <a:ext uri="{91240B29-F687-4f45-9708-019B960494DF}">
+                <a14:hiddenLine xmlns="" xmlns:a16="http://schemas.microsoft.com/office/drawing/2014/main" xmlns:a14="http://schemas.microsoft.com/office/drawing/2010/main" xmlns:p14="http://schemas.microsoft.com/office/powerpoint/2010/main" w="9525">
+                  <a:solidFill>
+                    <a:srgbClr val="000000"/>
+                  </a:solidFill>
+                  <a:round/>
+                  <a:headEnd/>
+                  <a:tailEnd/>
+                </a14:hiddenLine>
+              </a:ext>
+            </a:extLst>
+          </p:spPr>
+        </p:sp>
+        <p:sp>
+          <p:nvSpPr>
+            <p:cNvPr id="39" name="Freeform 27">
+              <a:extLst>
+                <a:ext uri="{FF2B5EF4-FFF2-40B4-BE49-F238E27FC236}">
+                  <a16:creationId xmlns:a16="http://schemas.microsoft.com/office/drawing/2014/main" id="{1E66DD74-C5E3-4762-8F37-C7981591E196}"/>
+                </a:ext>
+                <a:ext uri="{C183D7F6-B498-43B3-948B-1728B52AA6E4}">
+                  <adec:decorative xmlns:adec="http://schemas.microsoft.com/office/drawing/2017/decorative" val="1"/>
+                </a:ext>
+              </a:extLst>
+            </p:cNvPr>
+            <p:cNvSpPr/>
+            <p:nvPr>
+              <p:extLst>
+                <p:ext uri="{386F3935-93C4-4BCD-93E2-E3B085C9AB24}">
+                  <p16:designElem xmlns:p16="http://schemas.microsoft.com/office/powerpoint/2015/main" val="1"/>
+                </p:ext>
+              </p:extLst>
+            </p:nvPr>
+          </p:nvSpPr>
+          <p:spPr bwMode="auto">
+            <a:xfrm>
+              <a:off x="0" y="1644650"/>
+              <a:ext cx="133350" cy="269875"/>
+            </a:xfrm>
+            <a:custGeom>
+              <a:avLst/>
+              <a:gdLst/>
+              <a:ahLst/>
+              <a:cxnLst/>
+              <a:rect l="0" t="0" r="r" b="b"/>
+              <a:pathLst>
+                <a:path w="84" h="170">
+                  <a:moveTo>
+                    <a:pt x="12" y="170"/>
+                  </a:moveTo>
+                  <a:lnTo>
+                    <a:pt x="0" y="164"/>
+                  </a:lnTo>
+                  <a:lnTo>
+                    <a:pt x="69" y="0"/>
+                  </a:lnTo>
+                  <a:lnTo>
+                    <a:pt x="84" y="6"/>
+                  </a:lnTo>
+                  <a:lnTo>
+                    <a:pt x="12" y="170"/>
+                  </a:lnTo>
+                  <a:close/>
+                </a:path>
+              </a:pathLst>
+            </a:custGeom>
+            <a:grpFill/>
+            <a:ln>
+              <a:noFill/>
+            </a:ln>
+            <a:extLst>
+              <a:ext uri="{91240B29-F687-4f45-9708-019B960494DF}">
+                <a14:hiddenLine xmlns="" xmlns:a16="http://schemas.microsoft.com/office/drawing/2014/main" xmlns:a14="http://schemas.microsoft.com/office/drawing/2010/main" xmlns:p14="http://schemas.microsoft.com/office/powerpoint/2010/main" w="9525">
+                  <a:solidFill>
+                    <a:srgbClr val="000000"/>
+                  </a:solidFill>
+                  <a:round/>
+                  <a:headEnd/>
+                  <a:tailEnd/>
+                </a14:hiddenLine>
+              </a:ext>
+            </a:extLst>
+          </p:spPr>
+        </p:sp>
+        <p:sp>
+          <p:nvSpPr>
+            <p:cNvPr id="40" name="Freeform 28">
+              <a:extLst>
+                <a:ext uri="{FF2B5EF4-FFF2-40B4-BE49-F238E27FC236}">
+                  <a16:creationId xmlns:a16="http://schemas.microsoft.com/office/drawing/2014/main" id="{42CBFCFF-60D3-49AD-8F8D-634480B7ADFD}"/>
+                </a:ext>
+                <a:ext uri="{C183D7F6-B498-43B3-948B-1728B52AA6E4}">
+                  <adec:decorative xmlns:adec="http://schemas.microsoft.com/office/drawing/2017/decorative" val="1"/>
+                </a:ext>
+              </a:extLst>
+            </p:cNvPr>
+            <p:cNvSpPr>
+              <a:spLocks noEditPoints="1"/>
+            </p:cNvSpPr>
+            <p:nvPr>
+              <p:extLst>
+                <p:ext uri="{386F3935-93C4-4BCD-93E2-E3B085C9AB24}">
+                  <p16:designElem xmlns:p16="http://schemas.microsoft.com/office/powerpoint/2015/main" val="1"/>
+                </p:ext>
+              </p:extLst>
+            </p:nvPr>
+          </p:nvSpPr>
+          <p:spPr bwMode="auto">
+            <a:xfrm>
+              <a:off x="66675" y="1468438"/>
+              <a:ext cx="190500" cy="190500"/>
+            </a:xfrm>
+            <a:custGeom>
+              <a:avLst/>
+              <a:gdLst/>
+              <a:ahLst/>
+              <a:cxnLst/>
+              <a:rect l="0" t="0" r="r" b="b"/>
+              <a:pathLst>
+                <a:path w="40" h="40">
+                  <a:moveTo>
+                    <a:pt x="20" y="40"/>
+                  </a:moveTo>
+                  <a:cubicBezTo>
+                    <a:pt x="9" y="40"/>
+                    <a:pt x="0" y="31"/>
+                    <a:pt x="0" y="20"/>
+                  </a:cubicBezTo>
+                  <a:cubicBezTo>
+                    <a:pt x="0" y="9"/>
+                    <a:pt x="9" y="0"/>
+                    <a:pt x="20" y="0"/>
+                  </a:cubicBezTo>
+                  <a:cubicBezTo>
+                    <a:pt x="31" y="0"/>
+                    <a:pt x="40" y="9"/>
+                    <a:pt x="40" y="20"/>
+                  </a:cubicBezTo>
+                  <a:cubicBezTo>
+                    <a:pt x="40" y="31"/>
+                    <a:pt x="31" y="40"/>
+                    <a:pt x="20" y="40"/>
+                  </a:cubicBezTo>
+                  <a:close/>
+                  <a:moveTo>
+                    <a:pt x="20" y="4"/>
+                  </a:moveTo>
+                  <a:cubicBezTo>
+                    <a:pt x="11" y="4"/>
+                    <a:pt x="4" y="11"/>
+                    <a:pt x="4" y="20"/>
+                  </a:cubicBezTo>
+                  <a:cubicBezTo>
+                    <a:pt x="4" y="28"/>
+                    <a:pt x="11" y="36"/>
+                    <a:pt x="20" y="36"/>
+                  </a:cubicBezTo>
+                  <a:cubicBezTo>
+                    <a:pt x="29" y="36"/>
+                    <a:pt x="36" y="28"/>
+                    <a:pt x="36" y="20"/>
+                  </a:cubicBezTo>
+                  <a:cubicBezTo>
+                    <a:pt x="36" y="11"/>
+                    <a:pt x="29" y="4"/>
+                    <a:pt x="20" y="4"/>
+                  </a:cubicBezTo>
+                  <a:close/>
+                </a:path>
+              </a:pathLst>
+            </a:custGeom>
+            <a:grpFill/>
+            <a:ln>
+              <a:noFill/>
+            </a:ln>
+            <a:extLst>
+              <a:ext uri="{91240B29-F687-4f45-9708-019B960494DF}">
+                <a14:hiddenLine xmlns="" xmlns:a16="http://schemas.microsoft.com/office/drawing/2014/main" xmlns:a14="http://schemas.microsoft.com/office/drawing/2010/main" xmlns:p14="http://schemas.microsoft.com/office/powerpoint/2010/main" w="9525">
+                  <a:solidFill>
+                    <a:srgbClr val="000000"/>
+                  </a:solidFill>
+                  <a:round/>
+                  <a:headEnd/>
+                  <a:tailEnd/>
+                </a14:hiddenLine>
+              </a:ext>
+            </a:extLst>
+          </p:spPr>
+        </p:sp>
+        <p:sp>
+          <p:nvSpPr>
+            <p:cNvPr id="41" name="Freeform 29">
+              <a:extLst>
+                <a:ext uri="{FF2B5EF4-FFF2-40B4-BE49-F238E27FC236}">
+                  <a16:creationId xmlns:a16="http://schemas.microsoft.com/office/drawing/2014/main" id="{04E9448D-8796-4687-B7F3-B669D828493B}"/>
+                </a:ext>
+                <a:ext uri="{C183D7F6-B498-43B3-948B-1728B52AA6E4}">
+                  <adec:decorative xmlns:adec="http://schemas.microsoft.com/office/drawing/2017/decorative" val="1"/>
+                </a:ext>
+              </a:extLst>
+            </p:cNvPr>
+            <p:cNvSpPr/>
+            <p:nvPr>
+              <p:extLst>
+                <p:ext uri="{386F3935-93C4-4BCD-93E2-E3B085C9AB24}">
+                  <p16:designElem xmlns:p16="http://schemas.microsoft.com/office/powerpoint/2015/main" val="1"/>
+                </p:ext>
+              </p:extLst>
+            </p:nvPr>
+          </p:nvSpPr>
+          <p:spPr bwMode="auto">
+            <a:xfrm>
+              <a:off x="695325" y="4763"/>
+              <a:ext cx="309563" cy="1558925"/>
+            </a:xfrm>
+            <a:custGeom>
+              <a:avLst/>
+              <a:gdLst/>
+              <a:ahLst/>
+              <a:cxnLst/>
+              <a:rect l="0" t="0" r="r" b="b"/>
+              <a:pathLst>
+                <a:path w="195" h="982">
+                  <a:moveTo>
+                    <a:pt x="195" y="982"/>
+                  </a:moveTo>
+                  <a:lnTo>
+                    <a:pt x="177" y="982"/>
+                  </a:lnTo>
+                  <a:lnTo>
+                    <a:pt x="177" y="805"/>
+                  </a:lnTo>
+                  <a:lnTo>
+                    <a:pt x="0" y="629"/>
+                  </a:lnTo>
+                  <a:lnTo>
+                    <a:pt x="0" y="0"/>
+                  </a:lnTo>
+                  <a:lnTo>
+                    <a:pt x="18" y="0"/>
+                  </a:lnTo>
+                  <a:lnTo>
+                    <a:pt x="18" y="623"/>
+                  </a:lnTo>
+                  <a:lnTo>
+                    <a:pt x="195" y="796"/>
+                  </a:lnTo>
+                  <a:lnTo>
+                    <a:pt x="195" y="982"/>
+                  </a:lnTo>
+                  <a:close/>
+                </a:path>
+              </a:pathLst>
+            </a:custGeom>
+            <a:grpFill/>
+            <a:ln>
+              <a:noFill/>
+            </a:ln>
+            <a:extLst>
+              <a:ext uri="{91240B29-F687-4f45-9708-019B960494DF}">
+                <a14:hiddenLine xmlns="" xmlns:a16="http://schemas.microsoft.com/office/drawing/2014/main" xmlns:a14="http://schemas.microsoft.com/office/drawing/2010/main" xmlns:p14="http://schemas.microsoft.com/office/powerpoint/2010/main" w="9525">
+                  <a:solidFill>
+                    <a:srgbClr val="000000"/>
+                  </a:solidFill>
+                  <a:round/>
+                  <a:headEnd/>
+                  <a:tailEnd/>
+                </a14:hiddenLine>
+              </a:ext>
+            </a:extLst>
+          </p:spPr>
+        </p:sp>
+        <p:sp>
+          <p:nvSpPr>
+            <p:cNvPr id="42" name="Freeform 30">
+              <a:extLst>
+                <a:ext uri="{FF2B5EF4-FFF2-40B4-BE49-F238E27FC236}">
+                  <a16:creationId xmlns:a16="http://schemas.microsoft.com/office/drawing/2014/main" id="{C6D7D4E7-1C3B-488A-891B-B278DE0A0385}"/>
+                </a:ext>
+                <a:ext uri="{C183D7F6-B498-43B3-948B-1728B52AA6E4}">
+                  <adec:decorative xmlns:adec="http://schemas.microsoft.com/office/drawing/2017/decorative" val="1"/>
+                </a:ext>
+              </a:extLst>
+            </p:cNvPr>
+            <p:cNvSpPr>
+              <a:spLocks noEditPoints="1"/>
+            </p:cNvSpPr>
+            <p:nvPr>
+              <p:extLst>
+                <p:ext uri="{386F3935-93C4-4BCD-93E2-E3B085C9AB24}">
+                  <p16:designElem xmlns:p16="http://schemas.microsoft.com/office/powerpoint/2015/main" val="1"/>
+                </p:ext>
+              </p:extLst>
+            </p:nvPr>
+          </p:nvSpPr>
+          <p:spPr bwMode="auto">
+            <a:xfrm>
+              <a:off x="57150" y="4881563"/>
+              <a:ext cx="190500" cy="188913"/>
+            </a:xfrm>
+            <a:custGeom>
+              <a:avLst/>
+              <a:gdLst/>
+              <a:ahLst/>
+              <a:cxnLst/>
+              <a:rect l="0" t="0" r="r" b="b"/>
+              <a:pathLst>
+                <a:path w="40" h="40">
+                  <a:moveTo>
+                    <a:pt x="20" y="40"/>
+                  </a:moveTo>
+                  <a:cubicBezTo>
+                    <a:pt x="9" y="40"/>
+                    <a:pt x="0" y="31"/>
+                    <a:pt x="0" y="20"/>
+                  </a:cubicBezTo>
+                  <a:cubicBezTo>
+                    <a:pt x="0" y="9"/>
+                    <a:pt x="9" y="0"/>
+                    <a:pt x="20" y="0"/>
+                  </a:cubicBezTo>
+                  <a:cubicBezTo>
+                    <a:pt x="31" y="0"/>
+                    <a:pt x="40" y="9"/>
+                    <a:pt x="40" y="20"/>
+                  </a:cubicBezTo>
+                  <a:cubicBezTo>
+                    <a:pt x="40" y="31"/>
+                    <a:pt x="31" y="40"/>
+                    <a:pt x="20" y="40"/>
+                  </a:cubicBezTo>
+                  <a:close/>
+                  <a:moveTo>
+                    <a:pt x="20" y="4"/>
+                  </a:moveTo>
+                  <a:cubicBezTo>
+                    <a:pt x="12" y="4"/>
+                    <a:pt x="4" y="11"/>
+                    <a:pt x="4" y="20"/>
+                  </a:cubicBezTo>
+                  <a:cubicBezTo>
+                    <a:pt x="4" y="29"/>
+                    <a:pt x="12" y="36"/>
+                    <a:pt x="20" y="36"/>
+                  </a:cubicBezTo>
+                  <a:cubicBezTo>
+                    <a:pt x="29" y="36"/>
+                    <a:pt x="36" y="29"/>
+                    <a:pt x="36" y="20"/>
+                  </a:cubicBezTo>
+                  <a:cubicBezTo>
+                    <a:pt x="36" y="11"/>
+                    <a:pt x="29" y="4"/>
+                    <a:pt x="20" y="4"/>
+                  </a:cubicBezTo>
+                  <a:close/>
+                </a:path>
+              </a:pathLst>
+            </a:custGeom>
+            <a:grpFill/>
+            <a:ln>
+              <a:noFill/>
+            </a:ln>
+            <a:extLst>
+              <a:ext uri="{91240B29-F687-4f45-9708-019B960494DF}">
+                <a14:hiddenLine xmlns="" xmlns:a16="http://schemas.microsoft.com/office/drawing/2014/main" xmlns:a14="http://schemas.microsoft.com/office/drawing/2010/main" xmlns:p14="http://schemas.microsoft.com/office/powerpoint/2010/main" w="9525">
+                  <a:solidFill>
+                    <a:srgbClr val="000000"/>
+                  </a:solidFill>
+                  <a:round/>
+                  <a:headEnd/>
+                  <a:tailEnd/>
+                </a14:hiddenLine>
+              </a:ext>
+            </a:extLst>
+          </p:spPr>
+        </p:sp>
+        <p:sp>
+          <p:nvSpPr>
+            <p:cNvPr id="43" name="Freeform 31">
+              <a:extLst>
+                <a:ext uri="{FF2B5EF4-FFF2-40B4-BE49-F238E27FC236}">
+                  <a16:creationId xmlns:a16="http://schemas.microsoft.com/office/drawing/2014/main" id="{9A361889-2948-4D64-8FF8-69586FC72E30}"/>
+                </a:ext>
+                <a:ext uri="{C183D7F6-B498-43B3-948B-1728B52AA6E4}">
+                  <adec:decorative xmlns:adec="http://schemas.microsoft.com/office/drawing/2017/decorative" val="1"/>
+                </a:ext>
+              </a:extLst>
+            </p:cNvPr>
+            <p:cNvSpPr/>
+            <p:nvPr>
+              <p:extLst>
+                <p:ext uri="{386F3935-93C4-4BCD-93E2-E3B085C9AB24}">
+                  <p16:designElem xmlns:p16="http://schemas.microsoft.com/office/powerpoint/2015/main" val="1"/>
+                </p:ext>
+              </p:extLst>
+            </p:nvPr>
+          </p:nvSpPr>
+          <p:spPr bwMode="auto">
+            <a:xfrm>
+              <a:off x="138113" y="5060950"/>
+              <a:ext cx="304800" cy="1778000"/>
+            </a:xfrm>
+            <a:custGeom>
+              <a:avLst/>
+              <a:gdLst/>
+              <a:ahLst/>
+              <a:cxnLst/>
+              <a:rect l="0" t="0" r="r" b="b"/>
+              <a:pathLst>
+                <a:path w="192" h="1120">
+                  <a:moveTo>
+                    <a:pt x="192" y="1120"/>
+                  </a:moveTo>
+                  <a:lnTo>
+                    <a:pt x="177" y="1120"/>
+                  </a:lnTo>
+                  <a:lnTo>
+                    <a:pt x="177" y="360"/>
+                  </a:lnTo>
+                  <a:lnTo>
+                    <a:pt x="0" y="183"/>
+                  </a:lnTo>
+                  <a:lnTo>
+                    <a:pt x="0" y="0"/>
+                  </a:lnTo>
+                  <a:lnTo>
+                    <a:pt x="15" y="0"/>
+                  </a:lnTo>
+                  <a:lnTo>
+                    <a:pt x="15" y="177"/>
+                  </a:lnTo>
+                  <a:lnTo>
+                    <a:pt x="192" y="354"/>
+                  </a:lnTo>
+                  <a:lnTo>
+                    <a:pt x="192" y="1120"/>
+                  </a:lnTo>
+                  <a:close/>
+                </a:path>
+              </a:pathLst>
+            </a:custGeom>
+            <a:grpFill/>
+            <a:ln>
+              <a:noFill/>
+            </a:ln>
+            <a:extLst>
+              <a:ext uri="{91240B29-F687-4f45-9708-019B960494DF}">
+                <a14:hiddenLine xmlns="" xmlns:a16="http://schemas.microsoft.com/office/drawing/2014/main" xmlns:a14="http://schemas.microsoft.com/office/drawing/2010/main" xmlns:p14="http://schemas.microsoft.com/office/powerpoint/2010/main" w="9525">
+                  <a:solidFill>
+                    <a:srgbClr val="000000"/>
+                  </a:solidFill>
+                  <a:round/>
+                  <a:headEnd/>
+                  <a:tailEnd/>
+                </a14:hiddenLine>
+              </a:ext>
+            </a:extLst>
+          </p:spPr>
+        </p:sp>
+        <p:sp>
+          <p:nvSpPr>
+            <p:cNvPr id="44" name="Freeform 32">
+              <a:extLst>
+                <a:ext uri="{FF2B5EF4-FFF2-40B4-BE49-F238E27FC236}">
+                  <a16:creationId xmlns:a16="http://schemas.microsoft.com/office/drawing/2014/main" id="{502D653C-475F-42DD-B57D-A91633AA70D2}"/>
+                </a:ext>
+                <a:ext uri="{C183D7F6-B498-43B3-948B-1728B52AA6E4}">
+                  <adec:decorative xmlns:adec="http://schemas.microsoft.com/office/drawing/2017/decorative" val="1"/>
+                </a:ext>
+              </a:extLst>
+            </p:cNvPr>
+            <p:cNvSpPr>
+              <a:spLocks noEditPoints="1"/>
+            </p:cNvSpPr>
+            <p:nvPr>
+              <p:extLst>
+                <p:ext uri="{386F3935-93C4-4BCD-93E2-E3B085C9AB24}">
+                  <p16:designElem xmlns:p16="http://schemas.microsoft.com/office/powerpoint/2015/main" val="1"/>
+                </p:ext>
+              </p:extLst>
+            </p:nvPr>
+          </p:nvSpPr>
+          <p:spPr bwMode="auto">
+            <a:xfrm>
+              <a:off x="561975" y="6430963"/>
+              <a:ext cx="190500" cy="188913"/>
+            </a:xfrm>
+            <a:custGeom>
+              <a:avLst/>
+              <a:gdLst/>
+              <a:ahLst/>
+              <a:cxnLst/>
+              <a:rect l="0" t="0" r="r" b="b"/>
+              <a:pathLst>
+                <a:path w="40" h="40">
+                  <a:moveTo>
+                    <a:pt x="20" y="40"/>
+                  </a:moveTo>
+                  <a:cubicBezTo>
+                    <a:pt x="9" y="40"/>
+                    <a:pt x="0" y="31"/>
+                    <a:pt x="0" y="20"/>
+                  </a:cubicBezTo>
+                  <a:cubicBezTo>
+                    <a:pt x="0" y="9"/>
+                    <a:pt x="9" y="0"/>
+                    <a:pt x="20" y="0"/>
+                  </a:cubicBezTo>
+                  <a:cubicBezTo>
+                    <a:pt x="31" y="0"/>
+                    <a:pt x="40" y="9"/>
+                    <a:pt x="40" y="20"/>
+                  </a:cubicBezTo>
+                  <a:cubicBezTo>
+                    <a:pt x="40" y="31"/>
+                    <a:pt x="31" y="40"/>
+                    <a:pt x="20" y="40"/>
+                  </a:cubicBezTo>
+                  <a:close/>
+                  <a:moveTo>
+                    <a:pt x="20" y="4"/>
+                  </a:moveTo>
+                  <a:cubicBezTo>
+                    <a:pt x="12" y="4"/>
+                    <a:pt x="4" y="11"/>
+                    <a:pt x="4" y="20"/>
+                  </a:cubicBezTo>
+                  <a:cubicBezTo>
+                    <a:pt x="4" y="29"/>
+                    <a:pt x="12" y="36"/>
+                    <a:pt x="20" y="36"/>
+                  </a:cubicBezTo>
+                  <a:cubicBezTo>
+                    <a:pt x="29" y="36"/>
+                    <a:pt x="36" y="29"/>
+                    <a:pt x="36" y="20"/>
+                  </a:cubicBezTo>
+                  <a:cubicBezTo>
+                    <a:pt x="36" y="11"/>
+                    <a:pt x="29" y="4"/>
+                    <a:pt x="20" y="4"/>
+                  </a:cubicBezTo>
+                  <a:close/>
+                </a:path>
+              </a:pathLst>
+            </a:custGeom>
+            <a:grpFill/>
+            <a:ln>
+              <a:noFill/>
+            </a:ln>
+            <a:extLst>
+              <a:ext uri="{91240B29-F687-4f45-9708-019B960494DF}">
+                <a14:hiddenLine xmlns="" xmlns:a16="http://schemas.microsoft.com/office/drawing/2014/main" xmlns:a14="http://schemas.microsoft.com/office/drawing/2010/main" xmlns:p14="http://schemas.microsoft.com/office/powerpoint/2010/main" w="9525">
+                  <a:solidFill>
+                    <a:srgbClr val="000000"/>
+                  </a:solidFill>
+                  <a:round/>
+                  <a:headEnd/>
+                  <a:tailEnd/>
+                </a14:hiddenLine>
+              </a:ext>
+            </a:extLst>
+          </p:spPr>
+        </p:sp>
+        <p:sp>
+          <p:nvSpPr>
+            <p:cNvPr id="45" name="Rectangle 44">
+              <a:extLst>
+                <a:ext uri="{FF2B5EF4-FFF2-40B4-BE49-F238E27FC236}">
+                  <a16:creationId xmlns:a16="http://schemas.microsoft.com/office/drawing/2014/main" id="{AE41F9AF-C366-462E-BCA3-AB9B3BB21F8E}"/>
+                </a:ext>
+                <a:ext uri="{C183D7F6-B498-43B3-948B-1728B52AA6E4}">
+                  <adec:decorative xmlns:adec="http://schemas.microsoft.com/office/drawing/2017/decorative" val="1"/>
+                </a:ext>
+              </a:extLst>
+            </p:cNvPr>
+            <p:cNvSpPr>
+              <a:spLocks noChangeArrowheads="1"/>
+            </p:cNvSpPr>
+            <p:nvPr>
+              <p:extLst>
+                <p:ext uri="{386F3935-93C4-4BCD-93E2-E3B085C9AB24}">
+                  <p16:designElem xmlns:p16="http://schemas.microsoft.com/office/powerpoint/2015/main" val="1"/>
+                </p:ext>
+              </p:extLst>
+            </p:nvPr>
+          </p:nvSpPr>
+          <p:spPr bwMode="auto">
+            <a:xfrm>
+              <a:off x="642938" y="6610350"/>
+              <a:ext cx="23813" cy="242888"/>
+            </a:xfrm>
+            <a:prstGeom prst="rect">
+              <a:avLst/>
+            </a:prstGeom>
+            <a:grpFill/>
+            <a:ln>
+              <a:noFill/>
+            </a:ln>
+            <a:extLst>
+              <a:ext uri="{91240B29-F687-4f45-9708-019B960494DF}">
+                <a14:hiddenLine xmlns="" xmlns:a16="http://schemas.microsoft.com/office/drawing/2014/main" xmlns:a14="http://schemas.microsoft.com/office/drawing/2010/main" xmlns:p14="http://schemas.microsoft.com/office/powerpoint/2010/main" w="9525">
+                  <a:solidFill>
+                    <a:srgbClr val="000000"/>
+                  </a:solidFill>
+                  <a:miter lim="800000"/>
+                  <a:headEnd/>
+                  <a:tailEnd/>
+                </a14:hiddenLine>
+              </a:ext>
+            </a:extLst>
+          </p:spPr>
+        </p:sp>
+        <p:sp>
+          <p:nvSpPr>
+            <p:cNvPr id="46" name="Freeform 34">
+              <a:extLst>
+                <a:ext uri="{FF2B5EF4-FFF2-40B4-BE49-F238E27FC236}">
+                  <a16:creationId xmlns:a16="http://schemas.microsoft.com/office/drawing/2014/main" id="{DE7FA82A-E66F-46F3-BE37-61D6BA9EDAE2}"/>
+                </a:ext>
+                <a:ext uri="{C183D7F6-B498-43B3-948B-1728B52AA6E4}">
+                  <adec:decorative xmlns:adec="http://schemas.microsoft.com/office/drawing/2017/decorative" val="1"/>
+                </a:ext>
+              </a:extLst>
+            </p:cNvPr>
+            <p:cNvSpPr>
+              <a:spLocks noEditPoints="1"/>
+            </p:cNvSpPr>
+            <p:nvPr>
+              <p:extLst>
+                <p:ext uri="{386F3935-93C4-4BCD-93E2-E3B085C9AB24}">
+                  <p16:designElem xmlns:p16="http://schemas.microsoft.com/office/powerpoint/2015/main" val="1"/>
+                </p:ext>
+              </p:extLst>
+            </p:nvPr>
+          </p:nvSpPr>
+          <p:spPr bwMode="auto">
+            <a:xfrm>
+              <a:off x="76200" y="6430963"/>
+              <a:ext cx="190500" cy="188913"/>
+            </a:xfrm>
+            <a:custGeom>
+              <a:avLst/>
+              <a:gdLst/>
+              <a:ahLst/>
+              <a:cxnLst/>
+              <a:rect l="0" t="0" r="r" b="b"/>
+              <a:pathLst>
+                <a:path w="40" h="40">
+                  <a:moveTo>
+                    <a:pt x="20" y="40"/>
+                  </a:moveTo>
+                  <a:cubicBezTo>
+                    <a:pt x="9" y="40"/>
+                    <a:pt x="0" y="31"/>
+                    <a:pt x="0" y="20"/>
+                  </a:cubicBezTo>
+                  <a:cubicBezTo>
+                    <a:pt x="0" y="9"/>
+                    <a:pt x="9" y="0"/>
+                    <a:pt x="20" y="0"/>
+                  </a:cubicBezTo>
+                  <a:cubicBezTo>
+                    <a:pt x="32" y="0"/>
+                    <a:pt x="40" y="9"/>
+                    <a:pt x="40" y="20"/>
+                  </a:cubicBezTo>
+                  <a:cubicBezTo>
+                    <a:pt x="40" y="31"/>
+                    <a:pt x="32" y="40"/>
+                    <a:pt x="20" y="40"/>
+                  </a:cubicBezTo>
+                  <a:close/>
+                  <a:moveTo>
+                    <a:pt x="20" y="4"/>
+                  </a:moveTo>
+                  <a:cubicBezTo>
+                    <a:pt x="12" y="4"/>
+                    <a:pt x="4" y="11"/>
+                    <a:pt x="4" y="20"/>
+                  </a:cubicBezTo>
+                  <a:cubicBezTo>
+                    <a:pt x="4" y="29"/>
+                    <a:pt x="12" y="36"/>
+                    <a:pt x="20" y="36"/>
+                  </a:cubicBezTo>
+                  <a:cubicBezTo>
+                    <a:pt x="29" y="36"/>
+                    <a:pt x="36" y="29"/>
+                    <a:pt x="36" y="20"/>
+                  </a:cubicBezTo>
+                  <a:cubicBezTo>
+                    <a:pt x="36" y="11"/>
+                    <a:pt x="29" y="4"/>
+                    <a:pt x="20" y="4"/>
+                  </a:cubicBezTo>
+                  <a:close/>
+                </a:path>
+              </a:pathLst>
+            </a:custGeom>
+            <a:grpFill/>
+            <a:ln>
+              <a:noFill/>
+            </a:ln>
+            <a:extLst>
+              <a:ext uri="{91240B29-F687-4f45-9708-019B960494DF}">
+                <a14:hiddenLine xmlns="" xmlns:a16="http://schemas.microsoft.com/office/drawing/2014/main" xmlns:a14="http://schemas.microsoft.com/office/drawing/2010/main" xmlns:p14="http://schemas.microsoft.com/office/powerpoint/2010/main" w="9525">
+                  <a:solidFill>
+                    <a:srgbClr val="000000"/>
+                  </a:solidFill>
+                  <a:round/>
+                  <a:headEnd/>
+                  <a:tailEnd/>
+                </a14:hiddenLine>
+              </a:ext>
+            </a:extLst>
+          </p:spPr>
+        </p:sp>
+        <p:sp>
+          <p:nvSpPr>
+            <p:cNvPr id="47" name="Freeform 35">
+              <a:extLst>
+                <a:ext uri="{FF2B5EF4-FFF2-40B4-BE49-F238E27FC236}">
+                  <a16:creationId xmlns:a16="http://schemas.microsoft.com/office/drawing/2014/main" id="{10646D37-C2A3-4F20-8F6E-2D2A54B7C627}"/>
+                </a:ext>
+                <a:ext uri="{C183D7F6-B498-43B3-948B-1728B52AA6E4}">
+                  <adec:decorative xmlns:adec="http://schemas.microsoft.com/office/drawing/2017/decorative" val="1"/>
+                </a:ext>
+              </a:extLst>
+            </p:cNvPr>
+            <p:cNvSpPr/>
+            <p:nvPr>
+              <p:extLst>
+                <p:ext uri="{386F3935-93C4-4BCD-93E2-E3B085C9AB24}">
+                  <p16:designElem xmlns:p16="http://schemas.microsoft.com/office/powerpoint/2015/main" val="1"/>
+                </p:ext>
+              </p:extLst>
+            </p:nvPr>
+          </p:nvSpPr>
+          <p:spPr bwMode="auto">
+            <a:xfrm>
+              <a:off x="0" y="5978525"/>
+              <a:ext cx="190500" cy="461963"/>
+            </a:xfrm>
+            <a:custGeom>
+              <a:avLst/>
+              <a:gdLst/>
+              <a:ahLst/>
+              <a:cxnLst/>
+              <a:rect l="0" t="0" r="r" b="b"/>
+              <a:pathLst>
+                <a:path w="120" h="291">
+                  <a:moveTo>
+                    <a:pt x="120" y="291"/>
+                  </a:moveTo>
+                  <a:lnTo>
+                    <a:pt x="105" y="291"/>
+                  </a:lnTo>
+                  <a:lnTo>
+                    <a:pt x="105" y="114"/>
+                  </a:lnTo>
+                  <a:lnTo>
+                    <a:pt x="0" y="9"/>
+                  </a:lnTo>
+                  <a:lnTo>
+                    <a:pt x="12" y="0"/>
+                  </a:lnTo>
+                  <a:lnTo>
+                    <a:pt x="120" y="108"/>
+                  </a:lnTo>
+                  <a:lnTo>
+                    <a:pt x="120" y="291"/>
+                  </a:lnTo>
+                  <a:close/>
+                </a:path>
+              </a:pathLst>
+            </a:custGeom>
+            <a:grpFill/>
+            <a:ln>
+              <a:noFill/>
+            </a:ln>
+            <a:extLst>
+              <a:ext uri="{91240B29-F687-4f45-9708-019B960494DF}">
+                <a14:hiddenLine xmlns="" xmlns:a16="http://schemas.microsoft.com/office/drawing/2014/main" xmlns:a14="http://schemas.microsoft.com/office/drawing/2010/main" xmlns:p14="http://schemas.microsoft.com/office/powerpoint/2010/main" w="9525">
+                  <a:solidFill>
+                    <a:srgbClr val="000000"/>
+                  </a:solidFill>
+                  <a:round/>
+                  <a:headEnd/>
+                  <a:tailEnd/>
+                </a14:hiddenLine>
+              </a:ext>
+            </a:extLst>
+          </p:spPr>
+        </p:sp>
+        <p:sp>
+          <p:nvSpPr>
+            <p:cNvPr id="48" name="Freeform 36">
+              <a:extLst>
+                <a:ext uri="{FF2B5EF4-FFF2-40B4-BE49-F238E27FC236}">
+                  <a16:creationId xmlns:a16="http://schemas.microsoft.com/office/drawing/2014/main" id="{F0B484D8-05F9-4BB7-97D5-FF4ED4BE2F06}"/>
+                </a:ext>
+                <a:ext uri="{C183D7F6-B498-43B3-948B-1728B52AA6E4}">
+                  <adec:decorative xmlns:adec="http://schemas.microsoft.com/office/drawing/2017/decorative" val="1"/>
+                </a:ext>
+              </a:extLst>
+            </p:cNvPr>
+            <p:cNvSpPr/>
+            <p:nvPr>
+              <p:extLst>
+                <p:ext uri="{386F3935-93C4-4BCD-93E2-E3B085C9AB24}">
+                  <p16:designElem xmlns:p16="http://schemas.microsoft.com/office/powerpoint/2015/main" val="1"/>
+                </p:ext>
+              </p:extLst>
+            </p:nvPr>
+          </p:nvSpPr>
+          <p:spPr bwMode="auto">
+            <a:xfrm>
+              <a:off x="1014413" y="1801813"/>
+              <a:ext cx="214313" cy="755650"/>
+            </a:xfrm>
+            <a:custGeom>
+              <a:avLst/>
+              <a:gdLst/>
+              <a:ahLst/>
+              <a:cxnLst/>
+              <a:rect l="0" t="0" r="r" b="b"/>
+              <a:pathLst>
+                <a:path w="135" h="476">
+                  <a:moveTo>
+                    <a:pt x="12" y="476"/>
+                  </a:moveTo>
+                  <a:lnTo>
+                    <a:pt x="0" y="476"/>
+                  </a:lnTo>
+                  <a:lnTo>
+                    <a:pt x="0" y="128"/>
+                  </a:lnTo>
+                  <a:lnTo>
+                    <a:pt x="126" y="0"/>
+                  </a:lnTo>
+                  <a:lnTo>
+                    <a:pt x="135" y="9"/>
+                  </a:lnTo>
+                  <a:lnTo>
+                    <a:pt x="12" y="131"/>
+                  </a:lnTo>
+                  <a:lnTo>
+                    <a:pt x="12" y="476"/>
+                  </a:lnTo>
+                  <a:close/>
+                </a:path>
+              </a:pathLst>
+            </a:custGeom>
+            <a:grpFill/>
+            <a:ln>
+              <a:noFill/>
+            </a:ln>
+            <a:extLst>
+              <a:ext uri="{91240B29-F687-4f45-9708-019B960494DF}">
+                <a14:hiddenLine xmlns="" xmlns:a16="http://schemas.microsoft.com/office/drawing/2014/main" xmlns:a14="http://schemas.microsoft.com/office/drawing/2010/main" xmlns:p14="http://schemas.microsoft.com/office/powerpoint/2010/main" w="9525">
+                  <a:solidFill>
+                    <a:srgbClr val="000000"/>
+                  </a:solidFill>
+                  <a:round/>
+                  <a:headEnd/>
+                  <a:tailEnd/>
+                </a14:hiddenLine>
+              </a:ext>
+            </a:extLst>
+          </p:spPr>
+        </p:sp>
+        <p:sp>
+          <p:nvSpPr>
+            <p:cNvPr id="49" name="Freeform 37">
+              <a:extLst>
+                <a:ext uri="{FF2B5EF4-FFF2-40B4-BE49-F238E27FC236}">
+                  <a16:creationId xmlns:a16="http://schemas.microsoft.com/office/drawing/2014/main" id="{03F14E50-F3C1-4EFB-9251-BDEF30E051F1}"/>
+                </a:ext>
+                <a:ext uri="{C183D7F6-B498-43B3-948B-1728B52AA6E4}">
+                  <adec:decorative xmlns:adec="http://schemas.microsoft.com/office/drawing/2017/decorative" val="1"/>
+                </a:ext>
+              </a:extLst>
+            </p:cNvPr>
+            <p:cNvSpPr>
+              <a:spLocks noEditPoints="1"/>
+            </p:cNvSpPr>
+            <p:nvPr>
+              <p:extLst>
+                <p:ext uri="{386F3935-93C4-4BCD-93E2-E3B085C9AB24}">
+                  <p16:designElem xmlns:p16="http://schemas.microsoft.com/office/powerpoint/2015/main" val="1"/>
+                </p:ext>
+              </p:extLst>
+            </p:nvPr>
+          </p:nvSpPr>
+          <p:spPr bwMode="auto">
+            <a:xfrm>
+              <a:off x="938213" y="2547938"/>
+              <a:ext cx="166688" cy="160338"/>
+            </a:xfrm>
+            <a:custGeom>
+              <a:avLst/>
+              <a:gdLst/>
+              <a:ahLst/>
+              <a:cxnLst/>
+              <a:rect l="0" t="0" r="r" b="b"/>
+              <a:pathLst>
+                <a:path w="35" h="34">
+                  <a:moveTo>
+                    <a:pt x="18" y="34"/>
+                  </a:moveTo>
+                  <a:cubicBezTo>
+                    <a:pt x="8" y="34"/>
+                    <a:pt x="0" y="26"/>
+                    <a:pt x="0" y="17"/>
+                  </a:cubicBezTo>
+                  <a:cubicBezTo>
+                    <a:pt x="0" y="7"/>
+                    <a:pt x="8" y="0"/>
+                    <a:pt x="18" y="0"/>
+                  </a:cubicBezTo>
+                  <a:cubicBezTo>
+                    <a:pt x="27" y="0"/>
+                    <a:pt x="35" y="7"/>
+                    <a:pt x="35" y="17"/>
+                  </a:cubicBezTo>
+                  <a:cubicBezTo>
+                    <a:pt x="35" y="26"/>
+                    <a:pt x="27" y="34"/>
+                    <a:pt x="18" y="34"/>
+                  </a:cubicBezTo>
+                  <a:close/>
+                  <a:moveTo>
+                    <a:pt x="18" y="4"/>
+                  </a:moveTo>
+                  <a:cubicBezTo>
+                    <a:pt x="10" y="4"/>
+                    <a:pt x="4" y="10"/>
+                    <a:pt x="4" y="17"/>
+                  </a:cubicBezTo>
+                  <a:cubicBezTo>
+                    <a:pt x="4" y="24"/>
+                    <a:pt x="10" y="30"/>
+                    <a:pt x="18" y="30"/>
+                  </a:cubicBezTo>
+                  <a:cubicBezTo>
+                    <a:pt x="25" y="30"/>
+                    <a:pt x="31" y="24"/>
+                    <a:pt x="31" y="17"/>
+                  </a:cubicBezTo>
+                  <a:cubicBezTo>
+                    <a:pt x="31" y="10"/>
+                    <a:pt x="25" y="4"/>
+                    <a:pt x="18" y="4"/>
+                  </a:cubicBezTo>
+                  <a:close/>
+                </a:path>
+              </a:pathLst>
+            </a:custGeom>
+            <a:grpFill/>
+            <a:ln>
+              <a:noFill/>
+            </a:ln>
+            <a:extLst>
+              <a:ext uri="{91240B29-F687-4f45-9708-019B960494DF}">
+                <a14:hiddenLine xmlns="" xmlns:a16="http://schemas.microsoft.com/office/drawing/2014/main" xmlns:a14="http://schemas.microsoft.com/office/drawing/2010/main" xmlns:p14="http://schemas.microsoft.com/office/powerpoint/2010/main" w="9525">
+                  <a:solidFill>
+                    <a:srgbClr val="000000"/>
+                  </a:solidFill>
+                  <a:round/>
+                  <a:headEnd/>
+                  <a:tailEnd/>
+                </a14:hiddenLine>
+              </a:ext>
+            </a:extLst>
+          </p:spPr>
+        </p:sp>
+        <p:sp>
+          <p:nvSpPr>
+            <p:cNvPr id="50" name="Freeform 38">
+              <a:extLst>
+                <a:ext uri="{FF2B5EF4-FFF2-40B4-BE49-F238E27FC236}">
+                  <a16:creationId xmlns:a16="http://schemas.microsoft.com/office/drawing/2014/main" id="{B96CF9CA-5C40-428E-B9C1-CE897046BD72}"/>
+                </a:ext>
+                <a:ext uri="{C183D7F6-B498-43B3-948B-1728B52AA6E4}">
+                  <adec:decorative xmlns:adec="http://schemas.microsoft.com/office/drawing/2017/decorative" val="1"/>
+                </a:ext>
+              </a:extLst>
+            </p:cNvPr>
+            <p:cNvSpPr/>
+            <p:nvPr>
+              <p:extLst>
+                <p:ext uri="{386F3935-93C4-4BCD-93E2-E3B085C9AB24}">
+                  <p16:designElem xmlns:p16="http://schemas.microsoft.com/office/powerpoint/2015/main" val="1"/>
+                </p:ext>
+              </p:extLst>
+            </p:nvPr>
+          </p:nvSpPr>
+          <p:spPr bwMode="auto">
+            <a:xfrm>
+              <a:off x="595313" y="4763"/>
+              <a:ext cx="638175" cy="4025900"/>
+            </a:xfrm>
+            <a:custGeom>
+              <a:avLst/>
+              <a:gdLst/>
+              <a:ahLst/>
+              <a:cxnLst/>
+              <a:rect l="0" t="0" r="r" b="b"/>
+              <a:pathLst>
+                <a:path w="402" h="2536">
+                  <a:moveTo>
+                    <a:pt x="402" y="2536"/>
+                  </a:moveTo>
+                  <a:lnTo>
+                    <a:pt x="387" y="2536"/>
+                  </a:lnTo>
+                  <a:lnTo>
+                    <a:pt x="387" y="2311"/>
+                  </a:lnTo>
+                  <a:lnTo>
+                    <a:pt x="0" y="1925"/>
+                  </a:lnTo>
+                  <a:lnTo>
+                    <a:pt x="0" y="0"/>
+                  </a:lnTo>
+                  <a:lnTo>
+                    <a:pt x="15" y="0"/>
+                  </a:lnTo>
+                  <a:lnTo>
+                    <a:pt x="15" y="1916"/>
+                  </a:lnTo>
+                  <a:lnTo>
+                    <a:pt x="402" y="2302"/>
+                  </a:lnTo>
+                  <a:lnTo>
+                    <a:pt x="402" y="2536"/>
+                  </a:lnTo>
+                  <a:close/>
+                </a:path>
+              </a:pathLst>
+            </a:custGeom>
+            <a:grpFill/>
+            <a:ln>
+              <a:noFill/>
+            </a:ln>
+            <a:extLst>
+              <a:ext uri="{91240B29-F687-4f45-9708-019B960494DF}">
+                <a14:hiddenLine xmlns="" xmlns:a16="http://schemas.microsoft.com/office/drawing/2014/main" xmlns:a14="http://schemas.microsoft.com/office/drawing/2010/main" xmlns:p14="http://schemas.microsoft.com/office/powerpoint/2010/main" w="9525">
+                  <a:solidFill>
+                    <a:srgbClr val="000000"/>
+                  </a:solidFill>
+                  <a:round/>
+                  <a:headEnd/>
+                  <a:tailEnd/>
+                </a14:hiddenLine>
+              </a:ext>
+            </a:extLst>
+          </p:spPr>
+        </p:sp>
+        <p:sp>
+          <p:nvSpPr>
+            <p:cNvPr id="51" name="Freeform 39">
+              <a:extLst>
+                <a:ext uri="{FF2B5EF4-FFF2-40B4-BE49-F238E27FC236}">
+                  <a16:creationId xmlns:a16="http://schemas.microsoft.com/office/drawing/2014/main" id="{9C38B4E1-B1E5-4C84-AA06-E00827331335}"/>
+                </a:ext>
+                <a:ext uri="{C183D7F6-B498-43B3-948B-1728B52AA6E4}">
+                  <adec:decorative xmlns:adec="http://schemas.microsoft.com/office/drawing/2017/decorative" val="1"/>
+                </a:ext>
+              </a:extLst>
+            </p:cNvPr>
+            <p:cNvSpPr/>
+            <p:nvPr>
+              <p:extLst>
+                <p:ext uri="{386F3935-93C4-4BCD-93E2-E3B085C9AB24}">
+                  <p16:designElem xmlns:p16="http://schemas.microsoft.com/office/powerpoint/2015/main" val="1"/>
+                </p:ext>
+              </p:extLst>
+            </p:nvPr>
+          </p:nvSpPr>
+          <p:spPr bwMode="auto">
+            <a:xfrm>
+              <a:off x="1223963" y="1382713"/>
+              <a:ext cx="142875" cy="476250"/>
+            </a:xfrm>
+            <a:custGeom>
+              <a:avLst/>
+              <a:gdLst/>
+              <a:ahLst/>
+              <a:cxnLst/>
+              <a:rect l="0" t="0" r="r" b="b"/>
+              <a:pathLst>
+                <a:path w="90" h="300">
+                  <a:moveTo>
+                    <a:pt x="90" y="300"/>
+                  </a:moveTo>
+                  <a:lnTo>
+                    <a:pt x="78" y="300"/>
+                  </a:lnTo>
+                  <a:lnTo>
+                    <a:pt x="78" y="84"/>
+                  </a:lnTo>
+                  <a:lnTo>
+                    <a:pt x="0" y="9"/>
+                  </a:lnTo>
+                  <a:lnTo>
+                    <a:pt x="9" y="0"/>
+                  </a:lnTo>
+                  <a:lnTo>
+                    <a:pt x="90" y="81"/>
+                  </a:lnTo>
+                  <a:lnTo>
+                    <a:pt x="90" y="300"/>
+                  </a:lnTo>
+                  <a:close/>
+                </a:path>
+              </a:pathLst>
+            </a:custGeom>
+            <a:grpFill/>
+            <a:ln>
+              <a:noFill/>
+            </a:ln>
+            <a:extLst>
+              <a:ext uri="{91240B29-F687-4f45-9708-019B960494DF}">
+                <a14:hiddenLine xmlns="" xmlns:a16="http://schemas.microsoft.com/office/drawing/2014/main" xmlns:a14="http://schemas.microsoft.com/office/drawing/2010/main" xmlns:p14="http://schemas.microsoft.com/office/powerpoint/2010/main" w="9525">
+                  <a:solidFill>
+                    <a:srgbClr val="000000"/>
+                  </a:solidFill>
+                  <a:round/>
+                  <a:headEnd/>
+                  <a:tailEnd/>
+                </a14:hiddenLine>
+              </a:ext>
+            </a:extLst>
+          </p:spPr>
+        </p:sp>
+        <p:sp>
+          <p:nvSpPr>
+            <p:cNvPr id="52" name="Freeform 40">
+              <a:extLst>
+                <a:ext uri="{FF2B5EF4-FFF2-40B4-BE49-F238E27FC236}">
+                  <a16:creationId xmlns:a16="http://schemas.microsoft.com/office/drawing/2014/main" id="{05D173AA-5B2D-4244-8430-44CD01EDA1C4}"/>
+                </a:ext>
+                <a:ext uri="{C183D7F6-B498-43B3-948B-1728B52AA6E4}">
+                  <adec:decorative xmlns:adec="http://schemas.microsoft.com/office/drawing/2017/decorative" val="1"/>
+                </a:ext>
+              </a:extLst>
+            </p:cNvPr>
+            <p:cNvSpPr>
+              <a:spLocks noEditPoints="1"/>
+            </p:cNvSpPr>
+            <p:nvPr>
+              <p:extLst>
+                <p:ext uri="{386F3935-93C4-4BCD-93E2-E3B085C9AB24}">
+                  <p16:designElem xmlns:p16="http://schemas.microsoft.com/office/powerpoint/2015/main" val="1"/>
+                </p:ext>
+              </p:extLst>
+            </p:nvPr>
+          </p:nvSpPr>
+          <p:spPr bwMode="auto">
+            <a:xfrm>
+              <a:off x="1300163" y="1849438"/>
+              <a:ext cx="109538" cy="107950"/>
+            </a:xfrm>
+            <a:custGeom>
+              <a:avLst/>
+              <a:gdLst/>
+              <a:ahLst/>
+              <a:cxnLst/>
+              <a:rect l="0" t="0" r="r" b="b"/>
+              <a:pathLst>
+                <a:path w="23" h="23">
+                  <a:moveTo>
+                    <a:pt x="12" y="23"/>
+                  </a:moveTo>
+                  <a:cubicBezTo>
+                    <a:pt x="5" y="23"/>
+                    <a:pt x="0" y="18"/>
+                    <a:pt x="0" y="12"/>
+                  </a:cubicBezTo>
+                  <a:cubicBezTo>
+                    <a:pt x="0" y="5"/>
+                    <a:pt x="5" y="0"/>
+                    <a:pt x="12" y="0"/>
+                  </a:cubicBezTo>
+                  <a:cubicBezTo>
+                    <a:pt x="18" y="0"/>
+                    <a:pt x="23" y="5"/>
+                    <a:pt x="23" y="12"/>
+                  </a:cubicBezTo>
+                  <a:cubicBezTo>
+                    <a:pt x="23" y="18"/>
+                    <a:pt x="18" y="23"/>
+                    <a:pt x="12" y="23"/>
+                  </a:cubicBezTo>
+                  <a:close/>
+                  <a:moveTo>
+                    <a:pt x="12" y="4"/>
+                  </a:moveTo>
+                  <a:cubicBezTo>
+                    <a:pt x="8" y="4"/>
+                    <a:pt x="4" y="8"/>
+                    <a:pt x="4" y="12"/>
+                  </a:cubicBezTo>
+                  <a:cubicBezTo>
+                    <a:pt x="4" y="16"/>
+                    <a:pt x="8" y="19"/>
+                    <a:pt x="12" y="19"/>
+                  </a:cubicBezTo>
+                  <a:cubicBezTo>
+                    <a:pt x="16" y="19"/>
+                    <a:pt x="19" y="16"/>
+                    <a:pt x="19" y="12"/>
+                  </a:cubicBezTo>
+                  <a:cubicBezTo>
+                    <a:pt x="19" y="8"/>
+                    <a:pt x="16" y="4"/>
+                    <a:pt x="12" y="4"/>
+                  </a:cubicBezTo>
+                  <a:close/>
+                </a:path>
+              </a:pathLst>
+            </a:custGeom>
+            <a:grpFill/>
+            <a:ln>
+              <a:noFill/>
+            </a:ln>
+            <a:extLst>
+              <a:ext uri="{91240B29-F687-4f45-9708-019B960494DF}">
+                <a14:hiddenLine xmlns="" xmlns:a16="http://schemas.microsoft.com/office/drawing/2014/main" xmlns:a14="http://schemas.microsoft.com/office/drawing/2010/main" xmlns:p14="http://schemas.microsoft.com/office/powerpoint/2010/main" w="9525">
+                  <a:solidFill>
+                    <a:srgbClr val="000000"/>
+                  </a:solidFill>
+                  <a:round/>
+                  <a:headEnd/>
+                  <a:tailEnd/>
+                </a14:hiddenLine>
+              </a:ext>
+            </a:extLst>
+          </p:spPr>
+        </p:sp>
+        <p:sp>
+          <p:nvSpPr>
+            <p:cNvPr id="53" name="Freeform 41">
+              <a:extLst>
+                <a:ext uri="{FF2B5EF4-FFF2-40B4-BE49-F238E27FC236}">
+                  <a16:creationId xmlns:a16="http://schemas.microsoft.com/office/drawing/2014/main" id="{82D98822-894A-496C-B32F-06DB6014D634}"/>
+                </a:ext>
+                <a:ext uri="{C183D7F6-B498-43B3-948B-1728B52AA6E4}">
+                  <adec:decorative xmlns:adec="http://schemas.microsoft.com/office/drawing/2017/decorative" val="1"/>
+                </a:ext>
+              </a:extLst>
+            </p:cNvPr>
+            <p:cNvSpPr/>
+            <p:nvPr>
+              <p:extLst>
+                <p:ext uri="{386F3935-93C4-4BCD-93E2-E3B085C9AB24}">
+                  <p16:designElem xmlns:p16="http://schemas.microsoft.com/office/powerpoint/2015/main" val="1"/>
+                </p:ext>
+              </p:extLst>
+            </p:nvPr>
+          </p:nvSpPr>
+          <p:spPr bwMode="auto">
+            <a:xfrm>
+              <a:off x="280988" y="3417888"/>
+              <a:ext cx="142875" cy="474663"/>
+            </a:xfrm>
+            <a:custGeom>
+              <a:avLst/>
+              <a:gdLst/>
+              <a:ahLst/>
+              <a:cxnLst/>
+              <a:rect l="0" t="0" r="r" b="b"/>
+              <a:pathLst>
+                <a:path w="90" h="299">
+                  <a:moveTo>
+                    <a:pt x="12" y="299"/>
+                  </a:moveTo>
+                  <a:lnTo>
+                    <a:pt x="0" y="299"/>
+                  </a:lnTo>
+                  <a:lnTo>
+                    <a:pt x="0" y="80"/>
+                  </a:lnTo>
+                  <a:lnTo>
+                    <a:pt x="81" y="0"/>
+                  </a:lnTo>
+                  <a:lnTo>
+                    <a:pt x="90" y="8"/>
+                  </a:lnTo>
+                  <a:lnTo>
+                    <a:pt x="12" y="83"/>
+                  </a:lnTo>
+                  <a:lnTo>
+                    <a:pt x="12" y="299"/>
+                  </a:lnTo>
+                  <a:close/>
+                </a:path>
+              </a:pathLst>
+            </a:custGeom>
+            <a:grpFill/>
+            <a:ln>
+              <a:noFill/>
+            </a:ln>
+            <a:extLst>
+              <a:ext uri="{91240B29-F687-4f45-9708-019B960494DF}">
+                <a14:hiddenLine xmlns="" xmlns:a16="http://schemas.microsoft.com/office/drawing/2014/main" xmlns:a14="http://schemas.microsoft.com/office/drawing/2010/main" xmlns:p14="http://schemas.microsoft.com/office/powerpoint/2010/main" w="9525">
+                  <a:solidFill>
+                    <a:srgbClr val="000000"/>
+                  </a:solidFill>
+                  <a:round/>
+                  <a:headEnd/>
+                  <a:tailEnd/>
+                </a14:hiddenLine>
+              </a:ext>
+            </a:extLst>
+          </p:spPr>
+        </p:sp>
+        <p:sp>
+          <p:nvSpPr>
+            <p:cNvPr id="54" name="Freeform 42">
+              <a:extLst>
+                <a:ext uri="{FF2B5EF4-FFF2-40B4-BE49-F238E27FC236}">
+                  <a16:creationId xmlns:a16="http://schemas.microsoft.com/office/drawing/2014/main" id="{1B432746-B63F-4BF0-871B-B482FFADAC44}"/>
+                </a:ext>
+                <a:ext uri="{C183D7F6-B498-43B3-948B-1728B52AA6E4}">
+                  <adec:decorative xmlns:adec="http://schemas.microsoft.com/office/drawing/2017/decorative" val="1"/>
+                </a:ext>
+              </a:extLst>
+            </p:cNvPr>
+            <p:cNvSpPr>
+              <a:spLocks noEditPoints="1"/>
+            </p:cNvSpPr>
+            <p:nvPr>
+              <p:extLst>
+                <p:ext uri="{386F3935-93C4-4BCD-93E2-E3B085C9AB24}">
+                  <p16:designElem xmlns:p16="http://schemas.microsoft.com/office/powerpoint/2015/main" val="1"/>
+                </p:ext>
+              </p:extLst>
+            </p:nvPr>
+          </p:nvSpPr>
+          <p:spPr bwMode="auto">
+            <a:xfrm>
+              <a:off x="238125" y="3883025"/>
+              <a:ext cx="109538" cy="109538"/>
+            </a:xfrm>
+            <a:custGeom>
+              <a:avLst/>
+              <a:gdLst/>
+              <a:ahLst/>
+              <a:cxnLst/>
+              <a:rect l="0" t="0" r="r" b="b"/>
+              <a:pathLst>
+                <a:path w="23" h="23">
+                  <a:moveTo>
+                    <a:pt x="11" y="23"/>
+                  </a:moveTo>
+                  <a:cubicBezTo>
+                    <a:pt x="5" y="23"/>
+                    <a:pt x="0" y="18"/>
+                    <a:pt x="0" y="12"/>
+                  </a:cubicBezTo>
+                  <a:cubicBezTo>
+                    <a:pt x="0" y="5"/>
+                    <a:pt x="5" y="0"/>
+                    <a:pt x="11" y="0"/>
+                  </a:cubicBezTo>
+                  <a:cubicBezTo>
+                    <a:pt x="17" y="0"/>
+                    <a:pt x="23" y="5"/>
+                    <a:pt x="23" y="12"/>
+                  </a:cubicBezTo>
+                  <a:cubicBezTo>
+                    <a:pt x="23" y="18"/>
+                    <a:pt x="17" y="23"/>
+                    <a:pt x="11" y="23"/>
+                  </a:cubicBezTo>
+                  <a:close/>
+                  <a:moveTo>
+                    <a:pt x="11" y="4"/>
+                  </a:moveTo>
+                  <a:cubicBezTo>
+                    <a:pt x="7" y="4"/>
+                    <a:pt x="4" y="8"/>
+                    <a:pt x="4" y="12"/>
+                  </a:cubicBezTo>
+                  <a:cubicBezTo>
+                    <a:pt x="4" y="16"/>
+                    <a:pt x="7" y="19"/>
+                    <a:pt x="11" y="19"/>
+                  </a:cubicBezTo>
+                  <a:cubicBezTo>
+                    <a:pt x="15" y="19"/>
+                    <a:pt x="19" y="16"/>
+                    <a:pt x="19" y="12"/>
+                  </a:cubicBezTo>
+                  <a:cubicBezTo>
+                    <a:pt x="19" y="8"/>
+                    <a:pt x="15" y="4"/>
+                    <a:pt x="11" y="4"/>
+                  </a:cubicBezTo>
+                  <a:close/>
+                </a:path>
+              </a:pathLst>
+            </a:custGeom>
+            <a:grpFill/>
+            <a:ln>
+              <a:noFill/>
+            </a:ln>
+            <a:extLst>
+              <a:ext uri="{91240B29-F687-4f45-9708-019B960494DF}">
+                <a14:hiddenLine xmlns="" xmlns:a16="http://schemas.microsoft.com/office/drawing/2014/main" xmlns:a14="http://schemas.microsoft.com/office/drawing/2010/main" xmlns:p14="http://schemas.microsoft.com/office/powerpoint/2010/main" w="9525">
+                  <a:solidFill>
+                    <a:srgbClr val="000000"/>
+                  </a:solidFill>
+                  <a:round/>
+                  <a:headEnd/>
+                  <a:tailEnd/>
+                </a14:hiddenLine>
+              </a:ext>
+            </a:extLst>
+          </p:spPr>
+        </p:sp>
+        <p:sp>
+          <p:nvSpPr>
+            <p:cNvPr id="55" name="Freeform 43">
+              <a:extLst>
+                <a:ext uri="{FF2B5EF4-FFF2-40B4-BE49-F238E27FC236}">
+                  <a16:creationId xmlns:a16="http://schemas.microsoft.com/office/drawing/2014/main" id="{AFD61CC4-F10D-4243-8F2C-EDBEDC63B9AA}"/>
+                </a:ext>
+                <a:ext uri="{C183D7F6-B498-43B3-948B-1728B52AA6E4}">
+                  <adec:decorative xmlns:adec="http://schemas.microsoft.com/office/drawing/2017/decorative" val="1"/>
+                </a:ext>
+              </a:extLst>
+            </p:cNvPr>
+            <p:cNvSpPr/>
+            <p:nvPr>
+              <p:extLst>
+                <p:ext uri="{386F3935-93C4-4BCD-93E2-E3B085C9AB24}">
+                  <p16:designElem xmlns:p16="http://schemas.microsoft.com/office/powerpoint/2015/main" val="1"/>
+                </p:ext>
+              </p:extLst>
+            </p:nvPr>
+          </p:nvSpPr>
+          <p:spPr bwMode="auto">
+            <a:xfrm>
+              <a:off x="4763" y="2166938"/>
+              <a:ext cx="114300" cy="452438"/>
+            </a:xfrm>
+            <a:custGeom>
+              <a:avLst/>
+              <a:gdLst/>
+              <a:ahLst/>
+              <a:cxnLst/>
+              <a:rect l="0" t="0" r="r" b="b"/>
+              <a:pathLst>
+                <a:path w="72" h="285">
+                  <a:moveTo>
+                    <a:pt x="6" y="285"/>
+                  </a:moveTo>
+                  <a:lnTo>
+                    <a:pt x="0" y="276"/>
+                  </a:lnTo>
+                  <a:lnTo>
+                    <a:pt x="60" y="216"/>
+                  </a:lnTo>
+                  <a:lnTo>
+                    <a:pt x="60" y="0"/>
+                  </a:lnTo>
+                  <a:lnTo>
+                    <a:pt x="72" y="0"/>
+                  </a:lnTo>
+                  <a:lnTo>
+                    <a:pt x="72" y="222"/>
+                  </a:lnTo>
+                  <a:lnTo>
+                    <a:pt x="6" y="285"/>
+                  </a:lnTo>
+                  <a:close/>
+                </a:path>
+              </a:pathLst>
+            </a:custGeom>
+            <a:grpFill/>
+            <a:ln>
+              <a:noFill/>
+            </a:ln>
+            <a:extLst>
+              <a:ext uri="{91240B29-F687-4f45-9708-019B960494DF}">
+                <a14:hiddenLine xmlns="" xmlns:a16="http://schemas.microsoft.com/office/drawing/2014/main" xmlns:a14="http://schemas.microsoft.com/office/drawing/2010/main" xmlns:p14="http://schemas.microsoft.com/office/powerpoint/2010/main" w="9525">
+                  <a:solidFill>
+                    <a:srgbClr val="000000"/>
+                  </a:solidFill>
+                  <a:round/>
+                  <a:headEnd/>
+                  <a:tailEnd/>
+                </a14:hiddenLine>
+              </a:ext>
+            </a:extLst>
+          </p:spPr>
+        </p:sp>
+        <p:sp>
+          <p:nvSpPr>
+            <p:cNvPr id="56" name="Freeform 44">
+              <a:extLst>
+                <a:ext uri="{FF2B5EF4-FFF2-40B4-BE49-F238E27FC236}">
+                  <a16:creationId xmlns:a16="http://schemas.microsoft.com/office/drawing/2014/main" id="{A9D33800-5C44-4D40-A048-3A7A5D1D5B2A}"/>
+                </a:ext>
+                <a:ext uri="{C183D7F6-B498-43B3-948B-1728B52AA6E4}">
+                  <adec:decorative xmlns:adec="http://schemas.microsoft.com/office/drawing/2017/decorative" val="1"/>
+                </a:ext>
+              </a:extLst>
+            </p:cNvPr>
+            <p:cNvSpPr>
+              <a:spLocks noEditPoints="1"/>
+            </p:cNvSpPr>
+            <p:nvPr>
+              <p:extLst>
+                <p:ext uri="{386F3935-93C4-4BCD-93E2-E3B085C9AB24}">
+                  <p16:designElem xmlns:p16="http://schemas.microsoft.com/office/powerpoint/2015/main" val="1"/>
+                </p:ext>
+              </p:extLst>
+            </p:nvPr>
+          </p:nvSpPr>
+          <p:spPr bwMode="auto">
+            <a:xfrm>
+              <a:off x="52388" y="2066925"/>
+              <a:ext cx="109538" cy="109538"/>
+            </a:xfrm>
+            <a:custGeom>
+              <a:avLst/>
+              <a:gdLst/>
+              <a:ahLst/>
+              <a:cxnLst/>
+              <a:rect l="0" t="0" r="r" b="b"/>
+              <a:pathLst>
+                <a:path w="23" h="23">
+                  <a:moveTo>
+                    <a:pt x="12" y="23"/>
+                  </a:moveTo>
+                  <a:cubicBezTo>
+                    <a:pt x="5" y="23"/>
+                    <a:pt x="0" y="18"/>
+                    <a:pt x="0" y="12"/>
+                  </a:cubicBezTo>
+                  <a:cubicBezTo>
+                    <a:pt x="0" y="5"/>
+                    <a:pt x="5" y="0"/>
+                    <a:pt x="12" y="0"/>
+                  </a:cubicBezTo>
+                  <a:cubicBezTo>
+                    <a:pt x="18" y="0"/>
+                    <a:pt x="23" y="5"/>
+                    <a:pt x="23" y="12"/>
+                  </a:cubicBezTo>
+                  <a:cubicBezTo>
+                    <a:pt x="23" y="18"/>
+                    <a:pt x="18" y="23"/>
+                    <a:pt x="12" y="23"/>
+                  </a:cubicBezTo>
+                  <a:close/>
+                  <a:moveTo>
+                    <a:pt x="12" y="4"/>
+                  </a:moveTo>
+                  <a:cubicBezTo>
+                    <a:pt x="8" y="4"/>
+                    <a:pt x="4" y="8"/>
+                    <a:pt x="4" y="12"/>
+                  </a:cubicBezTo>
+                  <a:cubicBezTo>
+                    <a:pt x="4" y="16"/>
+                    <a:pt x="8" y="19"/>
+                    <a:pt x="12" y="19"/>
+                  </a:cubicBezTo>
+                  <a:cubicBezTo>
+                    <a:pt x="16" y="19"/>
+                    <a:pt x="19" y="16"/>
+                    <a:pt x="19" y="12"/>
+                  </a:cubicBezTo>
+                  <a:cubicBezTo>
+                    <a:pt x="19" y="8"/>
+                    <a:pt x="16" y="4"/>
+                    <a:pt x="12" y="4"/>
+                  </a:cubicBezTo>
+                  <a:close/>
+                </a:path>
+              </a:pathLst>
+            </a:custGeom>
+            <a:grpFill/>
+            <a:ln>
+              <a:noFill/>
+            </a:ln>
+            <a:extLst>
+              <a:ext uri="{91240B29-F687-4f45-9708-019B960494DF}">
+                <a14:hiddenLine xmlns="" xmlns:a16="http://schemas.microsoft.com/office/drawing/2014/main" xmlns:a14="http://schemas.microsoft.com/office/drawing/2010/main" xmlns:p14="http://schemas.microsoft.com/office/powerpoint/2010/main" w="9525">
+                  <a:solidFill>
+                    <a:srgbClr val="000000"/>
+                  </a:solidFill>
+                  <a:round/>
+                  <a:headEnd/>
+                  <a:tailEnd/>
+                </a14:hiddenLine>
+              </a:ext>
+            </a:extLst>
+          </p:spPr>
+        </p:sp>
+        <p:sp>
+          <p:nvSpPr>
+            <p:cNvPr id="57" name="Rectangle 56">
+              <a:extLst>
+                <a:ext uri="{FF2B5EF4-FFF2-40B4-BE49-F238E27FC236}">
+                  <a16:creationId xmlns:a16="http://schemas.microsoft.com/office/drawing/2014/main" id="{7B0FE60E-0643-4AB3-B009-8B857A9B2358}"/>
+                </a:ext>
+                <a:ext uri="{C183D7F6-B498-43B3-948B-1728B52AA6E4}">
+                  <adec:decorative xmlns:adec="http://schemas.microsoft.com/office/drawing/2017/decorative" val="1"/>
+                </a:ext>
+              </a:extLst>
+            </p:cNvPr>
+            <p:cNvSpPr>
+              <a:spLocks noChangeArrowheads="1"/>
+            </p:cNvSpPr>
+            <p:nvPr>
+              <p:extLst>
+                <p:ext uri="{386F3935-93C4-4BCD-93E2-E3B085C9AB24}">
+                  <p16:designElem xmlns:p16="http://schemas.microsoft.com/office/powerpoint/2015/main" val="1"/>
+                </p:ext>
+              </p:extLst>
+            </p:nvPr>
+          </p:nvSpPr>
+          <p:spPr bwMode="auto">
+            <a:xfrm>
+              <a:off x="1228725" y="4662488"/>
+              <a:ext cx="23813" cy="2181225"/>
+            </a:xfrm>
+            <a:prstGeom prst="rect">
+              <a:avLst/>
+            </a:prstGeom>
+            <a:grpFill/>
+            <a:ln>
+              <a:noFill/>
+            </a:ln>
+            <a:extLst>
+              <a:ext uri="{91240B29-F687-4f45-9708-019B960494DF}">
+                <a14:hiddenLine xmlns="" xmlns:a16="http://schemas.microsoft.com/office/drawing/2014/main" xmlns:a14="http://schemas.microsoft.com/office/drawing/2010/main" xmlns:p14="http://schemas.microsoft.com/office/powerpoint/2010/main" w="9525">
+                  <a:solidFill>
+                    <a:srgbClr val="000000"/>
+                  </a:solidFill>
+                  <a:miter lim="800000"/>
+                  <a:headEnd/>
+                  <a:tailEnd/>
+                </a14:hiddenLine>
+              </a:ext>
+            </a:extLst>
+          </p:spPr>
+        </p:sp>
+        <p:sp>
+          <p:nvSpPr>
+            <p:cNvPr id="58" name="Freeform 46">
+              <a:extLst>
+                <a:ext uri="{FF2B5EF4-FFF2-40B4-BE49-F238E27FC236}">
+                  <a16:creationId xmlns:a16="http://schemas.microsoft.com/office/drawing/2014/main" id="{D4F681A9-E543-490E-8CD3-E87A823B693E}"/>
+                </a:ext>
+                <a:ext uri="{C183D7F6-B498-43B3-948B-1728B52AA6E4}">
+                  <adec:decorative xmlns:adec="http://schemas.microsoft.com/office/drawing/2017/decorative" val="1"/>
+                </a:ext>
+              </a:extLst>
+            </p:cNvPr>
+            <p:cNvSpPr/>
+            <p:nvPr>
+              <p:extLst>
+                <p:ext uri="{386F3935-93C4-4BCD-93E2-E3B085C9AB24}">
+                  <p16:designElem xmlns:p16="http://schemas.microsoft.com/office/powerpoint/2015/main" val="1"/>
+                </p:ext>
+              </p:extLst>
+            </p:nvPr>
+          </p:nvSpPr>
+          <p:spPr bwMode="auto">
+            <a:xfrm>
+              <a:off x="1319213" y="5041900"/>
+              <a:ext cx="371475" cy="1801813"/>
+            </a:xfrm>
+            <a:custGeom>
+              <a:avLst/>
+              <a:gdLst/>
+              <a:ahLst/>
+              <a:cxnLst/>
+              <a:rect l="0" t="0" r="r" b="b"/>
+              <a:pathLst>
+                <a:path w="234" h="1135">
+                  <a:moveTo>
+                    <a:pt x="15" y="1135"/>
+                  </a:moveTo>
+                  <a:lnTo>
+                    <a:pt x="0" y="1135"/>
+                  </a:lnTo>
+                  <a:lnTo>
+                    <a:pt x="0" y="515"/>
+                  </a:lnTo>
+                  <a:lnTo>
+                    <a:pt x="0" y="512"/>
+                  </a:lnTo>
+                  <a:lnTo>
+                    <a:pt x="219" y="0"/>
+                  </a:lnTo>
+                  <a:lnTo>
+                    <a:pt x="234" y="6"/>
+                  </a:lnTo>
+                  <a:lnTo>
+                    <a:pt x="15" y="518"/>
+                  </a:lnTo>
+                  <a:lnTo>
+                    <a:pt x="15" y="1135"/>
+                  </a:lnTo>
+                  <a:close/>
+                </a:path>
+              </a:pathLst>
+            </a:custGeom>
+            <a:grpFill/>
+            <a:ln>
+              <a:noFill/>
+            </a:ln>
+            <a:extLst>
+              <a:ext uri="{91240B29-F687-4f45-9708-019B960494DF}">
+                <a14:hiddenLine xmlns="" xmlns:a16="http://schemas.microsoft.com/office/drawing/2014/main" xmlns:a14="http://schemas.microsoft.com/office/drawing/2010/main" xmlns:p14="http://schemas.microsoft.com/office/powerpoint/2010/main" w="9525">
+                  <a:solidFill>
+                    <a:srgbClr val="000000"/>
+                  </a:solidFill>
+                  <a:round/>
+                  <a:headEnd/>
+                  <a:tailEnd/>
+                </a14:hiddenLine>
+              </a:ext>
+            </a:extLst>
+          </p:spPr>
+        </p:sp>
+        <p:sp>
+          <p:nvSpPr>
+            <p:cNvPr id="59" name="Freeform 47">
+              <a:extLst>
+                <a:ext uri="{FF2B5EF4-FFF2-40B4-BE49-F238E27FC236}">
+                  <a16:creationId xmlns:a16="http://schemas.microsoft.com/office/drawing/2014/main" id="{49283399-4EE4-4FD7-B3F0-F0CD376A6065}"/>
+                </a:ext>
+                <a:ext uri="{C183D7F6-B498-43B3-948B-1728B52AA6E4}">
+                  <adec:decorative xmlns:adec="http://schemas.microsoft.com/office/drawing/2017/decorative" val="1"/>
+                </a:ext>
+              </a:extLst>
+            </p:cNvPr>
+            <p:cNvSpPr>
+              <a:spLocks noEditPoints="1"/>
+            </p:cNvSpPr>
+            <p:nvPr>
+              <p:extLst>
+                <p:ext uri="{386F3935-93C4-4BCD-93E2-E3B085C9AB24}">
+                  <p16:designElem xmlns:p16="http://schemas.microsoft.com/office/powerpoint/2015/main" val="1"/>
+                </p:ext>
+              </p:extLst>
+            </p:nvPr>
+          </p:nvSpPr>
+          <p:spPr bwMode="auto">
+            <a:xfrm>
+              <a:off x="1147763" y="4481513"/>
+              <a:ext cx="190500" cy="190500"/>
+            </a:xfrm>
+            <a:custGeom>
+              <a:avLst/>
+              <a:gdLst/>
+              <a:ahLst/>
+              <a:cxnLst/>
+              <a:rect l="0" t="0" r="r" b="b"/>
+              <a:pathLst>
+                <a:path w="40" h="40">
+                  <a:moveTo>
+                    <a:pt x="20" y="40"/>
+                  </a:moveTo>
+                  <a:cubicBezTo>
+                    <a:pt x="9" y="40"/>
+                    <a:pt x="0" y="31"/>
+                    <a:pt x="0" y="20"/>
+                  </a:cubicBezTo>
+                  <a:cubicBezTo>
+                    <a:pt x="0" y="9"/>
+                    <a:pt x="9" y="0"/>
+                    <a:pt x="20" y="0"/>
+                  </a:cubicBezTo>
+                  <a:cubicBezTo>
+                    <a:pt x="31" y="0"/>
+                    <a:pt x="40" y="9"/>
+                    <a:pt x="40" y="20"/>
+                  </a:cubicBezTo>
+                  <a:cubicBezTo>
+                    <a:pt x="40" y="31"/>
+                    <a:pt x="31" y="40"/>
+                    <a:pt x="20" y="40"/>
+                  </a:cubicBezTo>
+                  <a:close/>
+                  <a:moveTo>
+                    <a:pt x="20" y="4"/>
+                  </a:moveTo>
+                  <a:cubicBezTo>
+                    <a:pt x="11" y="4"/>
+                    <a:pt x="4" y="11"/>
+                    <a:pt x="4" y="20"/>
+                  </a:cubicBezTo>
+                  <a:cubicBezTo>
+                    <a:pt x="4" y="29"/>
+                    <a:pt x="11" y="36"/>
+                    <a:pt x="20" y="36"/>
+                  </a:cubicBezTo>
+                  <a:cubicBezTo>
+                    <a:pt x="28" y="36"/>
+                    <a:pt x="36" y="29"/>
+                    <a:pt x="36" y="20"/>
+                  </a:cubicBezTo>
+                  <a:cubicBezTo>
+                    <a:pt x="36" y="11"/>
+                    <a:pt x="28" y="4"/>
+                    <a:pt x="20" y="4"/>
+                  </a:cubicBezTo>
+                  <a:close/>
+                </a:path>
+              </a:pathLst>
+            </a:custGeom>
+            <a:grpFill/>
+            <a:ln>
+              <a:noFill/>
+            </a:ln>
+            <a:extLst>
+              <a:ext uri="{91240B29-F687-4f45-9708-019B960494DF}">
+                <a14:hiddenLine xmlns="" xmlns:a16="http://schemas.microsoft.com/office/drawing/2014/main" xmlns:a14="http://schemas.microsoft.com/office/drawing/2010/main" xmlns:p14="http://schemas.microsoft.com/office/powerpoint/2010/main" w="9525">
+                  <a:solidFill>
+                    <a:srgbClr val="000000"/>
+                  </a:solidFill>
+                  <a:round/>
+                  <a:headEnd/>
+                  <a:tailEnd/>
+                </a14:hiddenLine>
+              </a:ext>
+            </a:extLst>
+          </p:spPr>
+        </p:sp>
+        <p:sp>
+          <p:nvSpPr>
+            <p:cNvPr id="60" name="Freeform 48">
+              <a:extLst>
+                <a:ext uri="{FF2B5EF4-FFF2-40B4-BE49-F238E27FC236}">
+                  <a16:creationId xmlns:a16="http://schemas.microsoft.com/office/drawing/2014/main" id="{338C3E08-CA77-4D8D-8271-7B0D5DA54F5C}"/>
+                </a:ext>
+                <a:ext uri="{C183D7F6-B498-43B3-948B-1728B52AA6E4}">
+                  <adec:decorative xmlns:adec="http://schemas.microsoft.com/office/drawing/2017/decorative" val="1"/>
+                </a:ext>
+              </a:extLst>
+            </p:cNvPr>
+            <p:cNvSpPr/>
+            <p:nvPr>
+              <p:extLst>
+                <p:ext uri="{386F3935-93C4-4BCD-93E2-E3B085C9AB24}">
+                  <p16:designElem xmlns:p16="http://schemas.microsoft.com/office/powerpoint/2015/main" val="1"/>
+                </p:ext>
+              </p:extLst>
+            </p:nvPr>
+          </p:nvSpPr>
+          <p:spPr bwMode="auto">
+            <a:xfrm>
+              <a:off x="819150" y="3983038"/>
+              <a:ext cx="347663" cy="2860675"/>
+            </a:xfrm>
+            <a:custGeom>
+              <a:avLst/>
+              <a:gdLst/>
+              <a:ahLst/>
+              <a:cxnLst/>
+              <a:rect l="0" t="0" r="r" b="b"/>
+              <a:pathLst>
+                <a:path w="219" h="1802">
+                  <a:moveTo>
+                    <a:pt x="219" y="1802"/>
+                  </a:moveTo>
+                  <a:lnTo>
+                    <a:pt x="201" y="1802"/>
+                  </a:lnTo>
+                  <a:lnTo>
+                    <a:pt x="201" y="1185"/>
+                  </a:lnTo>
+                  <a:lnTo>
+                    <a:pt x="0" y="3"/>
+                  </a:lnTo>
+                  <a:lnTo>
+                    <a:pt x="15" y="0"/>
+                  </a:lnTo>
+                  <a:lnTo>
+                    <a:pt x="219" y="1185"/>
+                  </a:lnTo>
+                  <a:lnTo>
+                    <a:pt x="219" y="1802"/>
+                  </a:lnTo>
+                  <a:close/>
+                </a:path>
+              </a:pathLst>
+            </a:custGeom>
+            <a:grpFill/>
+            <a:ln>
+              <a:noFill/>
+            </a:ln>
+            <a:extLst>
+              <a:ext uri="{91240B29-F687-4f45-9708-019B960494DF}">
+                <a14:hiddenLine xmlns="" xmlns:a16="http://schemas.microsoft.com/office/drawing/2014/main" xmlns:a14="http://schemas.microsoft.com/office/drawing/2010/main" xmlns:p14="http://schemas.microsoft.com/office/powerpoint/2010/main" w="9525">
+                  <a:solidFill>
+                    <a:srgbClr val="000000"/>
+                  </a:solidFill>
+                  <a:round/>
+                  <a:headEnd/>
+                  <a:tailEnd/>
+                </a14:hiddenLine>
+              </a:ext>
+            </a:extLst>
+          </p:spPr>
+        </p:sp>
+        <p:sp>
+          <p:nvSpPr>
+            <p:cNvPr id="61" name="Freeform 49">
+              <a:extLst>
+                <a:ext uri="{FF2B5EF4-FFF2-40B4-BE49-F238E27FC236}">
+                  <a16:creationId xmlns:a16="http://schemas.microsoft.com/office/drawing/2014/main" id="{BCEE46AD-ABD8-42D2-A88E-6C9B009BBF2C}"/>
+                </a:ext>
+                <a:ext uri="{C183D7F6-B498-43B3-948B-1728B52AA6E4}">
+                  <adec:decorative xmlns:adec="http://schemas.microsoft.com/office/drawing/2017/decorative" val="1"/>
+                </a:ext>
+              </a:extLst>
+            </p:cNvPr>
+            <p:cNvSpPr>
+              <a:spLocks noEditPoints="1"/>
+            </p:cNvSpPr>
+            <p:nvPr>
+              <p:extLst>
+                <p:ext uri="{386F3935-93C4-4BCD-93E2-E3B085C9AB24}">
+                  <p16:designElem xmlns:p16="http://schemas.microsoft.com/office/powerpoint/2015/main" val="1"/>
+                </p:ext>
+              </p:extLst>
+            </p:nvPr>
+          </p:nvSpPr>
+          <p:spPr bwMode="auto">
+            <a:xfrm>
+              <a:off x="728663" y="3806825"/>
+              <a:ext cx="190500" cy="190500"/>
+            </a:xfrm>
+            <a:custGeom>
+              <a:avLst/>
+              <a:gdLst/>
+              <a:ahLst/>
+              <a:cxnLst/>
+              <a:rect l="0" t="0" r="r" b="b"/>
+              <a:pathLst>
+                <a:path w="40" h="40">
+                  <a:moveTo>
+                    <a:pt x="20" y="40"/>
+                  </a:moveTo>
+                  <a:cubicBezTo>
+                    <a:pt x="9" y="40"/>
+                    <a:pt x="0" y="31"/>
+                    <a:pt x="0" y="20"/>
+                  </a:cubicBezTo>
+                  <a:cubicBezTo>
+                    <a:pt x="0" y="9"/>
+                    <a:pt x="9" y="0"/>
+                    <a:pt x="20" y="0"/>
+                  </a:cubicBezTo>
+                  <a:cubicBezTo>
+                    <a:pt x="31" y="0"/>
+                    <a:pt x="40" y="9"/>
+                    <a:pt x="40" y="20"/>
+                  </a:cubicBezTo>
+                  <a:cubicBezTo>
+                    <a:pt x="40" y="31"/>
+                    <a:pt x="31" y="40"/>
+                    <a:pt x="20" y="40"/>
+                  </a:cubicBezTo>
+                  <a:close/>
+                  <a:moveTo>
+                    <a:pt x="20" y="4"/>
+                  </a:moveTo>
+                  <a:cubicBezTo>
+                    <a:pt x="11" y="4"/>
+                    <a:pt x="4" y="11"/>
+                    <a:pt x="4" y="20"/>
+                  </a:cubicBezTo>
+                  <a:cubicBezTo>
+                    <a:pt x="4" y="28"/>
+                    <a:pt x="11" y="36"/>
+                    <a:pt x="20" y="36"/>
+                  </a:cubicBezTo>
+                  <a:cubicBezTo>
+                    <a:pt x="29" y="36"/>
+                    <a:pt x="36" y="28"/>
+                    <a:pt x="36" y="20"/>
+                  </a:cubicBezTo>
+                  <a:cubicBezTo>
+                    <a:pt x="36" y="11"/>
+                    <a:pt x="29" y="4"/>
+                    <a:pt x="20" y="4"/>
+                  </a:cubicBezTo>
+                  <a:close/>
+                </a:path>
+              </a:pathLst>
+            </a:custGeom>
+            <a:grpFill/>
+            <a:ln>
+              <a:noFill/>
+            </a:ln>
+            <a:extLst>
+              <a:ext uri="{91240B29-F687-4f45-9708-019B960494DF}">
+                <a14:hiddenLine xmlns="" xmlns:a16="http://schemas.microsoft.com/office/drawing/2014/main" xmlns:a14="http://schemas.microsoft.com/office/drawing/2010/main" xmlns:p14="http://schemas.microsoft.com/office/powerpoint/2010/main" w="9525">
+                  <a:solidFill>
+                    <a:srgbClr val="000000"/>
+                  </a:solidFill>
+                  <a:round/>
+                  <a:headEnd/>
+                  <a:tailEnd/>
+                </a14:hiddenLine>
+              </a:ext>
+            </a:extLst>
+          </p:spPr>
+        </p:sp>
+        <p:sp>
+          <p:nvSpPr>
+            <p:cNvPr id="62" name="Freeform 50">
+              <a:extLst>
+                <a:ext uri="{FF2B5EF4-FFF2-40B4-BE49-F238E27FC236}">
+                  <a16:creationId xmlns:a16="http://schemas.microsoft.com/office/drawing/2014/main" id="{76F66B20-4D5D-49D7-A33A-46749A156C9A}"/>
+                </a:ext>
+                <a:ext uri="{C183D7F6-B498-43B3-948B-1728B52AA6E4}">
+                  <adec:decorative xmlns:adec="http://schemas.microsoft.com/office/drawing/2017/decorative" val="1"/>
+                </a:ext>
+              </a:extLst>
+            </p:cNvPr>
+            <p:cNvSpPr>
+              <a:spLocks noEditPoints="1"/>
+            </p:cNvSpPr>
+            <p:nvPr>
+              <p:extLst>
+                <p:ext uri="{386F3935-93C4-4BCD-93E2-E3B085C9AB24}">
+                  <p16:designElem xmlns:p16="http://schemas.microsoft.com/office/powerpoint/2015/main" val="1"/>
+                </p:ext>
+              </p:extLst>
+            </p:nvPr>
+          </p:nvSpPr>
+          <p:spPr bwMode="auto">
+            <a:xfrm>
+              <a:off x="1624013" y="4867275"/>
+              <a:ext cx="190500" cy="188913"/>
+            </a:xfrm>
+            <a:custGeom>
+              <a:avLst/>
+              <a:gdLst/>
+              <a:ahLst/>
+              <a:cxnLst/>
+              <a:rect l="0" t="0" r="r" b="b"/>
+              <a:pathLst>
+                <a:path w="40" h="40">
+                  <a:moveTo>
+                    <a:pt x="20" y="40"/>
+                  </a:moveTo>
+                  <a:cubicBezTo>
+                    <a:pt x="9" y="40"/>
+                    <a:pt x="0" y="31"/>
+                    <a:pt x="0" y="20"/>
+                  </a:cubicBezTo>
+                  <a:cubicBezTo>
+                    <a:pt x="0" y="9"/>
+                    <a:pt x="9" y="0"/>
+                    <a:pt x="20" y="0"/>
+                  </a:cubicBezTo>
+                  <a:cubicBezTo>
+                    <a:pt x="31" y="0"/>
+                    <a:pt x="40" y="9"/>
+                    <a:pt x="40" y="20"/>
+                  </a:cubicBezTo>
+                  <a:cubicBezTo>
+                    <a:pt x="40" y="31"/>
+                    <a:pt x="31" y="40"/>
+                    <a:pt x="20" y="40"/>
+                  </a:cubicBezTo>
+                  <a:close/>
+                  <a:moveTo>
+                    <a:pt x="20" y="4"/>
+                  </a:moveTo>
+                  <a:cubicBezTo>
+                    <a:pt x="11" y="4"/>
+                    <a:pt x="4" y="11"/>
+                    <a:pt x="4" y="20"/>
+                  </a:cubicBezTo>
+                  <a:cubicBezTo>
+                    <a:pt x="4" y="29"/>
+                    <a:pt x="11" y="36"/>
+                    <a:pt x="20" y="36"/>
+                  </a:cubicBezTo>
+                  <a:cubicBezTo>
+                    <a:pt x="28" y="36"/>
+                    <a:pt x="36" y="29"/>
+                    <a:pt x="36" y="20"/>
+                  </a:cubicBezTo>
+                  <a:cubicBezTo>
+                    <a:pt x="36" y="11"/>
+                    <a:pt x="28" y="4"/>
+                    <a:pt x="20" y="4"/>
+                  </a:cubicBezTo>
+                  <a:close/>
+                </a:path>
+              </a:pathLst>
+            </a:custGeom>
+            <a:grpFill/>
+            <a:ln>
+              <a:noFill/>
+            </a:ln>
+            <a:extLst>
+              <a:ext uri="{91240B29-F687-4f45-9708-019B960494DF}">
+                <a14:hiddenLine xmlns="" xmlns:a16="http://schemas.microsoft.com/office/drawing/2014/main" xmlns:a14="http://schemas.microsoft.com/office/drawing/2010/main" xmlns:p14="http://schemas.microsoft.com/office/powerpoint/2010/main" w="9525">
+                  <a:solidFill>
+                    <a:srgbClr val="000000"/>
+                  </a:solidFill>
+                  <a:round/>
+                  <a:headEnd/>
+                  <a:tailEnd/>
+                </a14:hiddenLine>
+              </a:ext>
+            </a:extLst>
+          </p:spPr>
+        </p:sp>
+        <p:sp>
+          <p:nvSpPr>
+            <p:cNvPr id="63" name="Freeform 51">
+              <a:extLst>
+                <a:ext uri="{FF2B5EF4-FFF2-40B4-BE49-F238E27FC236}">
+                  <a16:creationId xmlns:a16="http://schemas.microsoft.com/office/drawing/2014/main" id="{3246E8BC-BF6E-4E1B-B6DE-7834CE5CA21C}"/>
+                </a:ext>
+                <a:ext uri="{C183D7F6-B498-43B3-948B-1728B52AA6E4}">
+                  <adec:decorative xmlns:adec="http://schemas.microsoft.com/office/drawing/2017/decorative" val="1"/>
+                </a:ext>
+              </a:extLst>
+            </p:cNvPr>
+            <p:cNvSpPr/>
+            <p:nvPr>
+              <p:extLst>
+                <p:ext uri="{386F3935-93C4-4BCD-93E2-E3B085C9AB24}">
+                  <p16:designElem xmlns:p16="http://schemas.microsoft.com/office/powerpoint/2015/main" val="1"/>
+                </p:ext>
+              </p:extLst>
+            </p:nvPr>
+          </p:nvSpPr>
+          <p:spPr bwMode="auto">
+            <a:xfrm>
+              <a:off x="1404938" y="5422900"/>
+              <a:ext cx="371475" cy="1425575"/>
+            </a:xfrm>
+            <a:custGeom>
+              <a:avLst/>
+              <a:gdLst/>
+              <a:ahLst/>
+              <a:cxnLst/>
+              <a:rect l="0" t="0" r="r" b="b"/>
+              <a:pathLst>
+                <a:path w="234" h="898">
+                  <a:moveTo>
+                    <a:pt x="18" y="898"/>
+                  </a:moveTo>
+                  <a:lnTo>
+                    <a:pt x="0" y="898"/>
+                  </a:lnTo>
+                  <a:lnTo>
+                    <a:pt x="0" y="515"/>
+                  </a:lnTo>
+                  <a:lnTo>
+                    <a:pt x="0" y="512"/>
+                  </a:lnTo>
+                  <a:lnTo>
+                    <a:pt x="222" y="0"/>
+                  </a:lnTo>
+                  <a:lnTo>
+                    <a:pt x="234" y="6"/>
+                  </a:lnTo>
+                  <a:lnTo>
+                    <a:pt x="18" y="518"/>
+                  </a:lnTo>
+                  <a:lnTo>
+                    <a:pt x="18" y="898"/>
+                  </a:lnTo>
+                  <a:close/>
+                </a:path>
+              </a:pathLst>
+            </a:custGeom>
+            <a:grpFill/>
+            <a:ln>
+              <a:noFill/>
+            </a:ln>
+            <a:extLst>
+              <a:ext uri="{91240B29-F687-4f45-9708-019B960494DF}">
+                <a14:hiddenLine xmlns="" xmlns:a16="http://schemas.microsoft.com/office/drawing/2014/main" xmlns:a14="http://schemas.microsoft.com/office/drawing/2010/main" xmlns:p14="http://schemas.microsoft.com/office/powerpoint/2010/main" w="9525">
+                  <a:solidFill>
+                    <a:srgbClr val="000000"/>
+                  </a:solidFill>
+                  <a:round/>
+                  <a:headEnd/>
+                  <a:tailEnd/>
+                </a14:hiddenLine>
+              </a:ext>
+            </a:extLst>
+          </p:spPr>
+        </p:sp>
+        <p:sp>
+          <p:nvSpPr>
+            <p:cNvPr id="64" name="Freeform 52">
+              <a:extLst>
+                <a:ext uri="{FF2B5EF4-FFF2-40B4-BE49-F238E27FC236}">
+                  <a16:creationId xmlns:a16="http://schemas.microsoft.com/office/drawing/2014/main" id="{D61636B0-9E03-4DDB-956A-57929A4DAC3F}"/>
+                </a:ext>
+                <a:ext uri="{C183D7F6-B498-43B3-948B-1728B52AA6E4}">
+                  <adec:decorative xmlns:adec="http://schemas.microsoft.com/office/drawing/2017/decorative" val="1"/>
+                </a:ext>
+              </a:extLst>
+            </p:cNvPr>
+            <p:cNvSpPr/>
+            <p:nvPr>
+              <p:extLst>
+                <p:ext uri="{386F3935-93C4-4BCD-93E2-E3B085C9AB24}">
+                  <p16:designElem xmlns:p16="http://schemas.microsoft.com/office/powerpoint/2015/main" val="1"/>
+                </p:ext>
+              </p:extLst>
+            </p:nvPr>
+          </p:nvSpPr>
+          <p:spPr bwMode="auto">
+            <a:xfrm>
+              <a:off x="1666875" y="5945188"/>
+              <a:ext cx="152400" cy="912813"/>
+            </a:xfrm>
+            <a:custGeom>
+              <a:avLst/>
+              <a:gdLst/>
+              <a:ahLst/>
+              <a:cxnLst/>
+              <a:rect l="0" t="0" r="r" b="b"/>
+              <a:pathLst>
+                <a:path w="96" h="575">
+                  <a:moveTo>
+                    <a:pt x="15" y="575"/>
+                  </a:moveTo>
+                  <a:lnTo>
+                    <a:pt x="0" y="569"/>
+                  </a:lnTo>
+                  <a:lnTo>
+                    <a:pt x="81" y="383"/>
+                  </a:lnTo>
+                  <a:lnTo>
+                    <a:pt x="81" y="0"/>
+                  </a:lnTo>
+                  <a:lnTo>
+                    <a:pt x="96" y="0"/>
+                  </a:lnTo>
+                  <a:lnTo>
+                    <a:pt x="96" y="386"/>
+                  </a:lnTo>
+                  <a:lnTo>
+                    <a:pt x="15" y="575"/>
+                  </a:lnTo>
+                  <a:close/>
+                </a:path>
+              </a:pathLst>
+            </a:custGeom>
+            <a:grpFill/>
+            <a:ln>
+              <a:noFill/>
+            </a:ln>
+            <a:extLst>
+              <a:ext uri="{91240B29-F687-4f45-9708-019B960494DF}">
+                <a14:hiddenLine xmlns="" xmlns:a16="http://schemas.microsoft.com/office/drawing/2014/main" xmlns:a14="http://schemas.microsoft.com/office/drawing/2010/main" xmlns:p14="http://schemas.microsoft.com/office/powerpoint/2010/main" w="9525">
+                  <a:solidFill>
+                    <a:srgbClr val="000000"/>
+                  </a:solidFill>
+                  <a:round/>
+                  <a:headEnd/>
+                  <a:tailEnd/>
+                </a14:hiddenLine>
+              </a:ext>
+            </a:extLst>
+          </p:spPr>
+        </p:sp>
+        <p:sp>
+          <p:nvSpPr>
+            <p:cNvPr id="65" name="Freeform 53">
+              <a:extLst>
+                <a:ext uri="{FF2B5EF4-FFF2-40B4-BE49-F238E27FC236}">
+                  <a16:creationId xmlns:a16="http://schemas.microsoft.com/office/drawing/2014/main" id="{150D2B7B-FD5D-4108-8637-D69673762CF5}"/>
+                </a:ext>
+                <a:ext uri="{C183D7F6-B498-43B3-948B-1728B52AA6E4}">
+                  <adec:decorative xmlns:adec="http://schemas.microsoft.com/office/drawing/2017/decorative" val="1"/>
+                </a:ext>
+              </a:extLst>
+            </p:cNvPr>
+            <p:cNvSpPr>
+              <a:spLocks noEditPoints="1"/>
+            </p:cNvSpPr>
+            <p:nvPr>
+              <p:extLst>
+                <p:ext uri="{386F3935-93C4-4BCD-93E2-E3B085C9AB24}">
+                  <p16:designElem xmlns:p16="http://schemas.microsoft.com/office/powerpoint/2015/main" val="1"/>
+                </p:ext>
+              </p:extLst>
+            </p:nvPr>
+          </p:nvSpPr>
+          <p:spPr bwMode="auto">
+            <a:xfrm>
+              <a:off x="1709738" y="5246688"/>
+              <a:ext cx="190500" cy="190500"/>
+            </a:xfrm>
+            <a:custGeom>
+              <a:avLst/>
+              <a:gdLst/>
+              <a:ahLst/>
+              <a:cxnLst/>
+              <a:rect l="0" t="0" r="r" b="b"/>
+              <a:pathLst>
+                <a:path w="40" h="40">
+                  <a:moveTo>
+                    <a:pt x="20" y="40"/>
+                  </a:moveTo>
+                  <a:cubicBezTo>
+                    <a:pt x="9" y="40"/>
+                    <a:pt x="0" y="31"/>
+                    <a:pt x="0" y="20"/>
+                  </a:cubicBezTo>
+                  <a:cubicBezTo>
+                    <a:pt x="0" y="9"/>
+                    <a:pt x="9" y="0"/>
+                    <a:pt x="20" y="0"/>
+                  </a:cubicBezTo>
+                  <a:cubicBezTo>
+                    <a:pt x="31" y="0"/>
+                    <a:pt x="40" y="9"/>
+                    <a:pt x="40" y="20"/>
+                  </a:cubicBezTo>
+                  <a:cubicBezTo>
+                    <a:pt x="40" y="31"/>
+                    <a:pt x="31" y="40"/>
+                    <a:pt x="20" y="40"/>
+                  </a:cubicBezTo>
+                  <a:close/>
+                  <a:moveTo>
+                    <a:pt x="20" y="4"/>
+                  </a:moveTo>
+                  <a:cubicBezTo>
+                    <a:pt x="11" y="4"/>
+                    <a:pt x="4" y="11"/>
+                    <a:pt x="4" y="20"/>
+                  </a:cubicBezTo>
+                  <a:cubicBezTo>
+                    <a:pt x="4" y="29"/>
+                    <a:pt x="11" y="36"/>
+                    <a:pt x="20" y="36"/>
+                  </a:cubicBezTo>
+                  <a:cubicBezTo>
+                    <a:pt x="29" y="36"/>
+                    <a:pt x="36" y="29"/>
+                    <a:pt x="36" y="20"/>
+                  </a:cubicBezTo>
+                  <a:cubicBezTo>
+                    <a:pt x="36" y="11"/>
+                    <a:pt x="29" y="4"/>
+                    <a:pt x="20" y="4"/>
+                  </a:cubicBezTo>
+                  <a:close/>
+                </a:path>
+              </a:pathLst>
+            </a:custGeom>
+            <a:grpFill/>
+            <a:ln>
+              <a:noFill/>
+            </a:ln>
+            <a:extLst>
+              <a:ext uri="{91240B29-F687-4f45-9708-019B960494DF}">
+                <a14:hiddenLine xmlns="" xmlns:a16="http://schemas.microsoft.com/office/drawing/2014/main" xmlns:a14="http://schemas.microsoft.com/office/drawing/2010/main" xmlns:p14="http://schemas.microsoft.com/office/powerpoint/2010/main" w="9525">
+                  <a:solidFill>
+                    <a:srgbClr val="000000"/>
+                  </a:solidFill>
+                  <a:round/>
+                  <a:headEnd/>
+                  <a:tailEnd/>
+                </a14:hiddenLine>
+              </a:ext>
+            </a:extLst>
+          </p:spPr>
+        </p:sp>
+        <p:sp>
+          <p:nvSpPr>
+            <p:cNvPr id="66" name="Freeform 54">
+              <a:extLst>
+                <a:ext uri="{FF2B5EF4-FFF2-40B4-BE49-F238E27FC236}">
+                  <a16:creationId xmlns:a16="http://schemas.microsoft.com/office/drawing/2014/main" id="{0A56D9FF-4177-416F-A8A5-B8C8B33CE2DB}"/>
+                </a:ext>
+                <a:ext uri="{C183D7F6-B498-43B3-948B-1728B52AA6E4}">
+                  <adec:decorative xmlns:adec="http://schemas.microsoft.com/office/drawing/2017/decorative" val="1"/>
+                </a:ext>
+              </a:extLst>
+            </p:cNvPr>
+            <p:cNvSpPr>
+              <a:spLocks noEditPoints="1"/>
+            </p:cNvSpPr>
+            <p:nvPr>
+              <p:extLst>
+                <p:ext uri="{386F3935-93C4-4BCD-93E2-E3B085C9AB24}">
+                  <p16:designElem xmlns:p16="http://schemas.microsoft.com/office/powerpoint/2015/main" val="1"/>
+                </p:ext>
+              </p:extLst>
+            </p:nvPr>
+          </p:nvSpPr>
+          <p:spPr bwMode="auto">
+            <a:xfrm>
+              <a:off x="1709738" y="5764213"/>
+              <a:ext cx="190500" cy="190500"/>
+            </a:xfrm>
+            <a:custGeom>
+              <a:avLst/>
+              <a:gdLst/>
+              <a:ahLst/>
+              <a:cxnLst/>
+              <a:rect l="0" t="0" r="r" b="b"/>
+              <a:pathLst>
+                <a:path w="40" h="40">
+                  <a:moveTo>
+                    <a:pt x="20" y="40"/>
+                  </a:moveTo>
+                  <a:cubicBezTo>
+                    <a:pt x="9" y="40"/>
+                    <a:pt x="0" y="31"/>
+                    <a:pt x="0" y="20"/>
+                  </a:cubicBezTo>
+                  <a:cubicBezTo>
+                    <a:pt x="0" y="9"/>
+                    <a:pt x="9" y="0"/>
+                    <a:pt x="20" y="0"/>
+                  </a:cubicBezTo>
+                  <a:cubicBezTo>
+                    <a:pt x="31" y="0"/>
+                    <a:pt x="40" y="9"/>
+                    <a:pt x="40" y="20"/>
+                  </a:cubicBezTo>
+                  <a:cubicBezTo>
+                    <a:pt x="40" y="31"/>
+                    <a:pt x="31" y="40"/>
+                    <a:pt x="20" y="40"/>
+                  </a:cubicBezTo>
+                  <a:close/>
+                  <a:moveTo>
+                    <a:pt x="20" y="4"/>
+                  </a:moveTo>
+                  <a:cubicBezTo>
+                    <a:pt x="11" y="4"/>
+                    <a:pt x="4" y="11"/>
+                    <a:pt x="4" y="20"/>
+                  </a:cubicBezTo>
+                  <a:cubicBezTo>
+                    <a:pt x="4" y="29"/>
+                    <a:pt x="11" y="36"/>
+                    <a:pt x="20" y="36"/>
+                  </a:cubicBezTo>
+                  <a:cubicBezTo>
+                    <a:pt x="29" y="36"/>
+                    <a:pt x="36" y="29"/>
+                    <a:pt x="36" y="20"/>
+                  </a:cubicBezTo>
+                  <a:cubicBezTo>
+                    <a:pt x="36" y="11"/>
+                    <a:pt x="29" y="4"/>
+                    <a:pt x="20" y="4"/>
+                  </a:cubicBezTo>
+                  <a:close/>
+                </a:path>
+              </a:pathLst>
+            </a:custGeom>
+            <a:grpFill/>
+            <a:ln>
+              <a:noFill/>
+            </a:ln>
+            <a:extLst>
+              <a:ext uri="{91240B29-F687-4f45-9708-019B960494DF}">
+                <a14:hiddenLine xmlns="" xmlns:a16="http://schemas.microsoft.com/office/drawing/2014/main" xmlns:a14="http://schemas.microsoft.com/office/drawing/2010/main" xmlns:p14="http://schemas.microsoft.com/office/powerpoint/2010/main" w="9525">
+                  <a:solidFill>
+                    <a:srgbClr val="000000"/>
+                  </a:solidFill>
+                  <a:round/>
+                  <a:headEnd/>
+                  <a:tailEnd/>
+                </a14:hiddenLine>
+              </a:ext>
+            </a:extLst>
+          </p:spPr>
+        </p:sp>
+        <p:sp>
+          <p:nvSpPr>
+            <p:cNvPr id="67" name="Freeform 55">
+              <a:extLst>
+                <a:ext uri="{FF2B5EF4-FFF2-40B4-BE49-F238E27FC236}">
+                  <a16:creationId xmlns:a16="http://schemas.microsoft.com/office/drawing/2014/main" id="{E7FFBC9E-D28A-4C56-8489-77CBC051CEC3}"/>
+                </a:ext>
+                <a:ext uri="{C183D7F6-B498-43B3-948B-1728B52AA6E4}">
+                  <adec:decorative xmlns:adec="http://schemas.microsoft.com/office/drawing/2017/decorative" val="1"/>
+                </a:ext>
+              </a:extLst>
+            </p:cNvPr>
+            <p:cNvSpPr/>
+            <p:nvPr>
+              <p:extLst>
+                <p:ext uri="{386F3935-93C4-4BCD-93E2-E3B085C9AB24}">
+                  <p16:designElem xmlns:p16="http://schemas.microsoft.com/office/powerpoint/2015/main" val="1"/>
+                </p:ext>
+              </p:extLst>
+            </p:nvPr>
+          </p:nvSpPr>
+          <p:spPr bwMode="auto">
+            <a:xfrm>
+              <a:off x="1766888" y="6330950"/>
+              <a:ext cx="419100" cy="527050"/>
+            </a:xfrm>
+            <a:custGeom>
+              <a:avLst/>
+              <a:gdLst/>
+              <a:ahLst/>
+              <a:cxnLst/>
+              <a:rect l="0" t="0" r="r" b="b"/>
+              <a:pathLst>
+                <a:path w="264" h="332">
+                  <a:moveTo>
+                    <a:pt x="12" y="332"/>
+                  </a:moveTo>
+                  <a:lnTo>
+                    <a:pt x="0" y="326"/>
+                  </a:lnTo>
+                  <a:lnTo>
+                    <a:pt x="45" y="206"/>
+                  </a:lnTo>
+                  <a:lnTo>
+                    <a:pt x="255" y="0"/>
+                  </a:lnTo>
+                  <a:lnTo>
+                    <a:pt x="264" y="12"/>
+                  </a:lnTo>
+                  <a:lnTo>
+                    <a:pt x="60" y="215"/>
+                  </a:lnTo>
+                  <a:lnTo>
+                    <a:pt x="12" y="332"/>
+                  </a:lnTo>
+                  <a:close/>
+                </a:path>
+              </a:pathLst>
+            </a:custGeom>
+            <a:grpFill/>
+            <a:ln>
+              <a:noFill/>
+            </a:ln>
+            <a:extLst>
+              <a:ext uri="{91240B29-F687-4f45-9708-019B960494DF}">
+                <a14:hiddenLine xmlns="" xmlns:a16="http://schemas.microsoft.com/office/drawing/2014/main" xmlns:a14="http://schemas.microsoft.com/office/drawing/2010/main" xmlns:p14="http://schemas.microsoft.com/office/powerpoint/2010/main" w="9525">
+                  <a:solidFill>
+                    <a:srgbClr val="000000"/>
+                  </a:solidFill>
+                  <a:round/>
+                  <a:headEnd/>
+                  <a:tailEnd/>
+                </a14:hiddenLine>
+              </a:ext>
+            </a:extLst>
+          </p:spPr>
+        </p:sp>
+        <p:sp>
+          <p:nvSpPr>
+            <p:cNvPr id="68" name="Freeform 56">
+              <a:extLst>
+                <a:ext uri="{FF2B5EF4-FFF2-40B4-BE49-F238E27FC236}">
+                  <a16:creationId xmlns:a16="http://schemas.microsoft.com/office/drawing/2014/main" id="{9D33B26A-F967-4863-AC3C-9972CD4D0AE7}"/>
+                </a:ext>
+                <a:ext uri="{C183D7F6-B498-43B3-948B-1728B52AA6E4}">
+                  <adec:decorative xmlns:adec="http://schemas.microsoft.com/office/drawing/2017/decorative" val="1"/>
+                </a:ext>
+              </a:extLst>
+            </p:cNvPr>
+            <p:cNvSpPr>
+              <a:spLocks noEditPoints="1"/>
+            </p:cNvSpPr>
+            <p:nvPr>
+              <p:extLst>
+                <p:ext uri="{386F3935-93C4-4BCD-93E2-E3B085C9AB24}">
+                  <p16:designElem xmlns:p16="http://schemas.microsoft.com/office/powerpoint/2015/main" val="1"/>
+                </p:ext>
+              </p:extLst>
+            </p:nvPr>
+          </p:nvSpPr>
+          <p:spPr bwMode="auto">
+            <a:xfrm>
+              <a:off x="2147888" y="6221413"/>
+              <a:ext cx="157163" cy="147638"/>
+            </a:xfrm>
+            <a:custGeom>
+              <a:avLst/>
+              <a:gdLst/>
+              <a:ahLst/>
+              <a:cxnLst/>
+              <a:rect l="0" t="0" r="r" b="b"/>
+              <a:pathLst>
+                <a:path w="33" h="31">
+                  <a:moveTo>
+                    <a:pt x="16" y="31"/>
+                  </a:moveTo>
+                  <a:cubicBezTo>
+                    <a:pt x="12" y="31"/>
+                    <a:pt x="8" y="29"/>
+                    <a:pt x="5" y="26"/>
+                  </a:cubicBezTo>
+                  <a:cubicBezTo>
+                    <a:pt x="2" y="24"/>
+                    <a:pt x="0" y="20"/>
+                    <a:pt x="0" y="15"/>
+                  </a:cubicBezTo>
+                  <a:cubicBezTo>
+                    <a:pt x="0" y="11"/>
+                    <a:pt x="2" y="7"/>
+                    <a:pt x="5" y="4"/>
+                  </a:cubicBezTo>
+                  <a:cubicBezTo>
+                    <a:pt x="8" y="1"/>
+                    <a:pt x="12" y="0"/>
+                    <a:pt x="16" y="0"/>
+                  </a:cubicBezTo>
+                  <a:cubicBezTo>
+                    <a:pt x="20" y="0"/>
+                    <a:pt x="24" y="1"/>
+                    <a:pt x="27" y="4"/>
+                  </a:cubicBezTo>
+                  <a:cubicBezTo>
+                    <a:pt x="33" y="10"/>
+                    <a:pt x="33" y="20"/>
+                    <a:pt x="27" y="26"/>
+                  </a:cubicBezTo>
+                  <a:cubicBezTo>
+                    <a:pt x="24" y="29"/>
+                    <a:pt x="20" y="31"/>
+                    <a:pt x="16" y="31"/>
+                  </a:cubicBezTo>
+                  <a:close/>
+                  <a:moveTo>
+                    <a:pt x="16" y="4"/>
+                  </a:moveTo>
+                  <a:cubicBezTo>
+                    <a:pt x="13" y="4"/>
+                    <a:pt x="10" y="5"/>
+                    <a:pt x="8" y="7"/>
+                  </a:cubicBezTo>
+                  <a:cubicBezTo>
+                    <a:pt x="6" y="9"/>
+                    <a:pt x="4" y="12"/>
+                    <a:pt x="4" y="15"/>
+                  </a:cubicBezTo>
+                  <a:cubicBezTo>
+                    <a:pt x="4" y="19"/>
+                    <a:pt x="6" y="21"/>
+                    <a:pt x="8" y="24"/>
+                  </a:cubicBezTo>
+                  <a:cubicBezTo>
+                    <a:pt x="10" y="26"/>
+                    <a:pt x="13" y="27"/>
+                    <a:pt x="16" y="27"/>
+                  </a:cubicBezTo>
+                  <a:cubicBezTo>
+                    <a:pt x="19" y="27"/>
+                    <a:pt x="22" y="26"/>
+                    <a:pt x="24" y="24"/>
+                  </a:cubicBezTo>
+                  <a:cubicBezTo>
+                    <a:pt x="29" y="19"/>
+                    <a:pt x="29" y="12"/>
+                    <a:pt x="24" y="7"/>
+                  </a:cubicBezTo>
+                  <a:cubicBezTo>
+                    <a:pt x="22" y="5"/>
+                    <a:pt x="19" y="4"/>
+                    <a:pt x="16" y="4"/>
+                  </a:cubicBezTo>
+                  <a:close/>
+                </a:path>
+              </a:pathLst>
+            </a:custGeom>
+            <a:grpFill/>
+            <a:ln>
+              <a:noFill/>
+            </a:ln>
+            <a:extLst>
+              <a:ext uri="{91240B29-F687-4f45-9708-019B960494DF}">
+                <a14:hiddenLine xmlns="" xmlns:a16="http://schemas.microsoft.com/office/drawing/2014/main" xmlns:a14="http://schemas.microsoft.com/office/drawing/2010/main" xmlns:p14="http://schemas.microsoft.com/office/powerpoint/2010/main" w="9525">
+                  <a:solidFill>
+                    <a:srgbClr val="000000"/>
+                  </a:solidFill>
+                  <a:round/>
+                  <a:headEnd/>
+                  <a:tailEnd/>
+                </a14:hiddenLine>
+              </a:ext>
+            </a:extLst>
+          </p:spPr>
+        </p:sp>
+        <p:sp>
+          <p:nvSpPr>
+            <p:cNvPr id="69" name="Freeform 57">
+              <a:extLst>
+                <a:ext uri="{FF2B5EF4-FFF2-40B4-BE49-F238E27FC236}">
+                  <a16:creationId xmlns:a16="http://schemas.microsoft.com/office/drawing/2014/main" id="{73ECA63D-D3C2-460B-A352-58A4B0718C50}"/>
+                </a:ext>
+                <a:ext uri="{C183D7F6-B498-43B3-948B-1728B52AA6E4}">
+                  <adec:decorative xmlns:adec="http://schemas.microsoft.com/office/drawing/2017/decorative" val="1"/>
+                </a:ext>
+              </a:extLst>
+            </p:cNvPr>
+            <p:cNvSpPr/>
+            <p:nvPr>
+              <p:extLst>
+                <p:ext uri="{386F3935-93C4-4BCD-93E2-E3B085C9AB24}">
+                  <p16:designElem xmlns:p16="http://schemas.microsoft.com/office/powerpoint/2015/main" val="1"/>
+                </p:ext>
+              </p:extLst>
+            </p:nvPr>
+          </p:nvSpPr>
+          <p:spPr bwMode="auto">
+            <a:xfrm>
+              <a:off x="504825" y="9525"/>
+              <a:ext cx="233363" cy="5103813"/>
+            </a:xfrm>
+            <a:custGeom>
+              <a:avLst/>
+              <a:gdLst/>
+              <a:ahLst/>
+              <a:cxnLst/>
+              <a:rect l="0" t="0" r="r" b="b"/>
+              <a:pathLst>
+                <a:path w="147" h="3215">
+                  <a:moveTo>
+                    <a:pt x="132" y="3215"/>
+                  </a:moveTo>
+                  <a:lnTo>
+                    <a:pt x="129" y="2754"/>
+                  </a:lnTo>
+                  <a:lnTo>
+                    <a:pt x="0" y="1901"/>
+                  </a:lnTo>
+                  <a:lnTo>
+                    <a:pt x="0" y="0"/>
+                  </a:lnTo>
+                  <a:lnTo>
+                    <a:pt x="15" y="0"/>
+                  </a:lnTo>
+                  <a:lnTo>
+                    <a:pt x="15" y="1898"/>
+                  </a:lnTo>
+                  <a:lnTo>
+                    <a:pt x="144" y="2754"/>
+                  </a:lnTo>
+                  <a:lnTo>
+                    <a:pt x="147" y="3215"/>
+                  </a:lnTo>
+                  <a:lnTo>
+                    <a:pt x="132" y="3215"/>
+                  </a:lnTo>
+                  <a:close/>
+                </a:path>
+              </a:pathLst>
+            </a:custGeom>
+            <a:grpFill/>
+            <a:ln>
+              <a:noFill/>
+            </a:ln>
+            <a:extLst>
+              <a:ext uri="{91240B29-F687-4f45-9708-019B960494DF}">
+                <a14:hiddenLine xmlns="" xmlns:a16="http://schemas.microsoft.com/office/drawing/2014/main" xmlns:a14="http://schemas.microsoft.com/office/drawing/2010/main" xmlns:p14="http://schemas.microsoft.com/office/powerpoint/2010/main" w="9525">
+                  <a:solidFill>
+                    <a:srgbClr val="000000"/>
+                  </a:solidFill>
+                  <a:round/>
+                  <a:headEnd/>
+                  <a:tailEnd/>
+                </a14:hiddenLine>
+              </a:ext>
+            </a:extLst>
+          </p:spPr>
+        </p:sp>
+        <p:sp>
+          <p:nvSpPr>
+            <p:cNvPr id="70" name="Freeform 58">
+              <a:extLst>
+                <a:ext uri="{FF2B5EF4-FFF2-40B4-BE49-F238E27FC236}">
+                  <a16:creationId xmlns:a16="http://schemas.microsoft.com/office/drawing/2014/main" id="{E6108A80-2A55-473F-8197-E21F1A2A28D4}"/>
+                </a:ext>
+                <a:ext uri="{C183D7F6-B498-43B3-948B-1728B52AA6E4}">
+                  <adec:decorative xmlns:adec="http://schemas.microsoft.com/office/drawing/2017/decorative" val="1"/>
+                </a:ext>
+              </a:extLst>
+            </p:cNvPr>
+            <p:cNvSpPr>
+              <a:spLocks noEditPoints="1"/>
+            </p:cNvSpPr>
+            <p:nvPr>
+              <p:extLst>
+                <p:ext uri="{386F3935-93C4-4BCD-93E2-E3B085C9AB24}">
+                  <p16:designElem xmlns:p16="http://schemas.microsoft.com/office/powerpoint/2015/main" val="1"/>
+                </p:ext>
+              </p:extLst>
+            </p:nvPr>
+          </p:nvSpPr>
+          <p:spPr bwMode="auto">
+            <a:xfrm>
+              <a:off x="633413" y="5103813"/>
+              <a:ext cx="185738" cy="185738"/>
+            </a:xfrm>
+            <a:custGeom>
+              <a:avLst/>
+              <a:gdLst/>
+              <a:ahLst/>
+              <a:cxnLst/>
+              <a:rect l="0" t="0" r="r" b="b"/>
+              <a:pathLst>
+                <a:path w="39" h="39">
+                  <a:moveTo>
+                    <a:pt x="20" y="39"/>
+                  </a:moveTo>
+                  <a:cubicBezTo>
+                    <a:pt x="9" y="39"/>
+                    <a:pt x="0" y="30"/>
+                    <a:pt x="0" y="19"/>
+                  </a:cubicBezTo>
+                  <a:cubicBezTo>
+                    <a:pt x="0" y="9"/>
+                    <a:pt x="9" y="0"/>
+                    <a:pt x="20" y="0"/>
+                  </a:cubicBezTo>
+                  <a:cubicBezTo>
+                    <a:pt x="30" y="0"/>
+                    <a:pt x="39" y="9"/>
+                    <a:pt x="39" y="19"/>
+                  </a:cubicBezTo>
+                  <a:cubicBezTo>
+                    <a:pt x="39" y="30"/>
+                    <a:pt x="30" y="39"/>
+                    <a:pt x="20" y="39"/>
+                  </a:cubicBezTo>
+                  <a:close/>
+                  <a:moveTo>
+                    <a:pt x="20" y="4"/>
+                  </a:moveTo>
+                  <a:cubicBezTo>
+                    <a:pt x="11" y="4"/>
+                    <a:pt x="4" y="11"/>
+                    <a:pt x="4" y="19"/>
+                  </a:cubicBezTo>
+                  <a:cubicBezTo>
+                    <a:pt x="4" y="28"/>
+                    <a:pt x="11" y="35"/>
+                    <a:pt x="20" y="35"/>
+                  </a:cubicBezTo>
+                  <a:cubicBezTo>
+                    <a:pt x="28" y="35"/>
+                    <a:pt x="35" y="28"/>
+                    <a:pt x="35" y="19"/>
+                  </a:cubicBezTo>
+                  <a:cubicBezTo>
+                    <a:pt x="35" y="11"/>
+                    <a:pt x="28" y="4"/>
+                    <a:pt x="20" y="4"/>
+                  </a:cubicBezTo>
+                  <a:close/>
+                </a:path>
+              </a:pathLst>
+            </a:custGeom>
+            <a:grpFill/>
+            <a:ln>
+              <a:noFill/>
+            </a:ln>
+            <a:extLst>
+              <a:ext uri="{91240B29-F687-4f45-9708-019B960494DF}">
+                <a14:hiddenLine xmlns="" xmlns:a16="http://schemas.microsoft.com/office/drawing/2014/main" xmlns:a14="http://schemas.microsoft.com/office/drawing/2010/main" xmlns:p14="http://schemas.microsoft.com/office/powerpoint/2010/main" w="9525">
+                  <a:solidFill>
+                    <a:srgbClr val="000000"/>
+                  </a:solidFill>
+                  <a:round/>
+                  <a:headEnd/>
+                  <a:tailEnd/>
+                </a14:hiddenLine>
+              </a:ext>
+            </a:extLst>
+          </p:spPr>
+        </p:sp>
+      </p:grpSp>
+      <p:sp>
+        <p:nvSpPr>
+          <p:cNvPr id="9" name="Content Placeholder 8">
+            <a:extLst>
+              <a:ext uri="{FF2B5EF4-FFF2-40B4-BE49-F238E27FC236}">
+                <a16:creationId xmlns:a16="http://schemas.microsoft.com/office/drawing/2014/main" id="{A542AECA-26E6-1B85-C7EB-CC32528AB7C3}"/>
+              </a:ext>
+            </a:extLst>
+          </p:cNvPr>
+          <p:cNvSpPr>
+            <a:spLocks noGrp="1"/>
+          </p:cNvSpPr>
+          <p:nvPr>
+            <p:ph idx="1"/>
+          </p:nvPr>
+        </p:nvSpPr>
+        <p:spPr>
+          <a:xfrm>
+            <a:off x="4968958" y="2249487"/>
+            <a:ext cx="6078453" cy="3541714"/>
+          </a:xfrm>
+        </p:spPr>
+        <p:txBody>
+          <a:bodyPr>
+            <a:normAutofit/>
+          </a:bodyPr>
+          <a:lstStyle/>
+          <a:p>
+            <a:r>
+              <a:rPr lang="hu-HU" dirty="0">
+                <a:solidFill>
+                  <a:schemeClr val="bg1"/>
+                </a:solidFill>
+              </a:rPr>
+              <a:t>Van olyan épület, aminek hiányzik a határa:</a:t>
+            </a:r>
+          </a:p>
+          <a:p>
+            <a:pPr lvl="1"/>
+            <a:r>
+              <a:rPr lang="hu-HU" dirty="0">
+                <a:solidFill>
+                  <a:schemeClr val="bg1"/>
+                </a:solidFill>
+              </a:rPr>
+              <a:t>Az adathatárhoz kapcsolódó épületek feldolgozása nem történt meg, mert nem voltak teljesek</a:t>
+            </a:r>
+          </a:p>
+          <a:p>
+            <a:pPr lvl="1"/>
+            <a:r>
+              <a:rPr lang="hu-HU" dirty="0">
+                <a:solidFill>
+                  <a:schemeClr val="bg1"/>
+                </a:solidFill>
+              </a:rPr>
+              <a:t>Íves tetővel rendelkező épületek (az épület teteje sík kell legyen)</a:t>
+            </a:r>
+          </a:p>
+          <a:p>
+            <a:pPr lvl="1"/>
+            <a:r>
+              <a:rPr lang="hu-HU" dirty="0">
+                <a:solidFill>
+                  <a:schemeClr val="bg1"/>
+                </a:solidFill>
+              </a:rPr>
+              <a:t>Néhány épületet fák takarnak el</a:t>
+            </a:r>
+          </a:p>
+          <a:p>
+            <a:pPr lvl="1"/>
+            <a:endParaRPr lang="hu-HU" dirty="0">
+              <a:solidFill>
+                <a:schemeClr val="bg1"/>
+              </a:solidFill>
+            </a:endParaRPr>
+          </a:p>
+        </p:txBody>
+      </p:sp>
+    </p:spTree>
+    <p:extLst>
+      <p:ext uri="{BB962C8B-B14F-4D97-AF65-F5344CB8AC3E}">
+        <p14:creationId xmlns:p14="http://schemas.microsoft.com/office/powerpoint/2010/main" val="3281959057"/>
       </p:ext>
     </p:extLst>
   </p:cSld>
@@ -13942,4 +20653,299 @@
     </a:ext>
   </a:extLst>
 </a:theme>
+</file>
+
+<file path=ppt/theme/theme2.xml><?xml version="1.0" encoding="utf-8"?>
+<a:theme xmlns:a="http://schemas.openxmlformats.org/drawingml/2006/main" name="Office Theme">
+  <a:themeElements>
+    <a:clrScheme name="Office">
+      <a:dk1>
+        <a:sysClr val="windowText" lastClr="000000"/>
+      </a:dk1>
+      <a:lt1>
+        <a:sysClr val="window" lastClr="FFFFFF"/>
+      </a:lt1>
+      <a:dk2>
+        <a:srgbClr val="44546A"/>
+      </a:dk2>
+      <a:lt2>
+        <a:srgbClr val="E7E6E6"/>
+      </a:lt2>
+      <a:accent1>
+        <a:srgbClr val="4472C4"/>
+      </a:accent1>
+      <a:accent2>
+        <a:srgbClr val="ED7D31"/>
+      </a:accent2>
+      <a:accent3>
+        <a:srgbClr val="A5A5A5"/>
+      </a:accent3>
+      <a:accent4>
+        <a:srgbClr val="FFC000"/>
+      </a:accent4>
+      <a:accent5>
+        <a:srgbClr val="5B9BD5"/>
+      </a:accent5>
+      <a:accent6>
+        <a:srgbClr val="70AD47"/>
+      </a:accent6>
+      <a:hlink>
+        <a:srgbClr val="0563C1"/>
+      </a:hlink>
+      <a:folHlink>
+        <a:srgbClr val="954F72"/>
+      </a:folHlink>
+    </a:clrScheme>
+    <a:fontScheme name="Office">
+      <a:majorFont>
+        <a:latin typeface="Calibri Light" panose="020F0302020204030204"/>
+        <a:ea typeface=""/>
+        <a:cs typeface=""/>
+        <a:font script="Jpan" typeface="游ゴシック Light"/>
+        <a:font script="Hang" typeface="맑은 고딕"/>
+        <a:font script="Hans" typeface="等线 Light"/>
+        <a:font script="Hant" typeface="新細明體"/>
+        <a:font script="Arab" typeface="Times New Roman"/>
+        <a:font script="Hebr" typeface="Times New Roman"/>
+        <a:font script="Thai" typeface="Angsana New"/>
+        <a:font script="Ethi" typeface="Nyala"/>
+        <a:font script="Beng" typeface="Vrinda"/>
+        <a:font script="Gujr" typeface="Shruti"/>
+        <a:font script="Khmr" typeface="MoolBoran"/>
+        <a:font script="Knda" typeface="Tunga"/>
+        <a:font script="Guru" typeface="Raavi"/>
+        <a:font script="Cans" typeface="Euphemia"/>
+        <a:font script="Cher" typeface="Plantagenet Cherokee"/>
+        <a:font script="Yiii" typeface="Microsoft Yi Baiti"/>
+        <a:font script="Tibt" typeface="Microsoft Himalaya"/>
+        <a:font script="Thaa" typeface="MV Boli"/>
+        <a:font script="Deva" typeface="Mangal"/>
+        <a:font script="Telu" typeface="Gautami"/>
+        <a:font script="Taml" typeface="Latha"/>
+        <a:font script="Syrc" typeface="Estrangelo Edessa"/>
+        <a:font script="Orya" typeface="Kalinga"/>
+        <a:font script="Mlym" typeface="Kartika"/>
+        <a:font script="Laoo" typeface="DokChampa"/>
+        <a:font script="Sinh" typeface="Iskoola Pota"/>
+        <a:font script="Mong" typeface="Mongolian Baiti"/>
+        <a:font script="Viet" typeface="Times New Roman"/>
+        <a:font script="Uigh" typeface="Microsoft Uighur"/>
+        <a:font script="Geor" typeface="Sylfaen"/>
+        <a:font script="Armn" typeface="Arial"/>
+        <a:font script="Bugi" typeface="Leelawadee UI"/>
+        <a:font script="Bopo" typeface="Microsoft JhengHei"/>
+        <a:font script="Java" typeface="Javanese Text"/>
+        <a:font script="Lisu" typeface="Segoe UI"/>
+        <a:font script="Mymr" typeface="Myanmar Text"/>
+        <a:font script="Nkoo" typeface="Ebrima"/>
+        <a:font script="Olck" typeface="Nirmala UI"/>
+        <a:font script="Osma" typeface="Ebrima"/>
+        <a:font script="Phag" typeface="Phagspa"/>
+        <a:font script="Syrn" typeface="Estrangelo Edessa"/>
+        <a:font script="Syrj" typeface="Estrangelo Edessa"/>
+        <a:font script="Syre" typeface="Estrangelo Edessa"/>
+        <a:font script="Sora" typeface="Nirmala UI"/>
+        <a:font script="Tale" typeface="Microsoft Tai Le"/>
+        <a:font script="Talu" typeface="Microsoft New Tai Lue"/>
+        <a:font script="Tfng" typeface="Ebrima"/>
+      </a:majorFont>
+      <a:minorFont>
+        <a:latin typeface="Calibri" panose="020F0502020204030204"/>
+        <a:ea typeface=""/>
+        <a:cs typeface=""/>
+        <a:font script="Jpan" typeface="游ゴシック"/>
+        <a:font script="Hang" typeface="맑은 고딕"/>
+        <a:font script="Hans" typeface="等线"/>
+        <a:font script="Hant" typeface="新細明體"/>
+        <a:font script="Arab" typeface="Arial"/>
+        <a:font script="Hebr" typeface="Arial"/>
+        <a:font script="Thai" typeface="Cordia New"/>
+        <a:font script="Ethi" typeface="Nyala"/>
+        <a:font script="Beng" typeface="Vrinda"/>
+        <a:font script="Gujr" typeface="Shruti"/>
+        <a:font script="Khmr" typeface="DaunPenh"/>
+        <a:font script="Knda" typeface="Tunga"/>
+        <a:font script="Guru" typeface="Raavi"/>
+        <a:font script="Cans" typeface="Euphemia"/>
+        <a:font script="Cher" typeface="Plantagenet Cherokee"/>
+        <a:font script="Yiii" typeface="Microsoft Yi Baiti"/>
+        <a:font script="Tibt" typeface="Microsoft Himalaya"/>
+        <a:font script="Thaa" typeface="MV Boli"/>
+        <a:font script="Deva" typeface="Mangal"/>
+        <a:font script="Telu" typeface="Gautami"/>
+        <a:font script="Taml" typeface="Latha"/>
+        <a:font script="Syrc" typeface="Estrangelo Edessa"/>
+        <a:font script="Orya" typeface="Kalinga"/>
+        <a:font script="Mlym" typeface="Kartika"/>
+        <a:font script="Laoo" typeface="DokChampa"/>
+        <a:font script="Sinh" typeface="Iskoola Pota"/>
+        <a:font script="Mong" typeface="Mongolian Baiti"/>
+        <a:font script="Viet" typeface="Arial"/>
+        <a:font script="Uigh" typeface="Microsoft Uighur"/>
+        <a:font script="Geor" typeface="Sylfaen"/>
+        <a:font script="Armn" typeface="Arial"/>
+        <a:font script="Bugi" typeface="Leelawadee UI"/>
+        <a:font script="Bopo" typeface="Microsoft JhengHei"/>
+        <a:font script="Java" typeface="Javanese Text"/>
+        <a:font script="Lisu" typeface="Segoe UI"/>
+        <a:font script="Mymr" typeface="Myanmar Text"/>
+        <a:font script="Nkoo" typeface="Ebrima"/>
+        <a:font script="Olck" typeface="Nirmala UI"/>
+        <a:font script="Osma" typeface="Ebrima"/>
+        <a:font script="Phag" typeface="Phagspa"/>
+        <a:font script="Syrn" typeface="Estrangelo Edessa"/>
+        <a:font script="Syrj" typeface="Estrangelo Edessa"/>
+        <a:font script="Syre" typeface="Estrangelo Edessa"/>
+        <a:font script="Sora" typeface="Nirmala UI"/>
+        <a:font script="Tale" typeface="Microsoft Tai Le"/>
+        <a:font script="Talu" typeface="Microsoft New Tai Lue"/>
+        <a:font script="Tfng" typeface="Ebrima"/>
+      </a:minorFont>
+    </a:fontScheme>
+    <a:fmtScheme name="Office">
+      <a:fillStyleLst>
+        <a:solidFill>
+          <a:schemeClr val="phClr"/>
+        </a:solidFill>
+        <a:gradFill rotWithShape="1">
+          <a:gsLst>
+            <a:gs pos="0">
+              <a:schemeClr val="phClr">
+                <a:lumMod val="110000"/>
+                <a:satMod val="105000"/>
+                <a:tint val="67000"/>
+              </a:schemeClr>
+            </a:gs>
+            <a:gs pos="50000">
+              <a:schemeClr val="phClr">
+                <a:lumMod val="105000"/>
+                <a:satMod val="103000"/>
+                <a:tint val="73000"/>
+              </a:schemeClr>
+            </a:gs>
+            <a:gs pos="100000">
+              <a:schemeClr val="phClr">
+                <a:lumMod val="105000"/>
+                <a:satMod val="109000"/>
+                <a:tint val="81000"/>
+              </a:schemeClr>
+            </a:gs>
+          </a:gsLst>
+          <a:lin ang="5400000" scaled="0"/>
+        </a:gradFill>
+        <a:gradFill rotWithShape="1">
+          <a:gsLst>
+            <a:gs pos="0">
+              <a:schemeClr val="phClr">
+                <a:satMod val="103000"/>
+                <a:lumMod val="102000"/>
+                <a:tint val="94000"/>
+              </a:schemeClr>
+            </a:gs>
+            <a:gs pos="50000">
+              <a:schemeClr val="phClr">
+                <a:satMod val="110000"/>
+                <a:lumMod val="100000"/>
+                <a:shade val="100000"/>
+              </a:schemeClr>
+            </a:gs>
+            <a:gs pos="100000">
+              <a:schemeClr val="phClr">
+                <a:lumMod val="99000"/>
+                <a:satMod val="120000"/>
+                <a:shade val="78000"/>
+              </a:schemeClr>
+            </a:gs>
+          </a:gsLst>
+          <a:lin ang="5400000" scaled="0"/>
+        </a:gradFill>
+      </a:fillStyleLst>
+      <a:lnStyleLst>
+        <a:ln w="6350" cap="flat" cmpd="sng" algn="ctr">
+          <a:solidFill>
+            <a:schemeClr val="phClr"/>
+          </a:solidFill>
+          <a:prstDash val="solid"/>
+          <a:miter lim="800000"/>
+        </a:ln>
+        <a:ln w="12700" cap="flat" cmpd="sng" algn="ctr">
+          <a:solidFill>
+            <a:schemeClr val="phClr"/>
+          </a:solidFill>
+          <a:prstDash val="solid"/>
+          <a:miter lim="800000"/>
+        </a:ln>
+        <a:ln w="19050" cap="flat" cmpd="sng" algn="ctr">
+          <a:solidFill>
+            <a:schemeClr val="phClr"/>
+          </a:solidFill>
+          <a:prstDash val="solid"/>
+          <a:miter lim="800000"/>
+        </a:ln>
+      </a:lnStyleLst>
+      <a:effectStyleLst>
+        <a:effectStyle>
+          <a:effectLst/>
+        </a:effectStyle>
+        <a:effectStyle>
+          <a:effectLst/>
+        </a:effectStyle>
+        <a:effectStyle>
+          <a:effectLst>
+            <a:outerShdw blurRad="57150" dist="19050" dir="5400000" algn="ctr" rotWithShape="0">
+              <a:srgbClr val="000000">
+                <a:alpha val="63000"/>
+              </a:srgbClr>
+            </a:outerShdw>
+          </a:effectLst>
+        </a:effectStyle>
+      </a:effectStyleLst>
+      <a:bgFillStyleLst>
+        <a:solidFill>
+          <a:schemeClr val="phClr"/>
+        </a:solidFill>
+        <a:solidFill>
+          <a:schemeClr val="phClr">
+            <a:tint val="95000"/>
+            <a:satMod val="170000"/>
+          </a:schemeClr>
+        </a:solidFill>
+        <a:gradFill rotWithShape="1">
+          <a:gsLst>
+            <a:gs pos="0">
+              <a:schemeClr val="phClr">
+                <a:tint val="93000"/>
+                <a:satMod val="150000"/>
+                <a:shade val="98000"/>
+                <a:lumMod val="102000"/>
+              </a:schemeClr>
+            </a:gs>
+            <a:gs pos="50000">
+              <a:schemeClr val="phClr">
+                <a:tint val="98000"/>
+                <a:satMod val="130000"/>
+                <a:shade val="90000"/>
+                <a:lumMod val="103000"/>
+              </a:schemeClr>
+            </a:gs>
+            <a:gs pos="100000">
+              <a:schemeClr val="phClr">
+                <a:shade val="63000"/>
+                <a:satMod val="120000"/>
+              </a:schemeClr>
+            </a:gs>
+          </a:gsLst>
+          <a:lin ang="5400000" scaled="0"/>
+        </a:gradFill>
+      </a:bgFillStyleLst>
+    </a:fmtScheme>
+  </a:themeElements>
+  <a:objectDefaults/>
+  <a:extraClrSchemeLst/>
+  <a:extLst>
+    <a:ext uri="{05A4C25C-085E-4340-85A3-A5531E510DB2}">
+      <thm15:themeFamily xmlns:thm15="http://schemas.microsoft.com/office/thememl/2012/main" name="Office Theme" id="{62F939B6-93AF-4DB8-9C6B-D6C7DFDC589F}" vid="{4A3C46E8-61CC-4603-A589-7422A47A8E4A}"/>
+    </a:ext>
+  </a:extLst>
+</a:theme>
 </file>
--- a/presentation.pptx
+++ b/presentation.pptx
@@ -210,7 +210,7 @@
           <a:p>
             <a:fld id="{E52D13D9-638E-1942-BF6D-A0101D8AE78E}" type="datetimeFigureOut">
               <a:rPr lang="en-HU" smtClean="0"/>
-              <a:t>2023. 03. 19.</a:t>
+              <a:t>2023. 03. 21.</a:t>
             </a:fld>
             <a:endParaRPr lang="en-HU"/>
           </a:p>
@@ -619,7 +619,7 @@
           <a:noFill/>
           <a:extLst>
             <a:ext uri="{909E8E84-426E-40dd-AFC4-6F175D3DCCD1}">
-              <a14:hiddenFill xmlns="" xmlns:a14="http://schemas.microsoft.com/office/drawing/2010/main">
+              <a14:hiddenFill xmlns:a14="http://schemas.microsoft.com/office/drawing/2010/main" xmlns="">
                 <a:solidFill>
                   <a:srgbClr val="FFFFFF"/>
                 </a:solidFill>
@@ -679,7 +679,7 @@
             </a:ln>
             <a:extLst>
               <a:ext uri="{91240B29-F687-4f45-9708-019B960494DF}">
-                <a14:hiddenLine xmlns="" xmlns:a14="http://schemas.microsoft.com/office/drawing/2010/main" w="9525">
+                <a14:hiddenLine xmlns:a14="http://schemas.microsoft.com/office/drawing/2010/main" xmlns="" w="9525">
                   <a:solidFill>
                     <a:srgbClr val="000000"/>
                   </a:solidFill>
@@ -769,7 +769,7 @@
             </a:ln>
             <a:extLst>
               <a:ext uri="{91240B29-F687-4f45-9708-019B960494DF}">
-                <a14:hiddenLine xmlns="" xmlns:a14="http://schemas.microsoft.com/office/drawing/2010/main" w="9525">
+                <a14:hiddenLine xmlns:a14="http://schemas.microsoft.com/office/drawing/2010/main" xmlns="" w="9525">
                   <a:solidFill>
                     <a:srgbClr val="000000"/>
                   </a:solidFill>
@@ -859,7 +859,7 @@
             </a:ln>
             <a:extLst>
               <a:ext uri="{91240B29-F687-4f45-9708-019B960494DF}">
-                <a14:hiddenLine xmlns="" xmlns:a14="http://schemas.microsoft.com/office/drawing/2010/main" w="9525">
+                <a14:hiddenLine xmlns:a14="http://schemas.microsoft.com/office/drawing/2010/main" xmlns="" w="9525">
                   <a:solidFill>
                     <a:srgbClr val="000000"/>
                   </a:solidFill>
@@ -893,7 +893,7 @@
             </a:ln>
             <a:extLst>
               <a:ext uri="{91240B29-F687-4f45-9708-019B960494DF}">
-                <a14:hiddenLine xmlns="" xmlns:a14="http://schemas.microsoft.com/office/drawing/2010/main" w="9525">
+                <a14:hiddenLine xmlns:a14="http://schemas.microsoft.com/office/drawing/2010/main" xmlns="" w="9525">
                   <a:solidFill>
                     <a:srgbClr val="000000"/>
                   </a:solidFill>
@@ -983,7 +983,7 @@
             </a:ln>
             <a:extLst>
               <a:ext uri="{91240B29-F687-4f45-9708-019B960494DF}">
-                <a14:hiddenLine xmlns="" xmlns:a14="http://schemas.microsoft.com/office/drawing/2010/main" w="9525">
+                <a14:hiddenLine xmlns:a14="http://schemas.microsoft.com/office/drawing/2010/main" xmlns="" w="9525">
                   <a:solidFill>
                     <a:srgbClr val="000000"/>
                   </a:solidFill>
@@ -1045,7 +1045,7 @@
             </a:ln>
             <a:extLst>
               <a:ext uri="{91240B29-F687-4f45-9708-019B960494DF}">
-                <a14:hiddenLine xmlns="" xmlns:a14="http://schemas.microsoft.com/office/drawing/2010/main" w="9525">
+                <a14:hiddenLine xmlns:a14="http://schemas.microsoft.com/office/drawing/2010/main" xmlns="" w="9525">
                   <a:solidFill>
                     <a:srgbClr val="000000"/>
                   </a:solidFill>
@@ -1107,7 +1107,7 @@
             </a:ln>
             <a:extLst>
               <a:ext uri="{91240B29-F687-4f45-9708-019B960494DF}">
-                <a14:hiddenLine xmlns="" xmlns:a14="http://schemas.microsoft.com/office/drawing/2010/main" w="9525">
+                <a14:hiddenLine xmlns:a14="http://schemas.microsoft.com/office/drawing/2010/main" xmlns="" w="9525">
                   <a:solidFill>
                     <a:srgbClr val="000000"/>
                   </a:solidFill>
@@ -1197,7 +1197,7 @@
             </a:ln>
             <a:extLst>
               <a:ext uri="{91240B29-F687-4f45-9708-019B960494DF}">
-                <a14:hiddenLine xmlns="" xmlns:a14="http://schemas.microsoft.com/office/drawing/2010/main" w="9525">
+                <a14:hiddenLine xmlns:a14="http://schemas.microsoft.com/office/drawing/2010/main" xmlns="" w="9525">
                   <a:solidFill>
                     <a:srgbClr val="000000"/>
                   </a:solidFill>
@@ -1259,7 +1259,7 @@
             </a:ln>
             <a:extLst>
               <a:ext uri="{91240B29-F687-4f45-9708-019B960494DF}">
-                <a14:hiddenLine xmlns="" xmlns:a14="http://schemas.microsoft.com/office/drawing/2010/main" w="9525">
+                <a14:hiddenLine xmlns:a14="http://schemas.microsoft.com/office/drawing/2010/main" xmlns="" w="9525">
                   <a:solidFill>
                     <a:srgbClr val="000000"/>
                   </a:solidFill>
@@ -1321,7 +1321,7 @@
             </a:ln>
             <a:extLst>
               <a:ext uri="{91240B29-F687-4f45-9708-019B960494DF}">
-                <a14:hiddenLine xmlns="" xmlns:a14="http://schemas.microsoft.com/office/drawing/2010/main" w="9525">
+                <a14:hiddenLine xmlns:a14="http://schemas.microsoft.com/office/drawing/2010/main" xmlns="" w="9525">
                   <a:solidFill>
                     <a:srgbClr val="000000"/>
                   </a:solidFill>
@@ -1411,7 +1411,7 @@
             </a:ln>
             <a:extLst>
               <a:ext uri="{91240B29-F687-4f45-9708-019B960494DF}">
-                <a14:hiddenLine xmlns="" xmlns:a14="http://schemas.microsoft.com/office/drawing/2010/main" w="9525">
+                <a14:hiddenLine xmlns:a14="http://schemas.microsoft.com/office/drawing/2010/main" xmlns="" w="9525">
                   <a:solidFill>
                     <a:srgbClr val="000000"/>
                   </a:solidFill>
@@ -1501,7 +1501,7 @@
             </a:ln>
             <a:extLst>
               <a:ext uri="{91240B29-F687-4f45-9708-019B960494DF}">
-                <a14:hiddenLine xmlns="" xmlns:a14="http://schemas.microsoft.com/office/drawing/2010/main" w="9525">
+                <a14:hiddenLine xmlns:a14="http://schemas.microsoft.com/office/drawing/2010/main" xmlns="" w="9525">
                   <a:solidFill>
                     <a:srgbClr val="000000"/>
                   </a:solidFill>
@@ -1563,7 +1563,7 @@
             </a:ln>
             <a:extLst>
               <a:ext uri="{91240B29-F687-4f45-9708-019B960494DF}">
-                <a14:hiddenLine xmlns="" xmlns:a14="http://schemas.microsoft.com/office/drawing/2010/main" w="9525">
+                <a14:hiddenLine xmlns:a14="http://schemas.microsoft.com/office/drawing/2010/main" xmlns="" w="9525">
                   <a:solidFill>
                     <a:srgbClr val="000000"/>
                   </a:solidFill>
@@ -1673,7 +1673,7 @@
             </a:ln>
             <a:extLst>
               <a:ext uri="{91240B29-F687-4f45-9708-019B960494DF}">
-                <a14:hiddenLine xmlns="" xmlns:a14="http://schemas.microsoft.com/office/drawing/2010/main" w="9525">
+                <a14:hiddenLine xmlns:a14="http://schemas.microsoft.com/office/drawing/2010/main" xmlns="" w="9525">
                   <a:solidFill>
                     <a:srgbClr val="000000"/>
                   </a:solidFill>
@@ -1735,7 +1735,7 @@
             </a:ln>
             <a:extLst>
               <a:ext uri="{91240B29-F687-4f45-9708-019B960494DF}">
-                <a14:hiddenLine xmlns="" xmlns:a14="http://schemas.microsoft.com/office/drawing/2010/main" w="9525">
+                <a14:hiddenLine xmlns:a14="http://schemas.microsoft.com/office/drawing/2010/main" xmlns="" w="9525">
                   <a:solidFill>
                     <a:srgbClr val="000000"/>
                   </a:solidFill>
@@ -1825,7 +1825,7 @@
             </a:ln>
             <a:extLst>
               <a:ext uri="{91240B29-F687-4f45-9708-019B960494DF}">
-                <a14:hiddenLine xmlns="" xmlns:a14="http://schemas.microsoft.com/office/drawing/2010/main" w="9525">
+                <a14:hiddenLine xmlns:a14="http://schemas.microsoft.com/office/drawing/2010/main" xmlns="" w="9525">
                   <a:solidFill>
                     <a:srgbClr val="000000"/>
                   </a:solidFill>
@@ -1915,7 +1915,7 @@
             </a:ln>
             <a:extLst>
               <a:ext uri="{91240B29-F687-4f45-9708-019B960494DF}">
-                <a14:hiddenLine xmlns="" xmlns:a14="http://schemas.microsoft.com/office/drawing/2010/main" w="9525">
+                <a14:hiddenLine xmlns:a14="http://schemas.microsoft.com/office/drawing/2010/main" xmlns="" w="9525">
                   <a:solidFill>
                     <a:srgbClr val="000000"/>
                   </a:solidFill>
@@ -1977,7 +1977,7 @@
             </a:ln>
             <a:extLst>
               <a:ext uri="{91240B29-F687-4f45-9708-019B960494DF}">
-                <a14:hiddenLine xmlns="" xmlns:a14="http://schemas.microsoft.com/office/drawing/2010/main" w="9525">
+                <a14:hiddenLine xmlns:a14="http://schemas.microsoft.com/office/drawing/2010/main" xmlns="" w="9525">
                   <a:solidFill>
                     <a:srgbClr val="000000"/>
                   </a:solidFill>
@@ -2067,7 +2067,7 @@
             </a:ln>
             <a:extLst>
               <a:ext uri="{91240B29-F687-4f45-9708-019B960494DF}">
-                <a14:hiddenLine xmlns="" xmlns:a14="http://schemas.microsoft.com/office/drawing/2010/main" w="9525">
+                <a14:hiddenLine xmlns:a14="http://schemas.microsoft.com/office/drawing/2010/main" xmlns="" w="9525">
                   <a:solidFill>
                     <a:srgbClr val="000000"/>
                   </a:solidFill>
@@ -2157,7 +2157,7 @@
             </a:ln>
             <a:extLst>
               <a:ext uri="{91240B29-F687-4f45-9708-019B960494DF}">
-                <a14:hiddenLine xmlns="" xmlns:a14="http://schemas.microsoft.com/office/drawing/2010/main" w="9525">
+                <a14:hiddenLine xmlns:a14="http://schemas.microsoft.com/office/drawing/2010/main" xmlns="" w="9525">
                   <a:solidFill>
                     <a:srgbClr val="000000"/>
                   </a:solidFill>
@@ -2213,7 +2213,7 @@
             </a:ln>
             <a:extLst>
               <a:ext uri="{91240B29-F687-4f45-9708-019B960494DF}">
-                <a14:hiddenLine xmlns="" xmlns:a14="http://schemas.microsoft.com/office/drawing/2010/main" w="9525">
+                <a14:hiddenLine xmlns:a14="http://schemas.microsoft.com/office/drawing/2010/main" xmlns="" w="9525">
                   <a:solidFill>
                     <a:srgbClr val="000000"/>
                   </a:solidFill>
@@ -2303,7 +2303,7 @@
             </a:ln>
             <a:extLst>
               <a:ext uri="{91240B29-F687-4f45-9708-019B960494DF}">
-                <a14:hiddenLine xmlns="" xmlns:a14="http://schemas.microsoft.com/office/drawing/2010/main" w="9525">
+                <a14:hiddenLine xmlns:a14="http://schemas.microsoft.com/office/drawing/2010/main" xmlns="" w="9525">
                   <a:solidFill>
                     <a:srgbClr val="000000"/>
                   </a:solidFill>
@@ -2359,7 +2359,7 @@
             </a:ln>
             <a:extLst>
               <a:ext uri="{91240B29-F687-4f45-9708-019B960494DF}">
-                <a14:hiddenLine xmlns="" xmlns:a14="http://schemas.microsoft.com/office/drawing/2010/main" w="9525">
+                <a14:hiddenLine xmlns:a14="http://schemas.microsoft.com/office/drawing/2010/main" xmlns="" w="9525">
                   <a:solidFill>
                     <a:srgbClr val="000000"/>
                   </a:solidFill>
@@ -2449,7 +2449,7 @@
             </a:ln>
             <a:extLst>
               <a:ext uri="{91240B29-F687-4f45-9708-019B960494DF}">
-                <a14:hiddenLine xmlns="" xmlns:a14="http://schemas.microsoft.com/office/drawing/2010/main" w="9525">
+                <a14:hiddenLine xmlns:a14="http://schemas.microsoft.com/office/drawing/2010/main" xmlns="" w="9525">
                   <a:solidFill>
                     <a:srgbClr val="000000"/>
                   </a:solidFill>
@@ -2517,7 +2517,7 @@
             </a:ln>
             <a:extLst>
               <a:ext uri="{91240B29-F687-4f45-9708-019B960494DF}">
-                <a14:hiddenLine xmlns="" xmlns:a14="http://schemas.microsoft.com/office/drawing/2010/main" w="9525">
+                <a14:hiddenLine xmlns:a14="http://schemas.microsoft.com/office/drawing/2010/main" xmlns="" w="9525">
                   <a:solidFill>
                     <a:srgbClr val="000000"/>
                   </a:solidFill>
@@ -2607,7 +2607,7 @@
             </a:ln>
             <a:extLst>
               <a:ext uri="{91240B29-F687-4f45-9708-019B960494DF}">
-                <a14:hiddenLine xmlns="" xmlns:a14="http://schemas.microsoft.com/office/drawing/2010/main" w="9525">
+                <a14:hiddenLine xmlns:a14="http://schemas.microsoft.com/office/drawing/2010/main" xmlns="" w="9525">
                   <a:solidFill>
                     <a:srgbClr val="000000"/>
                   </a:solidFill>
@@ -2675,7 +2675,7 @@
             </a:ln>
             <a:extLst>
               <a:ext uri="{91240B29-F687-4f45-9708-019B960494DF}">
-                <a14:hiddenLine xmlns="" xmlns:a14="http://schemas.microsoft.com/office/drawing/2010/main" w="9525">
+                <a14:hiddenLine xmlns:a14="http://schemas.microsoft.com/office/drawing/2010/main" xmlns="" w="9525">
                   <a:solidFill>
                     <a:srgbClr val="000000"/>
                   </a:solidFill>
@@ -2765,7 +2765,7 @@
             </a:ln>
             <a:extLst>
               <a:ext uri="{91240B29-F687-4f45-9708-019B960494DF}">
-                <a14:hiddenLine xmlns="" xmlns:a14="http://schemas.microsoft.com/office/drawing/2010/main" w="9525">
+                <a14:hiddenLine xmlns:a14="http://schemas.microsoft.com/office/drawing/2010/main" xmlns="" w="9525">
                   <a:solidFill>
                     <a:srgbClr val="000000"/>
                   </a:solidFill>
@@ -2799,7 +2799,7 @@
             </a:ln>
             <a:extLst>
               <a:ext uri="{91240B29-F687-4f45-9708-019B960494DF}">
-                <a14:hiddenLine xmlns="" xmlns:a14="http://schemas.microsoft.com/office/drawing/2010/main" w="9525">
+                <a14:hiddenLine xmlns:a14="http://schemas.microsoft.com/office/drawing/2010/main" xmlns="" w="9525">
                   <a:solidFill>
                     <a:srgbClr val="000000"/>
                   </a:solidFill>
@@ -2889,7 +2889,7 @@
             </a:ln>
             <a:extLst>
               <a:ext uri="{91240B29-F687-4f45-9708-019B960494DF}">
-                <a14:hiddenLine xmlns="" xmlns:a14="http://schemas.microsoft.com/office/drawing/2010/main" w="9525">
+                <a14:hiddenLine xmlns:a14="http://schemas.microsoft.com/office/drawing/2010/main" xmlns="" w="9525">
                   <a:solidFill>
                     <a:srgbClr val="000000"/>
                   </a:solidFill>
@@ -2951,7 +2951,7 @@
             </a:ln>
             <a:extLst>
               <a:ext uri="{91240B29-F687-4f45-9708-019B960494DF}">
-                <a14:hiddenLine xmlns="" xmlns:a14="http://schemas.microsoft.com/office/drawing/2010/main" w="9525">
+                <a14:hiddenLine xmlns:a14="http://schemas.microsoft.com/office/drawing/2010/main" xmlns="" w="9525">
                   <a:solidFill>
                     <a:srgbClr val="000000"/>
                   </a:solidFill>
@@ -3013,7 +3013,7 @@
             </a:ln>
             <a:extLst>
               <a:ext uri="{91240B29-F687-4f45-9708-019B960494DF}">
-                <a14:hiddenLine xmlns="" xmlns:a14="http://schemas.microsoft.com/office/drawing/2010/main" w="9525">
+                <a14:hiddenLine xmlns:a14="http://schemas.microsoft.com/office/drawing/2010/main" xmlns="" w="9525">
                   <a:solidFill>
                     <a:srgbClr val="000000"/>
                   </a:solidFill>
@@ -3103,7 +3103,7 @@
             </a:ln>
             <a:extLst>
               <a:ext uri="{91240B29-F687-4f45-9708-019B960494DF}">
-                <a14:hiddenLine xmlns="" xmlns:a14="http://schemas.microsoft.com/office/drawing/2010/main" w="9525">
+                <a14:hiddenLine xmlns:a14="http://schemas.microsoft.com/office/drawing/2010/main" xmlns="" w="9525">
                   <a:solidFill>
                     <a:srgbClr val="000000"/>
                   </a:solidFill>
@@ -3171,7 +3171,7 @@
             </a:ln>
             <a:extLst>
               <a:ext uri="{91240B29-F687-4f45-9708-019B960494DF}">
-                <a14:hiddenLine xmlns="" xmlns:a14="http://schemas.microsoft.com/office/drawing/2010/main" w="9525">
+                <a14:hiddenLine xmlns:a14="http://schemas.microsoft.com/office/drawing/2010/main" xmlns="" w="9525">
                   <a:solidFill>
                     <a:srgbClr val="000000"/>
                   </a:solidFill>
@@ -3233,7 +3233,7 @@
             </a:ln>
             <a:extLst>
               <a:ext uri="{91240B29-F687-4f45-9708-019B960494DF}">
-                <a14:hiddenLine xmlns="" xmlns:a14="http://schemas.microsoft.com/office/drawing/2010/main" w="9525">
+                <a14:hiddenLine xmlns:a14="http://schemas.microsoft.com/office/drawing/2010/main" xmlns="" w="9525">
                   <a:solidFill>
                     <a:srgbClr val="000000"/>
                   </a:solidFill>
@@ -3323,7 +3323,7 @@
             </a:ln>
             <a:extLst>
               <a:ext uri="{91240B29-F687-4f45-9708-019B960494DF}">
-                <a14:hiddenLine xmlns="" xmlns:a14="http://schemas.microsoft.com/office/drawing/2010/main" w="9525">
+                <a14:hiddenLine xmlns:a14="http://schemas.microsoft.com/office/drawing/2010/main" xmlns="" w="9525">
                   <a:solidFill>
                     <a:srgbClr val="000000"/>
                   </a:solidFill>
@@ -3385,7 +3385,7 @@
             </a:ln>
             <a:extLst>
               <a:ext uri="{91240B29-F687-4f45-9708-019B960494DF}">
-                <a14:hiddenLine xmlns="" xmlns:a14="http://schemas.microsoft.com/office/drawing/2010/main" w="9525">
+                <a14:hiddenLine xmlns:a14="http://schemas.microsoft.com/office/drawing/2010/main" xmlns="" w="9525">
                   <a:solidFill>
                     <a:srgbClr val="000000"/>
                   </a:solidFill>
@@ -3475,7 +3475,7 @@
             </a:ln>
             <a:extLst>
               <a:ext uri="{91240B29-F687-4f45-9708-019B960494DF}">
-                <a14:hiddenLine xmlns="" xmlns:a14="http://schemas.microsoft.com/office/drawing/2010/main" w="9525">
+                <a14:hiddenLine xmlns:a14="http://schemas.microsoft.com/office/drawing/2010/main" xmlns="" w="9525">
                   <a:solidFill>
                     <a:srgbClr val="000000"/>
                   </a:solidFill>
@@ -3537,7 +3537,7 @@
             </a:ln>
             <a:extLst>
               <a:ext uri="{91240B29-F687-4f45-9708-019B960494DF}">
-                <a14:hiddenLine xmlns="" xmlns:a14="http://schemas.microsoft.com/office/drawing/2010/main" w="9525">
+                <a14:hiddenLine xmlns:a14="http://schemas.microsoft.com/office/drawing/2010/main" xmlns="" w="9525">
                   <a:solidFill>
                     <a:srgbClr val="000000"/>
                   </a:solidFill>
@@ -3627,7 +3627,7 @@
             </a:ln>
             <a:extLst>
               <a:ext uri="{91240B29-F687-4f45-9708-019B960494DF}">
-                <a14:hiddenLine xmlns="" xmlns:a14="http://schemas.microsoft.com/office/drawing/2010/main" w="9525">
+                <a14:hiddenLine xmlns:a14="http://schemas.microsoft.com/office/drawing/2010/main" xmlns="" w="9525">
                   <a:solidFill>
                     <a:srgbClr val="000000"/>
                   </a:solidFill>
@@ -3661,7 +3661,7 @@
             </a:ln>
             <a:extLst>
               <a:ext uri="{91240B29-F687-4f45-9708-019B960494DF}">
-                <a14:hiddenLine xmlns="" xmlns:a14="http://schemas.microsoft.com/office/drawing/2010/main" w="9525">
+                <a14:hiddenLine xmlns:a14="http://schemas.microsoft.com/office/drawing/2010/main" xmlns="" w="9525">
                   <a:solidFill>
                     <a:srgbClr val="000000"/>
                   </a:solidFill>
@@ -3726,7 +3726,7 @@
             </a:ln>
             <a:extLst>
               <a:ext uri="{91240B29-F687-4f45-9708-019B960494DF}">
-                <a14:hiddenLine xmlns="" xmlns:a14="http://schemas.microsoft.com/office/drawing/2010/main" w="9525">
+                <a14:hiddenLine xmlns:a14="http://schemas.microsoft.com/office/drawing/2010/main" xmlns="" w="9525">
                   <a:solidFill>
                     <a:srgbClr val="000000"/>
                   </a:solidFill>
@@ -3816,7 +3816,7 @@
             </a:ln>
             <a:extLst>
               <a:ext uri="{91240B29-F687-4f45-9708-019B960494DF}">
-                <a14:hiddenLine xmlns="" xmlns:a14="http://schemas.microsoft.com/office/drawing/2010/main" w="9525">
+                <a14:hiddenLine xmlns:a14="http://schemas.microsoft.com/office/drawing/2010/main" xmlns="" w="9525">
                   <a:solidFill>
                     <a:srgbClr val="000000"/>
                   </a:solidFill>
@@ -3878,7 +3878,7 @@
             </a:ln>
             <a:extLst>
               <a:ext uri="{91240B29-F687-4f45-9708-019B960494DF}">
-                <a14:hiddenLine xmlns="" xmlns:a14="http://schemas.microsoft.com/office/drawing/2010/main" w="9525">
+                <a14:hiddenLine xmlns:a14="http://schemas.microsoft.com/office/drawing/2010/main" xmlns="" w="9525">
                   <a:solidFill>
                     <a:srgbClr val="000000"/>
                   </a:solidFill>
@@ -3968,7 +3968,7 @@
             </a:ln>
             <a:extLst>
               <a:ext uri="{91240B29-F687-4f45-9708-019B960494DF}">
-                <a14:hiddenLine xmlns="" xmlns:a14="http://schemas.microsoft.com/office/drawing/2010/main" w="9525">
+                <a14:hiddenLine xmlns:a14="http://schemas.microsoft.com/office/drawing/2010/main" xmlns="" w="9525">
                   <a:solidFill>
                     <a:srgbClr val="000000"/>
                   </a:solidFill>
@@ -4058,7 +4058,7 @@
             </a:ln>
             <a:extLst>
               <a:ext uri="{91240B29-F687-4f45-9708-019B960494DF}">
-                <a14:hiddenLine xmlns="" xmlns:a14="http://schemas.microsoft.com/office/drawing/2010/main" w="9525">
+                <a14:hiddenLine xmlns:a14="http://schemas.microsoft.com/office/drawing/2010/main" xmlns="" w="9525">
                   <a:solidFill>
                     <a:srgbClr val="000000"/>
                   </a:solidFill>
@@ -4123,7 +4123,7 @@
             </a:ln>
             <a:extLst>
               <a:ext uri="{91240B29-F687-4f45-9708-019B960494DF}">
-                <a14:hiddenLine xmlns="" xmlns:a14="http://schemas.microsoft.com/office/drawing/2010/main" w="9525">
+                <a14:hiddenLine xmlns:a14="http://schemas.microsoft.com/office/drawing/2010/main" xmlns="" w="9525">
                   <a:solidFill>
                     <a:srgbClr val="000000"/>
                   </a:solidFill>
@@ -4185,7 +4185,7 @@
             </a:ln>
             <a:extLst>
               <a:ext uri="{91240B29-F687-4f45-9708-019B960494DF}">
-                <a14:hiddenLine xmlns="" xmlns:a14="http://schemas.microsoft.com/office/drawing/2010/main" w="9525">
+                <a14:hiddenLine xmlns:a14="http://schemas.microsoft.com/office/drawing/2010/main" xmlns="" w="9525">
                   <a:solidFill>
                     <a:srgbClr val="000000"/>
                   </a:solidFill>
@@ -4275,7 +4275,7 @@
             </a:ln>
             <a:extLst>
               <a:ext uri="{91240B29-F687-4f45-9708-019B960494DF}">
-                <a14:hiddenLine xmlns="" xmlns:a14="http://schemas.microsoft.com/office/drawing/2010/main" w="9525">
+                <a14:hiddenLine xmlns:a14="http://schemas.microsoft.com/office/drawing/2010/main" xmlns="" w="9525">
                   <a:solidFill>
                     <a:srgbClr val="000000"/>
                   </a:solidFill>
@@ -4365,7 +4365,7 @@
             </a:ln>
             <a:extLst>
               <a:ext uri="{91240B29-F687-4f45-9708-019B960494DF}">
-                <a14:hiddenLine xmlns="" xmlns:a14="http://schemas.microsoft.com/office/drawing/2010/main" w="9525">
+                <a14:hiddenLine xmlns:a14="http://schemas.microsoft.com/office/drawing/2010/main" xmlns="" w="9525">
                   <a:solidFill>
                     <a:srgbClr val="000000"/>
                   </a:solidFill>
@@ -4427,7 +4427,7 @@
             </a:ln>
             <a:extLst>
               <a:ext uri="{91240B29-F687-4f45-9708-019B960494DF}">
-                <a14:hiddenLine xmlns="" xmlns:a14="http://schemas.microsoft.com/office/drawing/2010/main" w="9525">
+                <a14:hiddenLine xmlns:a14="http://schemas.microsoft.com/office/drawing/2010/main" xmlns="" w="9525">
                   <a:solidFill>
                     <a:srgbClr val="000000"/>
                   </a:solidFill>
@@ -4547,7 +4547,7 @@
             </a:ln>
             <a:extLst>
               <a:ext uri="{91240B29-F687-4f45-9708-019B960494DF}">
-                <a14:hiddenLine xmlns="" xmlns:a14="http://schemas.microsoft.com/office/drawing/2010/main" w="9525">
+                <a14:hiddenLine xmlns:a14="http://schemas.microsoft.com/office/drawing/2010/main" xmlns="" w="9525">
                   <a:solidFill>
                     <a:srgbClr val="000000"/>
                   </a:solidFill>
@@ -4615,7 +4615,7 @@
             </a:ln>
             <a:extLst>
               <a:ext uri="{91240B29-F687-4f45-9708-019B960494DF}">
-                <a14:hiddenLine xmlns="" xmlns:a14="http://schemas.microsoft.com/office/drawing/2010/main" w="9525">
+                <a14:hiddenLine xmlns:a14="http://schemas.microsoft.com/office/drawing/2010/main" xmlns="" w="9525">
                   <a:solidFill>
                     <a:srgbClr val="000000"/>
                   </a:solidFill>
@@ -4705,7 +4705,7 @@
             </a:ln>
             <a:extLst>
               <a:ext uri="{91240B29-F687-4f45-9708-019B960494DF}">
-                <a14:hiddenLine xmlns="" xmlns:a14="http://schemas.microsoft.com/office/drawing/2010/main" w="9525">
+                <a14:hiddenLine xmlns:a14="http://schemas.microsoft.com/office/drawing/2010/main" xmlns="" w="9525">
                   <a:solidFill>
                     <a:srgbClr val="000000"/>
                   </a:solidFill>
@@ -4845,7 +4845,7 @@
           <a:p>
             <a:fld id="{3E440231-8DCC-48AA-ABEF-1F8D29FA8B99}" type="datetimeFigureOut">
               <a:rPr lang="hu-HU" smtClean="0"/>
-              <a:t>2023. 03. 19.</a:t>
+              <a:t>2023. 03. 21.</a:t>
             </a:fld>
             <a:endParaRPr lang="hu-HU"/>
           </a:p>
@@ -5112,7 +5112,7 @@
           <a:p>
             <a:fld id="{3E440231-8DCC-48AA-ABEF-1F8D29FA8B99}" type="datetimeFigureOut">
               <a:rPr lang="hu-HU" smtClean="0"/>
-              <a:t>2023. 03. 19.</a:t>
+              <a:t>2023. 03. 21.</a:t>
             </a:fld>
             <a:endParaRPr lang="hu-HU"/>
           </a:p>
@@ -5308,7 +5308,7 @@
           <a:p>
             <a:fld id="{3E440231-8DCC-48AA-ABEF-1F8D29FA8B99}" type="datetimeFigureOut">
               <a:rPr lang="hu-HU" smtClean="0"/>
-              <a:t>2023. 03. 19.</a:t>
+              <a:t>2023. 03. 21.</a:t>
             </a:fld>
             <a:endParaRPr lang="hu-HU"/>
           </a:p>
@@ -5571,7 +5571,7 @@
           <a:p>
             <a:fld id="{3E440231-8DCC-48AA-ABEF-1F8D29FA8B99}" type="datetimeFigureOut">
               <a:rPr lang="hu-HU" smtClean="0"/>
-              <a:t>2023. 03. 19.</a:t>
+              <a:t>2023. 03. 21.</a:t>
             </a:fld>
             <a:endParaRPr lang="hu-HU"/>
           </a:p>
@@ -6005,7 +6005,7 @@
           <a:p>
             <a:fld id="{3E440231-8DCC-48AA-ABEF-1F8D29FA8B99}" type="datetimeFigureOut">
               <a:rPr lang="hu-HU" smtClean="0"/>
-              <a:t>2023. 03. 19.</a:t>
+              <a:t>2023. 03. 21.</a:t>
             </a:fld>
             <a:endParaRPr lang="hu-HU"/>
           </a:p>
@@ -6551,7 +6551,7 @@
           <a:p>
             <a:fld id="{3E440231-8DCC-48AA-ABEF-1F8D29FA8B99}" type="datetimeFigureOut">
               <a:rPr lang="hu-HU" smtClean="0"/>
-              <a:t>2023. 03. 19.</a:t>
+              <a:t>2023. 03. 21.</a:t>
             </a:fld>
             <a:endParaRPr lang="hu-HU"/>
           </a:p>
@@ -7271,7 +7271,7 @@
           <a:p>
             <a:fld id="{3E440231-8DCC-48AA-ABEF-1F8D29FA8B99}" type="datetimeFigureOut">
               <a:rPr lang="hu-HU" smtClean="0"/>
-              <a:t>2023. 03. 19.</a:t>
+              <a:t>2023. 03. 21.</a:t>
             </a:fld>
             <a:endParaRPr lang="hu-HU"/>
           </a:p>
@@ -7441,7 +7441,7 @@
           <a:p>
             <a:fld id="{3E440231-8DCC-48AA-ABEF-1F8D29FA8B99}" type="datetimeFigureOut">
               <a:rPr lang="hu-HU" smtClean="0"/>
-              <a:t>2023. 03. 19.</a:t>
+              <a:t>2023. 03. 21.</a:t>
             </a:fld>
             <a:endParaRPr lang="hu-HU"/>
           </a:p>
@@ -7621,7 +7621,7 @@
           <a:p>
             <a:fld id="{3E440231-8DCC-48AA-ABEF-1F8D29FA8B99}" type="datetimeFigureOut">
               <a:rPr lang="hu-HU" smtClean="0"/>
-              <a:t>2023. 03. 19.</a:t>
+              <a:t>2023. 03. 21.</a:t>
             </a:fld>
             <a:endParaRPr lang="hu-HU"/>
           </a:p>
@@ -7791,7 +7791,7 @@
           <a:p>
             <a:fld id="{3E440231-8DCC-48AA-ABEF-1F8D29FA8B99}" type="datetimeFigureOut">
               <a:rPr lang="hu-HU" smtClean="0"/>
-              <a:t>2023. 03. 19.</a:t>
+              <a:t>2023. 03. 21.</a:t>
             </a:fld>
             <a:endParaRPr lang="hu-HU"/>
           </a:p>
@@ -8041,7 +8041,7 @@
           <a:p>
             <a:fld id="{3E440231-8DCC-48AA-ABEF-1F8D29FA8B99}" type="datetimeFigureOut">
               <a:rPr lang="hu-HU" smtClean="0"/>
-              <a:t>2023. 03. 19.</a:t>
+              <a:t>2023. 03. 21.</a:t>
             </a:fld>
             <a:endParaRPr lang="hu-HU"/>
           </a:p>
@@ -8273,7 +8273,7 @@
           <a:p>
             <a:fld id="{3E440231-8DCC-48AA-ABEF-1F8D29FA8B99}" type="datetimeFigureOut">
               <a:rPr lang="hu-HU" smtClean="0"/>
-              <a:t>2023. 03. 19.</a:t>
+              <a:t>2023. 03. 21.</a:t>
             </a:fld>
             <a:endParaRPr lang="hu-HU"/>
           </a:p>
@@ -8654,7 +8654,7 @@
           <a:p>
             <a:fld id="{3E440231-8DCC-48AA-ABEF-1F8D29FA8B99}" type="datetimeFigureOut">
               <a:rPr lang="hu-HU" smtClean="0"/>
-              <a:t>2023. 03. 19.</a:t>
+              <a:t>2023. 03. 21.</a:t>
             </a:fld>
             <a:endParaRPr lang="hu-HU"/>
           </a:p>
@@ -8772,7 +8772,7 @@
           <a:p>
             <a:fld id="{3E440231-8DCC-48AA-ABEF-1F8D29FA8B99}" type="datetimeFigureOut">
               <a:rPr lang="hu-HU" smtClean="0"/>
-              <a:t>2023. 03. 19.</a:t>
+              <a:t>2023. 03. 21.</a:t>
             </a:fld>
             <a:endParaRPr lang="hu-HU"/>
           </a:p>
@@ -8867,7 +8867,7 @@
           <a:p>
             <a:fld id="{3E440231-8DCC-48AA-ABEF-1F8D29FA8B99}" type="datetimeFigureOut">
               <a:rPr lang="hu-HU" smtClean="0"/>
-              <a:t>2023. 03. 19.</a:t>
+              <a:t>2023. 03. 21.</a:t>
             </a:fld>
             <a:endParaRPr lang="hu-HU"/>
           </a:p>
@@ -9116,7 +9116,7 @@
           <a:p>
             <a:fld id="{3E440231-8DCC-48AA-ABEF-1F8D29FA8B99}" type="datetimeFigureOut">
               <a:rPr lang="hu-HU" smtClean="0"/>
-              <a:t>2023. 03. 19.</a:t>
+              <a:t>2023. 03. 21.</a:t>
             </a:fld>
             <a:endParaRPr lang="hu-HU"/>
           </a:p>
@@ -9396,7 +9396,7 @@
           <a:p>
             <a:fld id="{3E440231-8DCC-48AA-ABEF-1F8D29FA8B99}" type="datetimeFigureOut">
               <a:rPr lang="hu-HU" smtClean="0"/>
-              <a:t>2023. 03. 19.</a:t>
+              <a:t>2023. 03. 21.</a:t>
             </a:fld>
             <a:endParaRPr lang="hu-HU"/>
           </a:p>
@@ -9519,7 +9519,7 @@
           <a:noFill/>
           <a:extLst>
             <a:ext uri="{909E8E84-426E-40dd-AFC4-6F175D3DCCD1}">
-              <a14:hiddenFill xmlns="" xmlns:a14="http://schemas.microsoft.com/office/drawing/2010/main">
+              <a14:hiddenFill xmlns:a14="http://schemas.microsoft.com/office/drawing/2010/main" xmlns="">
                 <a:solidFill>
                   <a:srgbClr val="FFFFFF"/>
                 </a:solidFill>
@@ -9593,7 +9593,7 @@
               </a:ln>
               <a:extLst>
                 <a:ext uri="{91240B29-F687-4f45-9708-019B960494DF}">
-                  <a14:hiddenLine xmlns="" xmlns:a14="http://schemas.microsoft.com/office/drawing/2010/main" w="9525">
+                  <a14:hiddenLine xmlns:a14="http://schemas.microsoft.com/office/drawing/2010/main" xmlns="" w="9525">
                     <a:solidFill>
                       <a:srgbClr val="000000"/>
                     </a:solidFill>
@@ -9683,7 +9683,7 @@
               </a:ln>
               <a:extLst>
                 <a:ext uri="{91240B29-F687-4f45-9708-019B960494DF}">
-                  <a14:hiddenLine xmlns="" xmlns:a14="http://schemas.microsoft.com/office/drawing/2010/main" w="9525">
+                  <a14:hiddenLine xmlns:a14="http://schemas.microsoft.com/office/drawing/2010/main" xmlns="" w="9525">
                     <a:solidFill>
                       <a:srgbClr val="000000"/>
                     </a:solidFill>
@@ -9773,7 +9773,7 @@
               </a:ln>
               <a:extLst>
                 <a:ext uri="{91240B29-F687-4f45-9708-019B960494DF}">
-                  <a14:hiddenLine xmlns="" xmlns:a14="http://schemas.microsoft.com/office/drawing/2010/main" w="9525">
+                  <a14:hiddenLine xmlns:a14="http://schemas.microsoft.com/office/drawing/2010/main" xmlns="" w="9525">
                     <a:solidFill>
                       <a:srgbClr val="000000"/>
                     </a:solidFill>
@@ -9835,7 +9835,7 @@
               </a:ln>
               <a:extLst>
                 <a:ext uri="{91240B29-F687-4f45-9708-019B960494DF}">
-                  <a14:hiddenLine xmlns="" xmlns:a14="http://schemas.microsoft.com/office/drawing/2010/main" w="9525">
+                  <a14:hiddenLine xmlns:a14="http://schemas.microsoft.com/office/drawing/2010/main" xmlns="" w="9525">
                     <a:solidFill>
                       <a:srgbClr val="000000"/>
                     </a:solidFill>
@@ -9925,7 +9925,7 @@
               </a:ln>
               <a:extLst>
                 <a:ext uri="{91240B29-F687-4f45-9708-019B960494DF}">
-                  <a14:hiddenLine xmlns="" xmlns:a14="http://schemas.microsoft.com/office/drawing/2010/main" w="9525">
+                  <a14:hiddenLine xmlns:a14="http://schemas.microsoft.com/office/drawing/2010/main" xmlns="" w="9525">
                     <a:solidFill>
                       <a:srgbClr val="000000"/>
                     </a:solidFill>
@@ -9987,7 +9987,7 @@
               </a:ln>
               <a:extLst>
                 <a:ext uri="{91240B29-F687-4f45-9708-019B960494DF}">
-                  <a14:hiddenLine xmlns="" xmlns:a14="http://schemas.microsoft.com/office/drawing/2010/main" w="9525">
+                  <a14:hiddenLine xmlns:a14="http://schemas.microsoft.com/office/drawing/2010/main" xmlns="" w="9525">
                     <a:solidFill>
                       <a:srgbClr val="000000"/>
                     </a:solidFill>
@@ -10049,7 +10049,7 @@
               </a:ln>
               <a:extLst>
                 <a:ext uri="{91240B29-F687-4f45-9708-019B960494DF}">
-                  <a14:hiddenLine xmlns="" xmlns:a14="http://schemas.microsoft.com/office/drawing/2010/main" w="9525">
+                  <a14:hiddenLine xmlns:a14="http://schemas.microsoft.com/office/drawing/2010/main" xmlns="" w="9525">
                     <a:solidFill>
                       <a:srgbClr val="000000"/>
                     </a:solidFill>
@@ -10139,7 +10139,7 @@
               </a:ln>
               <a:extLst>
                 <a:ext uri="{91240B29-F687-4f45-9708-019B960494DF}">
-                  <a14:hiddenLine xmlns="" xmlns:a14="http://schemas.microsoft.com/office/drawing/2010/main" w="9525">
+                  <a14:hiddenLine xmlns:a14="http://schemas.microsoft.com/office/drawing/2010/main" xmlns="" w="9525">
                     <a:solidFill>
                       <a:srgbClr val="000000"/>
                     </a:solidFill>
@@ -10229,7 +10229,7 @@
               </a:ln>
               <a:extLst>
                 <a:ext uri="{91240B29-F687-4f45-9708-019B960494DF}">
-                  <a14:hiddenLine xmlns="" xmlns:a14="http://schemas.microsoft.com/office/drawing/2010/main" w="9525">
+                  <a14:hiddenLine xmlns:a14="http://schemas.microsoft.com/office/drawing/2010/main" xmlns="" w="9525">
                     <a:solidFill>
                       <a:srgbClr val="000000"/>
                     </a:solidFill>
@@ -10291,7 +10291,7 @@
               </a:ln>
               <a:extLst>
                 <a:ext uri="{91240B29-F687-4f45-9708-019B960494DF}">
-                  <a14:hiddenLine xmlns="" xmlns:a14="http://schemas.microsoft.com/office/drawing/2010/main" w="9525">
+                  <a14:hiddenLine xmlns:a14="http://schemas.microsoft.com/office/drawing/2010/main" xmlns="" w="9525">
                     <a:solidFill>
                       <a:srgbClr val="000000"/>
                     </a:solidFill>
@@ -10401,7 +10401,7 @@
               </a:ln>
               <a:extLst>
                 <a:ext uri="{91240B29-F687-4f45-9708-019B960494DF}">
-                  <a14:hiddenLine xmlns="" xmlns:a14="http://schemas.microsoft.com/office/drawing/2010/main" w="9525">
+                  <a14:hiddenLine xmlns:a14="http://schemas.microsoft.com/office/drawing/2010/main" xmlns="" w="9525">
                     <a:solidFill>
                       <a:srgbClr val="000000"/>
                     </a:solidFill>
@@ -10485,7 +10485,7 @@
               </a:ln>
               <a:extLst>
                 <a:ext uri="{91240B29-F687-4f45-9708-019B960494DF}">
-                  <a14:hiddenLine xmlns="" xmlns:a14="http://schemas.microsoft.com/office/drawing/2010/main" w="9525">
+                  <a14:hiddenLine xmlns:a14="http://schemas.microsoft.com/office/drawing/2010/main" xmlns="" w="9525">
                     <a:solidFill>
                       <a:srgbClr val="000000"/>
                     </a:solidFill>
@@ -10547,7 +10547,7 @@
               </a:ln>
               <a:extLst>
                 <a:ext uri="{91240B29-F687-4f45-9708-019B960494DF}">
-                  <a14:hiddenLine xmlns="" xmlns:a14="http://schemas.microsoft.com/office/drawing/2010/main" w="9525">
+                  <a14:hiddenLine xmlns:a14="http://schemas.microsoft.com/office/drawing/2010/main" xmlns="" w="9525">
                     <a:solidFill>
                       <a:srgbClr val="000000"/>
                     </a:solidFill>
@@ -10609,7 +10609,7 @@
               </a:ln>
               <a:extLst>
                 <a:ext uri="{91240B29-F687-4f45-9708-019B960494DF}">
-                  <a14:hiddenLine xmlns="" xmlns:a14="http://schemas.microsoft.com/office/drawing/2010/main" w="9525">
+                  <a14:hiddenLine xmlns:a14="http://schemas.microsoft.com/office/drawing/2010/main" xmlns="" w="9525">
                     <a:solidFill>
                       <a:srgbClr val="000000"/>
                     </a:solidFill>
@@ -10699,7 +10699,7 @@
               </a:ln>
               <a:extLst>
                 <a:ext uri="{91240B29-F687-4f45-9708-019B960494DF}">
-                  <a14:hiddenLine xmlns="" xmlns:a14="http://schemas.microsoft.com/office/drawing/2010/main" w="9525">
+                  <a14:hiddenLine xmlns:a14="http://schemas.microsoft.com/office/drawing/2010/main" xmlns="" w="9525">
                     <a:solidFill>
                       <a:srgbClr val="000000"/>
                     </a:solidFill>
@@ -10733,7 +10733,7 @@
               </a:ln>
               <a:extLst>
                 <a:ext uri="{91240B29-F687-4f45-9708-019B960494DF}">
-                  <a14:hiddenLine xmlns="" xmlns:a14="http://schemas.microsoft.com/office/drawing/2010/main" w="9525">
+                  <a14:hiddenLine xmlns:a14="http://schemas.microsoft.com/office/drawing/2010/main" xmlns="" w="9525">
                     <a:solidFill>
                       <a:srgbClr val="000000"/>
                     </a:solidFill>
@@ -10798,7 +10798,7 @@
               </a:ln>
               <a:extLst>
                 <a:ext uri="{91240B29-F687-4f45-9708-019B960494DF}">
-                  <a14:hiddenLine xmlns="" xmlns:a14="http://schemas.microsoft.com/office/drawing/2010/main" w="9525">
+                  <a14:hiddenLine xmlns:a14="http://schemas.microsoft.com/office/drawing/2010/main" xmlns="" w="9525">
                     <a:solidFill>
                       <a:srgbClr val="000000"/>
                     </a:solidFill>
@@ -10888,7 +10888,7 @@
               </a:ln>
               <a:extLst>
                 <a:ext uri="{91240B29-F687-4f45-9708-019B960494DF}">
-                  <a14:hiddenLine xmlns="" xmlns:a14="http://schemas.microsoft.com/office/drawing/2010/main" w="9525">
+                  <a14:hiddenLine xmlns:a14="http://schemas.microsoft.com/office/drawing/2010/main" xmlns="" w="9525">
                     <a:solidFill>
                       <a:srgbClr val="000000"/>
                     </a:solidFill>
@@ -10950,7 +10950,7 @@
               </a:ln>
               <a:extLst>
                 <a:ext uri="{91240B29-F687-4f45-9708-019B960494DF}">
-                  <a14:hiddenLine xmlns="" xmlns:a14="http://schemas.microsoft.com/office/drawing/2010/main" w="9525">
+                  <a14:hiddenLine xmlns:a14="http://schemas.microsoft.com/office/drawing/2010/main" xmlns="" w="9525">
                     <a:solidFill>
                       <a:srgbClr val="000000"/>
                     </a:solidFill>
@@ -11040,7 +11040,7 @@
               </a:ln>
               <a:extLst>
                 <a:ext uri="{91240B29-F687-4f45-9708-019B960494DF}">
-                  <a14:hiddenLine xmlns="" xmlns:a14="http://schemas.microsoft.com/office/drawing/2010/main" w="9525">
+                  <a14:hiddenLine xmlns:a14="http://schemas.microsoft.com/office/drawing/2010/main" xmlns="" w="9525">
                     <a:solidFill>
                       <a:srgbClr val="000000"/>
                     </a:solidFill>
@@ -11105,7 +11105,7 @@
               </a:ln>
               <a:extLst>
                 <a:ext uri="{91240B29-F687-4f45-9708-019B960494DF}">
-                  <a14:hiddenLine xmlns="" xmlns:a14="http://schemas.microsoft.com/office/drawing/2010/main" w="9525">
+                  <a14:hiddenLine xmlns:a14="http://schemas.microsoft.com/office/drawing/2010/main" xmlns="" w="9525">
                     <a:solidFill>
                       <a:srgbClr val="000000"/>
                     </a:solidFill>
@@ -11167,7 +11167,7 @@
               </a:ln>
               <a:extLst>
                 <a:ext uri="{91240B29-F687-4f45-9708-019B960494DF}">
-                  <a14:hiddenLine xmlns="" xmlns:a14="http://schemas.microsoft.com/office/drawing/2010/main" w="9525">
+                  <a14:hiddenLine xmlns:a14="http://schemas.microsoft.com/office/drawing/2010/main" xmlns="" w="9525">
                     <a:solidFill>
                       <a:srgbClr val="000000"/>
                     </a:solidFill>
@@ -11257,7 +11257,7 @@
               </a:ln>
               <a:extLst>
                 <a:ext uri="{91240B29-F687-4f45-9708-019B960494DF}">
-                  <a14:hiddenLine xmlns="" xmlns:a14="http://schemas.microsoft.com/office/drawing/2010/main" w="9525">
+                  <a14:hiddenLine xmlns:a14="http://schemas.microsoft.com/office/drawing/2010/main" xmlns="" w="9525">
                     <a:solidFill>
                       <a:srgbClr val="000000"/>
                     </a:solidFill>
@@ -11347,7 +11347,7 @@
               </a:ln>
               <a:extLst>
                 <a:ext uri="{91240B29-F687-4f45-9708-019B960494DF}">
-                  <a14:hiddenLine xmlns="" xmlns:a14="http://schemas.microsoft.com/office/drawing/2010/main" w="9525">
+                  <a14:hiddenLine xmlns:a14="http://schemas.microsoft.com/office/drawing/2010/main" xmlns="" w="9525">
                     <a:solidFill>
                       <a:srgbClr val="000000"/>
                     </a:solidFill>
@@ -11412,7 +11412,7 @@
               </a:ln>
               <a:extLst>
                 <a:ext uri="{91240B29-F687-4f45-9708-019B960494DF}">
-                  <a14:hiddenLine xmlns="" xmlns:a14="http://schemas.microsoft.com/office/drawing/2010/main" w="9525">
+                  <a14:hiddenLine xmlns:a14="http://schemas.microsoft.com/office/drawing/2010/main" xmlns="" w="9525">
                     <a:solidFill>
                       <a:srgbClr val="000000"/>
                     </a:solidFill>
@@ -11532,7 +11532,7 @@
               </a:ln>
               <a:extLst>
                 <a:ext uri="{91240B29-F687-4f45-9708-019B960494DF}">
-                  <a14:hiddenLine xmlns="" xmlns:a14="http://schemas.microsoft.com/office/drawing/2010/main" w="9525">
+                  <a14:hiddenLine xmlns:a14="http://schemas.microsoft.com/office/drawing/2010/main" xmlns="" w="9525">
                     <a:solidFill>
                       <a:srgbClr val="000000"/>
                     </a:solidFill>
@@ -11630,7 +11630,7 @@
               </a:ln>
               <a:extLst>
                 <a:ext uri="{91240B29-F687-4f45-9708-019B960494DF}">
-                  <a14:hiddenLine xmlns="" xmlns:a14="http://schemas.microsoft.com/office/drawing/2010/main" w="9525">
+                  <a14:hiddenLine xmlns:a14="http://schemas.microsoft.com/office/drawing/2010/main" xmlns="" w="9525">
                     <a:solidFill>
                       <a:srgbClr val="000000"/>
                     </a:solidFill>
@@ -11745,7 +11745,7 @@
               </a:ln>
               <a:extLst>
                 <a:ext uri="{91240B29-F687-4f45-9708-019B960494DF}">
-                  <a14:hiddenLine xmlns="" xmlns:a14="http://schemas.microsoft.com/office/drawing/2010/main" w="9525">
+                  <a14:hiddenLine xmlns:a14="http://schemas.microsoft.com/office/drawing/2010/main" xmlns="" w="9525">
                     <a:solidFill>
                       <a:srgbClr val="000000"/>
                     </a:solidFill>
@@ -11835,7 +11835,7 @@
               </a:ln>
               <a:extLst>
                 <a:ext uri="{91240B29-F687-4f45-9708-019B960494DF}">
-                  <a14:hiddenLine xmlns="" xmlns:a14="http://schemas.microsoft.com/office/drawing/2010/main" w="9525">
+                  <a14:hiddenLine xmlns:a14="http://schemas.microsoft.com/office/drawing/2010/main" xmlns="" w="9525">
                     <a:solidFill>
                       <a:srgbClr val="000000"/>
                     </a:solidFill>
@@ -11900,7 +11900,7 @@
               </a:ln>
               <a:extLst>
                 <a:ext uri="{91240B29-F687-4f45-9708-019B960494DF}">
-                  <a14:hiddenLine xmlns="" xmlns:a14="http://schemas.microsoft.com/office/drawing/2010/main" w="9525">
+                  <a14:hiddenLine xmlns:a14="http://schemas.microsoft.com/office/drawing/2010/main" xmlns="" w="9525">
                     <a:solidFill>
                       <a:srgbClr val="000000"/>
                     </a:solidFill>
@@ -11990,7 +11990,7 @@
               </a:ln>
               <a:extLst>
                 <a:ext uri="{91240B29-F687-4f45-9708-019B960494DF}">
-                  <a14:hiddenLine xmlns="" xmlns:a14="http://schemas.microsoft.com/office/drawing/2010/main" w="9525">
+                  <a14:hiddenLine xmlns:a14="http://schemas.microsoft.com/office/drawing/2010/main" xmlns="" w="9525">
                     <a:solidFill>
                       <a:srgbClr val="000000"/>
                     </a:solidFill>
@@ -12058,7 +12058,7 @@
               </a:ln>
               <a:extLst>
                 <a:ext uri="{91240B29-F687-4f45-9708-019B960494DF}">
-                  <a14:hiddenLine xmlns="" xmlns:a14="http://schemas.microsoft.com/office/drawing/2010/main" w="9525">
+                  <a14:hiddenLine xmlns:a14="http://schemas.microsoft.com/office/drawing/2010/main" xmlns="" w="9525">
                     <a:solidFill>
                       <a:srgbClr val="000000"/>
                     </a:solidFill>
@@ -12148,7 +12148,7 @@
               </a:ln>
               <a:extLst>
                 <a:ext uri="{91240B29-F687-4f45-9708-019B960494DF}">
-                  <a14:hiddenLine xmlns="" xmlns:a14="http://schemas.microsoft.com/office/drawing/2010/main" w="9525">
+                  <a14:hiddenLine xmlns:a14="http://schemas.microsoft.com/office/drawing/2010/main" xmlns="" w="9525">
                     <a:solidFill>
                       <a:srgbClr val="000000"/>
                     </a:solidFill>
@@ -12216,7 +12216,7 @@
               </a:ln>
               <a:extLst>
                 <a:ext uri="{91240B29-F687-4f45-9708-019B960494DF}">
-                  <a14:hiddenLine xmlns="" xmlns:a14="http://schemas.microsoft.com/office/drawing/2010/main" w="9525">
+                  <a14:hiddenLine xmlns:a14="http://schemas.microsoft.com/office/drawing/2010/main" xmlns="" w="9525">
                     <a:solidFill>
                       <a:srgbClr val="000000"/>
                     </a:solidFill>
@@ -12306,7 +12306,7 @@
               </a:ln>
               <a:extLst>
                 <a:ext uri="{91240B29-F687-4f45-9708-019B960494DF}">
-                  <a14:hiddenLine xmlns="" xmlns:a14="http://schemas.microsoft.com/office/drawing/2010/main" w="9525">
+                  <a14:hiddenLine xmlns:a14="http://schemas.microsoft.com/office/drawing/2010/main" xmlns="" w="9525">
                     <a:solidFill>
                       <a:srgbClr val="000000"/>
                     </a:solidFill>
@@ -12340,7 +12340,7 @@
               </a:ln>
               <a:extLst>
                 <a:ext uri="{91240B29-F687-4f45-9708-019B960494DF}">
-                  <a14:hiddenLine xmlns="" xmlns:a14="http://schemas.microsoft.com/office/drawing/2010/main" w="9525">
+                  <a14:hiddenLine xmlns:a14="http://schemas.microsoft.com/office/drawing/2010/main" xmlns="" w="9525">
                     <a:solidFill>
                       <a:srgbClr val="000000"/>
                     </a:solidFill>
@@ -12480,7 +12480,7 @@
           <a:p>
             <a:fld id="{3E440231-8DCC-48AA-ABEF-1F8D29FA8B99}" type="datetimeFigureOut">
               <a:rPr lang="hu-HU" smtClean="0"/>
-              <a:t>2023. 03. 19.</a:t>
+              <a:t>2023. 03. 21.</a:t>
             </a:fld>
             <a:endParaRPr lang="hu-HU"/>
           </a:p>
@@ -14619,7 +14619,7 @@
             <a:pPr algn="ctr"/>
             <a:r>
               <a:rPr lang="en-HU"/>
-              <a:t>ÉpületHatárok Szabalályozása</a:t>
+              <a:t>ÉpületHatárok Szabályozása</a:t>
             </a:r>
             <a:endParaRPr lang="en-HU" dirty="0"/>
           </a:p>
@@ -15322,7 +15322,7 @@
             <a:noFill/>
             <a:extLst>
               <a:ext uri="{909E8E84-426E-40dd-AFC4-6F175D3DCCD1}">
-                <a14:hiddenFill xmlns="" xmlns:a16="http://schemas.microsoft.com/office/drawing/2014/main" xmlns:a14="http://schemas.microsoft.com/office/drawing/2010/main" xmlns:p14="http://schemas.microsoft.com/office/powerpoint/2010/main">
+                <a14:hiddenFill xmlns:p14="http://schemas.microsoft.com/office/powerpoint/2010/main" xmlns:a14="http://schemas.microsoft.com/office/drawing/2010/main" xmlns:a16="http://schemas.microsoft.com/office/drawing/2014/main" xmlns="">
                   <a:solidFill>
                     <a:srgbClr val="FFFFFF"/>
                   </a:solidFill>
@@ -15477,7 +15477,7 @@
             </a:ln>
             <a:extLst>
               <a:ext uri="{91240B29-F687-4f45-9708-019B960494DF}">
-                <a14:hiddenLine xmlns="" xmlns:a16="http://schemas.microsoft.com/office/drawing/2014/main" xmlns:a14="http://schemas.microsoft.com/office/drawing/2010/main" xmlns:p14="http://schemas.microsoft.com/office/powerpoint/2010/main" w="9525">
+                <a14:hiddenLine xmlns:p14="http://schemas.microsoft.com/office/powerpoint/2010/main" xmlns:a14="http://schemas.microsoft.com/office/drawing/2010/main" xmlns:a16="http://schemas.microsoft.com/office/drawing/2014/main" xmlns="" w="9525">
                   <a:solidFill>
                     <a:srgbClr val="000000"/>
                   </a:solidFill>
@@ -15582,7 +15582,7 @@
             </a:ln>
             <a:extLst>
               <a:ext uri="{91240B29-F687-4f45-9708-019B960494DF}">
-                <a14:hiddenLine xmlns="" xmlns:a16="http://schemas.microsoft.com/office/drawing/2014/main" xmlns:a14="http://schemas.microsoft.com/office/drawing/2010/main" xmlns:p14="http://schemas.microsoft.com/office/powerpoint/2010/main" w="9525">
+                <a14:hiddenLine xmlns:p14="http://schemas.microsoft.com/office/powerpoint/2010/main" xmlns:a14="http://schemas.microsoft.com/office/drawing/2010/main" xmlns:a16="http://schemas.microsoft.com/office/drawing/2014/main" xmlns="" w="9525">
                   <a:solidFill>
                     <a:srgbClr val="000000"/>
                   </a:solidFill>
@@ -15687,7 +15687,7 @@
             </a:ln>
             <a:extLst>
               <a:ext uri="{91240B29-F687-4f45-9708-019B960494DF}">
-                <a14:hiddenLine xmlns="" xmlns:a16="http://schemas.microsoft.com/office/drawing/2014/main" xmlns:a14="http://schemas.microsoft.com/office/drawing/2010/main" xmlns:p14="http://schemas.microsoft.com/office/powerpoint/2010/main" w="9525">
+                <a14:hiddenLine xmlns:p14="http://schemas.microsoft.com/office/powerpoint/2010/main" xmlns:a14="http://schemas.microsoft.com/office/drawing/2010/main" xmlns:a16="http://schemas.microsoft.com/office/drawing/2014/main" xmlns="" w="9525">
                   <a:solidFill>
                     <a:srgbClr val="000000"/>
                   </a:solidFill>
@@ -15736,7 +15736,7 @@
             </a:ln>
             <a:extLst>
               <a:ext uri="{91240B29-F687-4f45-9708-019B960494DF}">
-                <a14:hiddenLine xmlns="" xmlns:a16="http://schemas.microsoft.com/office/drawing/2014/main" xmlns:a14="http://schemas.microsoft.com/office/drawing/2010/main" xmlns:p14="http://schemas.microsoft.com/office/powerpoint/2010/main" w="9525">
+                <a14:hiddenLine xmlns:p14="http://schemas.microsoft.com/office/powerpoint/2010/main" xmlns:a14="http://schemas.microsoft.com/office/drawing/2010/main" xmlns:a16="http://schemas.microsoft.com/office/drawing/2014/main" xmlns="" w="9525">
                   <a:solidFill>
                     <a:srgbClr val="000000"/>
                   </a:solidFill>
@@ -15841,7 +15841,7 @@
             </a:ln>
             <a:extLst>
               <a:ext uri="{91240B29-F687-4f45-9708-019B960494DF}">
-                <a14:hiddenLine xmlns="" xmlns:a16="http://schemas.microsoft.com/office/drawing/2014/main" xmlns:a14="http://schemas.microsoft.com/office/drawing/2010/main" xmlns:p14="http://schemas.microsoft.com/office/powerpoint/2010/main" w="9525">
+                <a14:hiddenLine xmlns:p14="http://schemas.microsoft.com/office/powerpoint/2010/main" xmlns:a14="http://schemas.microsoft.com/office/drawing/2010/main" xmlns:a16="http://schemas.microsoft.com/office/drawing/2014/main" xmlns="" w="9525">
                   <a:solidFill>
                     <a:srgbClr val="000000"/>
                   </a:solidFill>
@@ -15918,7 +15918,7 @@
             </a:ln>
             <a:extLst>
               <a:ext uri="{91240B29-F687-4f45-9708-019B960494DF}">
-                <a14:hiddenLine xmlns="" xmlns:a16="http://schemas.microsoft.com/office/drawing/2014/main" xmlns:a14="http://schemas.microsoft.com/office/drawing/2010/main" xmlns:p14="http://schemas.microsoft.com/office/powerpoint/2010/main" w="9525">
+                <a14:hiddenLine xmlns:p14="http://schemas.microsoft.com/office/powerpoint/2010/main" xmlns:a14="http://schemas.microsoft.com/office/drawing/2010/main" xmlns:a16="http://schemas.microsoft.com/office/drawing/2014/main" xmlns="" w="9525">
                   <a:solidFill>
                     <a:srgbClr val="000000"/>
                   </a:solidFill>
@@ -15995,7 +15995,7 @@
             </a:ln>
             <a:extLst>
               <a:ext uri="{91240B29-F687-4f45-9708-019B960494DF}">
-                <a14:hiddenLine xmlns="" xmlns:a16="http://schemas.microsoft.com/office/drawing/2014/main" xmlns:a14="http://schemas.microsoft.com/office/drawing/2010/main" xmlns:p14="http://schemas.microsoft.com/office/powerpoint/2010/main" w="9525">
+                <a14:hiddenLine xmlns:p14="http://schemas.microsoft.com/office/powerpoint/2010/main" xmlns:a14="http://schemas.microsoft.com/office/drawing/2010/main" xmlns:a16="http://schemas.microsoft.com/office/drawing/2014/main" xmlns="" w="9525">
                   <a:solidFill>
                     <a:srgbClr val="000000"/>
                   </a:solidFill>
@@ -16100,7 +16100,7 @@
             </a:ln>
             <a:extLst>
               <a:ext uri="{91240B29-F687-4f45-9708-019B960494DF}">
-                <a14:hiddenLine xmlns="" xmlns:a16="http://schemas.microsoft.com/office/drawing/2014/main" xmlns:a14="http://schemas.microsoft.com/office/drawing/2010/main" xmlns:p14="http://schemas.microsoft.com/office/powerpoint/2010/main" w="9525">
+                <a14:hiddenLine xmlns:p14="http://schemas.microsoft.com/office/powerpoint/2010/main" xmlns:a14="http://schemas.microsoft.com/office/drawing/2010/main" xmlns:a16="http://schemas.microsoft.com/office/drawing/2014/main" xmlns="" w="9525">
                   <a:solidFill>
                     <a:srgbClr val="000000"/>
                   </a:solidFill>
@@ -16177,7 +16177,7 @@
             </a:ln>
             <a:extLst>
               <a:ext uri="{91240B29-F687-4f45-9708-019B960494DF}">
-                <a14:hiddenLine xmlns="" xmlns:a16="http://schemas.microsoft.com/office/drawing/2014/main" xmlns:a14="http://schemas.microsoft.com/office/drawing/2010/main" xmlns:p14="http://schemas.microsoft.com/office/powerpoint/2010/main" w="9525">
+                <a14:hiddenLine xmlns:p14="http://schemas.microsoft.com/office/powerpoint/2010/main" xmlns:a14="http://schemas.microsoft.com/office/drawing/2010/main" xmlns:a16="http://schemas.microsoft.com/office/drawing/2014/main" xmlns="" w="9525">
                   <a:solidFill>
                     <a:srgbClr val="000000"/>
                   </a:solidFill>
@@ -16254,7 +16254,7 @@
             </a:ln>
             <a:extLst>
               <a:ext uri="{91240B29-F687-4f45-9708-019B960494DF}">
-                <a14:hiddenLine xmlns="" xmlns:a16="http://schemas.microsoft.com/office/drawing/2014/main" xmlns:a14="http://schemas.microsoft.com/office/drawing/2010/main" xmlns:p14="http://schemas.microsoft.com/office/powerpoint/2010/main" w="9525">
+                <a14:hiddenLine xmlns:p14="http://schemas.microsoft.com/office/powerpoint/2010/main" xmlns:a14="http://schemas.microsoft.com/office/drawing/2010/main" xmlns:a16="http://schemas.microsoft.com/office/drawing/2014/main" xmlns="" w="9525">
                   <a:solidFill>
                     <a:srgbClr val="000000"/>
                   </a:solidFill>
@@ -16359,7 +16359,7 @@
             </a:ln>
             <a:extLst>
               <a:ext uri="{91240B29-F687-4f45-9708-019B960494DF}">
-                <a14:hiddenLine xmlns="" xmlns:a16="http://schemas.microsoft.com/office/drawing/2014/main" xmlns:a14="http://schemas.microsoft.com/office/drawing/2010/main" xmlns:p14="http://schemas.microsoft.com/office/powerpoint/2010/main" w="9525">
+                <a14:hiddenLine xmlns:p14="http://schemas.microsoft.com/office/powerpoint/2010/main" xmlns:a14="http://schemas.microsoft.com/office/drawing/2010/main" xmlns:a16="http://schemas.microsoft.com/office/drawing/2014/main" xmlns="" w="9525">
                   <a:solidFill>
                     <a:srgbClr val="000000"/>
                   </a:solidFill>
@@ -16464,7 +16464,7 @@
             </a:ln>
             <a:extLst>
               <a:ext uri="{91240B29-F687-4f45-9708-019B960494DF}">
-                <a14:hiddenLine xmlns="" xmlns:a16="http://schemas.microsoft.com/office/drawing/2014/main" xmlns:a14="http://schemas.microsoft.com/office/drawing/2010/main" xmlns:p14="http://schemas.microsoft.com/office/powerpoint/2010/main" w="9525">
+                <a14:hiddenLine xmlns:p14="http://schemas.microsoft.com/office/powerpoint/2010/main" xmlns:a14="http://schemas.microsoft.com/office/drawing/2010/main" xmlns:a16="http://schemas.microsoft.com/office/drawing/2014/main" xmlns="" w="9525">
                   <a:solidFill>
                     <a:srgbClr val="000000"/>
                   </a:solidFill>
@@ -16541,7 +16541,7 @@
             </a:ln>
             <a:extLst>
               <a:ext uri="{91240B29-F687-4f45-9708-019B960494DF}">
-                <a14:hiddenLine xmlns="" xmlns:a16="http://schemas.microsoft.com/office/drawing/2014/main" xmlns:a14="http://schemas.microsoft.com/office/drawing/2010/main" xmlns:p14="http://schemas.microsoft.com/office/powerpoint/2010/main" w="9525">
+                <a14:hiddenLine xmlns:p14="http://schemas.microsoft.com/office/powerpoint/2010/main" xmlns:a14="http://schemas.microsoft.com/office/drawing/2010/main" xmlns:a16="http://schemas.microsoft.com/office/drawing/2014/main" xmlns="" w="9525">
                   <a:solidFill>
                     <a:srgbClr val="000000"/>
                   </a:solidFill>
@@ -16666,7 +16666,7 @@
             </a:ln>
             <a:extLst>
               <a:ext uri="{91240B29-F687-4f45-9708-019B960494DF}">
-                <a14:hiddenLine xmlns="" xmlns:a16="http://schemas.microsoft.com/office/drawing/2014/main" xmlns:a14="http://schemas.microsoft.com/office/drawing/2010/main" xmlns:p14="http://schemas.microsoft.com/office/powerpoint/2010/main" w="9525">
+                <a14:hiddenLine xmlns:p14="http://schemas.microsoft.com/office/powerpoint/2010/main" xmlns:a14="http://schemas.microsoft.com/office/drawing/2010/main" xmlns:a16="http://schemas.microsoft.com/office/drawing/2014/main" xmlns="" w="9525">
                   <a:solidFill>
                     <a:srgbClr val="000000"/>
                   </a:solidFill>
@@ -16743,7 +16743,7 @@
             </a:ln>
             <a:extLst>
               <a:ext uri="{91240B29-F687-4f45-9708-019B960494DF}">
-                <a14:hiddenLine xmlns="" xmlns:a16="http://schemas.microsoft.com/office/drawing/2014/main" xmlns:a14="http://schemas.microsoft.com/office/drawing/2010/main" xmlns:p14="http://schemas.microsoft.com/office/powerpoint/2010/main" w="9525">
+                <a14:hiddenLine xmlns:p14="http://schemas.microsoft.com/office/powerpoint/2010/main" xmlns:a14="http://schemas.microsoft.com/office/drawing/2010/main" xmlns:a16="http://schemas.microsoft.com/office/drawing/2014/main" xmlns="" w="9525">
                   <a:solidFill>
                     <a:srgbClr val="000000"/>
                   </a:solidFill>
@@ -16848,7 +16848,7 @@
             </a:ln>
             <a:extLst>
               <a:ext uri="{91240B29-F687-4f45-9708-019B960494DF}">
-                <a14:hiddenLine xmlns="" xmlns:a16="http://schemas.microsoft.com/office/drawing/2014/main" xmlns:a14="http://schemas.microsoft.com/office/drawing/2010/main" xmlns:p14="http://schemas.microsoft.com/office/powerpoint/2010/main" w="9525">
+                <a14:hiddenLine xmlns:p14="http://schemas.microsoft.com/office/powerpoint/2010/main" xmlns:a14="http://schemas.microsoft.com/office/drawing/2010/main" xmlns:a16="http://schemas.microsoft.com/office/drawing/2014/main" xmlns="" w="9525">
                   <a:solidFill>
                     <a:srgbClr val="000000"/>
                   </a:solidFill>
@@ -16953,7 +16953,7 @@
             </a:ln>
             <a:extLst>
               <a:ext uri="{91240B29-F687-4f45-9708-019B960494DF}">
-                <a14:hiddenLine xmlns="" xmlns:a16="http://schemas.microsoft.com/office/drawing/2014/main" xmlns:a14="http://schemas.microsoft.com/office/drawing/2010/main" xmlns:p14="http://schemas.microsoft.com/office/powerpoint/2010/main" w="9525">
+                <a14:hiddenLine xmlns:p14="http://schemas.microsoft.com/office/powerpoint/2010/main" xmlns:a14="http://schemas.microsoft.com/office/drawing/2010/main" xmlns:a16="http://schemas.microsoft.com/office/drawing/2014/main" xmlns="" w="9525">
                   <a:solidFill>
                     <a:srgbClr val="000000"/>
                   </a:solidFill>
@@ -17030,7 +17030,7 @@
             </a:ln>
             <a:extLst>
               <a:ext uri="{91240B29-F687-4f45-9708-019B960494DF}">
-                <a14:hiddenLine xmlns="" xmlns:a16="http://schemas.microsoft.com/office/drawing/2014/main" xmlns:a14="http://schemas.microsoft.com/office/drawing/2010/main" xmlns:p14="http://schemas.microsoft.com/office/powerpoint/2010/main" w="9525">
+                <a14:hiddenLine xmlns:p14="http://schemas.microsoft.com/office/powerpoint/2010/main" xmlns:a14="http://schemas.microsoft.com/office/drawing/2010/main" xmlns:a16="http://schemas.microsoft.com/office/drawing/2014/main" xmlns="" w="9525">
                   <a:solidFill>
                     <a:srgbClr val="000000"/>
                   </a:solidFill>
@@ -17135,7 +17135,7 @@
             </a:ln>
             <a:extLst>
               <a:ext uri="{91240B29-F687-4f45-9708-019B960494DF}">
-                <a14:hiddenLine xmlns="" xmlns:a16="http://schemas.microsoft.com/office/drawing/2014/main" xmlns:a14="http://schemas.microsoft.com/office/drawing/2010/main" xmlns:p14="http://schemas.microsoft.com/office/powerpoint/2010/main" w="9525">
+                <a14:hiddenLine xmlns:p14="http://schemas.microsoft.com/office/powerpoint/2010/main" xmlns:a14="http://schemas.microsoft.com/office/drawing/2010/main" xmlns:a16="http://schemas.microsoft.com/office/drawing/2014/main" xmlns="" w="9525">
                   <a:solidFill>
                     <a:srgbClr val="000000"/>
                   </a:solidFill>
@@ -17240,7 +17240,7 @@
             </a:ln>
             <a:extLst>
               <a:ext uri="{91240B29-F687-4f45-9708-019B960494DF}">
-                <a14:hiddenLine xmlns="" xmlns:a16="http://schemas.microsoft.com/office/drawing/2014/main" xmlns:a14="http://schemas.microsoft.com/office/drawing/2010/main" xmlns:p14="http://schemas.microsoft.com/office/powerpoint/2010/main" w="9525">
+                <a14:hiddenLine xmlns:p14="http://schemas.microsoft.com/office/powerpoint/2010/main" xmlns:a14="http://schemas.microsoft.com/office/drawing/2010/main" xmlns:a16="http://schemas.microsoft.com/office/drawing/2014/main" xmlns="" w="9525">
                   <a:solidFill>
                     <a:srgbClr val="000000"/>
                   </a:solidFill>
@@ -17311,7 +17311,7 @@
             </a:ln>
             <a:extLst>
               <a:ext uri="{91240B29-F687-4f45-9708-019B960494DF}">
-                <a14:hiddenLine xmlns="" xmlns:a16="http://schemas.microsoft.com/office/drawing/2014/main" xmlns:a14="http://schemas.microsoft.com/office/drawing/2010/main" xmlns:p14="http://schemas.microsoft.com/office/powerpoint/2010/main" w="9525">
+                <a14:hiddenLine xmlns:p14="http://schemas.microsoft.com/office/powerpoint/2010/main" xmlns:a14="http://schemas.microsoft.com/office/drawing/2010/main" xmlns:a16="http://schemas.microsoft.com/office/drawing/2014/main" xmlns="" w="9525">
                   <a:solidFill>
                     <a:srgbClr val="000000"/>
                   </a:solidFill>
@@ -17416,7 +17416,7 @@
             </a:ln>
             <a:extLst>
               <a:ext uri="{91240B29-F687-4f45-9708-019B960494DF}">
-                <a14:hiddenLine xmlns="" xmlns:a16="http://schemas.microsoft.com/office/drawing/2014/main" xmlns:a14="http://schemas.microsoft.com/office/drawing/2010/main" xmlns:p14="http://schemas.microsoft.com/office/powerpoint/2010/main" w="9525">
+                <a14:hiddenLine xmlns:p14="http://schemas.microsoft.com/office/powerpoint/2010/main" xmlns:a14="http://schemas.microsoft.com/office/drawing/2010/main" xmlns:a16="http://schemas.microsoft.com/office/drawing/2014/main" xmlns="" w="9525">
                   <a:solidFill>
                     <a:srgbClr val="000000"/>
                   </a:solidFill>
@@ -17487,7 +17487,7 @@
             </a:ln>
             <a:extLst>
               <a:ext uri="{91240B29-F687-4f45-9708-019B960494DF}">
-                <a14:hiddenLine xmlns="" xmlns:a16="http://schemas.microsoft.com/office/drawing/2014/main" xmlns:a14="http://schemas.microsoft.com/office/drawing/2010/main" xmlns:p14="http://schemas.microsoft.com/office/powerpoint/2010/main" w="9525">
+                <a14:hiddenLine xmlns:p14="http://schemas.microsoft.com/office/powerpoint/2010/main" xmlns:a14="http://schemas.microsoft.com/office/drawing/2010/main" xmlns:a16="http://schemas.microsoft.com/office/drawing/2014/main" xmlns="" w="9525">
                   <a:solidFill>
                     <a:srgbClr val="000000"/>
                   </a:solidFill>
@@ -17592,7 +17592,7 @@
             </a:ln>
             <a:extLst>
               <a:ext uri="{91240B29-F687-4f45-9708-019B960494DF}">
-                <a14:hiddenLine xmlns="" xmlns:a16="http://schemas.microsoft.com/office/drawing/2014/main" xmlns:a14="http://schemas.microsoft.com/office/drawing/2010/main" xmlns:p14="http://schemas.microsoft.com/office/powerpoint/2010/main" w="9525">
+                <a14:hiddenLine xmlns:p14="http://schemas.microsoft.com/office/powerpoint/2010/main" xmlns:a14="http://schemas.microsoft.com/office/drawing/2010/main" xmlns:a16="http://schemas.microsoft.com/office/drawing/2014/main" xmlns="" w="9525">
                   <a:solidFill>
                     <a:srgbClr val="000000"/>
                   </a:solidFill>
@@ -17675,7 +17675,7 @@
             </a:ln>
             <a:extLst>
               <a:ext uri="{91240B29-F687-4f45-9708-019B960494DF}">
-                <a14:hiddenLine xmlns="" xmlns:a16="http://schemas.microsoft.com/office/drawing/2014/main" xmlns:a14="http://schemas.microsoft.com/office/drawing/2010/main" xmlns:p14="http://schemas.microsoft.com/office/powerpoint/2010/main" w="9525">
+                <a14:hiddenLine xmlns:p14="http://schemas.microsoft.com/office/powerpoint/2010/main" xmlns:a14="http://schemas.microsoft.com/office/drawing/2010/main" xmlns:a16="http://schemas.microsoft.com/office/drawing/2014/main" xmlns="" w="9525">
                   <a:solidFill>
                     <a:srgbClr val="000000"/>
                   </a:solidFill>
@@ -17780,7 +17780,7 @@
             </a:ln>
             <a:extLst>
               <a:ext uri="{91240B29-F687-4f45-9708-019B960494DF}">
-                <a14:hiddenLine xmlns="" xmlns:a16="http://schemas.microsoft.com/office/drawing/2014/main" xmlns:a14="http://schemas.microsoft.com/office/drawing/2010/main" xmlns:p14="http://schemas.microsoft.com/office/powerpoint/2010/main" w="9525">
+                <a14:hiddenLine xmlns:p14="http://schemas.microsoft.com/office/powerpoint/2010/main" xmlns:a14="http://schemas.microsoft.com/office/drawing/2010/main" xmlns:a16="http://schemas.microsoft.com/office/drawing/2014/main" xmlns="" w="9525">
                   <a:solidFill>
                     <a:srgbClr val="000000"/>
                   </a:solidFill>
@@ -17863,7 +17863,7 @@
             </a:ln>
             <a:extLst>
               <a:ext uri="{91240B29-F687-4f45-9708-019B960494DF}">
-                <a14:hiddenLine xmlns="" xmlns:a16="http://schemas.microsoft.com/office/drawing/2014/main" xmlns:a14="http://schemas.microsoft.com/office/drawing/2010/main" xmlns:p14="http://schemas.microsoft.com/office/powerpoint/2010/main" w="9525">
+                <a14:hiddenLine xmlns:p14="http://schemas.microsoft.com/office/powerpoint/2010/main" xmlns:a14="http://schemas.microsoft.com/office/drawing/2010/main" xmlns:a16="http://schemas.microsoft.com/office/drawing/2014/main" xmlns="" w="9525">
                   <a:solidFill>
                     <a:srgbClr val="000000"/>
                   </a:solidFill>
@@ -17968,7 +17968,7 @@
             </a:ln>
             <a:extLst>
               <a:ext uri="{91240B29-F687-4f45-9708-019B960494DF}">
-                <a14:hiddenLine xmlns="" xmlns:a16="http://schemas.microsoft.com/office/drawing/2014/main" xmlns:a14="http://schemas.microsoft.com/office/drawing/2010/main" xmlns:p14="http://schemas.microsoft.com/office/powerpoint/2010/main" w="9525">
+                <a14:hiddenLine xmlns:p14="http://schemas.microsoft.com/office/powerpoint/2010/main" xmlns:a14="http://schemas.microsoft.com/office/drawing/2010/main" xmlns:a16="http://schemas.microsoft.com/office/drawing/2014/main" xmlns="" w="9525">
                   <a:solidFill>
                     <a:srgbClr val="000000"/>
                   </a:solidFill>
@@ -18017,7 +18017,7 @@
             </a:ln>
             <a:extLst>
               <a:ext uri="{91240B29-F687-4f45-9708-019B960494DF}">
-                <a14:hiddenLine xmlns="" xmlns:a16="http://schemas.microsoft.com/office/drawing/2014/main" xmlns:a14="http://schemas.microsoft.com/office/drawing/2010/main" xmlns:p14="http://schemas.microsoft.com/office/powerpoint/2010/main" w="9525">
+                <a14:hiddenLine xmlns:p14="http://schemas.microsoft.com/office/powerpoint/2010/main" xmlns:a14="http://schemas.microsoft.com/office/drawing/2010/main" xmlns:a16="http://schemas.microsoft.com/office/drawing/2014/main" xmlns="" w="9525">
                   <a:solidFill>
                     <a:srgbClr val="000000"/>
                   </a:solidFill>
@@ -18122,7 +18122,7 @@
             </a:ln>
             <a:extLst>
               <a:ext uri="{91240B29-F687-4f45-9708-019B960494DF}">
-                <a14:hiddenLine xmlns="" xmlns:a16="http://schemas.microsoft.com/office/drawing/2014/main" xmlns:a14="http://schemas.microsoft.com/office/drawing/2010/main" xmlns:p14="http://schemas.microsoft.com/office/powerpoint/2010/main" w="9525">
+                <a14:hiddenLine xmlns:p14="http://schemas.microsoft.com/office/powerpoint/2010/main" xmlns:a14="http://schemas.microsoft.com/office/drawing/2010/main" xmlns:a16="http://schemas.microsoft.com/office/drawing/2014/main" xmlns="" w="9525">
                   <a:solidFill>
                     <a:srgbClr val="000000"/>
                   </a:solidFill>
@@ -18199,7 +18199,7 @@
             </a:ln>
             <a:extLst>
               <a:ext uri="{91240B29-F687-4f45-9708-019B960494DF}">
-                <a14:hiddenLine xmlns="" xmlns:a16="http://schemas.microsoft.com/office/drawing/2014/main" xmlns:a14="http://schemas.microsoft.com/office/drawing/2010/main" xmlns:p14="http://schemas.microsoft.com/office/powerpoint/2010/main" w="9525">
+                <a14:hiddenLine xmlns:p14="http://schemas.microsoft.com/office/powerpoint/2010/main" xmlns:a14="http://schemas.microsoft.com/office/drawing/2010/main" xmlns:a16="http://schemas.microsoft.com/office/drawing/2014/main" xmlns="" w="9525">
                   <a:solidFill>
                     <a:srgbClr val="000000"/>
                   </a:solidFill>
@@ -18276,7 +18276,7 @@
             </a:ln>
             <a:extLst>
               <a:ext uri="{91240B29-F687-4f45-9708-019B960494DF}">
-                <a14:hiddenLine xmlns="" xmlns:a16="http://schemas.microsoft.com/office/drawing/2014/main" xmlns:a14="http://schemas.microsoft.com/office/drawing/2010/main" xmlns:p14="http://schemas.microsoft.com/office/powerpoint/2010/main" w="9525">
+                <a14:hiddenLine xmlns:p14="http://schemas.microsoft.com/office/powerpoint/2010/main" xmlns:a14="http://schemas.microsoft.com/office/drawing/2010/main" xmlns:a16="http://schemas.microsoft.com/office/drawing/2014/main" xmlns="" w="9525">
                   <a:solidFill>
                     <a:srgbClr val="000000"/>
                   </a:solidFill>
@@ -18381,7 +18381,7 @@
             </a:ln>
             <a:extLst>
               <a:ext uri="{91240B29-F687-4f45-9708-019B960494DF}">
-                <a14:hiddenLine xmlns="" xmlns:a16="http://schemas.microsoft.com/office/drawing/2014/main" xmlns:a14="http://schemas.microsoft.com/office/drawing/2010/main" xmlns:p14="http://schemas.microsoft.com/office/powerpoint/2010/main" w="9525">
+                <a14:hiddenLine xmlns:p14="http://schemas.microsoft.com/office/powerpoint/2010/main" xmlns:a14="http://schemas.microsoft.com/office/drawing/2010/main" xmlns:a16="http://schemas.microsoft.com/office/drawing/2014/main" xmlns="" w="9525">
                   <a:solidFill>
                     <a:srgbClr val="000000"/>
                   </a:solidFill>
@@ -18464,7 +18464,7 @@
             </a:ln>
             <a:extLst>
               <a:ext uri="{91240B29-F687-4f45-9708-019B960494DF}">
-                <a14:hiddenLine xmlns="" xmlns:a16="http://schemas.microsoft.com/office/drawing/2014/main" xmlns:a14="http://schemas.microsoft.com/office/drawing/2010/main" xmlns:p14="http://schemas.microsoft.com/office/powerpoint/2010/main" w="9525">
+                <a14:hiddenLine xmlns:p14="http://schemas.microsoft.com/office/powerpoint/2010/main" xmlns:a14="http://schemas.microsoft.com/office/drawing/2010/main" xmlns:a16="http://schemas.microsoft.com/office/drawing/2014/main" xmlns="" w="9525">
                   <a:solidFill>
                     <a:srgbClr val="000000"/>
                   </a:solidFill>
@@ -18541,7 +18541,7 @@
             </a:ln>
             <a:extLst>
               <a:ext uri="{91240B29-F687-4f45-9708-019B960494DF}">
-                <a14:hiddenLine xmlns="" xmlns:a16="http://schemas.microsoft.com/office/drawing/2014/main" xmlns:a14="http://schemas.microsoft.com/office/drawing/2010/main" xmlns:p14="http://schemas.microsoft.com/office/powerpoint/2010/main" w="9525">
+                <a14:hiddenLine xmlns:p14="http://schemas.microsoft.com/office/powerpoint/2010/main" xmlns:a14="http://schemas.microsoft.com/office/drawing/2010/main" xmlns:a16="http://schemas.microsoft.com/office/drawing/2014/main" xmlns="" w="9525">
                   <a:solidFill>
                     <a:srgbClr val="000000"/>
                   </a:solidFill>
@@ -18646,7 +18646,7 @@
             </a:ln>
             <a:extLst>
               <a:ext uri="{91240B29-F687-4f45-9708-019B960494DF}">
-                <a14:hiddenLine xmlns="" xmlns:a16="http://schemas.microsoft.com/office/drawing/2014/main" xmlns:a14="http://schemas.microsoft.com/office/drawing/2010/main" xmlns:p14="http://schemas.microsoft.com/office/powerpoint/2010/main" w="9525">
+                <a14:hiddenLine xmlns:p14="http://schemas.microsoft.com/office/powerpoint/2010/main" xmlns:a14="http://schemas.microsoft.com/office/drawing/2010/main" xmlns:a16="http://schemas.microsoft.com/office/drawing/2014/main" xmlns="" w="9525">
                   <a:solidFill>
                     <a:srgbClr val="000000"/>
                   </a:solidFill>
@@ -18723,7 +18723,7 @@
             </a:ln>
             <a:extLst>
               <a:ext uri="{91240B29-F687-4f45-9708-019B960494DF}">
-                <a14:hiddenLine xmlns="" xmlns:a16="http://schemas.microsoft.com/office/drawing/2014/main" xmlns:a14="http://schemas.microsoft.com/office/drawing/2010/main" xmlns:p14="http://schemas.microsoft.com/office/powerpoint/2010/main" w="9525">
+                <a14:hiddenLine xmlns:p14="http://schemas.microsoft.com/office/powerpoint/2010/main" xmlns:a14="http://schemas.microsoft.com/office/drawing/2010/main" xmlns:a16="http://schemas.microsoft.com/office/drawing/2014/main" xmlns="" w="9525">
                   <a:solidFill>
                     <a:srgbClr val="000000"/>
                   </a:solidFill>
@@ -18828,7 +18828,7 @@
             </a:ln>
             <a:extLst>
               <a:ext uri="{91240B29-F687-4f45-9708-019B960494DF}">
-                <a14:hiddenLine xmlns="" xmlns:a16="http://schemas.microsoft.com/office/drawing/2014/main" xmlns:a14="http://schemas.microsoft.com/office/drawing/2010/main" xmlns:p14="http://schemas.microsoft.com/office/powerpoint/2010/main" w="9525">
+                <a14:hiddenLine xmlns:p14="http://schemas.microsoft.com/office/powerpoint/2010/main" xmlns:a14="http://schemas.microsoft.com/office/drawing/2010/main" xmlns:a16="http://schemas.microsoft.com/office/drawing/2014/main" xmlns="" w="9525">
                   <a:solidFill>
                     <a:srgbClr val="000000"/>
                   </a:solidFill>
@@ -18905,7 +18905,7 @@
             </a:ln>
             <a:extLst>
               <a:ext uri="{91240B29-F687-4f45-9708-019B960494DF}">
-                <a14:hiddenLine xmlns="" xmlns:a16="http://schemas.microsoft.com/office/drawing/2014/main" xmlns:a14="http://schemas.microsoft.com/office/drawing/2010/main" xmlns:p14="http://schemas.microsoft.com/office/powerpoint/2010/main" w="9525">
+                <a14:hiddenLine xmlns:p14="http://schemas.microsoft.com/office/powerpoint/2010/main" xmlns:a14="http://schemas.microsoft.com/office/drawing/2010/main" xmlns:a16="http://schemas.microsoft.com/office/drawing/2014/main" xmlns="" w="9525">
                   <a:solidFill>
                     <a:srgbClr val="000000"/>
                   </a:solidFill>
@@ -19010,7 +19010,7 @@
             </a:ln>
             <a:extLst>
               <a:ext uri="{91240B29-F687-4f45-9708-019B960494DF}">
-                <a14:hiddenLine xmlns="" xmlns:a16="http://schemas.microsoft.com/office/drawing/2014/main" xmlns:a14="http://schemas.microsoft.com/office/drawing/2010/main" xmlns:p14="http://schemas.microsoft.com/office/powerpoint/2010/main" w="9525">
+                <a14:hiddenLine xmlns:p14="http://schemas.microsoft.com/office/powerpoint/2010/main" xmlns:a14="http://schemas.microsoft.com/office/drawing/2010/main" xmlns:a16="http://schemas.microsoft.com/office/drawing/2014/main" xmlns="" w="9525">
                   <a:solidFill>
                     <a:srgbClr val="000000"/>
                   </a:solidFill>
@@ -19059,7 +19059,7 @@
             </a:ln>
             <a:extLst>
               <a:ext uri="{91240B29-F687-4f45-9708-019B960494DF}">
-                <a14:hiddenLine xmlns="" xmlns:a16="http://schemas.microsoft.com/office/drawing/2014/main" xmlns:a14="http://schemas.microsoft.com/office/drawing/2010/main" xmlns:p14="http://schemas.microsoft.com/office/powerpoint/2010/main" w="9525">
+                <a14:hiddenLine xmlns:p14="http://schemas.microsoft.com/office/powerpoint/2010/main" xmlns:a14="http://schemas.microsoft.com/office/drawing/2010/main" xmlns:a16="http://schemas.microsoft.com/office/drawing/2014/main" xmlns="" w="9525">
                   <a:solidFill>
                     <a:srgbClr val="000000"/>
                   </a:solidFill>
@@ -19139,7 +19139,7 @@
             </a:ln>
             <a:extLst>
               <a:ext uri="{91240B29-F687-4f45-9708-019B960494DF}">
-                <a14:hiddenLine xmlns="" xmlns:a16="http://schemas.microsoft.com/office/drawing/2014/main" xmlns:a14="http://schemas.microsoft.com/office/drawing/2010/main" xmlns:p14="http://schemas.microsoft.com/office/powerpoint/2010/main" w="9525">
+                <a14:hiddenLine xmlns:p14="http://schemas.microsoft.com/office/powerpoint/2010/main" xmlns:a14="http://schemas.microsoft.com/office/drawing/2010/main" xmlns:a16="http://schemas.microsoft.com/office/drawing/2014/main" xmlns="" w="9525">
                   <a:solidFill>
                     <a:srgbClr val="000000"/>
                   </a:solidFill>
@@ -19244,7 +19244,7 @@
             </a:ln>
             <a:extLst>
               <a:ext uri="{91240B29-F687-4f45-9708-019B960494DF}">
-                <a14:hiddenLine xmlns="" xmlns:a16="http://schemas.microsoft.com/office/drawing/2014/main" xmlns:a14="http://schemas.microsoft.com/office/drawing/2010/main" xmlns:p14="http://schemas.microsoft.com/office/powerpoint/2010/main" w="9525">
+                <a14:hiddenLine xmlns:p14="http://schemas.microsoft.com/office/powerpoint/2010/main" xmlns:a14="http://schemas.microsoft.com/office/drawing/2010/main" xmlns:a16="http://schemas.microsoft.com/office/drawing/2014/main" xmlns="" w="9525">
                   <a:solidFill>
                     <a:srgbClr val="000000"/>
                   </a:solidFill>
@@ -19321,7 +19321,7 @@
             </a:ln>
             <a:extLst>
               <a:ext uri="{91240B29-F687-4f45-9708-019B960494DF}">
-                <a14:hiddenLine xmlns="" xmlns:a16="http://schemas.microsoft.com/office/drawing/2014/main" xmlns:a14="http://schemas.microsoft.com/office/drawing/2010/main" xmlns:p14="http://schemas.microsoft.com/office/powerpoint/2010/main" w="9525">
+                <a14:hiddenLine xmlns:p14="http://schemas.microsoft.com/office/powerpoint/2010/main" xmlns:a14="http://schemas.microsoft.com/office/drawing/2010/main" xmlns:a16="http://schemas.microsoft.com/office/drawing/2014/main" xmlns="" w="9525">
                   <a:solidFill>
                     <a:srgbClr val="000000"/>
                   </a:solidFill>
@@ -19426,7 +19426,7 @@
             </a:ln>
             <a:extLst>
               <a:ext uri="{91240B29-F687-4f45-9708-019B960494DF}">
-                <a14:hiddenLine xmlns="" xmlns:a16="http://schemas.microsoft.com/office/drawing/2014/main" xmlns:a14="http://schemas.microsoft.com/office/drawing/2010/main" xmlns:p14="http://schemas.microsoft.com/office/powerpoint/2010/main" w="9525">
+                <a14:hiddenLine xmlns:p14="http://schemas.microsoft.com/office/powerpoint/2010/main" xmlns:a14="http://schemas.microsoft.com/office/drawing/2010/main" xmlns:a16="http://schemas.microsoft.com/office/drawing/2014/main" xmlns="" w="9525">
                   <a:solidFill>
                     <a:srgbClr val="000000"/>
                   </a:solidFill>
@@ -19531,7 +19531,7 @@
             </a:ln>
             <a:extLst>
               <a:ext uri="{91240B29-F687-4f45-9708-019B960494DF}">
-                <a14:hiddenLine xmlns="" xmlns:a16="http://schemas.microsoft.com/office/drawing/2014/main" xmlns:a14="http://schemas.microsoft.com/office/drawing/2010/main" xmlns:p14="http://schemas.microsoft.com/office/powerpoint/2010/main" w="9525">
+                <a14:hiddenLine xmlns:p14="http://schemas.microsoft.com/office/powerpoint/2010/main" xmlns:a14="http://schemas.microsoft.com/office/drawing/2010/main" xmlns:a16="http://schemas.microsoft.com/office/drawing/2014/main" xmlns="" w="9525">
                   <a:solidFill>
                     <a:srgbClr val="000000"/>
                   </a:solidFill>
@@ -19611,7 +19611,7 @@
             </a:ln>
             <a:extLst>
               <a:ext uri="{91240B29-F687-4f45-9708-019B960494DF}">
-                <a14:hiddenLine xmlns="" xmlns:a16="http://schemas.microsoft.com/office/drawing/2014/main" xmlns:a14="http://schemas.microsoft.com/office/drawing/2010/main" xmlns:p14="http://schemas.microsoft.com/office/powerpoint/2010/main" w="9525">
+                <a14:hiddenLine xmlns:p14="http://schemas.microsoft.com/office/powerpoint/2010/main" xmlns:a14="http://schemas.microsoft.com/office/drawing/2010/main" xmlns:a16="http://schemas.microsoft.com/office/drawing/2014/main" xmlns="" w="9525">
                   <a:solidFill>
                     <a:srgbClr val="000000"/>
                   </a:solidFill>
@@ -19688,7 +19688,7 @@
             </a:ln>
             <a:extLst>
               <a:ext uri="{91240B29-F687-4f45-9708-019B960494DF}">
-                <a14:hiddenLine xmlns="" xmlns:a16="http://schemas.microsoft.com/office/drawing/2014/main" xmlns:a14="http://schemas.microsoft.com/office/drawing/2010/main" xmlns:p14="http://schemas.microsoft.com/office/powerpoint/2010/main" w="9525">
+                <a14:hiddenLine xmlns:p14="http://schemas.microsoft.com/office/powerpoint/2010/main" xmlns:a14="http://schemas.microsoft.com/office/drawing/2010/main" xmlns:a16="http://schemas.microsoft.com/office/drawing/2014/main" xmlns="" w="9525">
                   <a:solidFill>
                     <a:srgbClr val="000000"/>
                   </a:solidFill>
@@ -19793,7 +19793,7 @@
             </a:ln>
             <a:extLst>
               <a:ext uri="{91240B29-F687-4f45-9708-019B960494DF}">
-                <a14:hiddenLine xmlns="" xmlns:a16="http://schemas.microsoft.com/office/drawing/2014/main" xmlns:a14="http://schemas.microsoft.com/office/drawing/2010/main" xmlns:p14="http://schemas.microsoft.com/office/powerpoint/2010/main" w="9525">
+                <a14:hiddenLine xmlns:p14="http://schemas.microsoft.com/office/powerpoint/2010/main" xmlns:a14="http://schemas.microsoft.com/office/drawing/2010/main" xmlns:a16="http://schemas.microsoft.com/office/drawing/2014/main" xmlns="" w="9525">
                   <a:solidFill>
                     <a:srgbClr val="000000"/>
                   </a:solidFill>
@@ -19898,7 +19898,7 @@
             </a:ln>
             <a:extLst>
               <a:ext uri="{91240B29-F687-4f45-9708-019B960494DF}">
-                <a14:hiddenLine xmlns="" xmlns:a16="http://schemas.microsoft.com/office/drawing/2014/main" xmlns:a14="http://schemas.microsoft.com/office/drawing/2010/main" xmlns:p14="http://schemas.microsoft.com/office/powerpoint/2010/main" w="9525">
+                <a14:hiddenLine xmlns:p14="http://schemas.microsoft.com/office/powerpoint/2010/main" xmlns:a14="http://schemas.microsoft.com/office/drawing/2010/main" xmlns:a16="http://schemas.microsoft.com/office/drawing/2014/main" xmlns="" w="9525">
                   <a:solidFill>
                     <a:srgbClr val="000000"/>
                   </a:solidFill>
@@ -19975,7 +19975,7 @@
             </a:ln>
             <a:extLst>
               <a:ext uri="{91240B29-F687-4f45-9708-019B960494DF}">
-                <a14:hiddenLine xmlns="" xmlns:a16="http://schemas.microsoft.com/office/drawing/2014/main" xmlns:a14="http://schemas.microsoft.com/office/drawing/2010/main" xmlns:p14="http://schemas.microsoft.com/office/powerpoint/2010/main" w="9525">
+                <a14:hiddenLine xmlns:p14="http://schemas.microsoft.com/office/powerpoint/2010/main" xmlns:a14="http://schemas.microsoft.com/office/drawing/2010/main" xmlns:a16="http://schemas.microsoft.com/office/drawing/2014/main" xmlns="" w="9525">
                   <a:solidFill>
                     <a:srgbClr val="000000"/>
                   </a:solidFill>
@@ -20110,7 +20110,7 @@
             </a:ln>
             <a:extLst>
               <a:ext uri="{91240B29-F687-4f45-9708-019B960494DF}">
-                <a14:hiddenLine xmlns="" xmlns:a16="http://schemas.microsoft.com/office/drawing/2014/main" xmlns:a14="http://schemas.microsoft.com/office/drawing/2010/main" xmlns:p14="http://schemas.microsoft.com/office/powerpoint/2010/main" w="9525">
+                <a14:hiddenLine xmlns:p14="http://schemas.microsoft.com/office/powerpoint/2010/main" xmlns:a14="http://schemas.microsoft.com/office/drawing/2010/main" xmlns:a16="http://schemas.microsoft.com/office/drawing/2014/main" xmlns="" w="9525">
                   <a:solidFill>
                     <a:srgbClr val="000000"/>
                   </a:solidFill>
@@ -20193,7 +20193,7 @@
             </a:ln>
             <a:extLst>
               <a:ext uri="{91240B29-F687-4f45-9708-019B960494DF}">
-                <a14:hiddenLine xmlns="" xmlns:a16="http://schemas.microsoft.com/office/drawing/2014/main" xmlns:a14="http://schemas.microsoft.com/office/drawing/2010/main" xmlns:p14="http://schemas.microsoft.com/office/powerpoint/2010/main" w="9525">
+                <a14:hiddenLine xmlns:p14="http://schemas.microsoft.com/office/powerpoint/2010/main" xmlns:a14="http://schemas.microsoft.com/office/drawing/2010/main" xmlns:a16="http://schemas.microsoft.com/office/drawing/2014/main" xmlns="" w="9525">
                   <a:solidFill>
                     <a:srgbClr val="000000"/>
                   </a:solidFill>
@@ -20298,7 +20298,7 @@
             </a:ln>
             <a:extLst>
               <a:ext uri="{91240B29-F687-4f45-9708-019B960494DF}">
-                <a14:hiddenLine xmlns="" xmlns:a16="http://schemas.microsoft.com/office/drawing/2014/main" xmlns:a14="http://schemas.microsoft.com/office/drawing/2010/main" xmlns:p14="http://schemas.microsoft.com/office/powerpoint/2010/main" w="9525">
+                <a14:hiddenLine xmlns:p14="http://schemas.microsoft.com/office/powerpoint/2010/main" xmlns:a14="http://schemas.microsoft.com/office/drawing/2010/main" xmlns:a16="http://schemas.microsoft.com/office/drawing/2014/main" xmlns="" w="9525">
                   <a:solidFill>
                     <a:srgbClr val="000000"/>
                   </a:solidFill>

--- a/presentation.pptx
+++ b/presentation.pptx
@@ -5,7 +5,7 @@
     <p:sldMasterId id="2147483756" r:id="rId1"/>
   </p:sldMasterIdLst>
   <p:notesMasterIdLst>
-    <p:notesMasterId r:id="rId16"/>
+    <p:notesMasterId r:id="rId19"/>
   </p:notesMasterIdLst>
   <p:sldIdLst>
     <p:sldId id="256" r:id="rId2"/>
@@ -21,7 +21,10 @@
     <p:sldId id="266" r:id="rId12"/>
     <p:sldId id="267" r:id="rId13"/>
     <p:sldId id="261" r:id="rId14"/>
-    <p:sldId id="259" r:id="rId15"/>
+    <p:sldId id="272" r:id="rId15"/>
+    <p:sldId id="270" r:id="rId16"/>
+    <p:sldId id="271" r:id="rId17"/>
+    <p:sldId id="259" r:id="rId18"/>
   </p:sldIdLst>
   <p:sldSz cx="12192000" cy="6858000"/>
   <p:notesSz cx="6858000" cy="9144000"/>
@@ -210,7 +213,7 @@
           <a:p>
             <a:fld id="{E52D13D9-638E-1942-BF6D-A0101D8AE78E}" type="datetimeFigureOut">
               <a:rPr lang="en-HU" smtClean="0"/>
-              <a:t>2023. 03. 21.</a:t>
+              <a:t>2023. 05. 22.</a:t>
             </a:fld>
             <a:endParaRPr lang="en-HU"/>
           </a:p>
@@ -619,7 +622,7 @@
           <a:noFill/>
           <a:extLst>
             <a:ext uri="{909E8E84-426E-40dd-AFC4-6F175D3DCCD1}">
-              <a14:hiddenFill xmlns:a14="http://schemas.microsoft.com/office/drawing/2010/main" xmlns="">
+              <a14:hiddenFill xmlns="" xmlns:a14="http://schemas.microsoft.com/office/drawing/2010/main">
                 <a:solidFill>
                   <a:srgbClr val="FFFFFF"/>
                 </a:solidFill>
@@ -679,7 +682,7 @@
             </a:ln>
             <a:extLst>
               <a:ext uri="{91240B29-F687-4f45-9708-019B960494DF}">
-                <a14:hiddenLine xmlns:a14="http://schemas.microsoft.com/office/drawing/2010/main" xmlns="" w="9525">
+                <a14:hiddenLine xmlns="" xmlns:a14="http://schemas.microsoft.com/office/drawing/2010/main" w="9525">
                   <a:solidFill>
                     <a:srgbClr val="000000"/>
                   </a:solidFill>
@@ -769,7 +772,7 @@
             </a:ln>
             <a:extLst>
               <a:ext uri="{91240B29-F687-4f45-9708-019B960494DF}">
-                <a14:hiddenLine xmlns:a14="http://schemas.microsoft.com/office/drawing/2010/main" xmlns="" w="9525">
+                <a14:hiddenLine xmlns="" xmlns:a14="http://schemas.microsoft.com/office/drawing/2010/main" w="9525">
                   <a:solidFill>
                     <a:srgbClr val="000000"/>
                   </a:solidFill>
@@ -859,7 +862,7 @@
             </a:ln>
             <a:extLst>
               <a:ext uri="{91240B29-F687-4f45-9708-019B960494DF}">
-                <a14:hiddenLine xmlns:a14="http://schemas.microsoft.com/office/drawing/2010/main" xmlns="" w="9525">
+                <a14:hiddenLine xmlns="" xmlns:a14="http://schemas.microsoft.com/office/drawing/2010/main" w="9525">
                   <a:solidFill>
                     <a:srgbClr val="000000"/>
                   </a:solidFill>
@@ -893,7 +896,7 @@
             </a:ln>
             <a:extLst>
               <a:ext uri="{91240B29-F687-4f45-9708-019B960494DF}">
-                <a14:hiddenLine xmlns:a14="http://schemas.microsoft.com/office/drawing/2010/main" xmlns="" w="9525">
+                <a14:hiddenLine xmlns="" xmlns:a14="http://schemas.microsoft.com/office/drawing/2010/main" w="9525">
                   <a:solidFill>
                     <a:srgbClr val="000000"/>
                   </a:solidFill>
@@ -983,7 +986,7 @@
             </a:ln>
             <a:extLst>
               <a:ext uri="{91240B29-F687-4f45-9708-019B960494DF}">
-                <a14:hiddenLine xmlns:a14="http://schemas.microsoft.com/office/drawing/2010/main" xmlns="" w="9525">
+                <a14:hiddenLine xmlns="" xmlns:a14="http://schemas.microsoft.com/office/drawing/2010/main" w="9525">
                   <a:solidFill>
                     <a:srgbClr val="000000"/>
                   </a:solidFill>
@@ -1045,7 +1048,7 @@
             </a:ln>
             <a:extLst>
               <a:ext uri="{91240B29-F687-4f45-9708-019B960494DF}">
-                <a14:hiddenLine xmlns:a14="http://schemas.microsoft.com/office/drawing/2010/main" xmlns="" w="9525">
+                <a14:hiddenLine xmlns="" xmlns:a14="http://schemas.microsoft.com/office/drawing/2010/main" w="9525">
                   <a:solidFill>
                     <a:srgbClr val="000000"/>
                   </a:solidFill>
@@ -1107,7 +1110,7 @@
             </a:ln>
             <a:extLst>
               <a:ext uri="{91240B29-F687-4f45-9708-019B960494DF}">
-                <a14:hiddenLine xmlns:a14="http://schemas.microsoft.com/office/drawing/2010/main" xmlns="" w="9525">
+                <a14:hiddenLine xmlns="" xmlns:a14="http://schemas.microsoft.com/office/drawing/2010/main" w="9525">
                   <a:solidFill>
                     <a:srgbClr val="000000"/>
                   </a:solidFill>
@@ -1197,7 +1200,7 @@
             </a:ln>
             <a:extLst>
               <a:ext uri="{91240B29-F687-4f45-9708-019B960494DF}">
-                <a14:hiddenLine xmlns:a14="http://schemas.microsoft.com/office/drawing/2010/main" xmlns="" w="9525">
+                <a14:hiddenLine xmlns="" xmlns:a14="http://schemas.microsoft.com/office/drawing/2010/main" w="9525">
                   <a:solidFill>
                     <a:srgbClr val="000000"/>
                   </a:solidFill>
@@ -1259,7 +1262,7 @@
             </a:ln>
             <a:extLst>
               <a:ext uri="{91240B29-F687-4f45-9708-019B960494DF}">
-                <a14:hiddenLine xmlns:a14="http://schemas.microsoft.com/office/drawing/2010/main" xmlns="" w="9525">
+                <a14:hiddenLine xmlns="" xmlns:a14="http://schemas.microsoft.com/office/drawing/2010/main" w="9525">
                   <a:solidFill>
                     <a:srgbClr val="000000"/>
                   </a:solidFill>
@@ -1321,7 +1324,7 @@
             </a:ln>
             <a:extLst>
               <a:ext uri="{91240B29-F687-4f45-9708-019B960494DF}">
-                <a14:hiddenLine xmlns:a14="http://schemas.microsoft.com/office/drawing/2010/main" xmlns="" w="9525">
+                <a14:hiddenLine xmlns="" xmlns:a14="http://schemas.microsoft.com/office/drawing/2010/main" w="9525">
                   <a:solidFill>
                     <a:srgbClr val="000000"/>
                   </a:solidFill>
@@ -1411,7 +1414,7 @@
             </a:ln>
             <a:extLst>
               <a:ext uri="{91240B29-F687-4f45-9708-019B960494DF}">
-                <a14:hiddenLine xmlns:a14="http://schemas.microsoft.com/office/drawing/2010/main" xmlns="" w="9525">
+                <a14:hiddenLine xmlns="" xmlns:a14="http://schemas.microsoft.com/office/drawing/2010/main" w="9525">
                   <a:solidFill>
                     <a:srgbClr val="000000"/>
                   </a:solidFill>
@@ -1501,7 +1504,7 @@
             </a:ln>
             <a:extLst>
               <a:ext uri="{91240B29-F687-4f45-9708-019B960494DF}">
-                <a14:hiddenLine xmlns:a14="http://schemas.microsoft.com/office/drawing/2010/main" xmlns="" w="9525">
+                <a14:hiddenLine xmlns="" xmlns:a14="http://schemas.microsoft.com/office/drawing/2010/main" w="9525">
                   <a:solidFill>
                     <a:srgbClr val="000000"/>
                   </a:solidFill>
@@ -1563,7 +1566,7 @@
             </a:ln>
             <a:extLst>
               <a:ext uri="{91240B29-F687-4f45-9708-019B960494DF}">
-                <a14:hiddenLine xmlns:a14="http://schemas.microsoft.com/office/drawing/2010/main" xmlns="" w="9525">
+                <a14:hiddenLine xmlns="" xmlns:a14="http://schemas.microsoft.com/office/drawing/2010/main" w="9525">
                   <a:solidFill>
                     <a:srgbClr val="000000"/>
                   </a:solidFill>
@@ -1673,7 +1676,7 @@
             </a:ln>
             <a:extLst>
               <a:ext uri="{91240B29-F687-4f45-9708-019B960494DF}">
-                <a14:hiddenLine xmlns:a14="http://schemas.microsoft.com/office/drawing/2010/main" xmlns="" w="9525">
+                <a14:hiddenLine xmlns="" xmlns:a14="http://schemas.microsoft.com/office/drawing/2010/main" w="9525">
                   <a:solidFill>
                     <a:srgbClr val="000000"/>
                   </a:solidFill>
@@ -1735,7 +1738,7 @@
             </a:ln>
             <a:extLst>
               <a:ext uri="{91240B29-F687-4f45-9708-019B960494DF}">
-                <a14:hiddenLine xmlns:a14="http://schemas.microsoft.com/office/drawing/2010/main" xmlns="" w="9525">
+                <a14:hiddenLine xmlns="" xmlns:a14="http://schemas.microsoft.com/office/drawing/2010/main" w="9525">
                   <a:solidFill>
                     <a:srgbClr val="000000"/>
                   </a:solidFill>
@@ -1825,7 +1828,7 @@
             </a:ln>
             <a:extLst>
               <a:ext uri="{91240B29-F687-4f45-9708-019B960494DF}">
-                <a14:hiddenLine xmlns:a14="http://schemas.microsoft.com/office/drawing/2010/main" xmlns="" w="9525">
+                <a14:hiddenLine xmlns="" xmlns:a14="http://schemas.microsoft.com/office/drawing/2010/main" w="9525">
                   <a:solidFill>
                     <a:srgbClr val="000000"/>
                   </a:solidFill>
@@ -1915,7 +1918,7 @@
             </a:ln>
             <a:extLst>
               <a:ext uri="{91240B29-F687-4f45-9708-019B960494DF}">
-                <a14:hiddenLine xmlns:a14="http://schemas.microsoft.com/office/drawing/2010/main" xmlns="" w="9525">
+                <a14:hiddenLine xmlns="" xmlns:a14="http://schemas.microsoft.com/office/drawing/2010/main" w="9525">
                   <a:solidFill>
                     <a:srgbClr val="000000"/>
                   </a:solidFill>
@@ -1977,7 +1980,7 @@
             </a:ln>
             <a:extLst>
               <a:ext uri="{91240B29-F687-4f45-9708-019B960494DF}">
-                <a14:hiddenLine xmlns:a14="http://schemas.microsoft.com/office/drawing/2010/main" xmlns="" w="9525">
+                <a14:hiddenLine xmlns="" xmlns:a14="http://schemas.microsoft.com/office/drawing/2010/main" w="9525">
                   <a:solidFill>
                     <a:srgbClr val="000000"/>
                   </a:solidFill>
@@ -2067,7 +2070,7 @@
             </a:ln>
             <a:extLst>
               <a:ext uri="{91240B29-F687-4f45-9708-019B960494DF}">
-                <a14:hiddenLine xmlns:a14="http://schemas.microsoft.com/office/drawing/2010/main" xmlns="" w="9525">
+                <a14:hiddenLine xmlns="" xmlns:a14="http://schemas.microsoft.com/office/drawing/2010/main" w="9525">
                   <a:solidFill>
                     <a:srgbClr val="000000"/>
                   </a:solidFill>
@@ -2157,7 +2160,7 @@
             </a:ln>
             <a:extLst>
               <a:ext uri="{91240B29-F687-4f45-9708-019B960494DF}">
-                <a14:hiddenLine xmlns:a14="http://schemas.microsoft.com/office/drawing/2010/main" xmlns="" w="9525">
+                <a14:hiddenLine xmlns="" xmlns:a14="http://schemas.microsoft.com/office/drawing/2010/main" w="9525">
                   <a:solidFill>
                     <a:srgbClr val="000000"/>
                   </a:solidFill>
@@ -2213,7 +2216,7 @@
             </a:ln>
             <a:extLst>
               <a:ext uri="{91240B29-F687-4f45-9708-019B960494DF}">
-                <a14:hiddenLine xmlns:a14="http://schemas.microsoft.com/office/drawing/2010/main" xmlns="" w="9525">
+                <a14:hiddenLine xmlns="" xmlns:a14="http://schemas.microsoft.com/office/drawing/2010/main" w="9525">
                   <a:solidFill>
                     <a:srgbClr val="000000"/>
                   </a:solidFill>
@@ -2303,7 +2306,7 @@
             </a:ln>
             <a:extLst>
               <a:ext uri="{91240B29-F687-4f45-9708-019B960494DF}">
-                <a14:hiddenLine xmlns:a14="http://schemas.microsoft.com/office/drawing/2010/main" xmlns="" w="9525">
+                <a14:hiddenLine xmlns="" xmlns:a14="http://schemas.microsoft.com/office/drawing/2010/main" w="9525">
                   <a:solidFill>
                     <a:srgbClr val="000000"/>
                   </a:solidFill>
@@ -2359,7 +2362,7 @@
             </a:ln>
             <a:extLst>
               <a:ext uri="{91240B29-F687-4f45-9708-019B960494DF}">
-                <a14:hiddenLine xmlns:a14="http://schemas.microsoft.com/office/drawing/2010/main" xmlns="" w="9525">
+                <a14:hiddenLine xmlns="" xmlns:a14="http://schemas.microsoft.com/office/drawing/2010/main" w="9525">
                   <a:solidFill>
                     <a:srgbClr val="000000"/>
                   </a:solidFill>
@@ -2449,7 +2452,7 @@
             </a:ln>
             <a:extLst>
               <a:ext uri="{91240B29-F687-4f45-9708-019B960494DF}">
-                <a14:hiddenLine xmlns:a14="http://schemas.microsoft.com/office/drawing/2010/main" xmlns="" w="9525">
+                <a14:hiddenLine xmlns="" xmlns:a14="http://schemas.microsoft.com/office/drawing/2010/main" w="9525">
                   <a:solidFill>
                     <a:srgbClr val="000000"/>
                   </a:solidFill>
@@ -2517,7 +2520,7 @@
             </a:ln>
             <a:extLst>
               <a:ext uri="{91240B29-F687-4f45-9708-019B960494DF}">
-                <a14:hiddenLine xmlns:a14="http://schemas.microsoft.com/office/drawing/2010/main" xmlns="" w="9525">
+                <a14:hiddenLine xmlns="" xmlns:a14="http://schemas.microsoft.com/office/drawing/2010/main" w="9525">
                   <a:solidFill>
                     <a:srgbClr val="000000"/>
                   </a:solidFill>
@@ -2607,7 +2610,7 @@
             </a:ln>
             <a:extLst>
               <a:ext uri="{91240B29-F687-4f45-9708-019B960494DF}">
-                <a14:hiddenLine xmlns:a14="http://schemas.microsoft.com/office/drawing/2010/main" xmlns="" w="9525">
+                <a14:hiddenLine xmlns="" xmlns:a14="http://schemas.microsoft.com/office/drawing/2010/main" w="9525">
                   <a:solidFill>
                     <a:srgbClr val="000000"/>
                   </a:solidFill>
@@ -2675,7 +2678,7 @@
             </a:ln>
             <a:extLst>
               <a:ext uri="{91240B29-F687-4f45-9708-019B960494DF}">
-                <a14:hiddenLine xmlns:a14="http://schemas.microsoft.com/office/drawing/2010/main" xmlns="" w="9525">
+                <a14:hiddenLine xmlns="" xmlns:a14="http://schemas.microsoft.com/office/drawing/2010/main" w="9525">
                   <a:solidFill>
                     <a:srgbClr val="000000"/>
                   </a:solidFill>
@@ -2765,7 +2768,7 @@
             </a:ln>
             <a:extLst>
               <a:ext uri="{91240B29-F687-4f45-9708-019B960494DF}">
-                <a14:hiddenLine xmlns:a14="http://schemas.microsoft.com/office/drawing/2010/main" xmlns="" w="9525">
+                <a14:hiddenLine xmlns="" xmlns:a14="http://schemas.microsoft.com/office/drawing/2010/main" w="9525">
                   <a:solidFill>
                     <a:srgbClr val="000000"/>
                   </a:solidFill>
@@ -2799,7 +2802,7 @@
             </a:ln>
             <a:extLst>
               <a:ext uri="{91240B29-F687-4f45-9708-019B960494DF}">
-                <a14:hiddenLine xmlns:a14="http://schemas.microsoft.com/office/drawing/2010/main" xmlns="" w="9525">
+                <a14:hiddenLine xmlns="" xmlns:a14="http://schemas.microsoft.com/office/drawing/2010/main" w="9525">
                   <a:solidFill>
                     <a:srgbClr val="000000"/>
                   </a:solidFill>
@@ -2889,7 +2892,7 @@
             </a:ln>
             <a:extLst>
               <a:ext uri="{91240B29-F687-4f45-9708-019B960494DF}">
-                <a14:hiddenLine xmlns:a14="http://schemas.microsoft.com/office/drawing/2010/main" xmlns="" w="9525">
+                <a14:hiddenLine xmlns="" xmlns:a14="http://schemas.microsoft.com/office/drawing/2010/main" w="9525">
                   <a:solidFill>
                     <a:srgbClr val="000000"/>
                   </a:solidFill>
@@ -2951,7 +2954,7 @@
             </a:ln>
             <a:extLst>
               <a:ext uri="{91240B29-F687-4f45-9708-019B960494DF}">
-                <a14:hiddenLine xmlns:a14="http://schemas.microsoft.com/office/drawing/2010/main" xmlns="" w="9525">
+                <a14:hiddenLine xmlns="" xmlns:a14="http://schemas.microsoft.com/office/drawing/2010/main" w="9525">
                   <a:solidFill>
                     <a:srgbClr val="000000"/>
                   </a:solidFill>
@@ -3013,7 +3016,7 @@
             </a:ln>
             <a:extLst>
               <a:ext uri="{91240B29-F687-4f45-9708-019B960494DF}">
-                <a14:hiddenLine xmlns:a14="http://schemas.microsoft.com/office/drawing/2010/main" xmlns="" w="9525">
+                <a14:hiddenLine xmlns="" xmlns:a14="http://schemas.microsoft.com/office/drawing/2010/main" w="9525">
                   <a:solidFill>
                     <a:srgbClr val="000000"/>
                   </a:solidFill>
@@ -3103,7 +3106,7 @@
             </a:ln>
             <a:extLst>
               <a:ext uri="{91240B29-F687-4f45-9708-019B960494DF}">
-                <a14:hiddenLine xmlns:a14="http://schemas.microsoft.com/office/drawing/2010/main" xmlns="" w="9525">
+                <a14:hiddenLine xmlns="" xmlns:a14="http://schemas.microsoft.com/office/drawing/2010/main" w="9525">
                   <a:solidFill>
                     <a:srgbClr val="000000"/>
                   </a:solidFill>
@@ -3171,7 +3174,7 @@
             </a:ln>
             <a:extLst>
               <a:ext uri="{91240B29-F687-4f45-9708-019B960494DF}">
-                <a14:hiddenLine xmlns:a14="http://schemas.microsoft.com/office/drawing/2010/main" xmlns="" w="9525">
+                <a14:hiddenLine xmlns="" xmlns:a14="http://schemas.microsoft.com/office/drawing/2010/main" w="9525">
                   <a:solidFill>
                     <a:srgbClr val="000000"/>
                   </a:solidFill>
@@ -3233,7 +3236,7 @@
             </a:ln>
             <a:extLst>
               <a:ext uri="{91240B29-F687-4f45-9708-019B960494DF}">
-                <a14:hiddenLine xmlns:a14="http://schemas.microsoft.com/office/drawing/2010/main" xmlns="" w="9525">
+                <a14:hiddenLine xmlns="" xmlns:a14="http://schemas.microsoft.com/office/drawing/2010/main" w="9525">
                   <a:solidFill>
                     <a:srgbClr val="000000"/>
                   </a:solidFill>
@@ -3323,7 +3326,7 @@
             </a:ln>
             <a:extLst>
               <a:ext uri="{91240B29-F687-4f45-9708-019B960494DF}">
-                <a14:hiddenLine xmlns:a14="http://schemas.microsoft.com/office/drawing/2010/main" xmlns="" w="9525">
+                <a14:hiddenLine xmlns="" xmlns:a14="http://schemas.microsoft.com/office/drawing/2010/main" w="9525">
                   <a:solidFill>
                     <a:srgbClr val="000000"/>
                   </a:solidFill>
@@ -3385,7 +3388,7 @@
             </a:ln>
             <a:extLst>
               <a:ext uri="{91240B29-F687-4f45-9708-019B960494DF}">
-                <a14:hiddenLine xmlns:a14="http://schemas.microsoft.com/office/drawing/2010/main" xmlns="" w="9525">
+                <a14:hiddenLine xmlns="" xmlns:a14="http://schemas.microsoft.com/office/drawing/2010/main" w="9525">
                   <a:solidFill>
                     <a:srgbClr val="000000"/>
                   </a:solidFill>
@@ -3475,7 +3478,7 @@
             </a:ln>
             <a:extLst>
               <a:ext uri="{91240B29-F687-4f45-9708-019B960494DF}">
-                <a14:hiddenLine xmlns:a14="http://schemas.microsoft.com/office/drawing/2010/main" xmlns="" w="9525">
+                <a14:hiddenLine xmlns="" xmlns:a14="http://schemas.microsoft.com/office/drawing/2010/main" w="9525">
                   <a:solidFill>
                     <a:srgbClr val="000000"/>
                   </a:solidFill>
@@ -3537,7 +3540,7 @@
             </a:ln>
             <a:extLst>
               <a:ext uri="{91240B29-F687-4f45-9708-019B960494DF}">
-                <a14:hiddenLine xmlns:a14="http://schemas.microsoft.com/office/drawing/2010/main" xmlns="" w="9525">
+                <a14:hiddenLine xmlns="" xmlns:a14="http://schemas.microsoft.com/office/drawing/2010/main" w="9525">
                   <a:solidFill>
                     <a:srgbClr val="000000"/>
                   </a:solidFill>
@@ -3627,7 +3630,7 @@
             </a:ln>
             <a:extLst>
               <a:ext uri="{91240B29-F687-4f45-9708-019B960494DF}">
-                <a14:hiddenLine xmlns:a14="http://schemas.microsoft.com/office/drawing/2010/main" xmlns="" w="9525">
+                <a14:hiddenLine xmlns="" xmlns:a14="http://schemas.microsoft.com/office/drawing/2010/main" w="9525">
                   <a:solidFill>
                     <a:srgbClr val="000000"/>
                   </a:solidFill>
@@ -3661,7 +3664,7 @@
             </a:ln>
             <a:extLst>
               <a:ext uri="{91240B29-F687-4f45-9708-019B960494DF}">
-                <a14:hiddenLine xmlns:a14="http://schemas.microsoft.com/office/drawing/2010/main" xmlns="" w="9525">
+                <a14:hiddenLine xmlns="" xmlns:a14="http://schemas.microsoft.com/office/drawing/2010/main" w="9525">
                   <a:solidFill>
                     <a:srgbClr val="000000"/>
                   </a:solidFill>
@@ -3726,7 +3729,7 @@
             </a:ln>
             <a:extLst>
               <a:ext uri="{91240B29-F687-4f45-9708-019B960494DF}">
-                <a14:hiddenLine xmlns:a14="http://schemas.microsoft.com/office/drawing/2010/main" xmlns="" w="9525">
+                <a14:hiddenLine xmlns="" xmlns:a14="http://schemas.microsoft.com/office/drawing/2010/main" w="9525">
                   <a:solidFill>
                     <a:srgbClr val="000000"/>
                   </a:solidFill>
@@ -3816,7 +3819,7 @@
             </a:ln>
             <a:extLst>
               <a:ext uri="{91240B29-F687-4f45-9708-019B960494DF}">
-                <a14:hiddenLine xmlns:a14="http://schemas.microsoft.com/office/drawing/2010/main" xmlns="" w="9525">
+                <a14:hiddenLine xmlns="" xmlns:a14="http://schemas.microsoft.com/office/drawing/2010/main" w="9525">
                   <a:solidFill>
                     <a:srgbClr val="000000"/>
                   </a:solidFill>
@@ -3878,7 +3881,7 @@
             </a:ln>
             <a:extLst>
               <a:ext uri="{91240B29-F687-4f45-9708-019B960494DF}">
-                <a14:hiddenLine xmlns:a14="http://schemas.microsoft.com/office/drawing/2010/main" xmlns="" w="9525">
+                <a14:hiddenLine xmlns="" xmlns:a14="http://schemas.microsoft.com/office/drawing/2010/main" w="9525">
                   <a:solidFill>
                     <a:srgbClr val="000000"/>
                   </a:solidFill>
@@ -3968,7 +3971,7 @@
             </a:ln>
             <a:extLst>
               <a:ext uri="{91240B29-F687-4f45-9708-019B960494DF}">
-                <a14:hiddenLine xmlns:a14="http://schemas.microsoft.com/office/drawing/2010/main" xmlns="" w="9525">
+                <a14:hiddenLine xmlns="" xmlns:a14="http://schemas.microsoft.com/office/drawing/2010/main" w="9525">
                   <a:solidFill>
                     <a:srgbClr val="000000"/>
                   </a:solidFill>
@@ -4058,7 +4061,7 @@
             </a:ln>
             <a:extLst>
               <a:ext uri="{91240B29-F687-4f45-9708-019B960494DF}">
-                <a14:hiddenLine xmlns:a14="http://schemas.microsoft.com/office/drawing/2010/main" xmlns="" w="9525">
+                <a14:hiddenLine xmlns="" xmlns:a14="http://schemas.microsoft.com/office/drawing/2010/main" w="9525">
                   <a:solidFill>
                     <a:srgbClr val="000000"/>
                   </a:solidFill>
@@ -4123,7 +4126,7 @@
             </a:ln>
             <a:extLst>
               <a:ext uri="{91240B29-F687-4f45-9708-019B960494DF}">
-                <a14:hiddenLine xmlns:a14="http://schemas.microsoft.com/office/drawing/2010/main" xmlns="" w="9525">
+                <a14:hiddenLine xmlns="" xmlns:a14="http://schemas.microsoft.com/office/drawing/2010/main" w="9525">
                   <a:solidFill>
                     <a:srgbClr val="000000"/>
                   </a:solidFill>
@@ -4185,7 +4188,7 @@
             </a:ln>
             <a:extLst>
               <a:ext uri="{91240B29-F687-4f45-9708-019B960494DF}">
-                <a14:hiddenLine xmlns:a14="http://schemas.microsoft.com/office/drawing/2010/main" xmlns="" w="9525">
+                <a14:hiddenLine xmlns="" xmlns:a14="http://schemas.microsoft.com/office/drawing/2010/main" w="9525">
                   <a:solidFill>
                     <a:srgbClr val="000000"/>
                   </a:solidFill>
@@ -4275,7 +4278,7 @@
             </a:ln>
             <a:extLst>
               <a:ext uri="{91240B29-F687-4f45-9708-019B960494DF}">
-                <a14:hiddenLine xmlns:a14="http://schemas.microsoft.com/office/drawing/2010/main" xmlns="" w="9525">
+                <a14:hiddenLine xmlns="" xmlns:a14="http://schemas.microsoft.com/office/drawing/2010/main" w="9525">
                   <a:solidFill>
                     <a:srgbClr val="000000"/>
                   </a:solidFill>
@@ -4365,7 +4368,7 @@
             </a:ln>
             <a:extLst>
               <a:ext uri="{91240B29-F687-4f45-9708-019B960494DF}">
-                <a14:hiddenLine xmlns:a14="http://schemas.microsoft.com/office/drawing/2010/main" xmlns="" w="9525">
+                <a14:hiddenLine xmlns="" xmlns:a14="http://schemas.microsoft.com/office/drawing/2010/main" w="9525">
                   <a:solidFill>
                     <a:srgbClr val="000000"/>
                   </a:solidFill>
@@ -4427,7 +4430,7 @@
             </a:ln>
             <a:extLst>
               <a:ext uri="{91240B29-F687-4f45-9708-019B960494DF}">
-                <a14:hiddenLine xmlns:a14="http://schemas.microsoft.com/office/drawing/2010/main" xmlns="" w="9525">
+                <a14:hiddenLine xmlns="" xmlns:a14="http://schemas.microsoft.com/office/drawing/2010/main" w="9525">
                   <a:solidFill>
                     <a:srgbClr val="000000"/>
                   </a:solidFill>
@@ -4547,7 +4550,7 @@
             </a:ln>
             <a:extLst>
               <a:ext uri="{91240B29-F687-4f45-9708-019B960494DF}">
-                <a14:hiddenLine xmlns:a14="http://schemas.microsoft.com/office/drawing/2010/main" xmlns="" w="9525">
+                <a14:hiddenLine xmlns="" xmlns:a14="http://schemas.microsoft.com/office/drawing/2010/main" w="9525">
                   <a:solidFill>
                     <a:srgbClr val="000000"/>
                   </a:solidFill>
@@ -4615,7 +4618,7 @@
             </a:ln>
             <a:extLst>
               <a:ext uri="{91240B29-F687-4f45-9708-019B960494DF}">
-                <a14:hiddenLine xmlns:a14="http://schemas.microsoft.com/office/drawing/2010/main" xmlns="" w="9525">
+                <a14:hiddenLine xmlns="" xmlns:a14="http://schemas.microsoft.com/office/drawing/2010/main" w="9525">
                   <a:solidFill>
                     <a:srgbClr val="000000"/>
                   </a:solidFill>
@@ -4705,7 +4708,7 @@
             </a:ln>
             <a:extLst>
               <a:ext uri="{91240B29-F687-4f45-9708-019B960494DF}">
-                <a14:hiddenLine xmlns:a14="http://schemas.microsoft.com/office/drawing/2010/main" xmlns="" w="9525">
+                <a14:hiddenLine xmlns="" xmlns:a14="http://schemas.microsoft.com/office/drawing/2010/main" w="9525">
                   <a:solidFill>
                     <a:srgbClr val="000000"/>
                   </a:solidFill>
@@ -4845,7 +4848,7 @@
           <a:p>
             <a:fld id="{3E440231-8DCC-48AA-ABEF-1F8D29FA8B99}" type="datetimeFigureOut">
               <a:rPr lang="hu-HU" smtClean="0"/>
-              <a:t>2023. 03. 21.</a:t>
+              <a:t>2023. 05. 22.</a:t>
             </a:fld>
             <a:endParaRPr lang="hu-HU"/>
           </a:p>
@@ -5112,7 +5115,7 @@
           <a:p>
             <a:fld id="{3E440231-8DCC-48AA-ABEF-1F8D29FA8B99}" type="datetimeFigureOut">
               <a:rPr lang="hu-HU" smtClean="0"/>
-              <a:t>2023. 03. 21.</a:t>
+              <a:t>2023. 05. 22.</a:t>
             </a:fld>
             <a:endParaRPr lang="hu-HU"/>
           </a:p>
@@ -5308,7 +5311,7 @@
           <a:p>
             <a:fld id="{3E440231-8DCC-48AA-ABEF-1F8D29FA8B99}" type="datetimeFigureOut">
               <a:rPr lang="hu-HU" smtClean="0"/>
-              <a:t>2023. 03. 21.</a:t>
+              <a:t>2023. 05. 22.</a:t>
             </a:fld>
             <a:endParaRPr lang="hu-HU"/>
           </a:p>
@@ -5571,7 +5574,7 @@
           <a:p>
             <a:fld id="{3E440231-8DCC-48AA-ABEF-1F8D29FA8B99}" type="datetimeFigureOut">
               <a:rPr lang="hu-HU" smtClean="0"/>
-              <a:t>2023. 03. 21.</a:t>
+              <a:t>2023. 05. 22.</a:t>
             </a:fld>
             <a:endParaRPr lang="hu-HU"/>
           </a:p>
@@ -6005,7 +6008,7 @@
           <a:p>
             <a:fld id="{3E440231-8DCC-48AA-ABEF-1F8D29FA8B99}" type="datetimeFigureOut">
               <a:rPr lang="hu-HU" smtClean="0"/>
-              <a:t>2023. 03. 21.</a:t>
+              <a:t>2023. 05. 22.</a:t>
             </a:fld>
             <a:endParaRPr lang="hu-HU"/>
           </a:p>
@@ -6551,7 +6554,7 @@
           <a:p>
             <a:fld id="{3E440231-8DCC-48AA-ABEF-1F8D29FA8B99}" type="datetimeFigureOut">
               <a:rPr lang="hu-HU" smtClean="0"/>
-              <a:t>2023. 03. 21.</a:t>
+              <a:t>2023. 05. 22.</a:t>
             </a:fld>
             <a:endParaRPr lang="hu-HU"/>
           </a:p>
@@ -7271,7 +7274,7 @@
           <a:p>
             <a:fld id="{3E440231-8DCC-48AA-ABEF-1F8D29FA8B99}" type="datetimeFigureOut">
               <a:rPr lang="hu-HU" smtClean="0"/>
-              <a:t>2023. 03. 21.</a:t>
+              <a:t>2023. 05. 22.</a:t>
             </a:fld>
             <a:endParaRPr lang="hu-HU"/>
           </a:p>
@@ -7441,7 +7444,7 @@
           <a:p>
             <a:fld id="{3E440231-8DCC-48AA-ABEF-1F8D29FA8B99}" type="datetimeFigureOut">
               <a:rPr lang="hu-HU" smtClean="0"/>
-              <a:t>2023. 03. 21.</a:t>
+              <a:t>2023. 05. 22.</a:t>
             </a:fld>
             <a:endParaRPr lang="hu-HU"/>
           </a:p>
@@ -7621,7 +7624,7 @@
           <a:p>
             <a:fld id="{3E440231-8DCC-48AA-ABEF-1F8D29FA8B99}" type="datetimeFigureOut">
               <a:rPr lang="hu-HU" smtClean="0"/>
-              <a:t>2023. 03. 21.</a:t>
+              <a:t>2023. 05. 22.</a:t>
             </a:fld>
             <a:endParaRPr lang="hu-HU"/>
           </a:p>
@@ -7791,7 +7794,7 @@
           <a:p>
             <a:fld id="{3E440231-8DCC-48AA-ABEF-1F8D29FA8B99}" type="datetimeFigureOut">
               <a:rPr lang="hu-HU" smtClean="0"/>
-              <a:t>2023. 03. 21.</a:t>
+              <a:t>2023. 05. 22.</a:t>
             </a:fld>
             <a:endParaRPr lang="hu-HU"/>
           </a:p>
@@ -8041,7 +8044,7 @@
           <a:p>
             <a:fld id="{3E440231-8DCC-48AA-ABEF-1F8D29FA8B99}" type="datetimeFigureOut">
               <a:rPr lang="hu-HU" smtClean="0"/>
-              <a:t>2023. 03. 21.</a:t>
+              <a:t>2023. 05. 22.</a:t>
             </a:fld>
             <a:endParaRPr lang="hu-HU"/>
           </a:p>
@@ -8273,7 +8276,7 @@
           <a:p>
             <a:fld id="{3E440231-8DCC-48AA-ABEF-1F8D29FA8B99}" type="datetimeFigureOut">
               <a:rPr lang="hu-HU" smtClean="0"/>
-              <a:t>2023. 03. 21.</a:t>
+              <a:t>2023. 05. 22.</a:t>
             </a:fld>
             <a:endParaRPr lang="hu-HU"/>
           </a:p>
@@ -8654,7 +8657,7 @@
           <a:p>
             <a:fld id="{3E440231-8DCC-48AA-ABEF-1F8D29FA8B99}" type="datetimeFigureOut">
               <a:rPr lang="hu-HU" smtClean="0"/>
-              <a:t>2023. 03. 21.</a:t>
+              <a:t>2023. 05. 22.</a:t>
             </a:fld>
             <a:endParaRPr lang="hu-HU"/>
           </a:p>
@@ -8772,7 +8775,7 @@
           <a:p>
             <a:fld id="{3E440231-8DCC-48AA-ABEF-1F8D29FA8B99}" type="datetimeFigureOut">
               <a:rPr lang="hu-HU" smtClean="0"/>
-              <a:t>2023. 03. 21.</a:t>
+              <a:t>2023. 05. 22.</a:t>
             </a:fld>
             <a:endParaRPr lang="hu-HU"/>
           </a:p>
@@ -8867,7 +8870,7 @@
           <a:p>
             <a:fld id="{3E440231-8DCC-48AA-ABEF-1F8D29FA8B99}" type="datetimeFigureOut">
               <a:rPr lang="hu-HU" smtClean="0"/>
-              <a:t>2023. 03. 21.</a:t>
+              <a:t>2023. 05. 22.</a:t>
             </a:fld>
             <a:endParaRPr lang="hu-HU"/>
           </a:p>
@@ -9116,7 +9119,7 @@
           <a:p>
             <a:fld id="{3E440231-8DCC-48AA-ABEF-1F8D29FA8B99}" type="datetimeFigureOut">
               <a:rPr lang="hu-HU" smtClean="0"/>
-              <a:t>2023. 03. 21.</a:t>
+              <a:t>2023. 05. 22.</a:t>
             </a:fld>
             <a:endParaRPr lang="hu-HU"/>
           </a:p>
@@ -9396,7 +9399,7 @@
           <a:p>
             <a:fld id="{3E440231-8DCC-48AA-ABEF-1F8D29FA8B99}" type="datetimeFigureOut">
               <a:rPr lang="hu-HU" smtClean="0"/>
-              <a:t>2023. 03. 21.</a:t>
+              <a:t>2023. 05. 22.</a:t>
             </a:fld>
             <a:endParaRPr lang="hu-HU"/>
           </a:p>
@@ -9519,7 +9522,7 @@
           <a:noFill/>
           <a:extLst>
             <a:ext uri="{909E8E84-426E-40dd-AFC4-6F175D3DCCD1}">
-              <a14:hiddenFill xmlns:a14="http://schemas.microsoft.com/office/drawing/2010/main" xmlns="">
+              <a14:hiddenFill xmlns="" xmlns:a14="http://schemas.microsoft.com/office/drawing/2010/main">
                 <a:solidFill>
                   <a:srgbClr val="FFFFFF"/>
                 </a:solidFill>
@@ -9593,7 +9596,7 @@
               </a:ln>
               <a:extLst>
                 <a:ext uri="{91240B29-F687-4f45-9708-019B960494DF}">
-                  <a14:hiddenLine xmlns:a14="http://schemas.microsoft.com/office/drawing/2010/main" xmlns="" w="9525">
+                  <a14:hiddenLine xmlns="" xmlns:a14="http://schemas.microsoft.com/office/drawing/2010/main" w="9525">
                     <a:solidFill>
                       <a:srgbClr val="000000"/>
                     </a:solidFill>
@@ -9683,7 +9686,7 @@
               </a:ln>
               <a:extLst>
                 <a:ext uri="{91240B29-F687-4f45-9708-019B960494DF}">
-                  <a14:hiddenLine xmlns:a14="http://schemas.microsoft.com/office/drawing/2010/main" xmlns="" w="9525">
+                  <a14:hiddenLine xmlns="" xmlns:a14="http://schemas.microsoft.com/office/drawing/2010/main" w="9525">
                     <a:solidFill>
                       <a:srgbClr val="000000"/>
                     </a:solidFill>
@@ -9773,7 +9776,7 @@
               </a:ln>
               <a:extLst>
                 <a:ext uri="{91240B29-F687-4f45-9708-019B960494DF}">
-                  <a14:hiddenLine xmlns:a14="http://schemas.microsoft.com/office/drawing/2010/main" xmlns="" w="9525">
+                  <a14:hiddenLine xmlns="" xmlns:a14="http://schemas.microsoft.com/office/drawing/2010/main" w="9525">
                     <a:solidFill>
                       <a:srgbClr val="000000"/>
                     </a:solidFill>
@@ -9835,7 +9838,7 @@
               </a:ln>
               <a:extLst>
                 <a:ext uri="{91240B29-F687-4f45-9708-019B960494DF}">
-                  <a14:hiddenLine xmlns:a14="http://schemas.microsoft.com/office/drawing/2010/main" xmlns="" w="9525">
+                  <a14:hiddenLine xmlns="" xmlns:a14="http://schemas.microsoft.com/office/drawing/2010/main" w="9525">
                     <a:solidFill>
                       <a:srgbClr val="000000"/>
                     </a:solidFill>
@@ -9925,7 +9928,7 @@
               </a:ln>
               <a:extLst>
                 <a:ext uri="{91240B29-F687-4f45-9708-019B960494DF}">
-                  <a14:hiddenLine xmlns:a14="http://schemas.microsoft.com/office/drawing/2010/main" xmlns="" w="9525">
+                  <a14:hiddenLine xmlns="" xmlns:a14="http://schemas.microsoft.com/office/drawing/2010/main" w="9525">
                     <a:solidFill>
                       <a:srgbClr val="000000"/>
                     </a:solidFill>
@@ -9987,7 +9990,7 @@
               </a:ln>
               <a:extLst>
                 <a:ext uri="{91240B29-F687-4f45-9708-019B960494DF}">
-                  <a14:hiddenLine xmlns:a14="http://schemas.microsoft.com/office/drawing/2010/main" xmlns="" w="9525">
+                  <a14:hiddenLine xmlns="" xmlns:a14="http://schemas.microsoft.com/office/drawing/2010/main" w="9525">
                     <a:solidFill>
                       <a:srgbClr val="000000"/>
                     </a:solidFill>
@@ -10049,7 +10052,7 @@
               </a:ln>
               <a:extLst>
                 <a:ext uri="{91240B29-F687-4f45-9708-019B960494DF}">
-                  <a14:hiddenLine xmlns:a14="http://schemas.microsoft.com/office/drawing/2010/main" xmlns="" w="9525">
+                  <a14:hiddenLine xmlns="" xmlns:a14="http://schemas.microsoft.com/office/drawing/2010/main" w="9525">
                     <a:solidFill>
                       <a:srgbClr val="000000"/>
                     </a:solidFill>
@@ -10139,7 +10142,7 @@
               </a:ln>
               <a:extLst>
                 <a:ext uri="{91240B29-F687-4f45-9708-019B960494DF}">
-                  <a14:hiddenLine xmlns:a14="http://schemas.microsoft.com/office/drawing/2010/main" xmlns="" w="9525">
+                  <a14:hiddenLine xmlns="" xmlns:a14="http://schemas.microsoft.com/office/drawing/2010/main" w="9525">
                     <a:solidFill>
                       <a:srgbClr val="000000"/>
                     </a:solidFill>
@@ -10229,7 +10232,7 @@
               </a:ln>
               <a:extLst>
                 <a:ext uri="{91240B29-F687-4f45-9708-019B960494DF}">
-                  <a14:hiddenLine xmlns:a14="http://schemas.microsoft.com/office/drawing/2010/main" xmlns="" w="9525">
+                  <a14:hiddenLine xmlns="" xmlns:a14="http://schemas.microsoft.com/office/drawing/2010/main" w="9525">
                     <a:solidFill>
                       <a:srgbClr val="000000"/>
                     </a:solidFill>
@@ -10291,7 +10294,7 @@
               </a:ln>
               <a:extLst>
                 <a:ext uri="{91240B29-F687-4f45-9708-019B960494DF}">
-                  <a14:hiddenLine xmlns:a14="http://schemas.microsoft.com/office/drawing/2010/main" xmlns="" w="9525">
+                  <a14:hiddenLine xmlns="" xmlns:a14="http://schemas.microsoft.com/office/drawing/2010/main" w="9525">
                     <a:solidFill>
                       <a:srgbClr val="000000"/>
                     </a:solidFill>
@@ -10401,7 +10404,7 @@
               </a:ln>
               <a:extLst>
                 <a:ext uri="{91240B29-F687-4f45-9708-019B960494DF}">
-                  <a14:hiddenLine xmlns:a14="http://schemas.microsoft.com/office/drawing/2010/main" xmlns="" w="9525">
+                  <a14:hiddenLine xmlns="" xmlns:a14="http://schemas.microsoft.com/office/drawing/2010/main" w="9525">
                     <a:solidFill>
                       <a:srgbClr val="000000"/>
                     </a:solidFill>
@@ -10485,7 +10488,7 @@
               </a:ln>
               <a:extLst>
                 <a:ext uri="{91240B29-F687-4f45-9708-019B960494DF}">
-                  <a14:hiddenLine xmlns:a14="http://schemas.microsoft.com/office/drawing/2010/main" xmlns="" w="9525">
+                  <a14:hiddenLine xmlns="" xmlns:a14="http://schemas.microsoft.com/office/drawing/2010/main" w="9525">
                     <a:solidFill>
                       <a:srgbClr val="000000"/>
                     </a:solidFill>
@@ -10547,7 +10550,7 @@
               </a:ln>
               <a:extLst>
                 <a:ext uri="{91240B29-F687-4f45-9708-019B960494DF}">
-                  <a14:hiddenLine xmlns:a14="http://schemas.microsoft.com/office/drawing/2010/main" xmlns="" w="9525">
+                  <a14:hiddenLine xmlns="" xmlns:a14="http://schemas.microsoft.com/office/drawing/2010/main" w="9525">
                     <a:solidFill>
                       <a:srgbClr val="000000"/>
                     </a:solidFill>
@@ -10609,7 +10612,7 @@
               </a:ln>
               <a:extLst>
                 <a:ext uri="{91240B29-F687-4f45-9708-019B960494DF}">
-                  <a14:hiddenLine xmlns:a14="http://schemas.microsoft.com/office/drawing/2010/main" xmlns="" w="9525">
+                  <a14:hiddenLine xmlns="" xmlns:a14="http://schemas.microsoft.com/office/drawing/2010/main" w="9525">
                     <a:solidFill>
                       <a:srgbClr val="000000"/>
                     </a:solidFill>
@@ -10699,7 +10702,7 @@
               </a:ln>
               <a:extLst>
                 <a:ext uri="{91240B29-F687-4f45-9708-019B960494DF}">
-                  <a14:hiddenLine xmlns:a14="http://schemas.microsoft.com/office/drawing/2010/main" xmlns="" w="9525">
+                  <a14:hiddenLine xmlns="" xmlns:a14="http://schemas.microsoft.com/office/drawing/2010/main" w="9525">
                     <a:solidFill>
                       <a:srgbClr val="000000"/>
                     </a:solidFill>
@@ -10733,7 +10736,7 @@
               </a:ln>
               <a:extLst>
                 <a:ext uri="{91240B29-F687-4f45-9708-019B960494DF}">
-                  <a14:hiddenLine xmlns:a14="http://schemas.microsoft.com/office/drawing/2010/main" xmlns="" w="9525">
+                  <a14:hiddenLine xmlns="" xmlns:a14="http://schemas.microsoft.com/office/drawing/2010/main" w="9525">
                     <a:solidFill>
                       <a:srgbClr val="000000"/>
                     </a:solidFill>
@@ -10798,7 +10801,7 @@
               </a:ln>
               <a:extLst>
                 <a:ext uri="{91240B29-F687-4f45-9708-019B960494DF}">
-                  <a14:hiddenLine xmlns:a14="http://schemas.microsoft.com/office/drawing/2010/main" xmlns="" w="9525">
+                  <a14:hiddenLine xmlns="" xmlns:a14="http://schemas.microsoft.com/office/drawing/2010/main" w="9525">
                     <a:solidFill>
                       <a:srgbClr val="000000"/>
                     </a:solidFill>
@@ -10888,7 +10891,7 @@
               </a:ln>
               <a:extLst>
                 <a:ext uri="{91240B29-F687-4f45-9708-019B960494DF}">
-                  <a14:hiddenLine xmlns:a14="http://schemas.microsoft.com/office/drawing/2010/main" xmlns="" w="9525">
+                  <a14:hiddenLine xmlns="" xmlns:a14="http://schemas.microsoft.com/office/drawing/2010/main" w="9525">
                     <a:solidFill>
                       <a:srgbClr val="000000"/>
                     </a:solidFill>
@@ -10950,7 +10953,7 @@
               </a:ln>
               <a:extLst>
                 <a:ext uri="{91240B29-F687-4f45-9708-019B960494DF}">
-                  <a14:hiddenLine xmlns:a14="http://schemas.microsoft.com/office/drawing/2010/main" xmlns="" w="9525">
+                  <a14:hiddenLine xmlns="" xmlns:a14="http://schemas.microsoft.com/office/drawing/2010/main" w="9525">
                     <a:solidFill>
                       <a:srgbClr val="000000"/>
                     </a:solidFill>
@@ -11040,7 +11043,7 @@
               </a:ln>
               <a:extLst>
                 <a:ext uri="{91240B29-F687-4f45-9708-019B960494DF}">
-                  <a14:hiddenLine xmlns:a14="http://schemas.microsoft.com/office/drawing/2010/main" xmlns="" w="9525">
+                  <a14:hiddenLine xmlns="" xmlns:a14="http://schemas.microsoft.com/office/drawing/2010/main" w="9525">
                     <a:solidFill>
                       <a:srgbClr val="000000"/>
                     </a:solidFill>
@@ -11105,7 +11108,7 @@
               </a:ln>
               <a:extLst>
                 <a:ext uri="{91240B29-F687-4f45-9708-019B960494DF}">
-                  <a14:hiddenLine xmlns:a14="http://schemas.microsoft.com/office/drawing/2010/main" xmlns="" w="9525">
+                  <a14:hiddenLine xmlns="" xmlns:a14="http://schemas.microsoft.com/office/drawing/2010/main" w="9525">
                     <a:solidFill>
                       <a:srgbClr val="000000"/>
                     </a:solidFill>
@@ -11167,7 +11170,7 @@
               </a:ln>
               <a:extLst>
                 <a:ext uri="{91240B29-F687-4f45-9708-019B960494DF}">
-                  <a14:hiddenLine xmlns:a14="http://schemas.microsoft.com/office/drawing/2010/main" xmlns="" w="9525">
+                  <a14:hiddenLine xmlns="" xmlns:a14="http://schemas.microsoft.com/office/drawing/2010/main" w="9525">
                     <a:solidFill>
                       <a:srgbClr val="000000"/>
                     </a:solidFill>
@@ -11257,7 +11260,7 @@
               </a:ln>
               <a:extLst>
                 <a:ext uri="{91240B29-F687-4f45-9708-019B960494DF}">
-                  <a14:hiddenLine xmlns:a14="http://schemas.microsoft.com/office/drawing/2010/main" xmlns="" w="9525">
+                  <a14:hiddenLine xmlns="" xmlns:a14="http://schemas.microsoft.com/office/drawing/2010/main" w="9525">
                     <a:solidFill>
                       <a:srgbClr val="000000"/>
                     </a:solidFill>
@@ -11347,7 +11350,7 @@
               </a:ln>
               <a:extLst>
                 <a:ext uri="{91240B29-F687-4f45-9708-019B960494DF}">
-                  <a14:hiddenLine xmlns:a14="http://schemas.microsoft.com/office/drawing/2010/main" xmlns="" w="9525">
+                  <a14:hiddenLine xmlns="" xmlns:a14="http://schemas.microsoft.com/office/drawing/2010/main" w="9525">
                     <a:solidFill>
                       <a:srgbClr val="000000"/>
                     </a:solidFill>
@@ -11412,7 +11415,7 @@
               </a:ln>
               <a:extLst>
                 <a:ext uri="{91240B29-F687-4f45-9708-019B960494DF}">
-                  <a14:hiddenLine xmlns:a14="http://schemas.microsoft.com/office/drawing/2010/main" xmlns="" w="9525">
+                  <a14:hiddenLine xmlns="" xmlns:a14="http://schemas.microsoft.com/office/drawing/2010/main" w="9525">
                     <a:solidFill>
                       <a:srgbClr val="000000"/>
                     </a:solidFill>
@@ -11532,7 +11535,7 @@
               </a:ln>
               <a:extLst>
                 <a:ext uri="{91240B29-F687-4f45-9708-019B960494DF}">
-                  <a14:hiddenLine xmlns:a14="http://schemas.microsoft.com/office/drawing/2010/main" xmlns="" w="9525">
+                  <a14:hiddenLine xmlns="" xmlns:a14="http://schemas.microsoft.com/office/drawing/2010/main" w="9525">
                     <a:solidFill>
                       <a:srgbClr val="000000"/>
                     </a:solidFill>
@@ -11630,7 +11633,7 @@
               </a:ln>
               <a:extLst>
                 <a:ext uri="{91240B29-F687-4f45-9708-019B960494DF}">
-                  <a14:hiddenLine xmlns:a14="http://schemas.microsoft.com/office/drawing/2010/main" xmlns="" w="9525">
+                  <a14:hiddenLine xmlns="" xmlns:a14="http://schemas.microsoft.com/office/drawing/2010/main" w="9525">
                     <a:solidFill>
                       <a:srgbClr val="000000"/>
                     </a:solidFill>
@@ -11745,7 +11748,7 @@
               </a:ln>
               <a:extLst>
                 <a:ext uri="{91240B29-F687-4f45-9708-019B960494DF}">
-                  <a14:hiddenLine xmlns:a14="http://schemas.microsoft.com/office/drawing/2010/main" xmlns="" w="9525">
+                  <a14:hiddenLine xmlns="" xmlns:a14="http://schemas.microsoft.com/office/drawing/2010/main" w="9525">
                     <a:solidFill>
                       <a:srgbClr val="000000"/>
                     </a:solidFill>
@@ -11835,7 +11838,7 @@
               </a:ln>
               <a:extLst>
                 <a:ext uri="{91240B29-F687-4f45-9708-019B960494DF}">
-                  <a14:hiddenLine xmlns:a14="http://schemas.microsoft.com/office/drawing/2010/main" xmlns="" w="9525">
+                  <a14:hiddenLine xmlns="" xmlns:a14="http://schemas.microsoft.com/office/drawing/2010/main" w="9525">
                     <a:solidFill>
                       <a:srgbClr val="000000"/>
                     </a:solidFill>
@@ -11900,7 +11903,7 @@
               </a:ln>
               <a:extLst>
                 <a:ext uri="{91240B29-F687-4f45-9708-019B960494DF}">
-                  <a14:hiddenLine xmlns:a14="http://schemas.microsoft.com/office/drawing/2010/main" xmlns="" w="9525">
+                  <a14:hiddenLine xmlns="" xmlns:a14="http://schemas.microsoft.com/office/drawing/2010/main" w="9525">
                     <a:solidFill>
                       <a:srgbClr val="000000"/>
                     </a:solidFill>
@@ -11990,7 +11993,7 @@
               </a:ln>
               <a:extLst>
                 <a:ext uri="{91240B29-F687-4f45-9708-019B960494DF}">
-                  <a14:hiddenLine xmlns:a14="http://schemas.microsoft.com/office/drawing/2010/main" xmlns="" w="9525">
+                  <a14:hiddenLine xmlns="" xmlns:a14="http://schemas.microsoft.com/office/drawing/2010/main" w="9525">
                     <a:solidFill>
                       <a:srgbClr val="000000"/>
                     </a:solidFill>
@@ -12058,7 +12061,7 @@
               </a:ln>
               <a:extLst>
                 <a:ext uri="{91240B29-F687-4f45-9708-019B960494DF}">
-                  <a14:hiddenLine xmlns:a14="http://schemas.microsoft.com/office/drawing/2010/main" xmlns="" w="9525">
+                  <a14:hiddenLine xmlns="" xmlns:a14="http://schemas.microsoft.com/office/drawing/2010/main" w="9525">
                     <a:solidFill>
                       <a:srgbClr val="000000"/>
                     </a:solidFill>
@@ -12148,7 +12151,7 @@
               </a:ln>
               <a:extLst>
                 <a:ext uri="{91240B29-F687-4f45-9708-019B960494DF}">
-                  <a14:hiddenLine xmlns:a14="http://schemas.microsoft.com/office/drawing/2010/main" xmlns="" w="9525">
+                  <a14:hiddenLine xmlns="" xmlns:a14="http://schemas.microsoft.com/office/drawing/2010/main" w="9525">
                     <a:solidFill>
                       <a:srgbClr val="000000"/>
                     </a:solidFill>
@@ -12216,7 +12219,7 @@
               </a:ln>
               <a:extLst>
                 <a:ext uri="{91240B29-F687-4f45-9708-019B960494DF}">
-                  <a14:hiddenLine xmlns:a14="http://schemas.microsoft.com/office/drawing/2010/main" xmlns="" w="9525">
+                  <a14:hiddenLine xmlns="" xmlns:a14="http://schemas.microsoft.com/office/drawing/2010/main" w="9525">
                     <a:solidFill>
                       <a:srgbClr val="000000"/>
                     </a:solidFill>
@@ -12306,7 +12309,7 @@
               </a:ln>
               <a:extLst>
                 <a:ext uri="{91240B29-F687-4f45-9708-019B960494DF}">
-                  <a14:hiddenLine xmlns:a14="http://schemas.microsoft.com/office/drawing/2010/main" xmlns="" w="9525">
+                  <a14:hiddenLine xmlns="" xmlns:a14="http://schemas.microsoft.com/office/drawing/2010/main" w="9525">
                     <a:solidFill>
                       <a:srgbClr val="000000"/>
                     </a:solidFill>
@@ -12340,7 +12343,7 @@
               </a:ln>
               <a:extLst>
                 <a:ext uri="{91240B29-F687-4f45-9708-019B960494DF}">
-                  <a14:hiddenLine xmlns:a14="http://schemas.microsoft.com/office/drawing/2010/main" xmlns="" w="9525">
+                  <a14:hiddenLine xmlns="" xmlns:a14="http://schemas.microsoft.com/office/drawing/2010/main" w="9525">
                     <a:solidFill>
                       <a:srgbClr val="000000"/>
                     </a:solidFill>
@@ -12480,7 +12483,7 @@
           <a:p>
             <a:fld id="{3E440231-8DCC-48AA-ABEF-1F8D29FA8B99}" type="datetimeFigureOut">
               <a:rPr lang="hu-HU" smtClean="0"/>
-              <a:t>2023. 03. 21.</a:t>
+              <a:t>2023. 05. 22.</a:t>
             </a:fld>
             <a:endParaRPr lang="hu-HU"/>
           </a:p>
@@ -13393,6 +13396,7 @@
           <a:bodyPr/>
           <a:lstStyle/>
           <a:p>
+            <a:pPr algn="ctr"/>
             <a:r>
               <a:rPr lang="en-HU" dirty="0"/>
               <a:t>További tanulmányok</a:t>
@@ -13544,7 +13548,7 @@
             <a:pPr algn="ctr"/>
             <a:r>
               <a:rPr lang="hu-HU" dirty="0"/>
-              <a:t>Megvalósítás</a:t>
+              <a:t>Megvalósítási tervek</a:t>
             </a:r>
           </a:p>
         </p:txBody>
@@ -13740,6 +13744,397 @@
 </file>
 
 <file path=ppt/slides/slide14.xml><?xml version="1.0" encoding="utf-8"?>
+<p:sld xmlns:a="http://schemas.openxmlformats.org/drawingml/2006/main" xmlns:r="http://schemas.openxmlformats.org/officeDocument/2006/relationships" xmlns:p="http://schemas.openxmlformats.org/presentationml/2006/main">
+  <p:cSld>
+    <p:spTree>
+      <p:nvGrpSpPr>
+        <p:cNvPr id="1" name=""/>
+        <p:cNvGrpSpPr/>
+        <p:nvPr/>
+      </p:nvGrpSpPr>
+      <p:grpSpPr>
+        <a:xfrm>
+          <a:off x="0" y="0"/>
+          <a:ext cx="0" cy="0"/>
+          <a:chOff x="0" y="0"/>
+          <a:chExt cx="0" cy="0"/>
+        </a:xfrm>
+      </p:grpSpPr>
+      <p:sp>
+        <p:nvSpPr>
+          <p:cNvPr id="2" name="Title 1">
+            <a:extLst>
+              <a:ext uri="{FF2B5EF4-FFF2-40B4-BE49-F238E27FC236}">
+                <a16:creationId xmlns:a16="http://schemas.microsoft.com/office/drawing/2014/main" id="{7D8D614D-7693-1B7E-F134-810E54902D1A}"/>
+              </a:ext>
+            </a:extLst>
+          </p:cNvPr>
+          <p:cNvSpPr>
+            <a:spLocks noGrp="1"/>
+          </p:cNvSpPr>
+          <p:nvPr>
+            <p:ph type="title"/>
+          </p:nvPr>
+        </p:nvSpPr>
+        <p:spPr/>
+        <p:txBody>
+          <a:bodyPr/>
+          <a:lstStyle/>
+          <a:p>
+            <a:pPr algn="ctr"/>
+            <a:r>
+              <a:rPr lang="en-HU" dirty="0"/>
+              <a:t>Adathalmaz</a:t>
+            </a:r>
+          </a:p>
+        </p:txBody>
+      </p:sp>
+      <p:sp>
+        <p:nvSpPr>
+          <p:cNvPr id="3" name="Content Placeholder 2">
+            <a:extLst>
+              <a:ext uri="{FF2B5EF4-FFF2-40B4-BE49-F238E27FC236}">
+                <a16:creationId xmlns:a16="http://schemas.microsoft.com/office/drawing/2014/main" id="{1CF56CAA-EF91-1394-152C-67749508CB42}"/>
+              </a:ext>
+            </a:extLst>
+          </p:cNvPr>
+          <p:cNvSpPr>
+            <a:spLocks noGrp="1"/>
+          </p:cNvSpPr>
+          <p:nvPr>
+            <p:ph idx="1"/>
+          </p:nvPr>
+        </p:nvSpPr>
+        <p:spPr/>
+        <p:txBody>
+          <a:bodyPr/>
+          <a:lstStyle/>
+          <a:p>
+            <a:r>
+              <a:rPr lang="en-HU" dirty="0">
+                <a:solidFill>
+                  <a:schemeClr val="bg1"/>
+                </a:solidFill>
+              </a:rPr>
+              <a:t>2001 HCFCD Lidar: Harris County Point Cloud (</a:t>
+            </a:r>
+            <a:r>
+              <a:rPr lang="en-GB" b="0" i="0" u="none" strike="noStrike" dirty="0">
+                <a:solidFill>
+                  <a:schemeClr val="bg1"/>
+                </a:solidFill>
+                <a:effectLst/>
+                <a:latin typeface="-apple-system"/>
+                <a:hlinkClick r:id="rId2">
+                  <a:extLst>
+                    <a:ext uri="{A12FA001-AC4F-418D-AE19-62706E023703}">
+                      <ahyp:hlinkClr xmlns:ahyp="http://schemas.microsoft.com/office/drawing/2018/hyperlinkcolor" val="tx"/>
+                    </a:ext>
+                  </a:extLst>
+                </a:hlinkClick>
+              </a:rPr>
+              <a:t>https://noaa-nos-coastal-lidar-pds.s3.amazonaws.com/laz/geoid18/102/index.html</a:t>
+            </a:r>
+            <a:r>
+              <a:rPr lang="en-HU" dirty="0">
+                <a:solidFill>
+                  <a:schemeClr val="bg1"/>
+                </a:solidFill>
+              </a:rPr>
+              <a:t>)</a:t>
+            </a:r>
+          </a:p>
+          <a:p>
+            <a:r>
+              <a:rPr lang="hu-HU" dirty="0">
+                <a:solidFill>
+                  <a:schemeClr val="bg1"/>
+                </a:solidFill>
+              </a:rPr>
+              <a:t>1. adathalmaz: 20011104_950.laz</a:t>
+            </a:r>
+          </a:p>
+          <a:p>
+            <a:r>
+              <a:rPr lang="hu-HU" dirty="0">
+                <a:solidFill>
+                  <a:schemeClr val="bg1"/>
+                </a:solidFill>
+              </a:rPr>
+              <a:t>2. adathalmaz: 20011104_959.laz</a:t>
+            </a:r>
+          </a:p>
+        </p:txBody>
+      </p:sp>
+    </p:spTree>
+    <p:extLst>
+      <p:ext uri="{BB962C8B-B14F-4D97-AF65-F5344CB8AC3E}">
+        <p14:creationId xmlns:p14="http://schemas.microsoft.com/office/powerpoint/2010/main" val="645243558"/>
+      </p:ext>
+    </p:extLst>
+  </p:cSld>
+  <p:clrMapOvr>
+    <a:masterClrMapping/>
+  </p:clrMapOvr>
+</p:sld>
+</file>
+
+<file path=ppt/slides/slide15.xml><?xml version="1.0" encoding="utf-8"?>
+<p:sld xmlns:a="http://schemas.openxmlformats.org/drawingml/2006/main" xmlns:r="http://schemas.openxmlformats.org/officeDocument/2006/relationships" xmlns:p="http://schemas.openxmlformats.org/presentationml/2006/main">
+  <p:cSld>
+    <p:spTree>
+      <p:nvGrpSpPr>
+        <p:cNvPr id="1" name=""/>
+        <p:cNvGrpSpPr/>
+        <p:nvPr/>
+      </p:nvGrpSpPr>
+      <p:grpSpPr>
+        <a:xfrm>
+          <a:off x="0" y="0"/>
+          <a:ext cx="0" cy="0"/>
+          <a:chOff x="0" y="0"/>
+          <a:chExt cx="0" cy="0"/>
+        </a:xfrm>
+      </p:grpSpPr>
+      <p:sp>
+        <p:nvSpPr>
+          <p:cNvPr id="2" name="Title 1">
+            <a:extLst>
+              <a:ext uri="{FF2B5EF4-FFF2-40B4-BE49-F238E27FC236}">
+                <a16:creationId xmlns:a16="http://schemas.microsoft.com/office/drawing/2014/main" id="{AE5F3FE0-4CCE-CF59-C822-86D0AFDEB5E1}"/>
+              </a:ext>
+            </a:extLst>
+          </p:cNvPr>
+          <p:cNvSpPr>
+            <a:spLocks noGrp="1"/>
+          </p:cNvSpPr>
+          <p:nvPr>
+            <p:ph type="title"/>
+          </p:nvPr>
+        </p:nvSpPr>
+        <p:spPr/>
+        <p:txBody>
+          <a:bodyPr/>
+          <a:lstStyle/>
+          <a:p>
+            <a:pPr algn="ctr"/>
+            <a:r>
+              <a:rPr lang="en-HU" dirty="0"/>
+              <a:t>Felhasznált Technológiák</a:t>
+            </a:r>
+          </a:p>
+        </p:txBody>
+      </p:sp>
+      <p:sp>
+        <p:nvSpPr>
+          <p:cNvPr id="3" name="Content Placeholder 2">
+            <a:extLst>
+              <a:ext uri="{FF2B5EF4-FFF2-40B4-BE49-F238E27FC236}">
+                <a16:creationId xmlns:a16="http://schemas.microsoft.com/office/drawing/2014/main" id="{14EB60E9-50EF-3318-E212-614E42C0E1AD}"/>
+              </a:ext>
+            </a:extLst>
+          </p:cNvPr>
+          <p:cNvSpPr>
+            <a:spLocks noGrp="1"/>
+          </p:cNvSpPr>
+          <p:nvPr>
+            <p:ph idx="1"/>
+          </p:nvPr>
+        </p:nvSpPr>
+        <p:spPr/>
+        <p:txBody>
+          <a:bodyPr/>
+          <a:lstStyle/>
+          <a:p>
+            <a:r>
+              <a:rPr lang="en-HU" dirty="0">
+                <a:solidFill>
+                  <a:schemeClr val="bg1"/>
+                </a:solidFill>
+              </a:rPr>
+              <a:t>Python package-k:</a:t>
+            </a:r>
+          </a:p>
+          <a:p>
+            <a:pPr lvl="1"/>
+            <a:r>
+              <a:rPr lang="en-GB" dirty="0">
+                <a:solidFill>
+                  <a:schemeClr val="bg1"/>
+                </a:solidFill>
+              </a:rPr>
+              <a:t>l</a:t>
+            </a:r>
+            <a:r>
+              <a:rPr lang="en-HU" dirty="0">
+                <a:solidFill>
+                  <a:schemeClr val="bg1"/>
+                </a:solidFill>
+              </a:rPr>
+              <a:t>aspy</a:t>
+            </a:r>
+          </a:p>
+          <a:p>
+            <a:pPr lvl="1"/>
+            <a:r>
+              <a:rPr lang="en-GB" dirty="0">
+                <a:solidFill>
+                  <a:schemeClr val="bg1"/>
+                </a:solidFill>
+              </a:rPr>
+              <a:t>o</a:t>
+            </a:r>
+            <a:r>
+              <a:rPr lang="en-HU" dirty="0">
+                <a:solidFill>
+                  <a:schemeClr val="bg1"/>
+                </a:solidFill>
+              </a:rPr>
+              <a:t>pen3d</a:t>
+            </a:r>
+          </a:p>
+          <a:p>
+            <a:pPr lvl="1"/>
+            <a:r>
+              <a:rPr lang="en-GB" dirty="0">
+                <a:solidFill>
+                  <a:schemeClr val="bg1"/>
+                </a:solidFill>
+              </a:rPr>
+              <a:t>n</a:t>
+            </a:r>
+            <a:r>
+              <a:rPr lang="en-HU" dirty="0">
+                <a:solidFill>
+                  <a:schemeClr val="bg1"/>
+                </a:solidFill>
+              </a:rPr>
+              <a:t>umpy</a:t>
+            </a:r>
+          </a:p>
+          <a:p>
+            <a:pPr lvl="1"/>
+            <a:r>
+              <a:rPr lang="en-GB" dirty="0">
+                <a:solidFill>
+                  <a:schemeClr val="bg1"/>
+                </a:solidFill>
+              </a:rPr>
+              <a:t>g</a:t>
+            </a:r>
+            <a:r>
+              <a:rPr lang="en-HU" dirty="0">
+                <a:solidFill>
+                  <a:schemeClr val="bg1"/>
+                </a:solidFill>
+              </a:rPr>
+              <a:t>dal</a:t>
+            </a:r>
+          </a:p>
+          <a:p>
+            <a:pPr lvl="1"/>
+            <a:endParaRPr lang="en-HU" dirty="0"/>
+          </a:p>
+        </p:txBody>
+      </p:sp>
+    </p:spTree>
+    <p:extLst>
+      <p:ext uri="{BB962C8B-B14F-4D97-AF65-F5344CB8AC3E}">
+        <p14:creationId xmlns:p14="http://schemas.microsoft.com/office/powerpoint/2010/main" val="1994437763"/>
+      </p:ext>
+    </p:extLst>
+  </p:cSld>
+  <p:clrMapOvr>
+    <a:masterClrMapping/>
+  </p:clrMapOvr>
+</p:sld>
+</file>
+
+<file path=ppt/slides/slide16.xml><?xml version="1.0" encoding="utf-8"?>
+<p:sld xmlns:a="http://schemas.openxmlformats.org/drawingml/2006/main" xmlns:r="http://schemas.openxmlformats.org/officeDocument/2006/relationships" xmlns:p="http://schemas.openxmlformats.org/presentationml/2006/main">
+  <p:cSld>
+    <p:spTree>
+      <p:nvGrpSpPr>
+        <p:cNvPr id="1" name=""/>
+        <p:cNvGrpSpPr/>
+        <p:nvPr/>
+      </p:nvGrpSpPr>
+      <p:grpSpPr>
+        <a:xfrm>
+          <a:off x="0" y="0"/>
+          <a:ext cx="0" cy="0"/>
+          <a:chOff x="0" y="0"/>
+          <a:chExt cx="0" cy="0"/>
+        </a:xfrm>
+      </p:grpSpPr>
+      <p:sp>
+        <p:nvSpPr>
+          <p:cNvPr id="2" name="Title 1">
+            <a:extLst>
+              <a:ext uri="{FF2B5EF4-FFF2-40B4-BE49-F238E27FC236}">
+                <a16:creationId xmlns:a16="http://schemas.microsoft.com/office/drawing/2014/main" id="{037F52B9-FC31-980D-E9C8-98F184BEB302}"/>
+              </a:ext>
+            </a:extLst>
+          </p:cNvPr>
+          <p:cNvSpPr>
+            <a:spLocks noGrp="1"/>
+          </p:cNvSpPr>
+          <p:nvPr>
+            <p:ph type="title"/>
+          </p:nvPr>
+        </p:nvSpPr>
+        <p:spPr/>
+        <p:txBody>
+          <a:bodyPr/>
+          <a:lstStyle/>
+          <a:p>
+            <a:pPr algn="ctr"/>
+            <a:r>
+              <a:rPr lang="en-HU" dirty="0"/>
+              <a:t>Eredmények</a:t>
+            </a:r>
+          </a:p>
+        </p:txBody>
+      </p:sp>
+      <p:sp>
+        <p:nvSpPr>
+          <p:cNvPr id="3" name="Content Placeholder 2">
+            <a:extLst>
+              <a:ext uri="{FF2B5EF4-FFF2-40B4-BE49-F238E27FC236}">
+                <a16:creationId xmlns:a16="http://schemas.microsoft.com/office/drawing/2014/main" id="{D63188C1-26CE-DAED-9A1C-6668462D04C9}"/>
+              </a:ext>
+            </a:extLst>
+          </p:cNvPr>
+          <p:cNvSpPr>
+            <a:spLocks noGrp="1"/>
+          </p:cNvSpPr>
+          <p:nvPr>
+            <p:ph idx="1"/>
+          </p:nvPr>
+        </p:nvSpPr>
+        <p:spPr/>
+        <p:txBody>
+          <a:bodyPr/>
+          <a:lstStyle/>
+          <a:p>
+            <a:endParaRPr lang="en-HU"/>
+          </a:p>
+        </p:txBody>
+      </p:sp>
+    </p:spTree>
+    <p:extLst>
+      <p:ext uri="{BB962C8B-B14F-4D97-AF65-F5344CB8AC3E}">
+        <p14:creationId xmlns:p14="http://schemas.microsoft.com/office/powerpoint/2010/main" val="2719818494"/>
+      </p:ext>
+    </p:extLst>
+  </p:cSld>
+  <p:clrMapOvr>
+    <a:masterClrMapping/>
+  </p:clrMapOvr>
+</p:sld>
+</file>
+
+<file path=ppt/slides/slide17.xml><?xml version="1.0" encoding="utf-8"?>
 <p:sld xmlns:a="http://schemas.openxmlformats.org/drawingml/2006/main" xmlns:r="http://schemas.openxmlformats.org/officeDocument/2006/relationships" xmlns:p="http://schemas.openxmlformats.org/presentationml/2006/main">
   <p:cSld>
     <p:bg>
@@ -15322,7 +15717,7 @@
             <a:noFill/>
             <a:extLst>
               <a:ext uri="{909E8E84-426E-40dd-AFC4-6F175D3DCCD1}">
-                <a14:hiddenFill xmlns:p14="http://schemas.microsoft.com/office/powerpoint/2010/main" xmlns:a14="http://schemas.microsoft.com/office/drawing/2010/main" xmlns:a16="http://schemas.microsoft.com/office/drawing/2014/main" xmlns="">
+                <a14:hiddenFill xmlns="" xmlns:a16="http://schemas.microsoft.com/office/drawing/2014/main" xmlns:a14="http://schemas.microsoft.com/office/drawing/2010/main" xmlns:p14="http://schemas.microsoft.com/office/powerpoint/2010/main">
                   <a:solidFill>
                     <a:srgbClr val="FFFFFF"/>
                   </a:solidFill>
@@ -15477,7 +15872,7 @@
             </a:ln>
             <a:extLst>
               <a:ext uri="{91240B29-F687-4f45-9708-019B960494DF}">
-                <a14:hiddenLine xmlns:p14="http://schemas.microsoft.com/office/powerpoint/2010/main" xmlns:a14="http://schemas.microsoft.com/office/drawing/2010/main" xmlns:a16="http://schemas.microsoft.com/office/drawing/2014/main" xmlns="" w="9525">
+                <a14:hiddenLine xmlns="" xmlns:a16="http://schemas.microsoft.com/office/drawing/2014/main" xmlns:a14="http://schemas.microsoft.com/office/drawing/2010/main" xmlns:p14="http://schemas.microsoft.com/office/powerpoint/2010/main" w="9525">
                   <a:solidFill>
                     <a:srgbClr val="000000"/>
                   </a:solidFill>
@@ -15582,7 +15977,7 @@
             </a:ln>
             <a:extLst>
               <a:ext uri="{91240B29-F687-4f45-9708-019B960494DF}">
-                <a14:hiddenLine xmlns:p14="http://schemas.microsoft.com/office/powerpoint/2010/main" xmlns:a14="http://schemas.microsoft.com/office/drawing/2010/main" xmlns:a16="http://schemas.microsoft.com/office/drawing/2014/main" xmlns="" w="9525">
+                <a14:hiddenLine xmlns="" xmlns:a16="http://schemas.microsoft.com/office/drawing/2014/main" xmlns:a14="http://schemas.microsoft.com/office/drawing/2010/main" xmlns:p14="http://schemas.microsoft.com/office/powerpoint/2010/main" w="9525">
                   <a:solidFill>
                     <a:srgbClr val="000000"/>
                   </a:solidFill>
@@ -15687,7 +16082,7 @@
             </a:ln>
             <a:extLst>
               <a:ext uri="{91240B29-F687-4f45-9708-019B960494DF}">
-                <a14:hiddenLine xmlns:p14="http://schemas.microsoft.com/office/powerpoint/2010/main" xmlns:a14="http://schemas.microsoft.com/office/drawing/2010/main" xmlns:a16="http://schemas.microsoft.com/office/drawing/2014/main" xmlns="" w="9525">
+                <a14:hiddenLine xmlns="" xmlns:a16="http://schemas.microsoft.com/office/drawing/2014/main" xmlns:a14="http://schemas.microsoft.com/office/drawing/2010/main" xmlns:p14="http://schemas.microsoft.com/office/powerpoint/2010/main" w="9525">
                   <a:solidFill>
                     <a:srgbClr val="000000"/>
                   </a:solidFill>
@@ -15736,7 +16131,7 @@
             </a:ln>
             <a:extLst>
               <a:ext uri="{91240B29-F687-4f45-9708-019B960494DF}">
-                <a14:hiddenLine xmlns:p14="http://schemas.microsoft.com/office/powerpoint/2010/main" xmlns:a14="http://schemas.microsoft.com/office/drawing/2010/main" xmlns:a16="http://schemas.microsoft.com/office/drawing/2014/main" xmlns="" w="9525">
+                <a14:hiddenLine xmlns="" xmlns:a16="http://schemas.microsoft.com/office/drawing/2014/main" xmlns:a14="http://schemas.microsoft.com/office/drawing/2010/main" xmlns:p14="http://schemas.microsoft.com/office/powerpoint/2010/main" w="9525">
                   <a:solidFill>
                     <a:srgbClr val="000000"/>
                   </a:solidFill>
@@ -15841,7 +16236,7 @@
             </a:ln>
             <a:extLst>
               <a:ext uri="{91240B29-F687-4f45-9708-019B960494DF}">
-                <a14:hiddenLine xmlns:p14="http://schemas.microsoft.com/office/powerpoint/2010/main" xmlns:a14="http://schemas.microsoft.com/office/drawing/2010/main" xmlns:a16="http://schemas.microsoft.com/office/drawing/2014/main" xmlns="" w="9525">
+                <a14:hiddenLine xmlns="" xmlns:a16="http://schemas.microsoft.com/office/drawing/2014/main" xmlns:a14="http://schemas.microsoft.com/office/drawing/2010/main" xmlns:p14="http://schemas.microsoft.com/office/powerpoint/2010/main" w="9525">
                   <a:solidFill>
                     <a:srgbClr val="000000"/>
                   </a:solidFill>
@@ -15918,7 +16313,7 @@
             </a:ln>
             <a:extLst>
               <a:ext uri="{91240B29-F687-4f45-9708-019B960494DF}">
-                <a14:hiddenLine xmlns:p14="http://schemas.microsoft.com/office/powerpoint/2010/main" xmlns:a14="http://schemas.microsoft.com/office/drawing/2010/main" xmlns:a16="http://schemas.microsoft.com/office/drawing/2014/main" xmlns="" w="9525">
+                <a14:hiddenLine xmlns="" xmlns:a16="http://schemas.microsoft.com/office/drawing/2014/main" xmlns:a14="http://schemas.microsoft.com/office/drawing/2010/main" xmlns:p14="http://schemas.microsoft.com/office/powerpoint/2010/main" w="9525">
                   <a:solidFill>
                     <a:srgbClr val="000000"/>
                   </a:solidFill>
@@ -15995,7 +16390,7 @@
             </a:ln>
             <a:extLst>
               <a:ext uri="{91240B29-F687-4f45-9708-019B960494DF}">
-                <a14:hiddenLine xmlns:p14="http://schemas.microsoft.com/office/powerpoint/2010/main" xmlns:a14="http://schemas.microsoft.com/office/drawing/2010/main" xmlns:a16="http://schemas.microsoft.com/office/drawing/2014/main" xmlns="" w="9525">
+                <a14:hiddenLine xmlns="" xmlns:a16="http://schemas.microsoft.com/office/drawing/2014/main" xmlns:a14="http://schemas.microsoft.com/office/drawing/2010/main" xmlns:p14="http://schemas.microsoft.com/office/powerpoint/2010/main" w="9525">
                   <a:solidFill>
                     <a:srgbClr val="000000"/>
                   </a:solidFill>
@@ -16100,7 +16495,7 @@
             </a:ln>
             <a:extLst>
               <a:ext uri="{91240B29-F687-4f45-9708-019B960494DF}">
-                <a14:hiddenLine xmlns:p14="http://schemas.microsoft.com/office/powerpoint/2010/main" xmlns:a14="http://schemas.microsoft.com/office/drawing/2010/main" xmlns:a16="http://schemas.microsoft.com/office/drawing/2014/main" xmlns="" w="9525">
+                <a14:hiddenLine xmlns="" xmlns:a16="http://schemas.microsoft.com/office/drawing/2014/main" xmlns:a14="http://schemas.microsoft.com/office/drawing/2010/main" xmlns:p14="http://schemas.microsoft.com/office/powerpoint/2010/main" w="9525">
                   <a:solidFill>
                     <a:srgbClr val="000000"/>
                   </a:solidFill>
@@ -16177,7 +16572,7 @@
             </a:ln>
             <a:extLst>
               <a:ext uri="{91240B29-F687-4f45-9708-019B960494DF}">
-                <a14:hiddenLine xmlns:p14="http://schemas.microsoft.com/office/powerpoint/2010/main" xmlns:a14="http://schemas.microsoft.com/office/drawing/2010/main" xmlns:a16="http://schemas.microsoft.com/office/drawing/2014/main" xmlns="" w="9525">
+                <a14:hiddenLine xmlns="" xmlns:a16="http://schemas.microsoft.com/office/drawing/2014/main" xmlns:a14="http://schemas.microsoft.com/office/drawing/2010/main" xmlns:p14="http://schemas.microsoft.com/office/powerpoint/2010/main" w="9525">
                   <a:solidFill>
                     <a:srgbClr val="000000"/>
                   </a:solidFill>
@@ -16254,7 +16649,7 @@
             </a:ln>
             <a:extLst>
               <a:ext uri="{91240B29-F687-4f45-9708-019B960494DF}">
-                <a14:hiddenLine xmlns:p14="http://schemas.microsoft.com/office/powerpoint/2010/main" xmlns:a14="http://schemas.microsoft.com/office/drawing/2010/main" xmlns:a16="http://schemas.microsoft.com/office/drawing/2014/main" xmlns="" w="9525">
+                <a14:hiddenLine xmlns="" xmlns:a16="http://schemas.microsoft.com/office/drawing/2014/main" xmlns:a14="http://schemas.microsoft.com/office/drawing/2010/main" xmlns:p14="http://schemas.microsoft.com/office/powerpoint/2010/main" w="9525">
                   <a:solidFill>
                     <a:srgbClr val="000000"/>
                   </a:solidFill>
@@ -16359,7 +16754,7 @@
             </a:ln>
             <a:extLst>
               <a:ext uri="{91240B29-F687-4f45-9708-019B960494DF}">
-                <a14:hiddenLine xmlns:p14="http://schemas.microsoft.com/office/powerpoint/2010/main" xmlns:a14="http://schemas.microsoft.com/office/drawing/2010/main" xmlns:a16="http://schemas.microsoft.com/office/drawing/2014/main" xmlns="" w="9525">
+                <a14:hiddenLine xmlns="" xmlns:a16="http://schemas.microsoft.com/office/drawing/2014/main" xmlns:a14="http://schemas.microsoft.com/office/drawing/2010/main" xmlns:p14="http://schemas.microsoft.com/office/powerpoint/2010/main" w="9525">
                   <a:solidFill>
                     <a:srgbClr val="000000"/>
                   </a:solidFill>
@@ -16464,7 +16859,7 @@
             </a:ln>
             <a:extLst>
               <a:ext uri="{91240B29-F687-4f45-9708-019B960494DF}">
-                <a14:hiddenLine xmlns:p14="http://schemas.microsoft.com/office/powerpoint/2010/main" xmlns:a14="http://schemas.microsoft.com/office/drawing/2010/main" xmlns:a16="http://schemas.microsoft.com/office/drawing/2014/main" xmlns="" w="9525">
+                <a14:hiddenLine xmlns="" xmlns:a16="http://schemas.microsoft.com/office/drawing/2014/main" xmlns:a14="http://schemas.microsoft.com/office/drawing/2010/main" xmlns:p14="http://schemas.microsoft.com/office/powerpoint/2010/main" w="9525">
                   <a:solidFill>
                     <a:srgbClr val="000000"/>
                   </a:solidFill>
@@ -16541,7 +16936,7 @@
             </a:ln>
             <a:extLst>
               <a:ext uri="{91240B29-F687-4f45-9708-019B960494DF}">
-                <a14:hiddenLine xmlns:p14="http://schemas.microsoft.com/office/powerpoint/2010/main" xmlns:a14="http://schemas.microsoft.com/office/drawing/2010/main" xmlns:a16="http://schemas.microsoft.com/office/drawing/2014/main" xmlns="" w="9525">
+                <a14:hiddenLine xmlns="" xmlns:a16="http://schemas.microsoft.com/office/drawing/2014/main" xmlns:a14="http://schemas.microsoft.com/office/drawing/2010/main" xmlns:p14="http://schemas.microsoft.com/office/powerpoint/2010/main" w="9525">
                   <a:solidFill>
                     <a:srgbClr val="000000"/>
                   </a:solidFill>
@@ -16666,7 +17061,7 @@
             </a:ln>
             <a:extLst>
               <a:ext uri="{91240B29-F687-4f45-9708-019B960494DF}">
-                <a14:hiddenLine xmlns:p14="http://schemas.microsoft.com/office/powerpoint/2010/main" xmlns:a14="http://schemas.microsoft.com/office/drawing/2010/main" xmlns:a16="http://schemas.microsoft.com/office/drawing/2014/main" xmlns="" w="9525">
+                <a14:hiddenLine xmlns="" xmlns:a16="http://schemas.microsoft.com/office/drawing/2014/main" xmlns:a14="http://schemas.microsoft.com/office/drawing/2010/main" xmlns:p14="http://schemas.microsoft.com/office/powerpoint/2010/main" w="9525">
                   <a:solidFill>
                     <a:srgbClr val="000000"/>
                   </a:solidFill>
@@ -16743,7 +17138,7 @@
             </a:ln>
             <a:extLst>
               <a:ext uri="{91240B29-F687-4f45-9708-019B960494DF}">
-                <a14:hiddenLine xmlns:p14="http://schemas.microsoft.com/office/powerpoint/2010/main" xmlns:a14="http://schemas.microsoft.com/office/drawing/2010/main" xmlns:a16="http://schemas.microsoft.com/office/drawing/2014/main" xmlns="" w="9525">
+                <a14:hiddenLine xmlns="" xmlns:a16="http://schemas.microsoft.com/office/drawing/2014/main" xmlns:a14="http://schemas.microsoft.com/office/drawing/2010/main" xmlns:p14="http://schemas.microsoft.com/office/powerpoint/2010/main" w="9525">
                   <a:solidFill>
                     <a:srgbClr val="000000"/>
                   </a:solidFill>
@@ -16848,7 +17243,7 @@
             </a:ln>
             <a:extLst>
               <a:ext uri="{91240B29-F687-4f45-9708-019B960494DF}">
-                <a14:hiddenLine xmlns:p14="http://schemas.microsoft.com/office/powerpoint/2010/main" xmlns:a14="http://schemas.microsoft.com/office/drawing/2010/main" xmlns:a16="http://schemas.microsoft.com/office/drawing/2014/main" xmlns="" w="9525">
+                <a14:hiddenLine xmlns="" xmlns:a16="http://schemas.microsoft.com/office/drawing/2014/main" xmlns:a14="http://schemas.microsoft.com/office/drawing/2010/main" xmlns:p14="http://schemas.microsoft.com/office/powerpoint/2010/main" w="9525">
                   <a:solidFill>
                     <a:srgbClr val="000000"/>
                   </a:solidFill>
@@ -16953,7 +17348,7 @@
             </a:ln>
             <a:extLst>
               <a:ext uri="{91240B29-F687-4f45-9708-019B960494DF}">
-                <a14:hiddenLine xmlns:p14="http://schemas.microsoft.com/office/powerpoint/2010/main" xmlns:a14="http://schemas.microsoft.com/office/drawing/2010/main" xmlns:a16="http://schemas.microsoft.com/office/drawing/2014/main" xmlns="" w="9525">
+                <a14:hiddenLine xmlns="" xmlns:a16="http://schemas.microsoft.com/office/drawing/2014/main" xmlns:a14="http://schemas.microsoft.com/office/drawing/2010/main" xmlns:p14="http://schemas.microsoft.com/office/powerpoint/2010/main" w="9525">
                   <a:solidFill>
                     <a:srgbClr val="000000"/>
                   </a:solidFill>
@@ -17030,7 +17425,7 @@
             </a:ln>
             <a:extLst>
               <a:ext uri="{91240B29-F687-4f45-9708-019B960494DF}">
-                <a14:hiddenLine xmlns:p14="http://schemas.microsoft.com/office/powerpoint/2010/main" xmlns:a14="http://schemas.microsoft.com/office/drawing/2010/main" xmlns:a16="http://schemas.microsoft.com/office/drawing/2014/main" xmlns="" w="9525">
+                <a14:hiddenLine xmlns="" xmlns:a16="http://schemas.microsoft.com/office/drawing/2014/main" xmlns:a14="http://schemas.microsoft.com/office/drawing/2010/main" xmlns:p14="http://schemas.microsoft.com/office/powerpoint/2010/main" w="9525">
                   <a:solidFill>
                     <a:srgbClr val="000000"/>
                   </a:solidFill>
@@ -17135,7 +17530,7 @@
             </a:ln>
             <a:extLst>
               <a:ext uri="{91240B29-F687-4f45-9708-019B960494DF}">
-                <a14:hiddenLine xmlns:p14="http://schemas.microsoft.com/office/powerpoint/2010/main" xmlns:a14="http://schemas.microsoft.com/office/drawing/2010/main" xmlns:a16="http://schemas.microsoft.com/office/drawing/2014/main" xmlns="" w="9525">
+                <a14:hiddenLine xmlns="" xmlns:a16="http://schemas.microsoft.com/office/drawing/2014/main" xmlns:a14="http://schemas.microsoft.com/office/drawing/2010/main" xmlns:p14="http://schemas.microsoft.com/office/powerpoint/2010/main" w="9525">
                   <a:solidFill>
                     <a:srgbClr val="000000"/>
                   </a:solidFill>
@@ -17240,7 +17635,7 @@
             </a:ln>
             <a:extLst>
               <a:ext uri="{91240B29-F687-4f45-9708-019B960494DF}">
-                <a14:hiddenLine xmlns:p14="http://schemas.microsoft.com/office/powerpoint/2010/main" xmlns:a14="http://schemas.microsoft.com/office/drawing/2010/main" xmlns:a16="http://schemas.microsoft.com/office/drawing/2014/main" xmlns="" w="9525">
+                <a14:hiddenLine xmlns="" xmlns:a16="http://schemas.microsoft.com/office/drawing/2014/main" xmlns:a14="http://schemas.microsoft.com/office/drawing/2010/main" xmlns:p14="http://schemas.microsoft.com/office/powerpoint/2010/main" w="9525">
                   <a:solidFill>
                     <a:srgbClr val="000000"/>
                   </a:solidFill>
@@ -17311,7 +17706,7 @@
             </a:ln>
             <a:extLst>
               <a:ext uri="{91240B29-F687-4f45-9708-019B960494DF}">
-                <a14:hiddenLine xmlns:p14="http://schemas.microsoft.com/office/powerpoint/2010/main" xmlns:a14="http://schemas.microsoft.com/office/drawing/2010/main" xmlns:a16="http://schemas.microsoft.com/office/drawing/2014/main" xmlns="" w="9525">
+                <a14:hiddenLine xmlns="" xmlns:a16="http://schemas.microsoft.com/office/drawing/2014/main" xmlns:a14="http://schemas.microsoft.com/office/drawing/2010/main" xmlns:p14="http://schemas.microsoft.com/office/powerpoint/2010/main" w="9525">
                   <a:solidFill>
                     <a:srgbClr val="000000"/>
                   </a:solidFill>
@@ -17416,7 +17811,7 @@
             </a:ln>
             <a:extLst>
               <a:ext uri="{91240B29-F687-4f45-9708-019B960494DF}">
-                <a14:hiddenLine xmlns:p14="http://schemas.microsoft.com/office/powerpoint/2010/main" xmlns:a14="http://schemas.microsoft.com/office/drawing/2010/main" xmlns:a16="http://schemas.microsoft.com/office/drawing/2014/main" xmlns="" w="9525">
+                <a14:hiddenLine xmlns="" xmlns:a16="http://schemas.microsoft.com/office/drawing/2014/main" xmlns:a14="http://schemas.microsoft.com/office/drawing/2010/main" xmlns:p14="http://schemas.microsoft.com/office/powerpoint/2010/main" w="9525">
                   <a:solidFill>
                     <a:srgbClr val="000000"/>
                   </a:solidFill>
@@ -17487,7 +17882,7 @@
             </a:ln>
             <a:extLst>
               <a:ext uri="{91240B29-F687-4f45-9708-019B960494DF}">
-                <a14:hiddenLine xmlns:p14="http://schemas.microsoft.com/office/powerpoint/2010/main" xmlns:a14="http://schemas.microsoft.com/office/drawing/2010/main" xmlns:a16="http://schemas.microsoft.com/office/drawing/2014/main" xmlns="" w="9525">
+                <a14:hiddenLine xmlns="" xmlns:a16="http://schemas.microsoft.com/office/drawing/2014/main" xmlns:a14="http://schemas.microsoft.com/office/drawing/2010/main" xmlns:p14="http://schemas.microsoft.com/office/powerpoint/2010/main" w="9525">
                   <a:solidFill>
                     <a:srgbClr val="000000"/>
                   </a:solidFill>
@@ -17592,7 +17987,7 @@
             </a:ln>
             <a:extLst>
               <a:ext uri="{91240B29-F687-4f45-9708-019B960494DF}">
-                <a14:hiddenLine xmlns:p14="http://schemas.microsoft.com/office/powerpoint/2010/main" xmlns:a14="http://schemas.microsoft.com/office/drawing/2010/main" xmlns:a16="http://schemas.microsoft.com/office/drawing/2014/main" xmlns="" w="9525">
+                <a14:hiddenLine xmlns="" xmlns:a16="http://schemas.microsoft.com/office/drawing/2014/main" xmlns:a14="http://schemas.microsoft.com/office/drawing/2010/main" xmlns:p14="http://schemas.microsoft.com/office/powerpoint/2010/main" w="9525">
                   <a:solidFill>
                     <a:srgbClr val="000000"/>
                   </a:solidFill>
@@ -17675,7 +18070,7 @@
             </a:ln>
             <a:extLst>
               <a:ext uri="{91240B29-F687-4f45-9708-019B960494DF}">
-                <a14:hiddenLine xmlns:p14="http://schemas.microsoft.com/office/powerpoint/2010/main" xmlns:a14="http://schemas.microsoft.com/office/drawing/2010/main" xmlns:a16="http://schemas.microsoft.com/office/drawing/2014/main" xmlns="" w="9525">
+                <a14:hiddenLine xmlns="" xmlns:a16="http://schemas.microsoft.com/office/drawing/2014/main" xmlns:a14="http://schemas.microsoft.com/office/drawing/2010/main" xmlns:p14="http://schemas.microsoft.com/office/powerpoint/2010/main" w="9525">
                   <a:solidFill>
                     <a:srgbClr val="000000"/>
                   </a:solidFill>
@@ -17780,7 +18175,7 @@
             </a:ln>
             <a:extLst>
               <a:ext uri="{91240B29-F687-4f45-9708-019B960494DF}">
-                <a14:hiddenLine xmlns:p14="http://schemas.microsoft.com/office/powerpoint/2010/main" xmlns:a14="http://schemas.microsoft.com/office/drawing/2010/main" xmlns:a16="http://schemas.microsoft.com/office/drawing/2014/main" xmlns="" w="9525">
+                <a14:hiddenLine xmlns="" xmlns:a16="http://schemas.microsoft.com/office/drawing/2014/main" xmlns:a14="http://schemas.microsoft.com/office/drawing/2010/main" xmlns:p14="http://schemas.microsoft.com/office/powerpoint/2010/main" w="9525">
                   <a:solidFill>
                     <a:srgbClr val="000000"/>
                   </a:solidFill>
@@ -17863,7 +18258,7 @@
             </a:ln>
             <a:extLst>
               <a:ext uri="{91240B29-F687-4f45-9708-019B960494DF}">
-                <a14:hiddenLine xmlns:p14="http://schemas.microsoft.com/office/powerpoint/2010/main" xmlns:a14="http://schemas.microsoft.com/office/drawing/2010/main" xmlns:a16="http://schemas.microsoft.com/office/drawing/2014/main" xmlns="" w="9525">
+                <a14:hiddenLine xmlns="" xmlns:a16="http://schemas.microsoft.com/office/drawing/2014/main" xmlns:a14="http://schemas.microsoft.com/office/drawing/2010/main" xmlns:p14="http://schemas.microsoft.com/office/powerpoint/2010/main" w="9525">
                   <a:solidFill>
                     <a:srgbClr val="000000"/>
                   </a:solidFill>
@@ -17968,7 +18363,7 @@
             </a:ln>
             <a:extLst>
               <a:ext uri="{91240B29-F687-4f45-9708-019B960494DF}">
-                <a14:hiddenLine xmlns:p14="http://schemas.microsoft.com/office/powerpoint/2010/main" xmlns:a14="http://schemas.microsoft.com/office/drawing/2010/main" xmlns:a16="http://schemas.microsoft.com/office/drawing/2014/main" xmlns="" w="9525">
+                <a14:hiddenLine xmlns="" xmlns:a16="http://schemas.microsoft.com/office/drawing/2014/main" xmlns:a14="http://schemas.microsoft.com/office/drawing/2010/main" xmlns:p14="http://schemas.microsoft.com/office/powerpoint/2010/main" w="9525">
                   <a:solidFill>
                     <a:srgbClr val="000000"/>
                   </a:solidFill>
@@ -18017,7 +18412,7 @@
             </a:ln>
             <a:extLst>
               <a:ext uri="{91240B29-F687-4f45-9708-019B960494DF}">
-                <a14:hiddenLine xmlns:p14="http://schemas.microsoft.com/office/powerpoint/2010/main" xmlns:a14="http://schemas.microsoft.com/office/drawing/2010/main" xmlns:a16="http://schemas.microsoft.com/office/drawing/2014/main" xmlns="" w="9525">
+                <a14:hiddenLine xmlns="" xmlns:a16="http://schemas.microsoft.com/office/drawing/2014/main" xmlns:a14="http://schemas.microsoft.com/office/drawing/2010/main" xmlns:p14="http://schemas.microsoft.com/office/powerpoint/2010/main" w="9525">
                   <a:solidFill>
                     <a:srgbClr val="000000"/>
                   </a:solidFill>
@@ -18122,7 +18517,7 @@
             </a:ln>
             <a:extLst>
               <a:ext uri="{91240B29-F687-4f45-9708-019B960494DF}">
-                <a14:hiddenLine xmlns:p14="http://schemas.microsoft.com/office/powerpoint/2010/main" xmlns:a14="http://schemas.microsoft.com/office/drawing/2010/main" xmlns:a16="http://schemas.microsoft.com/office/drawing/2014/main" xmlns="" w="9525">
+                <a14:hiddenLine xmlns="" xmlns:a16="http://schemas.microsoft.com/office/drawing/2014/main" xmlns:a14="http://schemas.microsoft.com/office/drawing/2010/main" xmlns:p14="http://schemas.microsoft.com/office/powerpoint/2010/main" w="9525">
                   <a:solidFill>
                     <a:srgbClr val="000000"/>
                   </a:solidFill>
@@ -18199,7 +18594,7 @@
             </a:ln>
             <a:extLst>
               <a:ext uri="{91240B29-F687-4f45-9708-019B960494DF}">
-                <a14:hiddenLine xmlns:p14="http://schemas.microsoft.com/office/powerpoint/2010/main" xmlns:a14="http://schemas.microsoft.com/office/drawing/2010/main" xmlns:a16="http://schemas.microsoft.com/office/drawing/2014/main" xmlns="" w="9525">
+                <a14:hiddenLine xmlns="" xmlns:a16="http://schemas.microsoft.com/office/drawing/2014/main" xmlns:a14="http://schemas.microsoft.com/office/drawing/2010/main" xmlns:p14="http://schemas.microsoft.com/office/powerpoint/2010/main" w="9525">
                   <a:solidFill>
                     <a:srgbClr val="000000"/>
                   </a:solidFill>
@@ -18276,7 +18671,7 @@
             </a:ln>
             <a:extLst>
               <a:ext uri="{91240B29-F687-4f45-9708-019B960494DF}">
-                <a14:hiddenLine xmlns:p14="http://schemas.microsoft.com/office/powerpoint/2010/main" xmlns:a14="http://schemas.microsoft.com/office/drawing/2010/main" xmlns:a16="http://schemas.microsoft.com/office/drawing/2014/main" xmlns="" w="9525">
+                <a14:hiddenLine xmlns="" xmlns:a16="http://schemas.microsoft.com/office/drawing/2014/main" xmlns:a14="http://schemas.microsoft.com/office/drawing/2010/main" xmlns:p14="http://schemas.microsoft.com/office/powerpoint/2010/main" w="9525">
                   <a:solidFill>
                     <a:srgbClr val="000000"/>
                   </a:solidFill>
@@ -18381,7 +18776,7 @@
             </a:ln>
             <a:extLst>
               <a:ext uri="{91240B29-F687-4f45-9708-019B960494DF}">
-                <a14:hiddenLine xmlns:p14="http://schemas.microsoft.com/office/powerpoint/2010/main" xmlns:a14="http://schemas.microsoft.com/office/drawing/2010/main" xmlns:a16="http://schemas.microsoft.com/office/drawing/2014/main" xmlns="" w="9525">
+                <a14:hiddenLine xmlns="" xmlns:a16="http://schemas.microsoft.com/office/drawing/2014/main" xmlns:a14="http://schemas.microsoft.com/office/drawing/2010/main" xmlns:p14="http://schemas.microsoft.com/office/powerpoint/2010/main" w="9525">
                   <a:solidFill>
                     <a:srgbClr val="000000"/>
                   </a:solidFill>
@@ -18464,7 +18859,7 @@
             </a:ln>
             <a:extLst>
               <a:ext uri="{91240B29-F687-4f45-9708-019B960494DF}">
-                <a14:hiddenLine xmlns:p14="http://schemas.microsoft.com/office/powerpoint/2010/main" xmlns:a14="http://schemas.microsoft.com/office/drawing/2010/main" xmlns:a16="http://schemas.microsoft.com/office/drawing/2014/main" xmlns="" w="9525">
+                <a14:hiddenLine xmlns="" xmlns:a16="http://schemas.microsoft.com/office/drawing/2014/main" xmlns:a14="http://schemas.microsoft.com/office/drawing/2010/main" xmlns:p14="http://schemas.microsoft.com/office/powerpoint/2010/main" w="9525">
                   <a:solidFill>
                     <a:srgbClr val="000000"/>
                   </a:solidFill>
@@ -18541,7 +18936,7 @@
             </a:ln>
             <a:extLst>
               <a:ext uri="{91240B29-F687-4f45-9708-019B960494DF}">
-                <a14:hiddenLine xmlns:p14="http://schemas.microsoft.com/office/powerpoint/2010/main" xmlns:a14="http://schemas.microsoft.com/office/drawing/2010/main" xmlns:a16="http://schemas.microsoft.com/office/drawing/2014/main" xmlns="" w="9525">
+                <a14:hiddenLine xmlns="" xmlns:a16="http://schemas.microsoft.com/office/drawing/2014/main" xmlns:a14="http://schemas.microsoft.com/office/drawing/2010/main" xmlns:p14="http://schemas.microsoft.com/office/powerpoint/2010/main" w="9525">
                   <a:solidFill>
                     <a:srgbClr val="000000"/>
                   </a:solidFill>
@@ -18646,7 +19041,7 @@
             </a:ln>
             <a:extLst>
               <a:ext uri="{91240B29-F687-4f45-9708-019B960494DF}">
-                <a14:hiddenLine xmlns:p14="http://schemas.microsoft.com/office/powerpoint/2010/main" xmlns:a14="http://schemas.microsoft.com/office/drawing/2010/main" xmlns:a16="http://schemas.microsoft.com/office/drawing/2014/main" xmlns="" w="9525">
+                <a14:hiddenLine xmlns="" xmlns:a16="http://schemas.microsoft.com/office/drawing/2014/main" xmlns:a14="http://schemas.microsoft.com/office/drawing/2010/main" xmlns:p14="http://schemas.microsoft.com/office/powerpoint/2010/main" w="9525">
                   <a:solidFill>
                     <a:srgbClr val="000000"/>
                   </a:solidFill>
@@ -18723,7 +19118,7 @@
             </a:ln>
             <a:extLst>
               <a:ext uri="{91240B29-F687-4f45-9708-019B960494DF}">
-                <a14:hiddenLine xmlns:p14="http://schemas.microsoft.com/office/powerpoint/2010/main" xmlns:a14="http://schemas.microsoft.com/office/drawing/2010/main" xmlns:a16="http://schemas.microsoft.com/office/drawing/2014/main" xmlns="" w="9525">
+                <a14:hiddenLine xmlns="" xmlns:a16="http://schemas.microsoft.com/office/drawing/2014/main" xmlns:a14="http://schemas.microsoft.com/office/drawing/2010/main" xmlns:p14="http://schemas.microsoft.com/office/powerpoint/2010/main" w="9525">
                   <a:solidFill>
                     <a:srgbClr val="000000"/>
                   </a:solidFill>
@@ -18828,7 +19223,7 @@
             </a:ln>
             <a:extLst>
               <a:ext uri="{91240B29-F687-4f45-9708-019B960494DF}">
-                <a14:hiddenLine xmlns:p14="http://schemas.microsoft.com/office/powerpoint/2010/main" xmlns:a14="http://schemas.microsoft.com/office/drawing/2010/main" xmlns:a16="http://schemas.microsoft.com/office/drawing/2014/main" xmlns="" w="9525">
+                <a14:hiddenLine xmlns="" xmlns:a16="http://schemas.microsoft.com/office/drawing/2014/main" xmlns:a14="http://schemas.microsoft.com/office/drawing/2010/main" xmlns:p14="http://schemas.microsoft.com/office/powerpoint/2010/main" w="9525">
                   <a:solidFill>
                     <a:srgbClr val="000000"/>
                   </a:solidFill>
@@ -18905,7 +19300,7 @@
             </a:ln>
             <a:extLst>
               <a:ext uri="{91240B29-F687-4f45-9708-019B960494DF}">
-                <a14:hiddenLine xmlns:p14="http://schemas.microsoft.com/office/powerpoint/2010/main" xmlns:a14="http://schemas.microsoft.com/office/drawing/2010/main" xmlns:a16="http://schemas.microsoft.com/office/drawing/2014/main" xmlns="" w="9525">
+                <a14:hiddenLine xmlns="" xmlns:a16="http://schemas.microsoft.com/office/drawing/2014/main" xmlns:a14="http://schemas.microsoft.com/office/drawing/2010/main" xmlns:p14="http://schemas.microsoft.com/office/powerpoint/2010/main" w="9525">
                   <a:solidFill>
                     <a:srgbClr val="000000"/>
                   </a:solidFill>
@@ -19010,7 +19405,7 @@
             </a:ln>
             <a:extLst>
               <a:ext uri="{91240B29-F687-4f45-9708-019B960494DF}">
-                <a14:hiddenLine xmlns:p14="http://schemas.microsoft.com/office/powerpoint/2010/main" xmlns:a14="http://schemas.microsoft.com/office/drawing/2010/main" xmlns:a16="http://schemas.microsoft.com/office/drawing/2014/main" xmlns="" w="9525">
+                <a14:hiddenLine xmlns="" xmlns:a16="http://schemas.microsoft.com/office/drawing/2014/main" xmlns:a14="http://schemas.microsoft.com/office/drawing/2010/main" xmlns:p14="http://schemas.microsoft.com/office/powerpoint/2010/main" w="9525">
                   <a:solidFill>
                     <a:srgbClr val="000000"/>
                   </a:solidFill>
@@ -19059,7 +19454,7 @@
             </a:ln>
             <a:extLst>
               <a:ext uri="{91240B29-F687-4f45-9708-019B960494DF}">
-                <a14:hiddenLine xmlns:p14="http://schemas.microsoft.com/office/powerpoint/2010/main" xmlns:a14="http://schemas.microsoft.com/office/drawing/2010/main" xmlns:a16="http://schemas.microsoft.com/office/drawing/2014/main" xmlns="" w="9525">
+                <a14:hiddenLine xmlns="" xmlns:a16="http://schemas.microsoft.com/office/drawing/2014/main" xmlns:a14="http://schemas.microsoft.com/office/drawing/2010/main" xmlns:p14="http://schemas.microsoft.com/office/powerpoint/2010/main" w="9525">
                   <a:solidFill>
                     <a:srgbClr val="000000"/>
                   </a:solidFill>
@@ -19139,7 +19534,7 @@
             </a:ln>
             <a:extLst>
               <a:ext uri="{91240B29-F687-4f45-9708-019B960494DF}">
-                <a14:hiddenLine xmlns:p14="http://schemas.microsoft.com/office/powerpoint/2010/main" xmlns:a14="http://schemas.microsoft.com/office/drawing/2010/main" xmlns:a16="http://schemas.microsoft.com/office/drawing/2014/main" xmlns="" w="9525">
+                <a14:hiddenLine xmlns="" xmlns:a16="http://schemas.microsoft.com/office/drawing/2014/main" xmlns:a14="http://schemas.microsoft.com/office/drawing/2010/main" xmlns:p14="http://schemas.microsoft.com/office/powerpoint/2010/main" w="9525">
                   <a:solidFill>
                     <a:srgbClr val="000000"/>
                   </a:solidFill>
@@ -19244,7 +19639,7 @@
             </a:ln>
             <a:extLst>
               <a:ext uri="{91240B29-F687-4f45-9708-019B960494DF}">
-                <a14:hiddenLine xmlns:p14="http://schemas.microsoft.com/office/powerpoint/2010/main" xmlns:a14="http://schemas.microsoft.com/office/drawing/2010/main" xmlns:a16="http://schemas.microsoft.com/office/drawing/2014/main" xmlns="" w="9525">
+                <a14:hiddenLine xmlns="" xmlns:a16="http://schemas.microsoft.com/office/drawing/2014/main" xmlns:a14="http://schemas.microsoft.com/office/drawing/2010/main" xmlns:p14="http://schemas.microsoft.com/office/powerpoint/2010/main" w="9525">
                   <a:solidFill>
                     <a:srgbClr val="000000"/>
                   </a:solidFill>
@@ -19321,7 +19716,7 @@
             </a:ln>
             <a:extLst>
               <a:ext uri="{91240B29-F687-4f45-9708-019B960494DF}">
-                <a14:hiddenLine xmlns:p14="http://schemas.microsoft.com/office/powerpoint/2010/main" xmlns:a14="http://schemas.microsoft.com/office/drawing/2010/main" xmlns:a16="http://schemas.microsoft.com/office/drawing/2014/main" xmlns="" w="9525">
+                <a14:hiddenLine xmlns="" xmlns:a16="http://schemas.microsoft.com/office/drawing/2014/main" xmlns:a14="http://schemas.microsoft.com/office/drawing/2010/main" xmlns:p14="http://schemas.microsoft.com/office/powerpoint/2010/main" w="9525">
                   <a:solidFill>
                     <a:srgbClr val="000000"/>
                   </a:solidFill>
@@ -19426,7 +19821,7 @@
             </a:ln>
             <a:extLst>
               <a:ext uri="{91240B29-F687-4f45-9708-019B960494DF}">
-                <a14:hiddenLine xmlns:p14="http://schemas.microsoft.com/office/powerpoint/2010/main" xmlns:a14="http://schemas.microsoft.com/office/drawing/2010/main" xmlns:a16="http://schemas.microsoft.com/office/drawing/2014/main" xmlns="" w="9525">
+                <a14:hiddenLine xmlns="" xmlns:a16="http://schemas.microsoft.com/office/drawing/2014/main" xmlns:a14="http://schemas.microsoft.com/office/drawing/2010/main" xmlns:p14="http://schemas.microsoft.com/office/powerpoint/2010/main" w="9525">
                   <a:solidFill>
                     <a:srgbClr val="000000"/>
                   </a:solidFill>
@@ -19531,7 +19926,7 @@
             </a:ln>
             <a:extLst>
               <a:ext uri="{91240B29-F687-4f45-9708-019B960494DF}">
-                <a14:hiddenLine xmlns:p14="http://schemas.microsoft.com/office/powerpoint/2010/main" xmlns:a14="http://schemas.microsoft.com/office/drawing/2010/main" xmlns:a16="http://schemas.microsoft.com/office/drawing/2014/main" xmlns="" w="9525">
+                <a14:hiddenLine xmlns="" xmlns:a16="http://schemas.microsoft.com/office/drawing/2014/main" xmlns:a14="http://schemas.microsoft.com/office/drawing/2010/main" xmlns:p14="http://schemas.microsoft.com/office/powerpoint/2010/main" w="9525">
                   <a:solidFill>
                     <a:srgbClr val="000000"/>
                   </a:solidFill>
@@ -19611,7 +20006,7 @@
             </a:ln>
             <a:extLst>
               <a:ext uri="{91240B29-F687-4f45-9708-019B960494DF}">
-                <a14:hiddenLine xmlns:p14="http://schemas.microsoft.com/office/powerpoint/2010/main" xmlns:a14="http://schemas.microsoft.com/office/drawing/2010/main" xmlns:a16="http://schemas.microsoft.com/office/drawing/2014/main" xmlns="" w="9525">
+                <a14:hiddenLine xmlns="" xmlns:a16="http://schemas.microsoft.com/office/drawing/2014/main" xmlns:a14="http://schemas.microsoft.com/office/drawing/2010/main" xmlns:p14="http://schemas.microsoft.com/office/powerpoint/2010/main" w="9525">
                   <a:solidFill>
                     <a:srgbClr val="000000"/>
                   </a:solidFill>
@@ -19688,7 +20083,7 @@
             </a:ln>
             <a:extLst>
               <a:ext uri="{91240B29-F687-4f45-9708-019B960494DF}">
-                <a14:hiddenLine xmlns:p14="http://schemas.microsoft.com/office/powerpoint/2010/main" xmlns:a14="http://schemas.microsoft.com/office/drawing/2010/main" xmlns:a16="http://schemas.microsoft.com/office/drawing/2014/main" xmlns="" w="9525">
+                <a14:hiddenLine xmlns="" xmlns:a16="http://schemas.microsoft.com/office/drawing/2014/main" xmlns:a14="http://schemas.microsoft.com/office/drawing/2010/main" xmlns:p14="http://schemas.microsoft.com/office/powerpoint/2010/main" w="9525">
                   <a:solidFill>
                     <a:srgbClr val="000000"/>
                   </a:solidFill>
@@ -19793,7 +20188,7 @@
             </a:ln>
             <a:extLst>
               <a:ext uri="{91240B29-F687-4f45-9708-019B960494DF}">
-                <a14:hiddenLine xmlns:p14="http://schemas.microsoft.com/office/powerpoint/2010/main" xmlns:a14="http://schemas.microsoft.com/office/drawing/2010/main" xmlns:a16="http://schemas.microsoft.com/office/drawing/2014/main" xmlns="" w="9525">
+                <a14:hiddenLine xmlns="" xmlns:a16="http://schemas.microsoft.com/office/drawing/2014/main" xmlns:a14="http://schemas.microsoft.com/office/drawing/2010/main" xmlns:p14="http://schemas.microsoft.com/office/powerpoint/2010/main" w="9525">
                   <a:solidFill>
                     <a:srgbClr val="000000"/>
                   </a:solidFill>
@@ -19898,7 +20293,7 @@
             </a:ln>
             <a:extLst>
               <a:ext uri="{91240B29-F687-4f45-9708-019B960494DF}">
-                <a14:hiddenLine xmlns:p14="http://schemas.microsoft.com/office/powerpoint/2010/main" xmlns:a14="http://schemas.microsoft.com/office/drawing/2010/main" xmlns:a16="http://schemas.microsoft.com/office/drawing/2014/main" xmlns="" w="9525">
+                <a14:hiddenLine xmlns="" xmlns:a16="http://schemas.microsoft.com/office/drawing/2014/main" xmlns:a14="http://schemas.microsoft.com/office/drawing/2010/main" xmlns:p14="http://schemas.microsoft.com/office/powerpoint/2010/main" w="9525">
                   <a:solidFill>
                     <a:srgbClr val="000000"/>
                   </a:solidFill>
@@ -19975,7 +20370,7 @@
             </a:ln>
             <a:extLst>
               <a:ext uri="{91240B29-F687-4f45-9708-019B960494DF}">
-                <a14:hiddenLine xmlns:p14="http://schemas.microsoft.com/office/powerpoint/2010/main" xmlns:a14="http://schemas.microsoft.com/office/drawing/2010/main" xmlns:a16="http://schemas.microsoft.com/office/drawing/2014/main" xmlns="" w="9525">
+                <a14:hiddenLine xmlns="" xmlns:a16="http://schemas.microsoft.com/office/drawing/2014/main" xmlns:a14="http://schemas.microsoft.com/office/drawing/2010/main" xmlns:p14="http://schemas.microsoft.com/office/powerpoint/2010/main" w="9525">
                   <a:solidFill>
                     <a:srgbClr val="000000"/>
                   </a:solidFill>
@@ -20110,7 +20505,7 @@
             </a:ln>
             <a:extLst>
               <a:ext uri="{91240B29-F687-4f45-9708-019B960494DF}">
-                <a14:hiddenLine xmlns:p14="http://schemas.microsoft.com/office/powerpoint/2010/main" xmlns:a14="http://schemas.microsoft.com/office/drawing/2010/main" xmlns:a16="http://schemas.microsoft.com/office/drawing/2014/main" xmlns="" w="9525">
+                <a14:hiddenLine xmlns="" xmlns:a16="http://schemas.microsoft.com/office/drawing/2014/main" xmlns:a14="http://schemas.microsoft.com/office/drawing/2010/main" xmlns:p14="http://schemas.microsoft.com/office/powerpoint/2010/main" w="9525">
                   <a:solidFill>
                     <a:srgbClr val="000000"/>
                   </a:solidFill>
@@ -20193,7 +20588,7 @@
             </a:ln>
             <a:extLst>
               <a:ext uri="{91240B29-F687-4f45-9708-019B960494DF}">
-                <a14:hiddenLine xmlns:p14="http://schemas.microsoft.com/office/powerpoint/2010/main" xmlns:a14="http://schemas.microsoft.com/office/drawing/2010/main" xmlns:a16="http://schemas.microsoft.com/office/drawing/2014/main" xmlns="" w="9525">
+                <a14:hiddenLine xmlns="" xmlns:a16="http://schemas.microsoft.com/office/drawing/2014/main" xmlns:a14="http://schemas.microsoft.com/office/drawing/2010/main" xmlns:p14="http://schemas.microsoft.com/office/powerpoint/2010/main" w="9525">
                   <a:solidFill>
                     <a:srgbClr val="000000"/>
                   </a:solidFill>
@@ -20298,7 +20693,7 @@
             </a:ln>
             <a:extLst>
               <a:ext uri="{91240B29-F687-4f45-9708-019B960494DF}">
-                <a14:hiddenLine xmlns:p14="http://schemas.microsoft.com/office/powerpoint/2010/main" xmlns:a14="http://schemas.microsoft.com/office/drawing/2010/main" xmlns:a16="http://schemas.microsoft.com/office/drawing/2014/main" xmlns="" w="9525">
+                <a14:hiddenLine xmlns="" xmlns:a16="http://schemas.microsoft.com/office/drawing/2014/main" xmlns:a14="http://schemas.microsoft.com/office/drawing/2010/main" xmlns:p14="http://schemas.microsoft.com/office/powerpoint/2010/main" w="9525">
                   <a:solidFill>
                     <a:srgbClr val="000000"/>
                   </a:solidFill>
